--- a/Final Project_Group 3.pptx
+++ b/Final Project_Group 3.pptx
@@ -3667,6 +3667,46 @@
           <a:chExt cx="0" cy="0"/>
         </a:xfrm>
       </p:grpSpPr>
+      <p:sp>
+        <p:nvSpPr>
+          <p:cNvPr id="2590" name="AutoShape 542"/>
+          <p:cNvSpPr>
+            <a:spLocks noChangeArrowheads="1"/>
+          </p:cNvSpPr>
+          <p:nvPr/>
+        </p:nvSpPr>
+        <p:spPr bwMode="auto">
+          <a:xfrm>
+            <a:off x="10091738" y="3317181"/>
+            <a:ext cx="11142960" cy="13320613"/>
+          </a:xfrm>
+          <a:prstGeom prst="roundRect">
+            <a:avLst>
+              <a:gd name="adj" fmla="val 3856"/>
+            </a:avLst>
+          </a:prstGeom>
+          <a:solidFill>
+            <a:schemeClr val="bg1"/>
+          </a:solidFill>
+          <a:ln w="12700">
+            <a:solidFill>
+              <a:schemeClr val="bg1"/>
+            </a:solidFill>
+            <a:round/>
+            <a:headEnd/>
+            <a:tailEnd/>
+          </a:ln>
+          <a:effectLst/>
+        </p:spPr>
+        <p:txBody>
+          <a:bodyPr wrap="none" lIns="44811" tIns="22404" rIns="44811" bIns="22404" anchor="ctr"/>
+          <a:lstStyle/>
+          <a:p>
+            <a:pPr defTabSz="538147"/>
+            <a:endParaRPr lang="en-US" dirty="0"/>
+          </a:p>
+        </p:txBody>
+      </p:sp>
       <p:pic>
         <p:nvPicPr>
           <p:cNvPr id="151" name="Picture 150" descr="back.jpg"/>
@@ -3694,44 +3734,6 @@
       </p:pic>
       <p:sp>
         <p:nvSpPr>
-          <p:cNvPr id="2338" name="AutoShape 290"/>
-          <p:cNvSpPr>
-            <a:spLocks noChangeArrowheads="1"/>
-          </p:cNvSpPr>
-          <p:nvPr/>
-        </p:nvSpPr>
-        <p:spPr bwMode="auto">
-          <a:xfrm>
-            <a:off x="10184606" y="3226594"/>
-            <a:ext cx="11142960" cy="7921625"/>
-          </a:xfrm>
-          <a:prstGeom prst="roundRect">
-            <a:avLst>
-              <a:gd name="adj" fmla="val 4743"/>
-            </a:avLst>
-          </a:prstGeom>
-          <a:solidFill>
-            <a:schemeClr val="bg1"/>
-          </a:solidFill>
-          <a:ln w="9525">
-            <a:noFill/>
-            <a:round/>
-            <a:headEnd/>
-            <a:tailEnd/>
-          </a:ln>
-          <a:effectLst/>
-        </p:spPr>
-        <p:txBody>
-          <a:bodyPr wrap="none" lIns="44811" tIns="22404" rIns="44811" bIns="22404" anchor="ctr"/>
-          <a:lstStyle/>
-          <a:p>
-            <a:pPr defTabSz="538147"/>
-            <a:endParaRPr lang="en-US" dirty="0"/>
-          </a:p>
-        </p:txBody>
-      </p:sp>
-      <p:sp>
-        <p:nvSpPr>
           <p:cNvPr id="2072" name="Text Box 24"/>
           <p:cNvSpPr txBox="1">
             <a:spLocks noChangeArrowheads="1"/>
@@ -3774,7 +3776,17 @@
                 <a:latin typeface="Arial" pitchFamily="34" charset="0"/>
                 <a:cs typeface="Arial" pitchFamily="34" charset="0"/>
               </a:rPr>
-              <a:t>DOM-Base XSS Filter</a:t>
+              <a:t>DOM-based </a:t>
+            </a:r>
+            <a:r>
+              <a:rPr lang="en-US" sz="6600" baseline="0" dirty="0" smtClean="0">
+                <a:solidFill>
+                  <a:schemeClr val="bg1"/>
+                </a:solidFill>
+                <a:latin typeface="Arial" pitchFamily="34" charset="0"/>
+                <a:cs typeface="Arial" pitchFamily="34" charset="0"/>
+              </a:rPr>
+              <a:t>XSS Filter</a:t>
             </a:r>
           </a:p>
         </p:txBody>
@@ -3827,7 +3839,7 @@
             </a:r>
           </a:p>
           <a:p>
-            <a:pPr marL="269074" indent="-269074" algn="just" defTabSz="538147">
+            <a:pPr algn="just" defTabSz="538147">
               <a:spcBef>
                 <a:spcPct val="50000"/>
               </a:spcBef>
@@ -3840,15 +3852,8 @@
                 <a:latin typeface="Arial" charset="0"/>
                 <a:ea typeface="宋体" pitchFamily="2" charset="-122"/>
               </a:rPr>
-              <a:t>Intercepting and handling effectively without</a:t>
-            </a:r>
-          </a:p>
-          <a:p>
-            <a:pPr marL="269074" indent="-269074" algn="just" defTabSz="538147">
-              <a:spcBef>
-                <a:spcPct val="50000"/>
-              </a:spcBef>
-            </a:pPr>
+              <a:t>Intercept </a:t>
+            </a:r>
             <a:r>
               <a:rPr lang="en-GB" altLang="zh-CN" sz="3000" b="1" baseline="0" dirty="0" smtClean="0">
                 <a:solidFill>
@@ -3857,7 +3862,27 @@
                 <a:latin typeface="Arial" charset="0"/>
                 <a:ea typeface="宋体" pitchFamily="2" charset="-122"/>
               </a:rPr>
-              <a:t>making effect on user experience.</a:t>
+              <a:t>and </a:t>
+            </a:r>
+            <a:r>
+              <a:rPr lang="en-GB" altLang="zh-CN" sz="3000" b="1" baseline="0" dirty="0" smtClean="0">
+                <a:solidFill>
+                  <a:srgbClr val="006699"/>
+                </a:solidFill>
+                <a:latin typeface="Arial" charset="0"/>
+                <a:ea typeface="宋体" pitchFamily="2" charset="-122"/>
+              </a:rPr>
+              <a:t>handle potential vulnerability with minimal impact on </a:t>
+            </a:r>
+            <a:r>
+              <a:rPr lang="en-GB" altLang="zh-CN" sz="3000" b="1" baseline="0" dirty="0" smtClean="0">
+                <a:solidFill>
+                  <a:srgbClr val="006699"/>
+                </a:solidFill>
+                <a:latin typeface="Arial" charset="0"/>
+                <a:ea typeface="宋体" pitchFamily="2" charset="-122"/>
+              </a:rPr>
+              <a:t>user experience.</a:t>
             </a:r>
           </a:p>
           <a:p>
@@ -3876,7 +3901,27 @@
                 <a:latin typeface="Arial" charset="0"/>
                 <a:ea typeface="宋体" pitchFamily="2" charset="-122"/>
               </a:rPr>
-              <a:t> Efficiency: No significant overhead</a:t>
+              <a:t> </a:t>
+            </a:r>
+            <a:r>
+              <a:rPr lang="en-GB" altLang="zh-CN" sz="3000" b="1" baseline="0" dirty="0" smtClean="0">
+                <a:solidFill>
+                  <a:srgbClr val="C00000"/>
+                </a:solidFill>
+                <a:latin typeface="Arial" charset="0"/>
+                <a:ea typeface="宋体" pitchFamily="2" charset="-122"/>
+              </a:rPr>
+              <a:t>Efficiency</a:t>
+            </a:r>
+            <a:r>
+              <a:rPr lang="en-GB" altLang="zh-CN" sz="3000" b="1" baseline="0" dirty="0" smtClean="0">
+                <a:solidFill>
+                  <a:srgbClr val="006699"/>
+                </a:solidFill>
+                <a:latin typeface="Arial" charset="0"/>
+                <a:ea typeface="宋体" pitchFamily="2" charset="-122"/>
+              </a:rPr>
+              <a:t>: No significant overhead</a:t>
             </a:r>
           </a:p>
           <a:p>
@@ -3900,12 +3945,22 @@
             <a:r>
               <a:rPr lang="en-AU" altLang="zh-CN" sz="3000" b="1" baseline="0" dirty="0" smtClean="0">
                 <a:solidFill>
-                  <a:srgbClr val="006699"/>
-                </a:solidFill>
-                <a:latin typeface="Arial" charset="0"/>
-                <a:ea typeface="宋体" pitchFamily="2" charset="-122"/>
-              </a:rPr>
-              <a:t>Flexibility: Ease to maintain</a:t>
+                  <a:srgbClr val="FFC000"/>
+                </a:solidFill>
+                <a:latin typeface="Arial" charset="0"/>
+                <a:ea typeface="宋体" pitchFamily="2" charset="-122"/>
+              </a:rPr>
+              <a:t>Flexibility</a:t>
+            </a:r>
+            <a:r>
+              <a:rPr lang="en-AU" altLang="zh-CN" sz="3000" b="1" baseline="0" dirty="0" smtClean="0">
+                <a:solidFill>
+                  <a:srgbClr val="006699"/>
+                </a:solidFill>
+                <a:latin typeface="Arial" charset="0"/>
+                <a:ea typeface="宋体" pitchFamily="2" charset="-122"/>
+              </a:rPr>
+              <a:t>: Ease to maintain</a:t>
             </a:r>
           </a:p>
           <a:p>
@@ -3924,8 +3979,35 @@
                 <a:latin typeface="Arial" charset="0"/>
                 <a:ea typeface="宋体" pitchFamily="2" charset="-122"/>
               </a:rPr>
-              <a:t> Compatibility: Without serious effect</a:t>
-            </a:r>
+              <a:t> </a:t>
+            </a:r>
+            <a:r>
+              <a:rPr lang="en-AU" altLang="zh-CN" sz="3000" b="1" baseline="0" dirty="0" smtClean="0">
+                <a:solidFill>
+                  <a:srgbClr val="00B050"/>
+                </a:solidFill>
+                <a:latin typeface="Arial" charset="0"/>
+                <a:ea typeface="宋体" pitchFamily="2" charset="-122"/>
+              </a:rPr>
+              <a:t>Compatibility</a:t>
+            </a:r>
+            <a:r>
+              <a:rPr lang="en-AU" altLang="zh-CN" sz="3000" b="1" baseline="0" dirty="0" smtClean="0">
+                <a:solidFill>
+                  <a:srgbClr val="006699"/>
+                </a:solidFill>
+                <a:latin typeface="Arial" charset="0"/>
+                <a:ea typeface="宋体" pitchFamily="2" charset="-122"/>
+              </a:rPr>
+              <a:t>: Compatible with most websites</a:t>
+            </a:r>
+            <a:endParaRPr lang="en-AU" altLang="zh-CN" sz="3000" b="1" baseline="0" dirty="0" smtClean="0">
+              <a:solidFill>
+                <a:srgbClr val="006699"/>
+              </a:solidFill>
+              <a:latin typeface="Arial" charset="0"/>
+              <a:ea typeface="宋体" pitchFamily="2" charset="-122"/>
+            </a:endParaRPr>
           </a:p>
           <a:p>
             <a:pPr marL="269074" indent="-269074" algn="just" defTabSz="538147">
@@ -3943,7 +4025,27 @@
                 <a:latin typeface="Arial" charset="0"/>
                 <a:ea typeface="宋体" pitchFamily="2" charset="-122"/>
               </a:rPr>
-              <a:t> Applicability: The new from others</a:t>
+              <a:t> </a:t>
+            </a:r>
+            <a:r>
+              <a:rPr lang="en-AU" altLang="zh-CN" sz="3000" b="1" baseline="0" dirty="0" smtClean="0">
+                <a:solidFill>
+                  <a:srgbClr val="FF0000"/>
+                </a:solidFill>
+                <a:latin typeface="Arial" charset="0"/>
+                <a:ea typeface="宋体" pitchFamily="2" charset="-122"/>
+              </a:rPr>
+              <a:t>Effectiveness</a:t>
+            </a:r>
+            <a:r>
+              <a:rPr lang="en-AU" altLang="zh-CN" sz="3000" b="1" baseline="0" dirty="0" smtClean="0">
+                <a:solidFill>
+                  <a:srgbClr val="006699"/>
+                </a:solidFill>
+                <a:latin typeface="Arial" charset="0"/>
+                <a:ea typeface="宋体" pitchFamily="2" charset="-122"/>
+              </a:rPr>
+              <a:t>: Protection from DOM-based XSS</a:t>
             </a:r>
             <a:endParaRPr lang="en-GB" altLang="zh-CN" sz="3000" b="1" baseline="0" dirty="0" smtClean="0">
               <a:solidFill>
@@ -4027,17 +4129,7 @@
                 <a:latin typeface="Arial" charset="0"/>
                 <a:ea typeface="宋体" pitchFamily="2" charset="-122"/>
               </a:rPr>
-              <a:t>Future </a:t>
-            </a:r>
-            <a:r>
-              <a:rPr lang="en-GB" altLang="zh-CN" sz="3000" b="1" baseline="0" dirty="0" smtClean="0">
-                <a:solidFill>
-                  <a:srgbClr val="006699"/>
-                </a:solidFill>
-                <a:latin typeface="Arial" charset="0"/>
-                <a:ea typeface="宋体" pitchFamily="2" charset="-122"/>
-              </a:rPr>
-              <a:t>Work</a:t>
+              <a:t>Future Work</a:t>
             </a:r>
           </a:p>
         </p:txBody>
@@ -4097,7 +4189,7 @@
               <a:t>Heryandi</a:t>
             </a:r>
             <a:r>
-              <a:rPr lang="zh-CN" altLang="en-US" sz="3600" baseline="0" dirty="0" smtClean="0">
+              <a:rPr lang="en-US" altLang="zh-CN" sz="3600" baseline="0" dirty="0" smtClean="0">
                 <a:solidFill>
                   <a:schemeClr val="bg1"/>
                 </a:solidFill>
@@ -4109,10 +4201,10 @@
                 <a:latin typeface="Arial" charset="0"/>
                 <a:ea typeface="宋体" pitchFamily="2" charset="-122"/>
               </a:rPr>
-              <a:t> </a:t>
-            </a:r>
-            <a:r>
-              <a:rPr lang="en-US" altLang="zh-CN" sz="3600" baseline="0" dirty="0" smtClean="0">
+              <a:t>,</a:t>
+            </a:r>
+            <a:r>
+              <a:rPr lang="zh-CN" altLang="en-US" sz="3600" baseline="0" dirty="0" smtClean="0">
                 <a:solidFill>
                   <a:schemeClr val="bg1"/>
                 </a:solidFill>
@@ -4124,10 +4216,10 @@
                 <a:latin typeface="Arial" charset="0"/>
                 <a:ea typeface="宋体" pitchFamily="2" charset="-122"/>
               </a:rPr>
-              <a:t>Lu </a:t>
-            </a:r>
-            <a:r>
-              <a:rPr lang="en-US" altLang="zh-CN" sz="3600" baseline="0" dirty="0" err="1" smtClean="0">
+              <a:t> </a:t>
+            </a:r>
+            <a:r>
+              <a:rPr lang="en-US" altLang="zh-CN" sz="3600" baseline="0" dirty="0" smtClean="0">
                 <a:solidFill>
                   <a:schemeClr val="bg1"/>
                 </a:solidFill>
@@ -4139,10 +4231,10 @@
                 <a:latin typeface="Arial" charset="0"/>
                 <a:ea typeface="宋体" pitchFamily="2" charset="-122"/>
               </a:rPr>
-              <a:t>Fangjian</a:t>
-            </a:r>
-            <a:r>
-              <a:rPr lang="zh-CN" altLang="en-US" sz="3600" baseline="0" dirty="0" smtClean="0">
+              <a:t>Lu </a:t>
+            </a:r>
+            <a:r>
+              <a:rPr lang="en-US" altLang="zh-CN" sz="3600" baseline="0" dirty="0" err="1" smtClean="0">
                 <a:solidFill>
                   <a:schemeClr val="bg1"/>
                 </a:solidFill>
@@ -4154,7 +4246,7 @@
                 <a:latin typeface="Arial" charset="0"/>
                 <a:ea typeface="宋体" pitchFamily="2" charset="-122"/>
               </a:rPr>
-              <a:t> </a:t>
+              <a:t>Fangjian</a:t>
             </a:r>
             <a:r>
               <a:rPr lang="en-US" altLang="zh-CN" sz="3600" baseline="0" dirty="0" smtClean="0">
@@ -4169,10 +4261,10 @@
                 <a:latin typeface="Arial" charset="0"/>
                 <a:ea typeface="宋体" pitchFamily="2" charset="-122"/>
               </a:rPr>
-              <a:t>Yang </a:t>
-            </a:r>
-            <a:r>
-              <a:rPr lang="en-US" altLang="zh-CN" sz="3600" baseline="0" dirty="0" err="1" smtClean="0">
+              <a:t>,</a:t>
+            </a:r>
+            <a:r>
+              <a:rPr lang="zh-CN" altLang="en-US" sz="3600" baseline="0" dirty="0" smtClean="0">
                 <a:solidFill>
                   <a:schemeClr val="bg1"/>
                 </a:solidFill>
@@ -4184,7 +4276,52 @@
                 <a:latin typeface="Arial" charset="0"/>
                 <a:ea typeface="宋体" pitchFamily="2" charset="-122"/>
               </a:rPr>
+              <a:t> </a:t>
+            </a:r>
+            <a:r>
+              <a:rPr lang="en-US" altLang="zh-CN" sz="3600" baseline="0" dirty="0" smtClean="0">
+                <a:solidFill>
+                  <a:schemeClr val="bg1"/>
+                </a:solidFill>
+                <a:effectLst>
+                  <a:outerShdw blurRad="38100" dist="38100" dir="2700000" algn="tl">
+                    <a:srgbClr val="000000"/>
+                  </a:outerShdw>
+                </a:effectLst>
+                <a:latin typeface="Arial" charset="0"/>
+                <a:ea typeface="宋体" pitchFamily="2" charset="-122"/>
+              </a:rPr>
+              <a:t>Yang </a:t>
+            </a:r>
+            <a:r>
+              <a:rPr lang="en-US" altLang="zh-CN" sz="3600" baseline="0" dirty="0" err="1" smtClean="0">
+                <a:solidFill>
+                  <a:schemeClr val="bg1"/>
+                </a:solidFill>
+                <a:effectLst>
+                  <a:outerShdw blurRad="38100" dist="38100" dir="2700000" algn="tl">
+                    <a:srgbClr val="000000"/>
+                  </a:outerShdw>
+                </a:effectLst>
+                <a:latin typeface="Arial" charset="0"/>
+                <a:ea typeface="宋体" pitchFamily="2" charset="-122"/>
+              </a:rPr>
               <a:t>Yuhang</a:t>
+            </a:r>
+            <a:r>
+              <a:rPr lang="en-US" altLang="zh-CN" sz="3600" baseline="0" dirty="0" smtClean="0">
+                <a:solidFill>
+                  <a:schemeClr val="bg1"/>
+                </a:solidFill>
+                <a:effectLst>
+                  <a:outerShdw blurRad="38100" dist="38100" dir="2700000" algn="tl">
+                    <a:srgbClr val="000000"/>
+                  </a:outerShdw>
+                </a:effectLst>
+                <a:latin typeface="Arial" charset="0"/>
+                <a:ea typeface="宋体" pitchFamily="2" charset="-122"/>
+              </a:rPr>
+              <a:t>,</a:t>
             </a:r>
             <a:r>
               <a:rPr lang="zh-CN" altLang="en-US" sz="3600" baseline="0" dirty="0" smtClean="0">
@@ -4302,7 +4439,7 @@
           <a:bodyPr lIns="268860" tIns="161316" rIns="268860" bIns="268860"/>
           <a:lstStyle/>
           <a:p>
-            <a:pPr marL="230635" indent="-230635" algn="just" defTabSz="538147">
+            <a:pPr marL="230635" indent="-230635" algn="l" defTabSz="538147">
               <a:spcBef>
                 <a:spcPct val="50000"/>
               </a:spcBef>
@@ -4315,21 +4452,48 @@
                 <a:latin typeface="Arial" charset="0"/>
                 <a:ea typeface="宋体" pitchFamily="2" charset="-122"/>
               </a:rPr>
-              <a:t>DOM-Base XSS is </a:t>
+              <a:t>DOM-based </a:t>
             </a:r>
             <a:r>
               <a:rPr lang="en-AU" altLang="zh-CN" sz="3000" b="1" baseline="0" dirty="0" smtClean="0">
                 <a:solidFill>
+                  <a:srgbClr val="006699"/>
+                </a:solidFill>
+                <a:latin typeface="Arial" charset="0"/>
+                <a:ea typeface="宋体" pitchFamily="2" charset="-122"/>
+              </a:rPr>
+              <a:t>XSS is </a:t>
+            </a:r>
+            <a:r>
+              <a:rPr lang="en-AU" altLang="zh-CN" sz="3000" b="1" baseline="0" dirty="0" smtClean="0">
+                <a:solidFill>
                   <a:srgbClr val="FFC000"/>
                 </a:solidFill>
                 <a:latin typeface="Arial" charset="0"/>
                 <a:ea typeface="宋体" pitchFamily="2" charset="-122"/>
               </a:rPr>
-              <a:t>different from </a:t>
-            </a:r>
-          </a:p>
-          <a:p>
-            <a:pPr marL="230635" indent="-230635" algn="just" defTabSz="538147">
+              <a:t>different </a:t>
+            </a:r>
+            <a:r>
+              <a:rPr lang="en-AU" altLang="zh-CN" sz="3000" b="1" baseline="0" dirty="0" smtClean="0">
+                <a:solidFill>
+                  <a:srgbClr val="006699"/>
+                </a:solidFill>
+                <a:latin typeface="Arial" charset="0"/>
+                <a:ea typeface="宋体" pitchFamily="2" charset="-122"/>
+              </a:rPr>
+              <a:t>from </a:t>
+            </a:r>
+            <a:endParaRPr lang="en-AU" altLang="zh-CN" sz="3000" b="1" baseline="0" dirty="0">
+              <a:solidFill>
+                <a:srgbClr val="006699"/>
+              </a:solidFill>
+              <a:latin typeface="Arial" charset="0"/>
+              <a:ea typeface="宋体" pitchFamily="2" charset="-122"/>
+            </a:endParaRPr>
+          </a:p>
+          <a:p>
+            <a:pPr marL="230635" indent="-230635" algn="l" defTabSz="538147">
               <a:spcBef>
                 <a:spcPct val="50000"/>
               </a:spcBef>
@@ -4337,22 +4501,12 @@
             <a:r>
               <a:rPr lang="en-AU" altLang="zh-CN" sz="3000" b="1" baseline="0" dirty="0" smtClean="0">
                 <a:solidFill>
-                  <a:srgbClr val="FFC000"/>
-                </a:solidFill>
-                <a:latin typeface="Arial" charset="0"/>
-                <a:ea typeface="宋体" pitchFamily="2" charset="-122"/>
-              </a:rPr>
-              <a:t>            </a:t>
-            </a:r>
-            <a:r>
-              <a:rPr lang="en-AU" altLang="zh-CN" sz="3000" b="1" baseline="0" dirty="0" smtClean="0">
-                <a:solidFill>
-                  <a:srgbClr val="006699"/>
-                </a:solidFill>
-                <a:latin typeface="Arial" charset="0"/>
-                <a:ea typeface="宋体" pitchFamily="2" charset="-122"/>
-              </a:rPr>
-              <a:t>stored XSS and reflected XSS</a:t>
+                  <a:srgbClr val="006699"/>
+                </a:solidFill>
+                <a:latin typeface="Arial" charset="0"/>
+                <a:ea typeface="宋体" pitchFamily="2" charset="-122"/>
+              </a:rPr>
+              <a:t>              stored XSS and reflected XSS</a:t>
             </a:r>
           </a:p>
           <a:p>
@@ -4412,37 +4566,83 @@
             </a:endParaRPr>
           </a:p>
           <a:p>
+            <a:pPr algn="just" defTabSz="538147">
+              <a:spcBef>
+                <a:spcPct val="50000"/>
+              </a:spcBef>
+            </a:pPr>
+            <a:r>
+              <a:rPr lang="en-US" altLang="zh-CN" sz="3000" b="1" baseline="0" dirty="0" smtClean="0">
+                <a:solidFill>
+                  <a:srgbClr val="FFC000"/>
+                </a:solidFill>
+                <a:latin typeface="Arial" charset="0"/>
+                <a:ea typeface="宋体" pitchFamily="2" charset="-122"/>
+              </a:rPr>
+              <a:t/>
+            </a:r>
+            <a:br>
+              <a:rPr lang="en-US" altLang="zh-CN" sz="3000" b="1" baseline="0" dirty="0" smtClean="0">
+                <a:solidFill>
+                  <a:srgbClr val="FFC000"/>
+                </a:solidFill>
+                <a:latin typeface="Arial" charset="0"/>
+                <a:ea typeface="宋体" pitchFamily="2" charset="-122"/>
+              </a:rPr>
+            </a:br>
+            <a:r>
+              <a:rPr lang="en-US" altLang="zh-CN" sz="3000" b="1" baseline="0" dirty="0" smtClean="0">
+                <a:solidFill>
+                  <a:srgbClr val="FFC000"/>
+                </a:solidFill>
+                <a:latin typeface="Arial" charset="0"/>
+                <a:ea typeface="宋体" pitchFamily="2" charset="-122"/>
+              </a:rPr>
+              <a:t>Attack is executed entirely </a:t>
+            </a:r>
+            <a:r>
+              <a:rPr lang="en-US" altLang="zh-CN" sz="3000" b="1" baseline="0" dirty="0" smtClean="0">
+                <a:solidFill>
+                  <a:srgbClr val="FFC000"/>
+                </a:solidFill>
+                <a:latin typeface="Arial" charset="0"/>
+                <a:ea typeface="宋体" pitchFamily="2" charset="-122"/>
+              </a:rPr>
+              <a:t>within the </a:t>
+            </a:r>
+            <a:r>
+              <a:rPr lang="en-US" altLang="zh-CN" sz="3000" b="1" baseline="0" dirty="0" smtClean="0">
+                <a:solidFill>
+                  <a:srgbClr val="FFC000"/>
+                </a:solidFill>
+                <a:latin typeface="Arial" charset="0"/>
+                <a:ea typeface="宋体" pitchFamily="2" charset="-122"/>
+              </a:rPr>
+              <a:t>browser!</a:t>
+            </a:r>
+            <a:endParaRPr lang="en-AU" altLang="zh-CN" sz="3000" b="1" baseline="0" dirty="0" smtClean="0">
+              <a:solidFill>
+                <a:srgbClr val="FFC000"/>
+              </a:solidFill>
+              <a:latin typeface="Arial" charset="0"/>
+              <a:ea typeface="宋体" pitchFamily="2" charset="-122"/>
+            </a:endParaRPr>
+          </a:p>
+          <a:p>
             <a:pPr marL="230635" indent="-230635" algn="just" defTabSz="538147">
               <a:spcBef>
                 <a:spcPct val="50000"/>
               </a:spcBef>
             </a:pPr>
             <a:r>
-              <a:rPr lang="en-US" altLang="zh-CN" sz="3000" b="1" baseline="0" dirty="0" smtClean="0">
+              <a:rPr lang="en-AU" altLang="zh-CN" sz="3000" b="1" baseline="0" dirty="0" smtClean="0">
                 <a:solidFill>
                   <a:srgbClr val="FFC000"/>
                 </a:solidFill>
                 <a:latin typeface="Arial" charset="0"/>
                 <a:ea typeface="宋体" pitchFamily="2" charset="-122"/>
               </a:rPr>
-              <a:t> Attack entirely within the browser as depending</a:t>
-            </a:r>
-          </a:p>
-          <a:p>
-            <a:pPr marL="230635" indent="-230635" algn="just" defTabSz="538147">
-              <a:spcBef>
-                <a:spcPct val="50000"/>
-              </a:spcBef>
-            </a:pPr>
-            <a:r>
-              <a:rPr lang="en-US" altLang="zh-CN" sz="3000" b="1" baseline="0" dirty="0" smtClean="0">
-                <a:solidFill>
-                  <a:srgbClr val="FFC000"/>
-                </a:solidFill>
-                <a:latin typeface="Arial" charset="0"/>
-                <a:ea typeface="宋体" pitchFamily="2" charset="-122"/>
-              </a:rPr>
-              <a:t> on server response.</a:t>
+              <a:t>                             Page makes use of unsafe input!</a:t>
             </a:r>
             <a:endParaRPr lang="en-AU" altLang="zh-CN" sz="3000" b="1" baseline="0" dirty="0" smtClean="0">
               <a:solidFill>
@@ -4466,20 +4666,6 @@
               <a:ea typeface="宋体" pitchFamily="2" charset="-122"/>
             </a:endParaRPr>
           </a:p>
-          <a:p>
-            <a:pPr marL="230635" indent="-230635" algn="just" defTabSz="538147">
-              <a:spcBef>
-                <a:spcPct val="50000"/>
-              </a:spcBef>
-            </a:pPr>
-            <a:endParaRPr lang="en-AU" altLang="zh-CN" sz="3000" b="1" baseline="0" dirty="0" smtClean="0">
-              <a:solidFill>
-                <a:srgbClr val="006699"/>
-              </a:solidFill>
-              <a:latin typeface="Arial" charset="0"/>
-              <a:ea typeface="宋体" pitchFamily="2" charset="-122"/>
-            </a:endParaRPr>
-          </a:p>
         </p:txBody>
       </p:sp>
       <p:sp>
@@ -4492,8 +4678,8 @@
         </p:nvSpPr>
         <p:spPr bwMode="auto">
           <a:xfrm>
-            <a:off x="21462206" y="9932194"/>
-            <a:ext cx="8409781" cy="8839200"/>
+            <a:off x="21462206" y="12675394"/>
+            <a:ext cx="8409781" cy="6016675"/>
           </a:xfrm>
           <a:prstGeom prst="rect">
             <a:avLst/>
@@ -4528,13 +4714,6 @@
               </a:rPr>
               <a:t>Evaluation</a:t>
             </a:r>
-            <a:endParaRPr lang="en-GB" altLang="zh-CN" sz="3000" b="1" baseline="0" dirty="0" smtClean="0">
-              <a:solidFill>
-                <a:srgbClr val="006699"/>
-              </a:solidFill>
-              <a:latin typeface="Arial" charset="0"/>
-              <a:ea typeface="宋体" pitchFamily="2" charset="-122"/>
-            </a:endParaRPr>
           </a:p>
           <a:p>
             <a:pPr marL="269074" indent="-269074" algn="l" defTabSz="538147">
@@ -4547,12 +4726,12 @@
             <a:r>
               <a:rPr lang="en-GB" altLang="zh-CN" sz="3000" b="1" baseline="0" dirty="0" smtClean="0">
                 <a:solidFill>
-                  <a:srgbClr val="006699"/>
-                </a:solidFill>
-                <a:latin typeface="Arial" charset="0"/>
-                <a:ea typeface="宋体" pitchFamily="2" charset="-122"/>
-              </a:rPr>
-              <a:t> </a:t>
+                  <a:srgbClr val="C00000"/>
+                </a:solidFill>
+                <a:latin typeface="Arial" charset="0"/>
+                <a:ea typeface="宋体" pitchFamily="2" charset="-122"/>
+              </a:rPr>
+              <a:t>Efficiency</a:t>
             </a:r>
             <a:r>
               <a:rPr lang="en-GB" altLang="zh-CN" sz="3000" b="1" baseline="0" dirty="0" smtClean="0">
@@ -4562,172 +4741,36 @@
                 <a:latin typeface="Arial" charset="0"/>
                 <a:ea typeface="宋体" pitchFamily="2" charset="-122"/>
               </a:rPr>
-              <a:t>Effectiveness</a:t>
-            </a:r>
-            <a:endParaRPr lang="en-GB" altLang="zh-CN" sz="3000" b="1" baseline="0" dirty="0" smtClean="0">
-              <a:solidFill>
-                <a:srgbClr val="006699"/>
-              </a:solidFill>
-              <a:latin typeface="Arial" charset="0"/>
-              <a:ea typeface="宋体" pitchFamily="2" charset="-122"/>
-            </a:endParaRPr>
+              <a:t>: 1.5 page of un-minified code</a:t>
+            </a:r>
           </a:p>
           <a:p>
             <a:pPr marL="269074" indent="-269074" algn="l" defTabSz="538147">
               <a:spcBef>
                 <a:spcPct val="50000"/>
               </a:spcBef>
+              <a:buFont typeface="Wingdings" pitchFamily="2" charset="2"/>
+              <a:buChar char="§"/>
             </a:pPr>
             <a:r>
-              <a:rPr lang="en-GB" altLang="zh-CN" sz="1600" b="1" baseline="0" dirty="0" smtClean="0">
-                <a:solidFill>
-                  <a:srgbClr val="006699"/>
-                </a:solidFill>
-                <a:latin typeface="Arial" charset="0"/>
-                <a:ea typeface="宋体" pitchFamily="2" charset="-122"/>
-              </a:rPr>
-              <a:t>	/</a:t>
-            </a:r>
-            <a:r>
-              <a:rPr lang="en-GB" altLang="zh-CN" sz="1600" b="1" baseline="0" dirty="0" err="1" smtClean="0">
-                <a:solidFill>
-                  <a:srgbClr val="006699"/>
-                </a:solidFill>
-                <a:latin typeface="Arial" charset="0"/>
-                <a:ea typeface="宋体" pitchFamily="2" charset="-122"/>
-              </a:rPr>
-              <a:t>cs#default</a:t>
-            </a:r>
-            <a:r>
-              <a:rPr lang="en-GB" altLang="zh-CN" sz="1600" b="1" baseline="0" dirty="0" smtClean="0">
-                <a:solidFill>
-                  <a:srgbClr val="006699"/>
-                </a:solidFill>
-                <a:latin typeface="Arial" charset="0"/>
-                <a:ea typeface="宋体" pitchFamily="2" charset="-122"/>
-              </a:rPr>
-              <a:t>=&lt;script&gt;alert(document.location)&lt;/script&gt;</a:t>
-            </a:r>
-          </a:p>
-          <a:p>
-            <a:pPr marL="269074" indent="-269074" algn="l" defTabSz="538147">
-              <a:spcBef>
-                <a:spcPct val="50000"/>
-              </a:spcBef>
-            </a:pPr>
-            <a:r>
-              <a:rPr lang="en-GB" altLang="zh-CN" sz="1600" b="1" baseline="0" dirty="0" smtClean="0">
-                <a:solidFill>
-                  <a:srgbClr val="006699"/>
-                </a:solidFill>
-                <a:latin typeface="Arial" charset="0"/>
-                <a:ea typeface="宋体" pitchFamily="2" charset="-122"/>
-              </a:rPr>
-              <a:t>	/</a:t>
-            </a:r>
-            <a:r>
-              <a:rPr lang="en-GB" altLang="zh-CN" sz="1600" b="1" baseline="0" dirty="0" err="1" smtClean="0">
-                <a:solidFill>
-                  <a:srgbClr val="006699"/>
-                </a:solidFill>
-                <a:latin typeface="Arial" charset="0"/>
-                <a:ea typeface="宋体" pitchFamily="2" charset="-122"/>
-              </a:rPr>
-              <a:t>cs?default</a:t>
-            </a:r>
-            <a:r>
-              <a:rPr lang="en-GB" altLang="zh-CN" sz="1600" b="1" baseline="0" dirty="0" smtClean="0">
-                <a:solidFill>
-                  <a:srgbClr val="006699"/>
-                </a:solidFill>
-                <a:latin typeface="Arial" charset="0"/>
-                <a:ea typeface="宋体" pitchFamily="2" charset="-122"/>
-              </a:rPr>
-              <a:t>=&lt;script&gt;alert(document.location)&lt;/script&gt;</a:t>
-            </a:r>
-          </a:p>
-          <a:p>
-            <a:pPr marL="269074" indent="-269074" algn="l" defTabSz="538147">
-              <a:spcBef>
-                <a:spcPct val="50000"/>
-              </a:spcBef>
-            </a:pPr>
-            <a:r>
-              <a:rPr lang="en-GB" altLang="zh-CN" sz="1600" b="1" baseline="0" dirty="0" smtClean="0">
-                <a:solidFill>
-                  <a:srgbClr val="006699"/>
-                </a:solidFill>
-                <a:latin typeface="Arial" charset="0"/>
-                <a:ea typeface="宋体" pitchFamily="2" charset="-122"/>
-              </a:rPr>
-              <a:t>	/</a:t>
-            </a:r>
-            <a:r>
-              <a:rPr lang="en-GB" altLang="zh-CN" sz="1600" b="1" baseline="0" dirty="0" err="1" smtClean="0">
-                <a:solidFill>
-                  <a:srgbClr val="006699"/>
-                </a:solidFill>
-                <a:latin typeface="Arial" charset="0"/>
-                <a:ea typeface="宋体" pitchFamily="2" charset="-122"/>
-              </a:rPr>
-              <a:t>simple.html#default</a:t>
-            </a:r>
-            <a:r>
-              <a:rPr lang="en-GB" altLang="zh-CN" sz="1600" b="1" baseline="0" dirty="0" smtClean="0">
-                <a:solidFill>
-                  <a:srgbClr val="006699"/>
-                </a:solidFill>
-                <a:latin typeface="Arial" charset="0"/>
-                <a:ea typeface="宋体" pitchFamily="2" charset="-122"/>
-              </a:rPr>
-              <a:t>=&lt;script&gt;alert(document.location)&lt;/script&gt;</a:t>
-            </a:r>
-          </a:p>
-          <a:p>
-            <a:pPr marL="269074" indent="-269074" algn="l" defTabSz="538147">
-              <a:spcBef>
-                <a:spcPct val="50000"/>
-              </a:spcBef>
-            </a:pPr>
-            <a:r>
-              <a:rPr lang="en-GB" altLang="zh-CN" sz="1600" b="1" baseline="0" dirty="0" smtClean="0">
-                <a:solidFill>
-                  <a:srgbClr val="006699"/>
-                </a:solidFill>
-                <a:latin typeface="Arial" charset="0"/>
-                <a:ea typeface="宋体" pitchFamily="2" charset="-122"/>
-              </a:rPr>
-              <a:t>	/</a:t>
-            </a:r>
-            <a:r>
-              <a:rPr lang="en-GB" altLang="zh-CN" sz="1600" b="1" baseline="0" dirty="0" err="1" smtClean="0">
-                <a:solidFill>
-                  <a:srgbClr val="006699"/>
-                </a:solidFill>
-                <a:latin typeface="Arial" charset="0"/>
-                <a:ea typeface="宋体" pitchFamily="2" charset="-122"/>
-              </a:rPr>
-              <a:t>simple.html?default</a:t>
-            </a:r>
-            <a:r>
-              <a:rPr lang="en-GB" altLang="zh-CN" sz="1600" b="1" baseline="0" dirty="0" smtClean="0">
-                <a:solidFill>
-                  <a:srgbClr val="006699"/>
-                </a:solidFill>
-                <a:latin typeface="Arial" charset="0"/>
-                <a:ea typeface="宋体" pitchFamily="2" charset="-122"/>
-              </a:rPr>
-              <a:t>=&lt;script&gt;alert(document.location)&lt;/script</a:t>
-            </a:r>
-            <a:r>
-              <a:rPr lang="en-GB" altLang="zh-CN" sz="1600" b="1" baseline="0" dirty="0" smtClean="0">
-                <a:solidFill>
-                  <a:srgbClr val="006699"/>
-                </a:solidFill>
-                <a:latin typeface="Arial" charset="0"/>
-                <a:ea typeface="宋体" pitchFamily="2" charset="-122"/>
-              </a:rPr>
-              <a:t>&gt;</a:t>
+              <a:rPr lang="en-GB" altLang="zh-CN" sz="3000" b="1" baseline="0" dirty="0" smtClean="0">
+                <a:solidFill>
+                  <a:srgbClr val="FFC000"/>
+                </a:solidFill>
+                <a:latin typeface="Arial" charset="0"/>
+                <a:ea typeface="宋体" pitchFamily="2" charset="-122"/>
+              </a:rPr>
+              <a:t>Flexibility</a:t>
+            </a:r>
+            <a:r>
+              <a:rPr lang="en-GB" altLang="zh-CN" sz="3000" b="1" baseline="0" dirty="0" smtClean="0">
+                <a:solidFill>
+                  <a:srgbClr val="006699"/>
+                </a:solidFill>
+                <a:latin typeface="Arial" charset="0"/>
+                <a:ea typeface="宋体" pitchFamily="2" charset="-122"/>
+              </a:rPr>
+              <a:t>: Plain JavaScript &amp; Chrome API</a:t>
             </a:r>
             <a:endParaRPr lang="en-GB" altLang="zh-CN" sz="3000" b="1" baseline="0" dirty="0">
               <a:solidFill>
@@ -4742,8 +4785,295 @@
               <a:spcBef>
                 <a:spcPct val="50000"/>
               </a:spcBef>
+              <a:buFont typeface="Wingdings" pitchFamily="2" charset="2"/>
+              <a:buChar char="§"/>
             </a:pPr>
-            <a:endParaRPr lang="en-GB" altLang="zh-CN" sz="3000" b="1" baseline="0" dirty="0" smtClean="0">
+            <a:r>
+              <a:rPr lang="en-GB" altLang="zh-CN" sz="3000" b="1" baseline="0" dirty="0" smtClean="0">
+                <a:solidFill>
+                  <a:srgbClr val="00B050"/>
+                </a:solidFill>
+                <a:latin typeface="Arial" charset="0"/>
+                <a:ea typeface="宋体" pitchFamily="2" charset="-122"/>
+              </a:rPr>
+              <a:t>Compatibility</a:t>
+            </a:r>
+            <a:r>
+              <a:rPr lang="en-GB" altLang="zh-CN" sz="2800" b="1" baseline="0" dirty="0" smtClean="0">
+                <a:solidFill>
+                  <a:srgbClr val="006699"/>
+                </a:solidFill>
+                <a:latin typeface="Arial" charset="0"/>
+                <a:ea typeface="宋体" pitchFamily="2" charset="-122"/>
+              </a:rPr>
+              <a:t>: </a:t>
+            </a:r>
+            <a:r>
+              <a:rPr lang="en-GB" altLang="zh-CN" sz="2800" b="1" baseline="0" dirty="0" smtClean="0">
+                <a:solidFill>
+                  <a:srgbClr val="006699"/>
+                </a:solidFill>
+                <a:latin typeface="Arial" charset="0"/>
+                <a:ea typeface="宋体" pitchFamily="2" charset="-122"/>
+              </a:rPr>
+              <a:t>Tested </a:t>
+            </a:r>
+            <a:r>
+              <a:rPr lang="en-GB" altLang="zh-CN" sz="2800" b="1" baseline="0" dirty="0" smtClean="0">
+                <a:solidFill>
+                  <a:srgbClr val="006699"/>
+                </a:solidFill>
+                <a:latin typeface="Arial" charset="0"/>
+                <a:ea typeface="宋体" pitchFamily="2" charset="-122"/>
+              </a:rPr>
+              <a:t>with 10 websites</a:t>
+            </a:r>
+          </a:p>
+          <a:p>
+            <a:pPr marL="576587" lvl="1" indent="-269074" algn="l" defTabSz="538147">
+              <a:spcBef>
+                <a:spcPct val="50000"/>
+              </a:spcBef>
+            </a:pPr>
+            <a:r>
+              <a:rPr lang="en-SG" altLang="zh-CN" sz="1600" b="1" baseline="0" dirty="0" smtClean="0">
+                <a:solidFill>
+                  <a:srgbClr val="006699"/>
+                </a:solidFill>
+                <a:latin typeface="Arial" charset="0"/>
+                <a:ea typeface="宋体" pitchFamily="2" charset="-122"/>
+                <a:hlinkClick r:id="rId3"/>
+              </a:rPr>
+              <a:t>https</a:t>
+            </a:r>
+            <a:r>
+              <a:rPr lang="en-SG" altLang="zh-CN" sz="1600" b="1" baseline="0" dirty="0" smtClean="0">
+                <a:solidFill>
+                  <a:srgbClr val="006699"/>
+                </a:solidFill>
+                <a:latin typeface="Arial" charset="0"/>
+                <a:ea typeface="宋体" pitchFamily="2" charset="-122"/>
+                <a:hlinkClick r:id="rId3"/>
+              </a:rPr>
+              <a:t>://www.google.com/</a:t>
+            </a:r>
+            <a:r>
+              <a:rPr lang="en-SG" altLang="zh-CN" sz="1600" b="1" baseline="0" dirty="0" smtClean="0">
+                <a:solidFill>
+                  <a:srgbClr val="006699"/>
+                </a:solidFill>
+                <a:latin typeface="Arial" charset="0"/>
+                <a:ea typeface="宋体" pitchFamily="2" charset="-122"/>
+              </a:rPr>
+              <a:t>      			</a:t>
+            </a:r>
+            <a:r>
+              <a:rPr lang="en-SG" altLang="zh-CN" sz="1600" b="1" baseline="0" dirty="0" smtClean="0">
+                <a:solidFill>
+                  <a:srgbClr val="006699"/>
+                </a:solidFill>
+                <a:latin typeface="Arial" charset="0"/>
+                <a:ea typeface="宋体" pitchFamily="2" charset="-122"/>
+                <a:hlinkClick r:id="rId4"/>
+              </a:rPr>
+              <a:t>https://mail.google.com</a:t>
+            </a:r>
+            <a:endParaRPr lang="en-SG" altLang="zh-CN" sz="1600" b="1" baseline="0" dirty="0" smtClean="0">
+              <a:solidFill>
+                <a:srgbClr val="006699"/>
+              </a:solidFill>
+              <a:latin typeface="Arial" charset="0"/>
+              <a:ea typeface="宋体" pitchFamily="2" charset="-122"/>
+            </a:endParaRPr>
+          </a:p>
+          <a:p>
+            <a:pPr marL="576587" lvl="1" indent="-269074" algn="l" defTabSz="538147">
+              <a:spcBef>
+                <a:spcPct val="50000"/>
+              </a:spcBef>
+            </a:pPr>
+            <a:r>
+              <a:rPr lang="en-SG" altLang="zh-CN" sz="1600" b="1" baseline="0" dirty="0" smtClean="0">
+                <a:solidFill>
+                  <a:srgbClr val="006699"/>
+                </a:solidFill>
+                <a:latin typeface="Arial" charset="0"/>
+                <a:ea typeface="宋体" pitchFamily="2" charset="-122"/>
+                <a:hlinkClick r:id="rId5"/>
+              </a:rPr>
+              <a:t>https://www.facebook.com/</a:t>
+            </a:r>
+            <a:r>
+              <a:rPr lang="en-SG" altLang="zh-CN" sz="1600" b="1" baseline="0" dirty="0" smtClean="0">
+                <a:solidFill>
+                  <a:srgbClr val="006699"/>
+                </a:solidFill>
+                <a:latin typeface="Arial" charset="0"/>
+                <a:ea typeface="宋体" pitchFamily="2" charset="-122"/>
+              </a:rPr>
+              <a:t>  			</a:t>
+            </a:r>
+            <a:r>
+              <a:rPr lang="en-SG" altLang="zh-CN" sz="1600" b="1" baseline="0" dirty="0" smtClean="0">
+                <a:solidFill>
+                  <a:srgbClr val="006699"/>
+                </a:solidFill>
+                <a:latin typeface="Arial" charset="0"/>
+                <a:ea typeface="宋体" pitchFamily="2" charset="-122"/>
+                <a:hlinkClick r:id="rId6"/>
+              </a:rPr>
+              <a:t>https://twitter.com/</a:t>
+            </a:r>
+            <a:endParaRPr lang="en-SG" altLang="zh-CN" sz="1600" b="1" baseline="0" dirty="0" smtClean="0">
+              <a:solidFill>
+                <a:srgbClr val="006699"/>
+              </a:solidFill>
+              <a:latin typeface="Arial" charset="0"/>
+              <a:ea typeface="宋体" pitchFamily="2" charset="-122"/>
+            </a:endParaRPr>
+          </a:p>
+          <a:p>
+            <a:pPr marL="576587" lvl="1" indent="-269074" algn="l" defTabSz="538147">
+              <a:spcBef>
+                <a:spcPct val="50000"/>
+              </a:spcBef>
+            </a:pPr>
+            <a:r>
+              <a:rPr lang="en-SG" altLang="zh-CN" sz="1600" b="1" baseline="0" dirty="0" smtClean="0">
+                <a:solidFill>
+                  <a:srgbClr val="006699"/>
+                </a:solidFill>
+                <a:latin typeface="Arial" charset="0"/>
+                <a:ea typeface="宋体" pitchFamily="2" charset="-122"/>
+                <a:hlinkClick r:id="rId7"/>
+              </a:rPr>
+              <a:t>http://www.wikipedia.org/</a:t>
+            </a:r>
+            <a:r>
+              <a:rPr lang="en-SG" altLang="zh-CN" sz="1600" b="1" baseline="0" dirty="0" smtClean="0">
+                <a:solidFill>
+                  <a:srgbClr val="006699"/>
+                </a:solidFill>
+                <a:latin typeface="Arial" charset="0"/>
+                <a:ea typeface="宋体" pitchFamily="2" charset="-122"/>
+              </a:rPr>
+              <a:t> 			</a:t>
+            </a:r>
+            <a:r>
+              <a:rPr lang="en-SG" altLang="zh-CN" sz="1600" b="1" baseline="0" dirty="0" smtClean="0">
+                <a:solidFill>
+                  <a:srgbClr val="006699"/>
+                </a:solidFill>
+                <a:latin typeface="Arial" charset="0"/>
+                <a:ea typeface="宋体" pitchFamily="2" charset="-122"/>
+                <a:hlinkClick r:id="rId8"/>
+              </a:rPr>
+              <a:t>http://slashdot.org/</a:t>
+            </a:r>
+            <a:endParaRPr lang="en-SG" altLang="zh-CN" sz="1600" b="1" baseline="0" dirty="0" smtClean="0">
+              <a:solidFill>
+                <a:srgbClr val="006699"/>
+              </a:solidFill>
+              <a:latin typeface="Arial" charset="0"/>
+              <a:ea typeface="宋体" pitchFamily="2" charset="-122"/>
+            </a:endParaRPr>
+          </a:p>
+          <a:p>
+            <a:pPr marL="576587" lvl="1" indent="-269074" algn="l" defTabSz="538147">
+              <a:spcBef>
+                <a:spcPct val="50000"/>
+              </a:spcBef>
+            </a:pPr>
+            <a:r>
+              <a:rPr lang="en-SG" altLang="zh-CN" sz="1600" b="1" baseline="0" dirty="0" smtClean="0">
+                <a:solidFill>
+                  <a:srgbClr val="006699"/>
+                </a:solidFill>
+                <a:latin typeface="Arial" charset="0"/>
+                <a:ea typeface="宋体" pitchFamily="2" charset="-122"/>
+                <a:hlinkClick r:id="rId9"/>
+              </a:rPr>
+              <a:t>https://news.ycombinator.com/</a:t>
+            </a:r>
+            <a:r>
+              <a:rPr lang="en-SG" altLang="zh-CN" sz="1600" b="1" baseline="0" dirty="0" smtClean="0">
+                <a:solidFill>
+                  <a:srgbClr val="006699"/>
+                </a:solidFill>
+                <a:latin typeface="Arial" charset="0"/>
+                <a:ea typeface="宋体" pitchFamily="2" charset="-122"/>
+              </a:rPr>
+              <a:t>  		</a:t>
+            </a:r>
+            <a:r>
+              <a:rPr lang="en-SG" altLang="zh-CN" sz="1600" b="1" baseline="0" dirty="0" smtClean="0">
+                <a:solidFill>
+                  <a:srgbClr val="006699"/>
+                </a:solidFill>
+                <a:latin typeface="Arial" charset="0"/>
+                <a:ea typeface="宋体" pitchFamily="2" charset="-122"/>
+                <a:hlinkClick r:id="rId10"/>
+              </a:rPr>
+              <a:t>http://www.yahoo.com/</a:t>
+            </a:r>
+            <a:endParaRPr lang="en-SG" altLang="zh-CN" sz="1600" b="1" baseline="0" dirty="0" smtClean="0">
+              <a:solidFill>
+                <a:srgbClr val="006699"/>
+              </a:solidFill>
+              <a:latin typeface="Arial" charset="0"/>
+              <a:ea typeface="宋体" pitchFamily="2" charset="-122"/>
+            </a:endParaRPr>
+          </a:p>
+          <a:p>
+            <a:pPr marL="576587" lvl="1" indent="-269074" algn="l" defTabSz="538147">
+              <a:spcBef>
+                <a:spcPct val="50000"/>
+              </a:spcBef>
+            </a:pPr>
+            <a:r>
+              <a:rPr lang="en-SG" altLang="zh-CN" sz="1600" b="1" baseline="0" dirty="0" smtClean="0">
+                <a:solidFill>
+                  <a:srgbClr val="006699"/>
+                </a:solidFill>
+                <a:latin typeface="Arial" charset="0"/>
+                <a:ea typeface="宋体" pitchFamily="2" charset="-122"/>
+                <a:hlinkClick r:id="rId11"/>
+              </a:rPr>
+              <a:t>http://www.youtube.com/</a:t>
+            </a:r>
+            <a:r>
+              <a:rPr lang="en-SG" altLang="zh-CN" sz="1600" b="1" baseline="0" dirty="0" smtClean="0">
+                <a:solidFill>
+                  <a:srgbClr val="006699"/>
+                </a:solidFill>
+                <a:latin typeface="Arial" charset="0"/>
+                <a:ea typeface="宋体" pitchFamily="2" charset="-122"/>
+              </a:rPr>
+              <a:t>  			</a:t>
+            </a:r>
+            <a:r>
+              <a:rPr lang="en-SG" altLang="zh-CN" sz="1600" b="1" baseline="0" dirty="0" smtClean="0">
+                <a:solidFill>
+                  <a:srgbClr val="006699"/>
+                </a:solidFill>
+                <a:latin typeface="Arial" charset="0"/>
+                <a:ea typeface="宋体" pitchFamily="2" charset="-122"/>
+                <a:hlinkClick r:id="rId12"/>
+              </a:rPr>
+              <a:t>http://www.amazon.com</a:t>
+            </a:r>
+            <a:r>
+              <a:rPr lang="en-SG" altLang="zh-CN" sz="1600" b="1" baseline="0" dirty="0" smtClean="0">
+                <a:solidFill>
+                  <a:srgbClr val="006699"/>
+                </a:solidFill>
+                <a:latin typeface="Arial" charset="0"/>
+                <a:ea typeface="宋体" pitchFamily="2" charset="-122"/>
+                <a:hlinkClick r:id="rId12"/>
+              </a:rPr>
+              <a:t>/</a:t>
+            </a:r>
+            <a:endParaRPr lang="en-SG" altLang="zh-CN" sz="1600" b="1" baseline="0" dirty="0" smtClean="0">
               <a:solidFill>
                 <a:srgbClr val="006699"/>
               </a:solidFill>
@@ -4762,14 +5092,24 @@
             <a:r>
               <a:rPr lang="en-GB" altLang="zh-CN" sz="3000" b="1" baseline="0" dirty="0" smtClean="0">
                 <a:solidFill>
-                  <a:srgbClr val="006699"/>
-                </a:solidFill>
-                <a:latin typeface="Arial" charset="0"/>
-                <a:ea typeface="宋体" pitchFamily="2" charset="-122"/>
-              </a:rPr>
-              <a:t>Compatibility</a:t>
-            </a:r>
-            <a:endParaRPr lang="en-GB" altLang="zh-CN" sz="2800" b="1" baseline="0" dirty="0" smtClean="0">
+                  <a:srgbClr val="FF0000"/>
+                </a:solidFill>
+                <a:latin typeface="Arial" charset="0"/>
+                <a:ea typeface="宋体" pitchFamily="2" charset="-122"/>
+              </a:rPr>
+              <a:t>Effectiveness</a:t>
+            </a:r>
+            <a:r>
+              <a:rPr lang="en-GB" altLang="zh-CN" sz="3000" b="1" baseline="0" dirty="0" smtClean="0">
+                <a:solidFill>
+                  <a:srgbClr val="006699"/>
+                </a:solidFill>
+                <a:latin typeface="Arial" charset="0"/>
+                <a:ea typeface="宋体" pitchFamily="2" charset="-122"/>
+              </a:rPr>
+              <a:t>: See Result</a:t>
+            </a:r>
+            <a:endParaRPr lang="en-GB" altLang="zh-CN" sz="3000" b="1" baseline="0" dirty="0">
               <a:solidFill>
                 <a:srgbClr val="006699"/>
               </a:solidFill>
@@ -4777,476 +5117,6 @@
               <a:ea typeface="宋体" pitchFamily="2" charset="-122"/>
             </a:endParaRPr>
           </a:p>
-          <a:p>
-            <a:pPr marL="269074" indent="-269074" algn="l" defTabSz="538147">
-              <a:spcBef>
-                <a:spcPct val="50000"/>
-              </a:spcBef>
-            </a:pPr>
-            <a:r>
-              <a:rPr lang="en-GB" altLang="zh-CN" sz="2800" b="1" baseline="0" dirty="0" smtClean="0">
-                <a:solidFill>
-                  <a:srgbClr val="006699"/>
-                </a:solidFill>
-                <a:latin typeface="Arial" charset="0"/>
-                <a:ea typeface="宋体" pitchFamily="2" charset="-122"/>
-              </a:rPr>
-              <a:t>Well working with access below websites but</a:t>
-            </a:r>
-          </a:p>
-          <a:p>
-            <a:pPr marL="269074" indent="-269074" algn="l" defTabSz="538147">
-              <a:spcBef>
-                <a:spcPct val="50000"/>
-              </a:spcBef>
-            </a:pPr>
-            <a:r>
-              <a:rPr lang="en-GB" altLang="zh-CN" sz="2800" b="1" baseline="0" dirty="0" smtClean="0">
-                <a:solidFill>
-                  <a:srgbClr val="006699"/>
-                </a:solidFill>
-                <a:latin typeface="Arial" charset="0"/>
-                <a:ea typeface="宋体" pitchFamily="2" charset="-122"/>
-              </a:rPr>
-              <a:t>not </a:t>
-            </a:r>
-            <a:r>
-              <a:rPr lang="en-GB" altLang="zh-CN" sz="2800" b="1" baseline="0" dirty="0" smtClean="0">
-                <a:solidFill>
-                  <a:srgbClr val="006699"/>
-                </a:solidFill>
-                <a:latin typeface="Arial" charset="0"/>
-                <a:ea typeface="宋体" pitchFamily="2" charset="-122"/>
-              </a:rPr>
-              <a:t>limited</a:t>
-            </a:r>
-            <a:endParaRPr lang="en-GB" altLang="zh-CN" sz="2800" b="1" baseline="0" dirty="0">
-              <a:solidFill>
-                <a:srgbClr val="006699"/>
-              </a:solidFill>
-              <a:latin typeface="Arial" charset="0"/>
-              <a:ea typeface="宋体" pitchFamily="2" charset="-122"/>
-            </a:endParaRPr>
-          </a:p>
-          <a:p>
-            <a:pPr marL="576587" lvl="1" indent="-269074" algn="l" defTabSz="538147">
-              <a:spcBef>
-                <a:spcPct val="50000"/>
-              </a:spcBef>
-            </a:pPr>
-            <a:r>
-              <a:rPr lang="en-SG" altLang="zh-CN" sz="1600" b="1" baseline="0" dirty="0" smtClean="0">
-                <a:solidFill>
-                  <a:srgbClr val="006699"/>
-                </a:solidFill>
-                <a:latin typeface="Arial" charset="0"/>
-                <a:ea typeface="宋体" pitchFamily="2" charset="-122"/>
-                <a:hlinkClick r:id="rId3"/>
-              </a:rPr>
-              <a:t>https</a:t>
-            </a:r>
-            <a:r>
-              <a:rPr lang="en-SG" altLang="zh-CN" sz="1600" b="1" baseline="0" dirty="0" smtClean="0">
-                <a:solidFill>
-                  <a:srgbClr val="006699"/>
-                </a:solidFill>
-                <a:latin typeface="Arial" charset="0"/>
-                <a:ea typeface="宋体" pitchFamily="2" charset="-122"/>
-                <a:hlinkClick r:id="rId3"/>
-              </a:rPr>
-              <a:t>://www.google.com/</a:t>
-            </a:r>
-            <a:r>
-              <a:rPr lang="en-SG" altLang="zh-CN" sz="1600" b="1" baseline="0" dirty="0" smtClean="0">
-                <a:solidFill>
-                  <a:srgbClr val="006699"/>
-                </a:solidFill>
-                <a:latin typeface="Arial" charset="0"/>
-                <a:ea typeface="宋体" pitchFamily="2" charset="-122"/>
-              </a:rPr>
-              <a:t>      </a:t>
-            </a:r>
-            <a:r>
-              <a:rPr lang="en-SG" altLang="zh-CN" sz="1600" b="1" baseline="0" dirty="0" smtClean="0">
-                <a:solidFill>
-                  <a:srgbClr val="006699"/>
-                </a:solidFill>
-                <a:latin typeface="Arial" charset="0"/>
-                <a:ea typeface="宋体" pitchFamily="2" charset="-122"/>
-              </a:rPr>
-              <a:t>			</a:t>
-            </a:r>
-            <a:r>
-              <a:rPr lang="en-SG" altLang="zh-CN" sz="1600" b="1" baseline="0" dirty="0" smtClean="0">
-                <a:solidFill>
-                  <a:srgbClr val="006699"/>
-                </a:solidFill>
-                <a:latin typeface="Arial" charset="0"/>
-                <a:ea typeface="宋体" pitchFamily="2" charset="-122"/>
-                <a:hlinkClick r:id="rId4"/>
-              </a:rPr>
-              <a:t>https</a:t>
-            </a:r>
-            <a:r>
-              <a:rPr lang="en-SG" altLang="zh-CN" sz="1600" b="1" baseline="0" dirty="0" smtClean="0">
-                <a:solidFill>
-                  <a:srgbClr val="006699"/>
-                </a:solidFill>
-                <a:latin typeface="Arial" charset="0"/>
-                <a:ea typeface="宋体" pitchFamily="2" charset="-122"/>
-                <a:hlinkClick r:id="rId4"/>
-              </a:rPr>
-              <a:t>://mail.google.com</a:t>
-            </a:r>
-            <a:endParaRPr lang="en-SG" altLang="zh-CN" sz="1600" b="1" baseline="0" dirty="0" smtClean="0">
-              <a:solidFill>
-                <a:srgbClr val="006699"/>
-              </a:solidFill>
-              <a:latin typeface="Arial" charset="0"/>
-              <a:ea typeface="宋体" pitchFamily="2" charset="-122"/>
-            </a:endParaRPr>
-          </a:p>
-          <a:p>
-            <a:pPr marL="576587" lvl="1" indent="-269074" algn="l" defTabSz="538147">
-              <a:spcBef>
-                <a:spcPct val="50000"/>
-              </a:spcBef>
-            </a:pPr>
-            <a:r>
-              <a:rPr lang="en-SG" altLang="zh-CN" sz="1600" b="1" baseline="0" dirty="0" smtClean="0">
-                <a:solidFill>
-                  <a:srgbClr val="006699"/>
-                </a:solidFill>
-                <a:latin typeface="Arial" charset="0"/>
-                <a:ea typeface="宋体" pitchFamily="2" charset="-122"/>
-                <a:hlinkClick r:id="rId5"/>
-              </a:rPr>
-              <a:t>https://www.facebook.com/</a:t>
-            </a:r>
-            <a:r>
-              <a:rPr lang="en-SG" altLang="zh-CN" sz="1600" b="1" baseline="0" dirty="0" smtClean="0">
-                <a:solidFill>
-                  <a:srgbClr val="006699"/>
-                </a:solidFill>
-                <a:latin typeface="Arial" charset="0"/>
-                <a:ea typeface="宋体" pitchFamily="2" charset="-122"/>
-              </a:rPr>
-              <a:t>  </a:t>
-            </a:r>
-            <a:r>
-              <a:rPr lang="en-SG" altLang="zh-CN" sz="1600" b="1" baseline="0" dirty="0" smtClean="0">
-                <a:solidFill>
-                  <a:srgbClr val="006699"/>
-                </a:solidFill>
-                <a:latin typeface="Arial" charset="0"/>
-                <a:ea typeface="宋体" pitchFamily="2" charset="-122"/>
-              </a:rPr>
-              <a:t>			</a:t>
-            </a:r>
-            <a:r>
-              <a:rPr lang="en-SG" altLang="zh-CN" sz="1600" b="1" baseline="0" dirty="0" smtClean="0">
-                <a:solidFill>
-                  <a:srgbClr val="006699"/>
-                </a:solidFill>
-                <a:latin typeface="Arial" charset="0"/>
-                <a:ea typeface="宋体" pitchFamily="2" charset="-122"/>
-                <a:hlinkClick r:id="rId6"/>
-              </a:rPr>
-              <a:t>https</a:t>
-            </a:r>
-            <a:r>
-              <a:rPr lang="en-SG" altLang="zh-CN" sz="1600" b="1" baseline="0" dirty="0" smtClean="0">
-                <a:solidFill>
-                  <a:srgbClr val="006699"/>
-                </a:solidFill>
-                <a:latin typeface="Arial" charset="0"/>
-                <a:ea typeface="宋体" pitchFamily="2" charset="-122"/>
-                <a:hlinkClick r:id="rId6"/>
-              </a:rPr>
-              <a:t>://twitter.com/</a:t>
-            </a:r>
-            <a:endParaRPr lang="en-SG" altLang="zh-CN" sz="1600" b="1" baseline="0" dirty="0" smtClean="0">
-              <a:solidFill>
-                <a:srgbClr val="006699"/>
-              </a:solidFill>
-              <a:latin typeface="Arial" charset="0"/>
-              <a:ea typeface="宋体" pitchFamily="2" charset="-122"/>
-            </a:endParaRPr>
-          </a:p>
-          <a:p>
-            <a:pPr marL="576587" lvl="1" indent="-269074" algn="l" defTabSz="538147">
-              <a:spcBef>
-                <a:spcPct val="50000"/>
-              </a:spcBef>
-            </a:pPr>
-            <a:r>
-              <a:rPr lang="en-SG" altLang="zh-CN" sz="1600" b="1" baseline="0" dirty="0" smtClean="0">
-                <a:solidFill>
-                  <a:srgbClr val="006699"/>
-                </a:solidFill>
-                <a:latin typeface="Arial" charset="0"/>
-                <a:ea typeface="宋体" pitchFamily="2" charset="-122"/>
-                <a:hlinkClick r:id="rId7"/>
-              </a:rPr>
-              <a:t>http://www.wikipedia.org/</a:t>
-            </a:r>
-            <a:r>
-              <a:rPr lang="en-SG" altLang="zh-CN" sz="1600" b="1" baseline="0" dirty="0" smtClean="0">
-                <a:solidFill>
-                  <a:srgbClr val="006699"/>
-                </a:solidFill>
-                <a:latin typeface="Arial" charset="0"/>
-                <a:ea typeface="宋体" pitchFamily="2" charset="-122"/>
-              </a:rPr>
-              <a:t> </a:t>
-            </a:r>
-            <a:r>
-              <a:rPr lang="en-SG" altLang="zh-CN" sz="1600" b="1" baseline="0" dirty="0" smtClean="0">
-                <a:solidFill>
-                  <a:srgbClr val="006699"/>
-                </a:solidFill>
-                <a:latin typeface="Arial" charset="0"/>
-                <a:ea typeface="宋体" pitchFamily="2" charset="-122"/>
-              </a:rPr>
-              <a:t>			</a:t>
-            </a:r>
-            <a:r>
-              <a:rPr lang="en-SG" altLang="zh-CN" sz="1600" b="1" baseline="0" dirty="0" smtClean="0">
-                <a:solidFill>
-                  <a:srgbClr val="006699"/>
-                </a:solidFill>
-                <a:latin typeface="Arial" charset="0"/>
-                <a:ea typeface="宋体" pitchFamily="2" charset="-122"/>
-                <a:hlinkClick r:id="rId8"/>
-              </a:rPr>
-              <a:t>http</a:t>
-            </a:r>
-            <a:r>
-              <a:rPr lang="en-SG" altLang="zh-CN" sz="1600" b="1" baseline="0" dirty="0" smtClean="0">
-                <a:solidFill>
-                  <a:srgbClr val="006699"/>
-                </a:solidFill>
-                <a:latin typeface="Arial" charset="0"/>
-                <a:ea typeface="宋体" pitchFamily="2" charset="-122"/>
-                <a:hlinkClick r:id="rId8"/>
-              </a:rPr>
-              <a:t>://slashdot.org/</a:t>
-            </a:r>
-            <a:endParaRPr lang="en-SG" altLang="zh-CN" sz="1600" b="1" baseline="0" dirty="0" smtClean="0">
-              <a:solidFill>
-                <a:srgbClr val="006699"/>
-              </a:solidFill>
-              <a:latin typeface="Arial" charset="0"/>
-              <a:ea typeface="宋体" pitchFamily="2" charset="-122"/>
-            </a:endParaRPr>
-          </a:p>
-          <a:p>
-            <a:pPr marL="576587" lvl="1" indent="-269074" algn="l" defTabSz="538147">
-              <a:spcBef>
-                <a:spcPct val="50000"/>
-              </a:spcBef>
-            </a:pPr>
-            <a:r>
-              <a:rPr lang="en-SG" altLang="zh-CN" sz="1600" b="1" baseline="0" dirty="0" smtClean="0">
-                <a:solidFill>
-                  <a:srgbClr val="006699"/>
-                </a:solidFill>
-                <a:latin typeface="Arial" charset="0"/>
-                <a:ea typeface="宋体" pitchFamily="2" charset="-122"/>
-                <a:hlinkClick r:id="rId9"/>
-              </a:rPr>
-              <a:t>https://news.ycombinator.com/</a:t>
-            </a:r>
-            <a:r>
-              <a:rPr lang="en-SG" altLang="zh-CN" sz="1600" b="1" baseline="0" dirty="0" smtClean="0">
-                <a:solidFill>
-                  <a:srgbClr val="006699"/>
-                </a:solidFill>
-                <a:latin typeface="Arial" charset="0"/>
-                <a:ea typeface="宋体" pitchFamily="2" charset="-122"/>
-              </a:rPr>
-              <a:t>  </a:t>
-            </a:r>
-            <a:r>
-              <a:rPr lang="en-SG" altLang="zh-CN" sz="1600" b="1" baseline="0" dirty="0" smtClean="0">
-                <a:solidFill>
-                  <a:srgbClr val="006699"/>
-                </a:solidFill>
-                <a:latin typeface="Arial" charset="0"/>
-                <a:ea typeface="宋体" pitchFamily="2" charset="-122"/>
-              </a:rPr>
-              <a:t>		</a:t>
-            </a:r>
-            <a:r>
-              <a:rPr lang="en-SG" altLang="zh-CN" sz="1600" b="1" baseline="0" dirty="0" smtClean="0">
-                <a:solidFill>
-                  <a:srgbClr val="006699"/>
-                </a:solidFill>
-                <a:latin typeface="Arial" charset="0"/>
-                <a:ea typeface="宋体" pitchFamily="2" charset="-122"/>
-                <a:hlinkClick r:id="rId10"/>
-              </a:rPr>
-              <a:t>http</a:t>
-            </a:r>
-            <a:r>
-              <a:rPr lang="en-SG" altLang="zh-CN" sz="1600" b="1" baseline="0" dirty="0" smtClean="0">
-                <a:solidFill>
-                  <a:srgbClr val="006699"/>
-                </a:solidFill>
-                <a:latin typeface="Arial" charset="0"/>
-                <a:ea typeface="宋体" pitchFamily="2" charset="-122"/>
-                <a:hlinkClick r:id="rId10"/>
-              </a:rPr>
-              <a:t>://www.yahoo.com/</a:t>
-            </a:r>
-            <a:endParaRPr lang="en-SG" altLang="zh-CN" sz="1600" b="1" baseline="0" dirty="0" smtClean="0">
-              <a:solidFill>
-                <a:srgbClr val="006699"/>
-              </a:solidFill>
-              <a:latin typeface="Arial" charset="0"/>
-              <a:ea typeface="宋体" pitchFamily="2" charset="-122"/>
-            </a:endParaRPr>
-          </a:p>
-          <a:p>
-            <a:pPr marL="576587" lvl="1" indent="-269074" algn="l" defTabSz="538147">
-              <a:spcBef>
-                <a:spcPct val="50000"/>
-              </a:spcBef>
-            </a:pPr>
-            <a:r>
-              <a:rPr lang="en-SG" altLang="zh-CN" sz="1600" b="1" baseline="0" dirty="0" smtClean="0">
-                <a:solidFill>
-                  <a:srgbClr val="006699"/>
-                </a:solidFill>
-                <a:latin typeface="Arial" charset="0"/>
-                <a:ea typeface="宋体" pitchFamily="2" charset="-122"/>
-                <a:hlinkClick r:id="rId11"/>
-              </a:rPr>
-              <a:t>http://www.youtube.com/</a:t>
-            </a:r>
-            <a:r>
-              <a:rPr lang="en-SG" altLang="zh-CN" sz="1600" b="1" baseline="0" dirty="0" smtClean="0">
-                <a:solidFill>
-                  <a:srgbClr val="006699"/>
-                </a:solidFill>
-                <a:latin typeface="Arial" charset="0"/>
-                <a:ea typeface="宋体" pitchFamily="2" charset="-122"/>
-              </a:rPr>
-              <a:t>  </a:t>
-            </a:r>
-            <a:r>
-              <a:rPr lang="en-SG" altLang="zh-CN" sz="1600" b="1" baseline="0" dirty="0" smtClean="0">
-                <a:solidFill>
-                  <a:srgbClr val="006699"/>
-                </a:solidFill>
-                <a:latin typeface="Arial" charset="0"/>
-                <a:ea typeface="宋体" pitchFamily="2" charset="-122"/>
-              </a:rPr>
-              <a:t>			</a:t>
-            </a:r>
-            <a:r>
-              <a:rPr lang="en-SG" altLang="zh-CN" sz="1600" b="1" baseline="0" dirty="0" smtClean="0">
-                <a:solidFill>
-                  <a:srgbClr val="006699"/>
-                </a:solidFill>
-                <a:latin typeface="Arial" charset="0"/>
-                <a:ea typeface="宋体" pitchFamily="2" charset="-122"/>
-                <a:hlinkClick r:id="rId12"/>
-              </a:rPr>
-              <a:t>http</a:t>
-            </a:r>
-            <a:r>
-              <a:rPr lang="en-SG" altLang="zh-CN" sz="1600" b="1" baseline="0" dirty="0" smtClean="0">
-                <a:solidFill>
-                  <a:srgbClr val="006699"/>
-                </a:solidFill>
-                <a:latin typeface="Arial" charset="0"/>
-                <a:ea typeface="宋体" pitchFamily="2" charset="-122"/>
-                <a:hlinkClick r:id="rId12"/>
-              </a:rPr>
-              <a:t>://www.amazon.com/</a:t>
-            </a:r>
-            <a:endParaRPr lang="en-SG" altLang="zh-CN" sz="1600" b="1" baseline="0" dirty="0" smtClean="0">
-              <a:solidFill>
-                <a:srgbClr val="006699"/>
-              </a:solidFill>
-              <a:latin typeface="Arial" charset="0"/>
-              <a:ea typeface="宋体" pitchFamily="2" charset="-122"/>
-            </a:endParaRPr>
-          </a:p>
-        </p:txBody>
-      </p:sp>
-      <p:sp>
-        <p:nvSpPr>
-          <p:cNvPr id="2570" name="Text Box 522"/>
-          <p:cNvSpPr txBox="1">
-            <a:spLocks noChangeArrowheads="1"/>
-          </p:cNvSpPr>
-          <p:nvPr/>
-        </p:nvSpPr>
-        <p:spPr bwMode="auto">
-          <a:xfrm>
-            <a:off x="10459666" y="3416201"/>
-            <a:ext cx="4888185" cy="706965"/>
-          </a:xfrm>
-          <a:prstGeom prst="rect">
-            <a:avLst/>
-          </a:prstGeom>
-          <a:noFill/>
-          <a:ln w="9525" algn="ctr">
-            <a:noFill/>
-            <a:miter lim="800000"/>
-            <a:headEnd/>
-            <a:tailEnd/>
-          </a:ln>
-          <a:effectLst/>
-        </p:spPr>
-        <p:txBody>
-          <a:bodyPr lIns="44811" tIns="22404" rIns="44811" bIns="22404">
-            <a:spAutoFit/>
-          </a:bodyPr>
-          <a:lstStyle/>
-          <a:p>
-            <a:pPr algn="l" defTabSz="538147">
-              <a:spcBef>
-                <a:spcPct val="50000"/>
-              </a:spcBef>
-            </a:pPr>
-            <a:r>
-              <a:rPr lang="en-GB" altLang="zh-CN" sz="3000" b="1" baseline="0" dirty="0" smtClean="0">
-                <a:solidFill>
-                  <a:srgbClr val="006699"/>
-                </a:solidFill>
-                <a:latin typeface="Arial" charset="0"/>
-                <a:ea typeface="宋体" pitchFamily="2" charset="-122"/>
-              </a:rPr>
-              <a:t>Approach </a:t>
-            </a:r>
-            <a:r>
-              <a:rPr lang="en-GB" altLang="zh-CN" sz="3000" b="1" baseline="0" dirty="0">
-                <a:solidFill>
-                  <a:srgbClr val="006699"/>
-                </a:solidFill>
-                <a:latin typeface="Arial" charset="0"/>
-                <a:ea typeface="宋体" pitchFamily="2" charset="-122"/>
-              </a:rPr>
-              <a:t>Overview</a:t>
-            </a:r>
-            <a:endParaRPr lang="en-GB" sz="3000" b="1" baseline="0" dirty="0">
-              <a:solidFill>
-                <a:srgbClr val="006699"/>
-              </a:solidFill>
-              <a:latin typeface="Arial" charset="0"/>
-            </a:endParaRPr>
-          </a:p>
-          <a:p>
-            <a:pPr defTabSz="538147">
-              <a:spcBef>
-                <a:spcPct val="50000"/>
-              </a:spcBef>
-            </a:pPr>
-            <a:endParaRPr lang="en-US" dirty="0"/>
-          </a:p>
         </p:txBody>
       </p:sp>
       <p:sp>
@@ -5259,8 +5129,8 @@
         </p:nvSpPr>
         <p:spPr bwMode="auto">
           <a:xfrm>
-            <a:off x="10260806" y="11532394"/>
-            <a:ext cx="10744200" cy="9144000"/>
+            <a:off x="10202719" y="3576687"/>
+            <a:ext cx="10744200" cy="12801600"/>
           </a:xfrm>
           <a:prstGeom prst="rect">
             <a:avLst/>
@@ -5293,7 +5163,37 @@
                 <a:latin typeface="Arial" charset="0"/>
                 <a:ea typeface="宋体" pitchFamily="2" charset="-122"/>
               </a:rPr>
-              <a:t>Our Solution:</a:t>
+              <a:t>Our Solution</a:t>
+            </a:r>
+            <a:r>
+              <a:rPr lang="en-GB" altLang="zh-CN" sz="3000" b="1" baseline="0" dirty="0" smtClean="0">
+                <a:solidFill>
+                  <a:srgbClr val="006699"/>
+                </a:solidFill>
+                <a:latin typeface="Arial" charset="0"/>
+                <a:ea typeface="宋体" pitchFamily="2" charset="-122"/>
+              </a:rPr>
+              <a:t>: </a:t>
+            </a:r>
+            <a:r>
+              <a:rPr lang="en-GB" altLang="zh-CN" sz="3000" b="1" baseline="0" dirty="0" smtClean="0">
+                <a:solidFill>
+                  <a:srgbClr val="FFC000"/>
+                </a:solidFill>
+                <a:latin typeface="Arial" charset="0"/>
+                <a:ea typeface="宋体" pitchFamily="2" charset="-122"/>
+              </a:rPr>
+              <a:t>Protect</a:t>
+            </a:r>
+            <a:r>
+              <a:rPr lang="en-GB" altLang="zh-CN" sz="3000" b="1" baseline="0" dirty="0" smtClean="0">
+                <a:solidFill>
+                  <a:srgbClr val="006699"/>
+                </a:solidFill>
+                <a:latin typeface="Arial" charset="0"/>
+                <a:ea typeface="宋体" pitchFamily="2" charset="-122"/>
+              </a:rPr>
+              <a:t> access to unsafe inputs!</a:t>
             </a:r>
           </a:p>
           <a:p>
@@ -5302,7 +5202,7 @@
                 <a:spcPct val="50000"/>
               </a:spcBef>
             </a:pPr>
-            <a:endParaRPr lang="en-GB" altLang="zh-CN" sz="3000" b="1" baseline="0" dirty="0" smtClean="0">
+            <a:endParaRPr lang="en-GB" altLang="zh-CN" sz="2400" b="1" baseline="0" dirty="0">
               <a:solidFill>
                 <a:srgbClr val="006699"/>
               </a:solidFill>
@@ -5316,7 +5216,7 @@
                 <a:spcPct val="50000"/>
               </a:spcBef>
             </a:pPr>
-            <a:endParaRPr lang="en-GB" altLang="zh-CN" sz="3000" b="1" baseline="0" dirty="0" smtClean="0">
+            <a:endParaRPr lang="en-GB" altLang="zh-CN" sz="2400" b="1" baseline="0" dirty="0" smtClean="0">
               <a:solidFill>
                 <a:srgbClr val="006699"/>
               </a:solidFill>
@@ -5325,12 +5225,12 @@
             </a:endParaRPr>
           </a:p>
           <a:p>
-            <a:pPr marL="276548" indent="-276548" algn="just" defTabSz="600077">
+            <a:pPr marL="276548" indent="-276548" algn="l" defTabSz="600077">
               <a:spcBef>
                 <a:spcPct val="50000"/>
               </a:spcBef>
             </a:pPr>
-            <a:endParaRPr lang="en-GB" altLang="zh-CN" sz="3000" b="1" baseline="0" dirty="0" smtClean="0">
+            <a:endParaRPr lang="en-GB" altLang="zh-CN" sz="2400" b="1" baseline="0" dirty="0" smtClean="0">
               <a:solidFill>
                 <a:srgbClr val="006699"/>
               </a:solidFill>
@@ -5339,12 +5239,111 @@
             </a:endParaRPr>
           </a:p>
           <a:p>
-            <a:pPr marL="276548" indent="-276548" algn="just" defTabSz="600077">
+            <a:pPr marL="342900" indent="-342900" algn="l" defTabSz="600077">
               <a:spcBef>
                 <a:spcPct val="50000"/>
               </a:spcBef>
+              <a:buFontTx/>
+              <a:buChar char="-"/>
             </a:pPr>
-            <a:endParaRPr lang="en-GB" altLang="zh-CN" sz="3000" b="1" baseline="0" dirty="0" smtClean="0">
+            <a:r>
+              <a:rPr lang="en-GB" altLang="zh-CN" sz="2400" b="1" baseline="0" dirty="0" smtClean="0">
+                <a:solidFill>
+                  <a:srgbClr val="006699"/>
+                </a:solidFill>
+                <a:latin typeface="Arial" charset="0"/>
+                <a:ea typeface="宋体" pitchFamily="2" charset="-122"/>
+              </a:rPr>
+              <a:t>Remove </a:t>
+            </a:r>
+            <a:r>
+              <a:rPr lang="en-GB" altLang="zh-CN" sz="2400" b="1" baseline="0" dirty="0" err="1" smtClean="0">
+                <a:solidFill>
+                  <a:srgbClr val="006699"/>
+                </a:solidFill>
+                <a:latin typeface="Arial" charset="0"/>
+                <a:ea typeface="宋体" pitchFamily="2" charset="-122"/>
+              </a:rPr>
+              <a:t>Referer</a:t>
+            </a:r>
+            <a:r>
+              <a:rPr lang="en-GB" altLang="zh-CN" sz="2400" b="1" baseline="0" dirty="0" smtClean="0">
+                <a:solidFill>
+                  <a:srgbClr val="006699"/>
+                </a:solidFill>
+                <a:latin typeface="Arial" charset="0"/>
+                <a:ea typeface="宋体" pitchFamily="2" charset="-122"/>
+              </a:rPr>
+              <a:t> from HTTP header</a:t>
+            </a:r>
+          </a:p>
+          <a:p>
+            <a:pPr marL="650413" lvl="1" indent="-342900" algn="l" defTabSz="600077">
+              <a:spcBef>
+                <a:spcPct val="50000"/>
+              </a:spcBef>
+              <a:buFontTx/>
+              <a:buChar char="-"/>
+            </a:pPr>
+            <a:r>
+              <a:rPr lang="en-GB" altLang="zh-CN" sz="2400" b="1" baseline="0" dirty="0" smtClean="0">
+                <a:solidFill>
+                  <a:srgbClr val="006699"/>
+                </a:solidFill>
+                <a:latin typeface="Arial" charset="0"/>
+                <a:ea typeface="宋体" pitchFamily="2" charset="-122"/>
+              </a:rPr>
+              <a:t>Intercept and remove by </a:t>
+            </a:r>
+            <a:r>
+              <a:rPr lang="en-GB" altLang="zh-CN" sz="2400" b="1" baseline="0" dirty="0" err="1" smtClean="0">
+                <a:solidFill>
+                  <a:srgbClr val="006699"/>
+                </a:solidFill>
+                <a:latin typeface="Arial" charset="0"/>
+                <a:ea typeface="宋体" pitchFamily="2" charset="-122"/>
+              </a:rPr>
+              <a:t>chrome.webRequest</a:t>
+            </a:r>
+            <a:r>
+              <a:rPr lang="en-GB" altLang="zh-CN" sz="2400" b="1" baseline="0" dirty="0" smtClean="0">
+                <a:solidFill>
+                  <a:srgbClr val="006699"/>
+                </a:solidFill>
+                <a:latin typeface="Arial" charset="0"/>
+                <a:ea typeface="宋体" pitchFamily="2" charset="-122"/>
+              </a:rPr>
+              <a:t> API</a:t>
+            </a:r>
+          </a:p>
+          <a:p>
+            <a:pPr marL="342900" indent="-342900" algn="l" defTabSz="600077">
+              <a:spcBef>
+                <a:spcPct val="50000"/>
+              </a:spcBef>
+              <a:buFontTx/>
+              <a:buChar char="-"/>
+            </a:pPr>
+            <a:r>
+              <a:rPr lang="en-GB" altLang="zh-CN" sz="2400" b="1" baseline="0" dirty="0" smtClean="0">
+                <a:solidFill>
+                  <a:srgbClr val="006699"/>
+                </a:solidFill>
+                <a:latin typeface="Arial" charset="0"/>
+                <a:ea typeface="宋体" pitchFamily="2" charset="-122"/>
+              </a:rPr>
+              <a:t>Protect access to unsafe inputs: encode the return value.</a:t>
+            </a:r>
+            <a:br>
+              <a:rPr lang="en-GB" altLang="zh-CN" sz="2400" b="1" baseline="0" dirty="0" smtClean="0">
+                <a:solidFill>
+                  <a:srgbClr val="006699"/>
+                </a:solidFill>
+                <a:latin typeface="Arial" charset="0"/>
+                <a:ea typeface="宋体" pitchFamily="2" charset="-122"/>
+              </a:rPr>
+            </a:br>
+            <a:endParaRPr lang="en-GB" altLang="zh-CN" sz="2400" b="1" baseline="0" dirty="0" smtClean="0">
               <a:solidFill>
                 <a:srgbClr val="006699"/>
               </a:solidFill>
@@ -5353,12 +5352,14 @@
             </a:endParaRPr>
           </a:p>
           <a:p>
-            <a:pPr marL="276548" indent="-276548" algn="just" defTabSz="600077">
+            <a:pPr marL="342900" indent="-342900" algn="l" defTabSz="600077">
               <a:spcBef>
                 <a:spcPct val="50000"/>
               </a:spcBef>
+              <a:buFontTx/>
+              <a:buChar char="-"/>
             </a:pPr>
-            <a:endParaRPr lang="en-GB" altLang="zh-CN" sz="3000" b="1" baseline="0" dirty="0" smtClean="0">
+            <a:endParaRPr lang="en-GB" altLang="zh-CN" sz="2400" b="1" baseline="0" dirty="0">
               <a:solidFill>
                 <a:srgbClr val="006699"/>
               </a:solidFill>
@@ -5367,408 +5368,14 @@
             </a:endParaRPr>
           </a:p>
           <a:p>
-            <a:pPr marL="276548" indent="-276548" algn="just" defTabSz="600077">
+            <a:pPr marL="342900" indent="-342900" algn="l" defTabSz="600077">
               <a:spcBef>
                 <a:spcPct val="50000"/>
               </a:spcBef>
+              <a:buFontTx/>
+              <a:buChar char="-"/>
             </a:pPr>
-            <a:r>
-              <a:rPr lang="en-GB" altLang="zh-CN" sz="2000" b="1" baseline="0" dirty="0" smtClean="0">
-                <a:solidFill>
-                  <a:srgbClr val="006699"/>
-                </a:solidFill>
-                <a:latin typeface="Arial" charset="0"/>
-                <a:ea typeface="宋体" pitchFamily="2" charset="-122"/>
-              </a:rPr>
-              <a:t> </a:t>
-            </a:r>
-          </a:p>
-          <a:p>
-            <a:pPr marL="276548" indent="-276548" algn="l" defTabSz="600077">
-              <a:spcBef>
-                <a:spcPct val="50000"/>
-              </a:spcBef>
-            </a:pPr>
-            <a:r>
-              <a:rPr lang="en-GB" altLang="zh-CN" sz="2000" b="1" baseline="0" dirty="0" smtClean="0">
-                <a:solidFill>
-                  <a:srgbClr val="006699"/>
-                </a:solidFill>
-                <a:latin typeface="Arial" charset="0"/>
-                <a:ea typeface="宋体" pitchFamily="2" charset="-122"/>
-              </a:rPr>
-              <a:t>    #Rule 1:  </a:t>
-            </a:r>
-            <a:r>
-              <a:rPr lang="en-SG" altLang="zh-CN" sz="2000" b="1" baseline="0" dirty="0" err="1" smtClean="0">
-                <a:solidFill>
-                  <a:srgbClr val="006699"/>
-                </a:solidFill>
-                <a:latin typeface="Arial" charset="0"/>
-                <a:ea typeface="宋体" pitchFamily="2" charset="-122"/>
-              </a:rPr>
-              <a:t>Overide</a:t>
-            </a:r>
-            <a:r>
-              <a:rPr lang="en-SG" altLang="zh-CN" sz="2000" b="1" baseline="0" dirty="0" smtClean="0">
-                <a:solidFill>
-                  <a:srgbClr val="006699"/>
-                </a:solidFill>
-                <a:latin typeface="Arial" charset="0"/>
-                <a:ea typeface="宋体" pitchFamily="2" charset="-122"/>
-              </a:rPr>
-              <a:t> document.URL </a:t>
-            </a:r>
-            <a:r>
-              <a:rPr lang="en-SG" altLang="zh-CN" sz="2000" b="1" baseline="0" dirty="0" err="1" smtClean="0">
-                <a:solidFill>
-                  <a:srgbClr val="006699"/>
-                </a:solidFill>
-                <a:latin typeface="Arial" charset="0"/>
-                <a:ea typeface="宋体" pitchFamily="2" charset="-122"/>
-              </a:rPr>
-              <a:t>getter:dangerous</a:t>
-            </a:r>
-            <a:r>
-              <a:rPr lang="en-SG" altLang="zh-CN" sz="2000" b="1" baseline="0" dirty="0" smtClean="0">
-                <a:solidFill>
-                  <a:srgbClr val="006699"/>
-                </a:solidFill>
-                <a:latin typeface="Arial" charset="0"/>
-                <a:ea typeface="宋体" pitchFamily="2" charset="-122"/>
-              </a:rPr>
-              <a:t> code in </a:t>
-            </a:r>
-            <a:r>
-              <a:rPr lang="en-SG" altLang="zh-CN" sz="2000" b="1" baseline="0" dirty="0" err="1" smtClean="0">
-                <a:solidFill>
-                  <a:srgbClr val="006699"/>
-                </a:solidFill>
-                <a:latin typeface="Arial" charset="0"/>
-                <a:ea typeface="宋体" pitchFamily="2" charset="-122"/>
-              </a:rPr>
-              <a:t>url</a:t>
-            </a:r>
-            <a:r>
-              <a:rPr lang="en-SG" altLang="zh-CN" sz="2000" b="1" baseline="0" dirty="0" smtClean="0">
-                <a:solidFill>
-                  <a:srgbClr val="006699"/>
-                </a:solidFill>
-                <a:latin typeface="Arial" charset="0"/>
-                <a:ea typeface="宋体" pitchFamily="2" charset="-122"/>
-              </a:rPr>
-              <a:t> such as?&lt;script&gt;...</a:t>
-            </a:r>
-          </a:p>
-          <a:p>
-            <a:pPr marL="276548" indent="-276548" algn="l" defTabSz="600077">
-              <a:spcBef>
-                <a:spcPct val="50000"/>
-              </a:spcBef>
-            </a:pPr>
-            <a:r>
-              <a:rPr lang="en-GB" altLang="zh-CN" sz="2000" b="1" baseline="0" dirty="0" smtClean="0">
-                <a:solidFill>
-                  <a:srgbClr val="006699"/>
-                </a:solidFill>
-                <a:latin typeface="Arial" charset="0"/>
-                <a:ea typeface="宋体" pitchFamily="2" charset="-122"/>
-              </a:rPr>
-              <a:t>   </a:t>
-            </a:r>
-          </a:p>
-          <a:p>
-            <a:pPr marL="276548" indent="-276548" algn="just" defTabSz="600077">
-              <a:spcBef>
-                <a:spcPct val="50000"/>
-              </a:spcBef>
-            </a:pPr>
-            <a:r>
-              <a:rPr lang="en-GB" altLang="zh-CN" sz="2000" b="1" baseline="0" dirty="0" smtClean="0">
-                <a:solidFill>
-                  <a:srgbClr val="006699"/>
-                </a:solidFill>
-                <a:latin typeface="Arial" charset="0"/>
-                <a:ea typeface="宋体" pitchFamily="2" charset="-122"/>
-              </a:rPr>
-              <a:t>    #Rule 2:  </a:t>
-            </a:r>
-            <a:r>
-              <a:rPr lang="en-SG" altLang="zh-CN" sz="2000" b="1" baseline="0" dirty="0" err="1" smtClean="0">
-                <a:solidFill>
-                  <a:srgbClr val="006699"/>
-                </a:solidFill>
-                <a:latin typeface="Arial" charset="0"/>
-                <a:ea typeface="宋体" pitchFamily="2" charset="-122"/>
-              </a:rPr>
-              <a:t>Overide</a:t>
-            </a:r>
-            <a:r>
-              <a:rPr lang="en-SG" altLang="zh-CN" sz="2000" b="1" baseline="0" dirty="0" smtClean="0">
-                <a:solidFill>
-                  <a:srgbClr val="006699"/>
-                </a:solidFill>
-                <a:latin typeface="Arial" charset="0"/>
-                <a:ea typeface="宋体" pitchFamily="2" charset="-122"/>
-              </a:rPr>
-              <a:t> </a:t>
-            </a:r>
-            <a:r>
-              <a:rPr lang="en-SG" altLang="zh-CN" sz="2000" b="1" baseline="0" dirty="0" err="1" smtClean="0">
-                <a:solidFill>
-                  <a:srgbClr val="006699"/>
-                </a:solidFill>
-                <a:latin typeface="Arial" charset="0"/>
-                <a:ea typeface="宋体" pitchFamily="2" charset="-122"/>
-              </a:rPr>
-              <a:t>document.URLUnencoded</a:t>
-            </a:r>
-            <a:r>
-              <a:rPr lang="en-SG" altLang="zh-CN" sz="2000" b="1" baseline="0" dirty="0" smtClean="0">
-                <a:solidFill>
-                  <a:srgbClr val="006699"/>
-                </a:solidFill>
-                <a:latin typeface="Arial" charset="0"/>
-                <a:ea typeface="宋体" pitchFamily="2" charset="-122"/>
-              </a:rPr>
-              <a:t>: Other entry possibly inject code.</a:t>
-            </a:r>
-          </a:p>
-          <a:p>
-            <a:pPr marL="276548" indent="-276548" algn="just" defTabSz="600077">
-              <a:spcBef>
-                <a:spcPct val="50000"/>
-              </a:spcBef>
-            </a:pPr>
-            <a:r>
-              <a:rPr lang="en-SG" altLang="zh-CN" sz="2000" b="1" baseline="0" dirty="0" smtClean="0">
-                <a:solidFill>
-                  <a:srgbClr val="006699"/>
-                </a:solidFill>
-                <a:latin typeface="Arial" charset="0"/>
-                <a:ea typeface="宋体" pitchFamily="2" charset="-122"/>
-              </a:rPr>
-              <a:t>   </a:t>
-            </a:r>
-          </a:p>
-          <a:p>
-            <a:pPr marL="276548" indent="-276548" algn="l" defTabSz="600077">
-              <a:spcBef>
-                <a:spcPct val="50000"/>
-              </a:spcBef>
-            </a:pPr>
-            <a:r>
-              <a:rPr lang="en-SG" altLang="zh-CN" sz="2000" b="1" baseline="0" dirty="0" smtClean="0">
-                <a:solidFill>
-                  <a:srgbClr val="006699"/>
-                </a:solidFill>
-                <a:latin typeface="Arial" charset="0"/>
-                <a:ea typeface="宋体" pitchFamily="2" charset="-122"/>
-              </a:rPr>
-              <a:t>     #</a:t>
-            </a:r>
-            <a:r>
-              <a:rPr lang="en-GB" altLang="zh-CN" sz="2000" b="1" baseline="0" dirty="0" smtClean="0">
-                <a:solidFill>
-                  <a:srgbClr val="006699"/>
-                </a:solidFill>
-                <a:latin typeface="Arial" charset="0"/>
-                <a:ea typeface="宋体" pitchFamily="2" charset="-122"/>
-              </a:rPr>
-              <a:t>Rule 3: </a:t>
-            </a:r>
-            <a:r>
-              <a:rPr lang="en-SG" altLang="zh-CN" sz="2000" b="1" baseline="0" dirty="0" err="1" smtClean="0">
-                <a:solidFill>
-                  <a:srgbClr val="006699"/>
-                </a:solidFill>
-                <a:latin typeface="Arial" charset="0"/>
-                <a:ea typeface="宋体" pitchFamily="2" charset="-122"/>
-              </a:rPr>
-              <a:t>Overide</a:t>
-            </a:r>
-            <a:r>
-              <a:rPr lang="en-SG" altLang="zh-CN" sz="2000" b="1" baseline="0" dirty="0" smtClean="0">
-                <a:solidFill>
-                  <a:srgbClr val="006699"/>
-                </a:solidFill>
-                <a:latin typeface="Arial" charset="0"/>
-                <a:ea typeface="宋体" pitchFamily="2" charset="-122"/>
-              </a:rPr>
-              <a:t> </a:t>
-            </a:r>
-            <a:r>
-              <a:rPr lang="en-SG" altLang="zh-CN" sz="2000" b="1" baseline="0" dirty="0" err="1" smtClean="0">
-                <a:solidFill>
-                  <a:srgbClr val="006699"/>
-                </a:solidFill>
-                <a:latin typeface="Arial" charset="0"/>
-                <a:ea typeface="宋体" pitchFamily="2" charset="-122"/>
-              </a:rPr>
-              <a:t>document.location</a:t>
-            </a:r>
-            <a:r>
-              <a:rPr lang="en-SG" altLang="zh-CN" sz="2000" b="1" baseline="0" dirty="0" smtClean="0">
-                <a:solidFill>
-                  <a:srgbClr val="006699"/>
-                </a:solidFill>
-                <a:latin typeface="Arial" charset="0"/>
-                <a:ea typeface="宋体" pitchFamily="2" charset="-122"/>
-              </a:rPr>
-              <a:t> via encoding </a:t>
-            </a:r>
-            <a:r>
-              <a:rPr lang="en-SG" altLang="zh-CN" sz="2000" b="1" baseline="0" dirty="0" err="1" smtClean="0">
-                <a:solidFill>
-                  <a:srgbClr val="006699"/>
-                </a:solidFill>
-                <a:latin typeface="Arial" charset="0"/>
-                <a:ea typeface="宋体" pitchFamily="2" charset="-122"/>
-              </a:rPr>
-              <a:t>location.hash</a:t>
-            </a:r>
-            <a:r>
-              <a:rPr lang="en-SG" altLang="zh-CN" sz="2000" b="1" baseline="0" dirty="0" smtClean="0">
-                <a:solidFill>
-                  <a:srgbClr val="006699"/>
-                </a:solidFill>
-                <a:latin typeface="Arial" charset="0"/>
-                <a:ea typeface="宋体" pitchFamily="2" charset="-122"/>
-              </a:rPr>
-              <a:t>.</a:t>
-            </a:r>
-          </a:p>
-          <a:p>
-            <a:pPr marL="276548" indent="-276548" algn="just" defTabSz="600077">
-              <a:spcBef>
-                <a:spcPct val="50000"/>
-              </a:spcBef>
-            </a:pPr>
-            <a:r>
-              <a:rPr lang="en-SG" altLang="zh-CN" sz="2000" b="1" baseline="0" dirty="0" smtClean="0">
-                <a:solidFill>
-                  <a:srgbClr val="006699"/>
-                </a:solidFill>
-                <a:latin typeface="Arial" charset="0"/>
-                <a:ea typeface="宋体" pitchFamily="2" charset="-122"/>
-              </a:rPr>
-              <a:t>     (</a:t>
-            </a:r>
-            <a:r>
-              <a:rPr lang="en-SG" altLang="zh-CN" sz="2000" b="1" baseline="0" dirty="0" err="1" smtClean="0">
-                <a:solidFill>
-                  <a:srgbClr val="006699"/>
-                </a:solidFill>
-                <a:latin typeface="Arial" charset="0"/>
-                <a:ea typeface="宋体" pitchFamily="2" charset="-122"/>
-              </a:rPr>
-              <a:t>document.location.search</a:t>
-            </a:r>
-            <a:r>
-              <a:rPr lang="en-SG" altLang="zh-CN" sz="2000" b="1" baseline="0" dirty="0" smtClean="0">
-                <a:solidFill>
-                  <a:srgbClr val="006699"/>
-                </a:solidFill>
-                <a:latin typeface="Arial" charset="0"/>
-                <a:ea typeface="宋体" pitchFamily="2" charset="-122"/>
-              </a:rPr>
-              <a:t> already supported by </a:t>
-            </a:r>
-            <a:r>
-              <a:rPr lang="en-SG" altLang="zh-CN" sz="2000" b="1" baseline="0" dirty="0" err="1" smtClean="0">
-                <a:solidFill>
-                  <a:srgbClr val="006699"/>
-                </a:solidFill>
-                <a:latin typeface="Arial" charset="0"/>
-                <a:ea typeface="宋体" pitchFamily="2" charset="-122"/>
-              </a:rPr>
-              <a:t>google</a:t>
-            </a:r>
-            <a:r>
-              <a:rPr lang="en-SG" altLang="zh-CN" sz="2000" b="1" baseline="0" dirty="0" smtClean="0">
-                <a:solidFill>
-                  <a:srgbClr val="006699"/>
-                </a:solidFill>
-                <a:latin typeface="Arial" charset="0"/>
-                <a:ea typeface="宋体" pitchFamily="2" charset="-122"/>
-              </a:rPr>
-              <a:t>.)</a:t>
-            </a:r>
-          </a:p>
-          <a:p>
-            <a:pPr marL="276548" indent="-276548" algn="just" defTabSz="600077">
-              <a:spcBef>
-                <a:spcPct val="50000"/>
-              </a:spcBef>
-            </a:pPr>
-            <a:r>
-              <a:rPr lang="en-SG" altLang="zh-CN" sz="2000" b="1" baseline="0" dirty="0" smtClean="0">
-                <a:solidFill>
-                  <a:srgbClr val="006699"/>
-                </a:solidFill>
-                <a:latin typeface="Arial" charset="0"/>
-                <a:ea typeface="宋体" pitchFamily="2" charset="-122"/>
-              </a:rPr>
-              <a:t>   </a:t>
-            </a:r>
-          </a:p>
-          <a:p>
-            <a:pPr marL="276548" indent="-276548" algn="just" defTabSz="600077">
-              <a:spcBef>
-                <a:spcPct val="50000"/>
-              </a:spcBef>
-            </a:pPr>
-            <a:r>
-              <a:rPr lang="en-SG" altLang="zh-CN" sz="2000" b="1" baseline="0" dirty="0" smtClean="0">
-                <a:solidFill>
-                  <a:srgbClr val="006699"/>
-                </a:solidFill>
-                <a:latin typeface="Arial" charset="0"/>
-                <a:ea typeface="宋体" pitchFamily="2" charset="-122"/>
-              </a:rPr>
-              <a:t>     </a:t>
-            </a:r>
-            <a:r>
-              <a:rPr lang="en-GB" altLang="zh-CN" sz="2000" b="1" baseline="0" dirty="0" smtClean="0">
-                <a:solidFill>
-                  <a:srgbClr val="006699"/>
-                </a:solidFill>
-                <a:latin typeface="Arial" charset="0"/>
-                <a:ea typeface="宋体" pitchFamily="2" charset="-122"/>
-              </a:rPr>
-              <a:t>Rule 4: </a:t>
-            </a:r>
-            <a:r>
-              <a:rPr lang="en-SG" altLang="zh-CN" sz="2000" b="1" baseline="0" dirty="0" smtClean="0">
-                <a:solidFill>
-                  <a:srgbClr val="006699"/>
-                </a:solidFill>
-                <a:latin typeface="Arial" charset="0"/>
-                <a:ea typeface="宋体" pitchFamily="2" charset="-122"/>
-              </a:rPr>
-              <a:t>Encode the value of </a:t>
-            </a:r>
-            <a:r>
-              <a:rPr lang="en-SG" altLang="zh-CN" sz="2000" b="1" baseline="0" dirty="0" err="1" smtClean="0">
-                <a:solidFill>
-                  <a:srgbClr val="006699"/>
-                </a:solidFill>
-                <a:latin typeface="Arial" charset="0"/>
-                <a:ea typeface="宋体" pitchFamily="2" charset="-122"/>
-              </a:rPr>
-              <a:t>window.location.hash</a:t>
-            </a:r>
-            <a:r>
-              <a:rPr lang="en-SG" altLang="zh-CN" sz="2000" b="1" baseline="0" dirty="0" smtClean="0">
-                <a:solidFill>
-                  <a:srgbClr val="006699"/>
-                </a:solidFill>
-                <a:latin typeface="Arial" charset="0"/>
-                <a:ea typeface="宋体" pitchFamily="2" charset="-122"/>
-              </a:rPr>
-              <a:t>. </a:t>
-            </a:r>
-            <a:endParaRPr lang="en-GB" altLang="zh-CN" sz="2000" b="1" baseline="0" dirty="0" smtClean="0">
+            <a:endParaRPr lang="en-GB" altLang="zh-CN" sz="2400" b="1" baseline="0" dirty="0" smtClean="0">
               <a:solidFill>
                 <a:srgbClr val="006699"/>
               </a:solidFill>
@@ -5776,43 +5383,396 @@
               <a:ea typeface="宋体" pitchFamily="2" charset="-122"/>
             </a:endParaRPr>
           </a:p>
-        </p:txBody>
-      </p:sp>
-      <p:sp>
-        <p:nvSpPr>
-          <p:cNvPr id="2590" name="AutoShape 542"/>
-          <p:cNvSpPr>
-            <a:spLocks noChangeArrowheads="1"/>
-          </p:cNvSpPr>
-          <p:nvPr/>
-        </p:nvSpPr>
-        <p:spPr bwMode="auto">
-          <a:xfrm>
-            <a:off x="10091738" y="11456194"/>
-            <a:ext cx="11142960" cy="9525000"/>
-          </a:xfrm>
-          <a:prstGeom prst="roundRect">
-            <a:avLst>
-              <a:gd name="adj" fmla="val 3856"/>
-            </a:avLst>
-          </a:prstGeom>
-          <a:noFill/>
-          <a:ln w="12700">
-            <a:solidFill>
-              <a:schemeClr val="bg1"/>
-            </a:solidFill>
-            <a:round/>
-            <a:headEnd/>
-            <a:tailEnd/>
-          </a:ln>
-          <a:effectLst/>
-        </p:spPr>
-        <p:txBody>
-          <a:bodyPr wrap="none" lIns="44811" tIns="22404" rIns="44811" bIns="22404" anchor="ctr"/>
-          <a:lstStyle/>
-          <a:p>
-            <a:pPr defTabSz="538147"/>
-            <a:endParaRPr lang="en-US" dirty="0"/>
+          <a:p>
+            <a:pPr marL="342900" indent="-342900" algn="l" defTabSz="600077">
+              <a:spcBef>
+                <a:spcPct val="50000"/>
+              </a:spcBef>
+              <a:buFontTx/>
+              <a:buChar char="-"/>
+            </a:pPr>
+            <a:endParaRPr lang="en-GB" altLang="zh-CN" sz="2400" b="1" baseline="0" dirty="0">
+              <a:solidFill>
+                <a:srgbClr val="006699"/>
+              </a:solidFill>
+              <a:latin typeface="Arial" charset="0"/>
+              <a:ea typeface="宋体" pitchFamily="2" charset="-122"/>
+            </a:endParaRPr>
+          </a:p>
+          <a:p>
+            <a:pPr marL="342900" indent="-342900" algn="l" defTabSz="600077">
+              <a:spcBef>
+                <a:spcPct val="50000"/>
+              </a:spcBef>
+              <a:buFontTx/>
+              <a:buChar char="-"/>
+            </a:pPr>
+            <a:endParaRPr lang="en-GB" altLang="zh-CN" sz="2400" b="1" baseline="0" dirty="0" smtClean="0">
+              <a:solidFill>
+                <a:srgbClr val="006699"/>
+              </a:solidFill>
+              <a:latin typeface="Arial" charset="0"/>
+              <a:ea typeface="宋体" pitchFamily="2" charset="-122"/>
+            </a:endParaRPr>
+          </a:p>
+          <a:p>
+            <a:pPr marL="342900" indent="-342900" algn="l" defTabSz="600077">
+              <a:spcBef>
+                <a:spcPct val="50000"/>
+              </a:spcBef>
+              <a:buFontTx/>
+              <a:buChar char="-"/>
+            </a:pPr>
+            <a:endParaRPr lang="en-GB" altLang="zh-CN" sz="2400" b="1" baseline="0" dirty="0">
+              <a:solidFill>
+                <a:srgbClr val="006699"/>
+              </a:solidFill>
+              <a:latin typeface="Arial" charset="0"/>
+              <a:ea typeface="宋体" pitchFamily="2" charset="-122"/>
+            </a:endParaRPr>
+          </a:p>
+          <a:p>
+            <a:pPr marL="650413" lvl="1" indent="-342900" algn="l" defTabSz="600077">
+              <a:spcBef>
+                <a:spcPct val="50000"/>
+              </a:spcBef>
+              <a:buFontTx/>
+              <a:buChar char="-"/>
+            </a:pPr>
+            <a:r>
+              <a:rPr lang="en-GB" altLang="zh-CN" sz="2400" b="1" baseline="0" dirty="0" smtClean="0">
+                <a:solidFill>
+                  <a:srgbClr val="006699"/>
+                </a:solidFill>
+                <a:latin typeface="Arial" charset="0"/>
+                <a:ea typeface="宋体" pitchFamily="2" charset="-122"/>
+              </a:rPr>
+              <a:t>Chrome Content Script</a:t>
+            </a:r>
+          </a:p>
+          <a:p>
+            <a:pPr marL="957925" lvl="2" indent="-342900" algn="l" defTabSz="600077">
+              <a:spcBef>
+                <a:spcPct val="50000"/>
+              </a:spcBef>
+              <a:buFontTx/>
+              <a:buChar char="-"/>
+            </a:pPr>
+            <a:r>
+              <a:rPr lang="en-GB" altLang="zh-CN" sz="2400" b="1" baseline="0" dirty="0" smtClean="0">
+                <a:solidFill>
+                  <a:srgbClr val="006699"/>
+                </a:solidFill>
+                <a:latin typeface="Arial" charset="0"/>
+                <a:ea typeface="宋体" pitchFamily="2" charset="-122"/>
+              </a:rPr>
+              <a:t>Before DOM objects are constructed, inject small amount of JavaScript to…</a:t>
+            </a:r>
+          </a:p>
+          <a:p>
+            <a:pPr marL="1265438" lvl="3" indent="-342900" algn="l" defTabSz="600077">
+              <a:spcBef>
+                <a:spcPct val="50000"/>
+              </a:spcBef>
+              <a:buFontTx/>
+              <a:buChar char="-"/>
+            </a:pPr>
+            <a:r>
+              <a:rPr lang="en-SG" altLang="zh-CN" sz="2400" b="1" baseline="0" dirty="0" smtClean="0">
+                <a:solidFill>
+                  <a:srgbClr val="006699"/>
+                </a:solidFill>
+                <a:latin typeface="Arial" charset="0"/>
+                <a:ea typeface="宋体" pitchFamily="2" charset="-122"/>
+              </a:rPr>
+              <a:t>Override </a:t>
+            </a:r>
+            <a:r>
+              <a:rPr lang="en-SG" altLang="zh-CN" sz="2400" b="1" baseline="0" dirty="0" smtClean="0">
+                <a:solidFill>
+                  <a:srgbClr val="006699"/>
+                </a:solidFill>
+                <a:latin typeface="Courier New" pitchFamily="49" charset="0"/>
+                <a:ea typeface="宋体" pitchFamily="2" charset="-122"/>
+                <a:cs typeface="Courier New" pitchFamily="49" charset="0"/>
+              </a:rPr>
+              <a:t>document.URL</a:t>
+            </a:r>
+            <a:r>
+              <a:rPr lang="en-SG" altLang="zh-CN" sz="2400" b="1" baseline="0" dirty="0" smtClean="0">
+                <a:solidFill>
+                  <a:srgbClr val="006699"/>
+                </a:solidFill>
+                <a:latin typeface="Arial" charset="0"/>
+                <a:ea typeface="宋体" pitchFamily="2" charset="-122"/>
+              </a:rPr>
+              <a:t> getter</a:t>
+            </a:r>
+            <a:endParaRPr lang="en-GB" altLang="zh-CN" sz="2400" b="1" baseline="0" dirty="0">
+              <a:solidFill>
+                <a:srgbClr val="006699"/>
+              </a:solidFill>
+              <a:latin typeface="Arial" charset="0"/>
+              <a:ea typeface="宋体" pitchFamily="2" charset="-122"/>
+            </a:endParaRPr>
+          </a:p>
+          <a:p>
+            <a:pPr marL="1265438" lvl="3" indent="-342900" algn="l" defTabSz="600077">
+              <a:spcBef>
+                <a:spcPct val="50000"/>
+              </a:spcBef>
+              <a:buFontTx/>
+              <a:buChar char="-"/>
+            </a:pPr>
+            <a:r>
+              <a:rPr lang="en-SG" altLang="zh-CN" sz="2400" b="1" baseline="0" dirty="0" smtClean="0">
+                <a:solidFill>
+                  <a:srgbClr val="006699"/>
+                </a:solidFill>
+                <a:latin typeface="Arial" charset="0"/>
+                <a:ea typeface="宋体" pitchFamily="2" charset="-122"/>
+              </a:rPr>
+              <a:t>Override </a:t>
+            </a:r>
+            <a:r>
+              <a:rPr lang="en-SG" altLang="zh-CN" sz="2400" b="1" baseline="0" dirty="0" err="1" smtClean="0">
+                <a:solidFill>
+                  <a:srgbClr val="006699"/>
+                </a:solidFill>
+                <a:latin typeface="Courier New" pitchFamily="49" charset="0"/>
+                <a:ea typeface="宋体" pitchFamily="2" charset="-122"/>
+                <a:cs typeface="Courier New" pitchFamily="49" charset="0"/>
+              </a:rPr>
+              <a:t>document.URLUnencoded</a:t>
+            </a:r>
+            <a:r>
+              <a:rPr lang="en-SG" altLang="zh-CN" sz="2400" b="1" baseline="0" dirty="0" smtClean="0">
+                <a:solidFill>
+                  <a:srgbClr val="006699"/>
+                </a:solidFill>
+                <a:latin typeface="Arial" charset="0"/>
+                <a:ea typeface="宋体" pitchFamily="2" charset="-122"/>
+              </a:rPr>
+              <a:t> getter</a:t>
+            </a:r>
+          </a:p>
+          <a:p>
+            <a:pPr marL="1265438" lvl="3" indent="-342900" algn="l" defTabSz="600077">
+              <a:spcBef>
+                <a:spcPct val="50000"/>
+              </a:spcBef>
+              <a:buFontTx/>
+              <a:buChar char="-"/>
+            </a:pPr>
+            <a:r>
+              <a:rPr lang="en-SG" altLang="zh-CN" sz="2400" b="1" baseline="0" dirty="0" smtClean="0">
+                <a:solidFill>
+                  <a:srgbClr val="006699"/>
+                </a:solidFill>
+                <a:latin typeface="Arial" charset="0"/>
+                <a:ea typeface="宋体" pitchFamily="2" charset="-122"/>
+              </a:rPr>
+              <a:t>Protect </a:t>
+            </a:r>
+            <a:r>
+              <a:rPr lang="en-SG" altLang="zh-CN" sz="2400" b="1" baseline="0" dirty="0" err="1" smtClean="0">
+                <a:solidFill>
+                  <a:srgbClr val="006699"/>
+                </a:solidFill>
+                <a:latin typeface="Courier New" pitchFamily="49" charset="0"/>
+                <a:ea typeface="宋体" pitchFamily="2" charset="-122"/>
+                <a:cs typeface="Courier New" pitchFamily="49" charset="0"/>
+              </a:rPr>
+              <a:t>document.location</a:t>
+            </a:r>
+            <a:r>
+              <a:rPr lang="en-SG" altLang="zh-CN" sz="2400" b="1" baseline="0" dirty="0" smtClean="0">
+                <a:solidFill>
+                  <a:srgbClr val="006699"/>
+                </a:solidFill>
+                <a:latin typeface="Arial" charset="0"/>
+                <a:ea typeface="宋体" pitchFamily="2" charset="-122"/>
+              </a:rPr>
+              <a:t>:</a:t>
+            </a:r>
+          </a:p>
+          <a:p>
+            <a:pPr marL="1572951" lvl="4" indent="-342900" algn="l" defTabSz="600077">
+              <a:spcBef>
+                <a:spcPct val="50000"/>
+              </a:spcBef>
+              <a:buFontTx/>
+              <a:buChar char="-"/>
+            </a:pPr>
+            <a:r>
+              <a:rPr lang="en-SG" altLang="zh-CN" sz="2400" b="1" baseline="0" dirty="0" err="1" smtClean="0">
+                <a:solidFill>
+                  <a:srgbClr val="006699"/>
+                </a:solidFill>
+                <a:latin typeface="Courier New" pitchFamily="49" charset="0"/>
+                <a:ea typeface="宋体" pitchFamily="2" charset="-122"/>
+                <a:cs typeface="Courier New" pitchFamily="49" charset="0"/>
+              </a:rPr>
+              <a:t>document.location.search</a:t>
+            </a:r>
+            <a:r>
+              <a:rPr lang="en-SG" altLang="zh-CN" sz="2400" b="1" baseline="0" dirty="0" smtClean="0">
+                <a:solidFill>
+                  <a:srgbClr val="006699"/>
+                </a:solidFill>
+                <a:latin typeface="Arial" charset="0"/>
+                <a:ea typeface="宋体" pitchFamily="2" charset="-122"/>
+              </a:rPr>
+              <a:t> </a:t>
+            </a:r>
+            <a:r>
+              <a:rPr lang="en-SG" altLang="zh-CN" sz="2400" b="1" baseline="0" dirty="0" smtClean="0">
+                <a:solidFill>
+                  <a:srgbClr val="006699"/>
+                </a:solidFill>
+                <a:latin typeface="Arial" charset="0"/>
+                <a:ea typeface="宋体" pitchFamily="2" charset="-122"/>
+              </a:rPr>
+              <a:t>already </a:t>
+            </a:r>
+            <a:r>
+              <a:rPr lang="en-SG" altLang="zh-CN" sz="2400" b="1" baseline="0" dirty="0" smtClean="0">
+                <a:solidFill>
+                  <a:srgbClr val="006699"/>
+                </a:solidFill>
+                <a:latin typeface="Arial" charset="0"/>
+                <a:ea typeface="宋体" pitchFamily="2" charset="-122"/>
+              </a:rPr>
+              <a:t>encoded</a:t>
+            </a:r>
+          </a:p>
+          <a:p>
+            <a:pPr marL="1572951" lvl="4" indent="-342900" algn="l" defTabSz="600077">
+              <a:spcBef>
+                <a:spcPct val="50000"/>
+              </a:spcBef>
+              <a:buFontTx/>
+              <a:buChar char="-"/>
+            </a:pPr>
+            <a:r>
+              <a:rPr lang="en-SG" altLang="zh-CN" sz="2400" b="1" baseline="0" dirty="0">
+                <a:solidFill>
+                  <a:srgbClr val="006699"/>
+                </a:solidFill>
+                <a:latin typeface="Arial" charset="0"/>
+                <a:ea typeface="宋体" pitchFamily="2" charset="-122"/>
+              </a:rPr>
+              <a:t>O</a:t>
+            </a:r>
+            <a:r>
+              <a:rPr lang="en-SG" altLang="zh-CN" sz="2400" b="1" baseline="0" dirty="0" smtClean="0">
+                <a:solidFill>
+                  <a:srgbClr val="006699"/>
+                </a:solidFill>
+                <a:latin typeface="Arial" charset="0"/>
+                <a:ea typeface="宋体" pitchFamily="2" charset="-122"/>
+              </a:rPr>
+              <a:t>verride </a:t>
+            </a:r>
+            <a:r>
+              <a:rPr lang="en-SG" altLang="zh-CN" sz="2400" b="1" baseline="0" dirty="0" err="1" smtClean="0">
+                <a:solidFill>
+                  <a:srgbClr val="006699"/>
+                </a:solidFill>
+                <a:latin typeface="Courier New" pitchFamily="49" charset="0"/>
+                <a:ea typeface="宋体" pitchFamily="2" charset="-122"/>
+                <a:cs typeface="Courier New" pitchFamily="49" charset="0"/>
+              </a:rPr>
+              <a:t>document.location.hash</a:t>
+            </a:r>
+            <a:r>
+              <a:rPr lang="en-SG" altLang="zh-CN" sz="2400" b="1" baseline="0" dirty="0" smtClean="0">
+                <a:solidFill>
+                  <a:srgbClr val="006699"/>
+                </a:solidFill>
+                <a:latin typeface="Arial" charset="0"/>
+                <a:ea typeface="宋体" pitchFamily="2" charset="-122"/>
+              </a:rPr>
+              <a:t> getter</a:t>
+            </a:r>
+          </a:p>
+          <a:p>
+            <a:pPr marL="1265438" lvl="3" indent="-342900" algn="l" defTabSz="600077">
+              <a:spcBef>
+                <a:spcPct val="50000"/>
+              </a:spcBef>
+              <a:buFontTx/>
+              <a:buChar char="-"/>
+            </a:pPr>
+            <a:r>
+              <a:rPr lang="en-SG" altLang="zh-CN" sz="2400" b="1" baseline="0" dirty="0" smtClean="0">
+                <a:solidFill>
+                  <a:srgbClr val="006699"/>
+                </a:solidFill>
+                <a:latin typeface="Arial" charset="0"/>
+                <a:ea typeface="宋体" pitchFamily="2" charset="-122"/>
+              </a:rPr>
+              <a:t>Override </a:t>
+            </a:r>
+            <a:r>
+              <a:rPr lang="en-SG" altLang="zh-CN" sz="2400" b="1" baseline="0" dirty="0" smtClean="0">
+                <a:solidFill>
+                  <a:srgbClr val="006699"/>
+                </a:solidFill>
+                <a:latin typeface="Courier New" pitchFamily="49" charset="0"/>
+                <a:ea typeface="宋体" pitchFamily="2" charset="-122"/>
+                <a:cs typeface="Courier New" pitchFamily="49" charset="0"/>
+              </a:rPr>
+              <a:t>window.name </a:t>
+            </a:r>
+            <a:r>
+              <a:rPr lang="en-SG" altLang="zh-CN" sz="2400" b="1" baseline="0" dirty="0" smtClean="0">
+                <a:solidFill>
+                  <a:srgbClr val="006699"/>
+                </a:solidFill>
+                <a:latin typeface="Arial" charset="0"/>
+                <a:ea typeface="宋体" pitchFamily="2" charset="-122"/>
+              </a:rPr>
+              <a:t>getter</a:t>
+            </a:r>
+          </a:p>
+          <a:p>
+            <a:pPr marL="1265438" lvl="3" indent="-342900" algn="l" defTabSz="600077">
+              <a:spcBef>
+                <a:spcPct val="50000"/>
+              </a:spcBef>
+              <a:buFontTx/>
+              <a:buChar char="-"/>
+            </a:pPr>
+            <a:r>
+              <a:rPr lang="en-SG" altLang="zh-CN" sz="2400" b="1" baseline="0" dirty="0" smtClean="0">
+                <a:solidFill>
+                  <a:srgbClr val="006699"/>
+                </a:solidFill>
+                <a:latin typeface="Arial" charset="0"/>
+                <a:ea typeface="宋体" pitchFamily="2" charset="-122"/>
+              </a:rPr>
+              <a:t>Force encode </a:t>
+            </a:r>
+            <a:r>
+              <a:rPr lang="en-SG" altLang="zh-CN" sz="2400" b="1" baseline="0" dirty="0" err="1" smtClean="0">
+                <a:solidFill>
+                  <a:srgbClr val="006699"/>
+                </a:solidFill>
+                <a:latin typeface="Courier New" pitchFamily="49" charset="0"/>
+                <a:ea typeface="宋体" pitchFamily="2" charset="-122"/>
+                <a:cs typeface="Courier New" pitchFamily="49" charset="0"/>
+              </a:rPr>
+              <a:t>window.location.hash</a:t>
+            </a:r>
+            <a:endParaRPr lang="en-GB" altLang="zh-CN" sz="2400" b="1" baseline="0" dirty="0" smtClean="0">
+              <a:solidFill>
+                <a:srgbClr val="006699"/>
+              </a:solidFill>
+              <a:latin typeface="Courier New" pitchFamily="49" charset="0"/>
+              <a:ea typeface="宋体" pitchFamily="2" charset="-122"/>
+              <a:cs typeface="Courier New" pitchFamily="49" charset="0"/>
+            </a:endParaRPr>
           </a:p>
         </p:txBody>
       </p:sp>
@@ -5876,7 +5836,7 @@
         <p:spPr bwMode="auto">
           <a:xfrm>
             <a:off x="21497504" y="3317181"/>
-            <a:ext cx="8409781" cy="6386413"/>
+            <a:ext cx="8409781" cy="9205813"/>
           </a:xfrm>
           <a:prstGeom prst="rect">
             <a:avLst/>
@@ -5895,114 +5855,6 @@
         <p:txBody>
           <a:bodyPr lIns="268860" tIns="161316" rIns="268860" bIns="268860"/>
           <a:lstStyle/>
-          <a:p>
-            <a:pPr marL="276548" indent="-276548" algn="just" defTabSz="600077">
-              <a:spcBef>
-                <a:spcPct val="50000"/>
-              </a:spcBef>
-            </a:pPr>
-            <a:r>
-              <a:rPr lang="en-GB" altLang="zh-CN" sz="3000" b="1" baseline="0" dirty="0" smtClean="0">
-                <a:solidFill>
-                  <a:srgbClr val="006699"/>
-                </a:solidFill>
-                <a:latin typeface="Arial" charset="0"/>
-                <a:ea typeface="宋体" pitchFamily="2" charset="-122"/>
-              </a:rPr>
-              <a:t>Implementation</a:t>
-            </a:r>
-          </a:p>
-          <a:p>
-            <a:pPr marL="276548" indent="-276548" algn="just" defTabSz="600077">
-              <a:spcBef>
-                <a:spcPct val="50000"/>
-              </a:spcBef>
-              <a:buFont typeface="Wingdings" pitchFamily="2" charset="2"/>
-              <a:buChar char="§"/>
-            </a:pPr>
-            <a:r>
-              <a:rPr lang="en-GB" altLang="zh-CN" sz="3000" b="1" baseline="0" dirty="0" smtClean="0">
-                <a:solidFill>
-                  <a:srgbClr val="006699"/>
-                </a:solidFill>
-                <a:latin typeface="Arial" charset="0"/>
-                <a:ea typeface="宋体" pitchFamily="2" charset="-122"/>
-              </a:rPr>
-              <a:t> Browser: Chrome </a:t>
-            </a:r>
-            <a:r>
-              <a:rPr lang="en-SG" altLang="zh-CN" sz="3000" b="1" baseline="0" dirty="0" smtClean="0">
-                <a:solidFill>
-                  <a:srgbClr val="006699"/>
-                </a:solidFill>
-                <a:latin typeface="Arial" charset="0"/>
-                <a:ea typeface="宋体" pitchFamily="2" charset="-122"/>
-              </a:rPr>
-              <a:t>Version</a:t>
-            </a:r>
-            <a:r>
-              <a:rPr lang="en-SG" sz="3200" dirty="0" smtClean="0"/>
-              <a:t> </a:t>
-            </a:r>
-            <a:r>
-              <a:rPr lang="en-SG" altLang="zh-CN" sz="3000" b="1" baseline="0" dirty="0" smtClean="0">
-                <a:solidFill>
-                  <a:srgbClr val="006699"/>
-                </a:solidFill>
-                <a:latin typeface="Arial" charset="0"/>
-                <a:ea typeface="宋体" pitchFamily="2" charset="-122"/>
-              </a:rPr>
-              <a:t>26.0.1410.43 m</a:t>
-            </a:r>
-          </a:p>
-          <a:p>
-            <a:pPr marL="276548" indent="-276548" algn="just" defTabSz="600077">
-              <a:spcBef>
-                <a:spcPct val="50000"/>
-              </a:spcBef>
-              <a:buFont typeface="Wingdings" pitchFamily="2" charset="2"/>
-              <a:buChar char="§"/>
-            </a:pPr>
-            <a:r>
-              <a:rPr lang="en-US" altLang="zh-CN" sz="3000" b="1" baseline="0" dirty="0" smtClean="0">
-                <a:solidFill>
-                  <a:srgbClr val="006699"/>
-                </a:solidFill>
-                <a:latin typeface="Arial" charset="0"/>
-                <a:ea typeface="宋体" pitchFamily="2" charset="-122"/>
-              </a:rPr>
-              <a:t> JavaScript</a:t>
-            </a:r>
-          </a:p>
-          <a:p>
-            <a:pPr marL="276548" indent="-276548" algn="just" defTabSz="600077">
-              <a:spcBef>
-                <a:spcPct val="50000"/>
-              </a:spcBef>
-              <a:buFont typeface="Wingdings" pitchFamily="2" charset="2"/>
-              <a:buChar char="§"/>
-            </a:pPr>
-            <a:r>
-              <a:rPr lang="en-US" altLang="zh-CN" sz="3000" b="1" baseline="0" dirty="0" smtClean="0">
-                <a:solidFill>
-                  <a:srgbClr val="006699"/>
-                </a:solidFill>
-                <a:latin typeface="Arial" charset="0"/>
-                <a:ea typeface="宋体" pitchFamily="2" charset="-122"/>
-              </a:rPr>
-              <a:t> Chrome Extension </a:t>
-            </a:r>
-            <a:r>
-              <a:rPr lang="en-US" altLang="zh-CN" sz="3000" b="1" baseline="0" dirty="0" smtClean="0">
-                <a:solidFill>
-                  <a:srgbClr val="006699"/>
-                </a:solidFill>
-                <a:latin typeface="Arial" charset="0"/>
-                <a:ea typeface="宋体" pitchFamily="2" charset="-122"/>
-              </a:rPr>
-              <a:t>API</a:t>
-            </a:r>
-          </a:p>
           <a:p>
             <a:pPr algn="just" defTabSz="600077">
               <a:spcBef>
@@ -6149,7 +6001,7 @@
       </p:pic>
       <p:pic>
         <p:nvPicPr>
-          <p:cNvPr id="1030" name="Picture 6" descr="D:\NUS Course\System Security\Final Assignment\poster\eventflow.png"/>
+          <p:cNvPr id="1033" name="Picture 9"/>
           <p:cNvPicPr>
             <a:picLocks noChangeAspect="1" noChangeArrowheads="1"/>
           </p:cNvPicPr>
@@ -6164,66 +6016,8 @@
         </p:blipFill>
         <p:spPr bwMode="auto">
           <a:xfrm>
-            <a:off x="15518606" y="4369594"/>
-            <a:ext cx="4953000" cy="5334000"/>
-          </a:xfrm>
-          <a:prstGeom prst="rect">
-            <a:avLst/>
-          </a:prstGeom>
-          <a:noFill/>
-        </p:spPr>
-      </p:pic>
-      <p:pic>
-        <p:nvPicPr>
-          <p:cNvPr id="1032" name="Picture 8"/>
-          <p:cNvPicPr>
-            <a:picLocks noChangeAspect="1" noChangeArrowheads="1"/>
-          </p:cNvPicPr>
-          <p:nvPr/>
-        </p:nvPicPr>
-        <p:blipFill>
-          <a:blip r:embed="rId18" cstate="print"/>
-          <a:srcRect/>
-          <a:stretch>
-            <a:fillRect/>
-          </a:stretch>
-        </p:blipFill>
-        <p:spPr bwMode="auto">
-          <a:xfrm>
-            <a:off x="11099006" y="5055394"/>
-            <a:ext cx="3361544" cy="4114800"/>
-          </a:xfrm>
-          <a:prstGeom prst="rect">
-            <a:avLst/>
-          </a:prstGeom>
-          <a:noFill/>
-          <a:ln w="9525">
-            <a:noFill/>
-            <a:miter lim="800000"/>
-            <a:headEnd/>
-            <a:tailEnd/>
-          </a:ln>
-        </p:spPr>
-      </p:pic>
-      <p:pic>
-        <p:nvPicPr>
-          <p:cNvPr id="1033" name="Picture 9"/>
-          <p:cNvPicPr>
-            <a:picLocks noChangeAspect="1" noChangeArrowheads="1"/>
-          </p:cNvPicPr>
-          <p:nvPr/>
-        </p:nvPicPr>
-        <p:blipFill>
-          <a:blip r:embed="rId19" cstate="print"/>
-          <a:srcRect/>
-          <a:stretch>
-            <a:fillRect/>
-          </a:stretch>
-        </p:blipFill>
-        <p:spPr bwMode="auto">
-          <a:xfrm>
-            <a:off x="13232606" y="11608594"/>
-            <a:ext cx="3687580" cy="685800"/>
+            <a:off x="11784806" y="4255294"/>
+            <a:ext cx="7580026" cy="1409700"/>
           </a:xfrm>
           <a:prstGeom prst="rect">
             <a:avLst/>
@@ -6246,7 +6040,7 @@
           <p:nvPr/>
         </p:nvPicPr>
         <p:blipFill>
-          <a:blip r:embed="rId20" cstate="print"/>
+          <a:blip r:embed="rId18" cstate="print"/>
           <a:srcRect/>
           <a:stretch>
             <a:fillRect/>
@@ -6254,7 +6048,7 @@
         </p:blipFill>
         <p:spPr bwMode="auto">
           <a:xfrm>
-            <a:off x="10870406" y="12903994"/>
+            <a:off x="10870406" y="7779544"/>
             <a:ext cx="9105900" cy="2762250"/>
           </a:xfrm>
           <a:prstGeom prst="rect">
@@ -6278,7 +6072,7 @@
           <p:nvPr/>
         </p:nvPicPr>
         <p:blipFill>
-          <a:blip r:embed="rId21">
+          <a:blip r:embed="rId19">
             <a:extLst>
               <a:ext uri="{28A0092B-C50C-407E-A947-70E740481C1C}">
                 <a14:useLocalDpi xmlns:a14="http://schemas.microsoft.com/office/drawing/2010/main" val="0"/>
@@ -6332,7 +6126,7 @@
           <p:nvPr/>
         </p:nvPicPr>
         <p:blipFill>
-          <a:blip r:embed="rId22">
+          <a:blip r:embed="rId20">
             <a:extLst>
               <a:ext uri="{28A0092B-C50C-407E-A947-70E740481C1C}">
                 <a14:useLocalDpi xmlns:a14="http://schemas.microsoft.com/office/drawing/2010/main" val="0"/>
@@ -6346,7 +6140,7 @@
         </p:blipFill>
         <p:spPr bwMode="auto">
           <a:xfrm>
-            <a:off x="22004733" y="6996113"/>
+            <a:off x="21919406" y="4293394"/>
             <a:ext cx="7324725" cy="2362200"/>
           </a:xfrm>
           <a:prstGeom prst="rect">
@@ -6377,6 +6171,248 @@
           </a:extLst>
         </p:spPr>
       </p:pic>
+      <p:sp>
+        <p:nvSpPr>
+          <p:cNvPr id="25" name="Text Box 541"/>
+          <p:cNvSpPr txBox="1">
+            <a:spLocks noChangeArrowheads="1"/>
+          </p:cNvSpPr>
+          <p:nvPr/>
+        </p:nvSpPr>
+        <p:spPr bwMode="auto">
+          <a:xfrm>
+            <a:off x="10091738" y="16866393"/>
+            <a:ext cx="11142960" cy="4087317"/>
+          </a:xfrm>
+          <a:prstGeom prst="rect">
+            <a:avLst/>
+          </a:prstGeom>
+          <a:solidFill>
+            <a:schemeClr val="bg1"/>
+          </a:solidFill>
+          <a:ln w="9525">
+            <a:noFill/>
+            <a:miter lim="800000"/>
+            <a:headEnd/>
+            <a:tailEnd/>
+          </a:ln>
+          <a:effectLst/>
+        </p:spPr>
+        <p:txBody>
+          <a:bodyPr lIns="268860" tIns="161316" rIns="268860" bIns="268860"/>
+          <a:lstStyle/>
+          <a:p>
+            <a:pPr marL="276548" indent="-276548" algn="just" defTabSz="600077">
+              <a:spcBef>
+                <a:spcPct val="50000"/>
+              </a:spcBef>
+            </a:pPr>
+            <a:r>
+              <a:rPr lang="en-GB" altLang="zh-CN" sz="3000" b="1" baseline="0" dirty="0" smtClean="0">
+                <a:solidFill>
+                  <a:srgbClr val="006699"/>
+                </a:solidFill>
+                <a:latin typeface="Arial" charset="0"/>
+                <a:ea typeface="宋体" pitchFamily="2" charset="-122"/>
+              </a:rPr>
+              <a:t>Implementation</a:t>
+            </a:r>
+          </a:p>
+          <a:p>
+            <a:pPr marL="276548" indent="-276548" algn="just" defTabSz="600077">
+              <a:spcBef>
+                <a:spcPct val="50000"/>
+              </a:spcBef>
+              <a:buFont typeface="Wingdings" pitchFamily="2" charset="2"/>
+              <a:buChar char="§"/>
+            </a:pPr>
+            <a:r>
+              <a:rPr lang="en-GB" altLang="zh-CN" sz="2400" b="1" baseline="0" dirty="0" smtClean="0">
+                <a:solidFill>
+                  <a:srgbClr val="006699"/>
+                </a:solidFill>
+                <a:latin typeface="Arial" charset="0"/>
+                <a:ea typeface="宋体" pitchFamily="2" charset="-122"/>
+              </a:rPr>
+              <a:t> Browser</a:t>
+            </a:r>
+          </a:p>
+          <a:p>
+            <a:pPr marL="584061" lvl="1" indent="-276548" algn="just" defTabSz="600077">
+              <a:spcBef>
+                <a:spcPct val="50000"/>
+              </a:spcBef>
+              <a:buFont typeface="Wingdings" pitchFamily="2" charset="2"/>
+              <a:buChar char="§"/>
+            </a:pPr>
+            <a:r>
+              <a:rPr lang="en-GB" altLang="zh-CN" sz="2400" b="1" baseline="0" dirty="0" smtClean="0">
+                <a:solidFill>
+                  <a:srgbClr val="006699"/>
+                </a:solidFill>
+                <a:latin typeface="Arial" charset="0"/>
+                <a:ea typeface="宋体" pitchFamily="2" charset="-122"/>
+              </a:rPr>
+              <a:t>Google Chrome </a:t>
+            </a:r>
+            <a:r>
+              <a:rPr lang="en-SG" altLang="zh-CN" sz="2400" b="1" baseline="0" dirty="0">
+                <a:solidFill>
+                  <a:srgbClr val="006699"/>
+                </a:solidFill>
+                <a:latin typeface="Arial" charset="0"/>
+                <a:ea typeface="宋体" pitchFamily="2" charset="-122"/>
+              </a:rPr>
+              <a:t>v</a:t>
+            </a:r>
+            <a:r>
+              <a:rPr lang="en-SG" altLang="zh-CN" sz="2400" b="1" baseline="0" dirty="0" smtClean="0">
+                <a:solidFill>
+                  <a:srgbClr val="006699"/>
+                </a:solidFill>
+                <a:latin typeface="Arial" charset="0"/>
+                <a:ea typeface="宋体" pitchFamily="2" charset="-122"/>
+              </a:rPr>
+              <a:t>ersion</a:t>
+            </a:r>
+            <a:r>
+              <a:rPr lang="en-SG" sz="2400" dirty="0" smtClean="0"/>
+              <a:t> </a:t>
+            </a:r>
+            <a:r>
+              <a:rPr lang="en-SG" altLang="zh-CN" sz="2400" b="1" baseline="0" dirty="0" smtClean="0">
+                <a:solidFill>
+                  <a:srgbClr val="006699"/>
+                </a:solidFill>
+                <a:latin typeface="Arial" charset="0"/>
+                <a:ea typeface="宋体" pitchFamily="2" charset="-122"/>
+              </a:rPr>
+              <a:t>26.0.1410.43 m </a:t>
+            </a:r>
+            <a:r>
+              <a:rPr lang="en-SG" altLang="zh-CN" sz="2400" b="1" baseline="0" dirty="0">
+                <a:solidFill>
+                  <a:srgbClr val="006699"/>
+                </a:solidFill>
+                <a:latin typeface="Arial" charset="0"/>
+                <a:ea typeface="宋体" pitchFamily="2" charset="-122"/>
+              </a:rPr>
+              <a:t>&amp; 27.0.1453.9 m</a:t>
+            </a:r>
+            <a:endParaRPr lang="en-SG" altLang="zh-CN" sz="2400" b="1" baseline="0" dirty="0" smtClean="0">
+              <a:solidFill>
+                <a:srgbClr val="006699"/>
+              </a:solidFill>
+              <a:latin typeface="Arial" charset="0"/>
+              <a:ea typeface="宋体" pitchFamily="2" charset="-122"/>
+            </a:endParaRPr>
+          </a:p>
+          <a:p>
+            <a:pPr marL="276548" indent="-276548" algn="just" defTabSz="600077">
+              <a:spcBef>
+                <a:spcPct val="50000"/>
+              </a:spcBef>
+              <a:buFont typeface="Wingdings" pitchFamily="2" charset="2"/>
+              <a:buChar char="§"/>
+            </a:pPr>
+            <a:r>
+              <a:rPr lang="en-SG" altLang="zh-CN" sz="2400" b="1" baseline="0" dirty="0" smtClean="0">
+                <a:solidFill>
+                  <a:srgbClr val="006699"/>
+                </a:solidFill>
+                <a:latin typeface="Arial" charset="0"/>
+                <a:ea typeface="宋体" pitchFamily="2" charset="-122"/>
+              </a:rPr>
+              <a:t>JavaScript</a:t>
+            </a:r>
+            <a:endParaRPr lang="en-SG" altLang="zh-CN" sz="2400" b="1" baseline="0" dirty="0" smtClean="0">
+              <a:solidFill>
+                <a:srgbClr val="006699"/>
+              </a:solidFill>
+              <a:latin typeface="Arial" charset="0"/>
+              <a:ea typeface="宋体" pitchFamily="2" charset="-122"/>
+            </a:endParaRPr>
+          </a:p>
+          <a:p>
+            <a:pPr marL="276548" indent="-276548" algn="just" defTabSz="600077">
+              <a:spcBef>
+                <a:spcPct val="50000"/>
+              </a:spcBef>
+              <a:buFont typeface="Wingdings" pitchFamily="2" charset="2"/>
+              <a:buChar char="§"/>
+            </a:pPr>
+            <a:r>
+              <a:rPr lang="en-US" altLang="zh-CN" sz="2400" b="1" baseline="0" dirty="0" smtClean="0">
+                <a:solidFill>
+                  <a:srgbClr val="006699"/>
+                </a:solidFill>
+                <a:latin typeface="Arial" charset="0"/>
+                <a:ea typeface="宋体" pitchFamily="2" charset="-122"/>
+              </a:rPr>
+              <a:t>Chrome Extension API</a:t>
+            </a:r>
+            <a:endParaRPr lang="en-GB" altLang="zh-CN" sz="2400" b="1" baseline="0" dirty="0">
+              <a:solidFill>
+                <a:srgbClr val="006699"/>
+              </a:solidFill>
+              <a:latin typeface="Arial" charset="0"/>
+              <a:ea typeface="宋体" pitchFamily="2" charset="-122"/>
+            </a:endParaRPr>
+          </a:p>
+          <a:p>
+            <a:pPr marL="584061" lvl="1" indent="-276548" algn="just" defTabSz="600077">
+              <a:spcBef>
+                <a:spcPct val="50000"/>
+              </a:spcBef>
+              <a:buFont typeface="Wingdings" pitchFamily="2" charset="2"/>
+              <a:buChar char="§"/>
+            </a:pPr>
+            <a:r>
+              <a:rPr lang="en-GB" altLang="zh-CN" sz="2400" b="1" baseline="0" dirty="0" err="1" smtClean="0">
+                <a:solidFill>
+                  <a:srgbClr val="006699"/>
+                </a:solidFill>
+                <a:latin typeface="Arial" charset="0"/>
+                <a:ea typeface="宋体" pitchFamily="2" charset="-122"/>
+              </a:rPr>
+              <a:t>chrome.webRequest</a:t>
+            </a:r>
+            <a:endParaRPr lang="en-GB" altLang="zh-CN" sz="2400" b="1" baseline="0" dirty="0" smtClean="0">
+              <a:solidFill>
+                <a:srgbClr val="006699"/>
+              </a:solidFill>
+              <a:latin typeface="Arial" charset="0"/>
+              <a:ea typeface="宋体" pitchFamily="2" charset="-122"/>
+            </a:endParaRPr>
+          </a:p>
+          <a:p>
+            <a:pPr marL="584061" lvl="1" indent="-276548" algn="just" defTabSz="600077">
+              <a:spcBef>
+                <a:spcPct val="50000"/>
+              </a:spcBef>
+              <a:buFont typeface="Wingdings" pitchFamily="2" charset="2"/>
+              <a:buChar char="§"/>
+            </a:pPr>
+            <a:r>
+              <a:rPr lang="en-GB" altLang="zh-CN" sz="2400" b="1" baseline="0" dirty="0" smtClean="0">
+                <a:solidFill>
+                  <a:srgbClr val="006699"/>
+                </a:solidFill>
+                <a:latin typeface="Arial" charset="0"/>
+                <a:ea typeface="宋体" pitchFamily="2" charset="-122"/>
+              </a:rPr>
+              <a:t>Content Script</a:t>
+            </a:r>
+            <a:endParaRPr lang="en-US" altLang="zh-CN" sz="2400" b="1" baseline="0" dirty="0" smtClean="0">
+              <a:solidFill>
+                <a:srgbClr val="006699"/>
+              </a:solidFill>
+              <a:latin typeface="Arial" charset="0"/>
+              <a:ea typeface="宋体" pitchFamily="2" charset="-122"/>
+            </a:endParaRPr>
+          </a:p>
+        </p:txBody>
+      </p:sp>
     </p:spTree>
   </p:cSld>
   <p:clrMapOvr>

--- a/Final Project_Group 3.pptx
+++ b/Final Project_Group 3.pptx
@@ -204,7 +204,7 @@
             </a:lvl1pPr>
           </a:lstStyle>
           <a:p>
-            <a:endParaRPr lang="en-US" altLang="zh-CN"/>
+            <a:endParaRPr lang="en-US" altLang="zh-CN" dirty="0"/>
           </a:p>
         </p:txBody>
       </p:sp>
@@ -247,7 +247,7 @@
             </a:lvl1pPr>
           </a:lstStyle>
           <a:p>
-            <a:endParaRPr lang="en-US" altLang="zh-CN"/>
+            <a:endParaRPr lang="en-US" altLang="zh-CN" dirty="0"/>
           </a:p>
         </p:txBody>
       </p:sp>
@@ -391,7 +391,7 @@
             </a:lvl1pPr>
           </a:lstStyle>
           <a:p>
-            <a:endParaRPr lang="en-US" altLang="zh-CN"/>
+            <a:endParaRPr lang="en-US" altLang="zh-CN" dirty="0"/>
           </a:p>
         </p:txBody>
       </p:sp>
@@ -439,7 +439,7 @@
               <a:pPr/>
               <a:t>‹#›</a:t>
             </a:fld>
-            <a:endParaRPr lang="en-US" altLang="zh-CN"/>
+            <a:endParaRPr lang="en-US" altLang="zh-CN" dirty="0"/>
           </a:p>
         </p:txBody>
       </p:sp>
@@ -705,7 +705,7 @@
             </a:lvl1pPr>
           </a:lstStyle>
           <a:p>
-            <a:endParaRPr lang="en-US" altLang="zh-CN"/>
+            <a:endParaRPr lang="en-US" altLang="zh-CN" dirty="0"/>
           </a:p>
         </p:txBody>
       </p:sp>
@@ -728,7 +728,7 @@
             </a:lvl1pPr>
           </a:lstStyle>
           <a:p>
-            <a:endParaRPr lang="en-US" altLang="zh-CN"/>
+            <a:endParaRPr lang="en-US" altLang="zh-CN" dirty="0"/>
           </a:p>
         </p:txBody>
       </p:sp>
@@ -756,7 +756,7 @@
               <a:pPr/>
               <a:t>‹#›</a:t>
             </a:fld>
-            <a:endParaRPr lang="en-US" altLang="zh-CN"/>
+            <a:endParaRPr lang="en-US" altLang="zh-CN" dirty="0"/>
           </a:p>
         </p:txBody>
       </p:sp>
@@ -879,7 +879,7 @@
             </a:lvl1pPr>
           </a:lstStyle>
           <a:p>
-            <a:endParaRPr lang="en-US" altLang="zh-CN"/>
+            <a:endParaRPr lang="en-US" altLang="zh-CN" dirty="0"/>
           </a:p>
         </p:txBody>
       </p:sp>
@@ -902,7 +902,7 @@
             </a:lvl1pPr>
           </a:lstStyle>
           <a:p>
-            <a:endParaRPr lang="en-US" altLang="zh-CN"/>
+            <a:endParaRPr lang="en-US" altLang="zh-CN" dirty="0"/>
           </a:p>
         </p:txBody>
       </p:sp>
@@ -930,7 +930,7 @@
               <a:pPr/>
               <a:t>‹#›</a:t>
             </a:fld>
-            <a:endParaRPr lang="en-US" altLang="zh-CN"/>
+            <a:endParaRPr lang="en-US" altLang="zh-CN" dirty="0"/>
           </a:p>
         </p:txBody>
       </p:sp>
@@ -1063,7 +1063,7 @@
             </a:lvl1pPr>
           </a:lstStyle>
           <a:p>
-            <a:endParaRPr lang="en-US" altLang="zh-CN"/>
+            <a:endParaRPr lang="en-US" altLang="zh-CN" dirty="0"/>
           </a:p>
         </p:txBody>
       </p:sp>
@@ -1086,7 +1086,7 @@
             </a:lvl1pPr>
           </a:lstStyle>
           <a:p>
-            <a:endParaRPr lang="en-US" altLang="zh-CN"/>
+            <a:endParaRPr lang="en-US" altLang="zh-CN" dirty="0"/>
           </a:p>
         </p:txBody>
       </p:sp>
@@ -1114,7 +1114,7 @@
               <a:pPr/>
               <a:t>‹#›</a:t>
             </a:fld>
-            <a:endParaRPr lang="en-US" altLang="zh-CN"/>
+            <a:endParaRPr lang="en-US" altLang="zh-CN" dirty="0"/>
           </a:p>
         </p:txBody>
       </p:sp>
@@ -1237,7 +1237,7 @@
             </a:lvl1pPr>
           </a:lstStyle>
           <a:p>
-            <a:endParaRPr lang="en-US" altLang="zh-CN"/>
+            <a:endParaRPr lang="en-US" altLang="zh-CN" dirty="0"/>
           </a:p>
         </p:txBody>
       </p:sp>
@@ -1260,7 +1260,7 @@
             </a:lvl1pPr>
           </a:lstStyle>
           <a:p>
-            <a:endParaRPr lang="en-US" altLang="zh-CN"/>
+            <a:endParaRPr lang="en-US" altLang="zh-CN" dirty="0"/>
           </a:p>
         </p:txBody>
       </p:sp>
@@ -1288,7 +1288,7 @@
               <a:pPr/>
               <a:t>‹#›</a:t>
             </a:fld>
-            <a:endParaRPr lang="en-US" altLang="zh-CN"/>
+            <a:endParaRPr lang="en-US" altLang="zh-CN" dirty="0"/>
           </a:p>
         </p:txBody>
       </p:sp>
@@ -1433,7 +1433,7 @@
             </a:lvl1pPr>
           </a:lstStyle>
           <a:p>
-            <a:endParaRPr lang="en-US" altLang="zh-CN"/>
+            <a:endParaRPr lang="en-US" altLang="zh-CN" dirty="0"/>
           </a:p>
         </p:txBody>
       </p:sp>
@@ -1456,7 +1456,7 @@
             </a:lvl1pPr>
           </a:lstStyle>
           <a:p>
-            <a:endParaRPr lang="en-US" altLang="zh-CN"/>
+            <a:endParaRPr lang="en-US" altLang="zh-CN" dirty="0"/>
           </a:p>
         </p:txBody>
       </p:sp>
@@ -1484,7 +1484,7 @@
               <a:pPr/>
               <a:t>‹#›</a:t>
             </a:fld>
-            <a:endParaRPr lang="en-US" altLang="zh-CN"/>
+            <a:endParaRPr lang="en-US" altLang="zh-CN" dirty="0"/>
           </a:p>
         </p:txBody>
       </p:sp>
@@ -1725,7 +1725,7 @@
             </a:lvl1pPr>
           </a:lstStyle>
           <a:p>
-            <a:endParaRPr lang="en-US" altLang="zh-CN"/>
+            <a:endParaRPr lang="en-US" altLang="zh-CN" dirty="0"/>
           </a:p>
         </p:txBody>
       </p:sp>
@@ -1748,7 +1748,7 @@
             </a:lvl1pPr>
           </a:lstStyle>
           <a:p>
-            <a:endParaRPr lang="en-US" altLang="zh-CN"/>
+            <a:endParaRPr lang="en-US" altLang="zh-CN" dirty="0"/>
           </a:p>
         </p:txBody>
       </p:sp>
@@ -1776,7 +1776,7 @@
               <a:pPr/>
               <a:t>‹#›</a:t>
             </a:fld>
-            <a:endParaRPr lang="en-US" altLang="zh-CN"/>
+            <a:endParaRPr lang="en-US" altLang="zh-CN" dirty="0"/>
           </a:p>
         </p:txBody>
       </p:sp>
@@ -2156,7 +2156,7 @@
             </a:lvl1pPr>
           </a:lstStyle>
           <a:p>
-            <a:endParaRPr lang="en-US" altLang="zh-CN"/>
+            <a:endParaRPr lang="en-US" altLang="zh-CN" dirty="0"/>
           </a:p>
         </p:txBody>
       </p:sp>
@@ -2179,7 +2179,7 @@
             </a:lvl1pPr>
           </a:lstStyle>
           <a:p>
-            <a:endParaRPr lang="en-US" altLang="zh-CN"/>
+            <a:endParaRPr lang="en-US" altLang="zh-CN" dirty="0"/>
           </a:p>
         </p:txBody>
       </p:sp>
@@ -2207,7 +2207,7 @@
               <a:pPr/>
               <a:t>‹#›</a:t>
             </a:fld>
-            <a:endParaRPr lang="en-US" altLang="zh-CN"/>
+            <a:endParaRPr lang="en-US" altLang="zh-CN" dirty="0"/>
           </a:p>
         </p:txBody>
       </p:sp>
@@ -2278,7 +2278,7 @@
             </a:lvl1pPr>
           </a:lstStyle>
           <a:p>
-            <a:endParaRPr lang="en-US" altLang="zh-CN"/>
+            <a:endParaRPr lang="en-US" altLang="zh-CN" dirty="0"/>
           </a:p>
         </p:txBody>
       </p:sp>
@@ -2301,7 +2301,7 @@
             </a:lvl1pPr>
           </a:lstStyle>
           <a:p>
-            <a:endParaRPr lang="en-US" altLang="zh-CN"/>
+            <a:endParaRPr lang="en-US" altLang="zh-CN" dirty="0"/>
           </a:p>
         </p:txBody>
       </p:sp>
@@ -2329,7 +2329,7 @@
               <a:pPr/>
               <a:t>‹#›</a:t>
             </a:fld>
-            <a:endParaRPr lang="en-US" altLang="zh-CN"/>
+            <a:endParaRPr lang="en-US" altLang="zh-CN" dirty="0"/>
           </a:p>
         </p:txBody>
       </p:sp>
@@ -2377,7 +2377,7 @@
             </a:lvl1pPr>
           </a:lstStyle>
           <a:p>
-            <a:endParaRPr lang="en-US" altLang="zh-CN"/>
+            <a:endParaRPr lang="en-US" altLang="zh-CN" dirty="0"/>
           </a:p>
         </p:txBody>
       </p:sp>
@@ -2400,7 +2400,7 @@
             </a:lvl1pPr>
           </a:lstStyle>
           <a:p>
-            <a:endParaRPr lang="en-US" altLang="zh-CN"/>
+            <a:endParaRPr lang="en-US" altLang="zh-CN" dirty="0"/>
           </a:p>
         </p:txBody>
       </p:sp>
@@ -2428,7 +2428,7 @@
               <a:pPr/>
               <a:t>‹#›</a:t>
             </a:fld>
-            <a:endParaRPr lang="en-US" altLang="zh-CN"/>
+            <a:endParaRPr lang="en-US" altLang="zh-CN" dirty="0"/>
           </a:p>
         </p:txBody>
       </p:sp>
@@ -2658,7 +2658,7 @@
             </a:lvl1pPr>
           </a:lstStyle>
           <a:p>
-            <a:endParaRPr lang="en-US" altLang="zh-CN"/>
+            <a:endParaRPr lang="en-US" altLang="zh-CN" dirty="0"/>
           </a:p>
         </p:txBody>
       </p:sp>
@@ -2681,7 +2681,7 @@
             </a:lvl1pPr>
           </a:lstStyle>
           <a:p>
-            <a:endParaRPr lang="en-US" altLang="zh-CN"/>
+            <a:endParaRPr lang="en-US" altLang="zh-CN" dirty="0"/>
           </a:p>
         </p:txBody>
       </p:sp>
@@ -2709,7 +2709,7 @@
               <a:pPr/>
               <a:t>‹#›</a:t>
             </a:fld>
-            <a:endParaRPr lang="en-US" altLang="zh-CN"/>
+            <a:endParaRPr lang="en-US" altLang="zh-CN" dirty="0"/>
           </a:p>
         </p:txBody>
       </p:sp>
@@ -2827,7 +2827,7 @@
             </a:lvl9pPr>
           </a:lstStyle>
           <a:p>
-            <a:endParaRPr lang="en-US"/>
+            <a:endParaRPr lang="en-US" dirty="0"/>
           </a:p>
         </p:txBody>
       </p:sp>
@@ -2915,7 +2915,7 @@
             </a:lvl1pPr>
           </a:lstStyle>
           <a:p>
-            <a:endParaRPr lang="en-US" altLang="zh-CN"/>
+            <a:endParaRPr lang="en-US" altLang="zh-CN" dirty="0"/>
           </a:p>
         </p:txBody>
       </p:sp>
@@ -2938,7 +2938,7 @@
             </a:lvl1pPr>
           </a:lstStyle>
           <a:p>
-            <a:endParaRPr lang="en-US" altLang="zh-CN"/>
+            <a:endParaRPr lang="en-US" altLang="zh-CN" dirty="0"/>
           </a:p>
         </p:txBody>
       </p:sp>
@@ -2966,7 +2966,7 @@
               <a:pPr/>
               <a:t>‹#›</a:t>
             </a:fld>
-            <a:endParaRPr lang="en-US" altLang="zh-CN"/>
+            <a:endParaRPr lang="en-US" altLang="zh-CN" dirty="0"/>
           </a:p>
         </p:txBody>
       </p:sp>
@@ -3158,7 +3158,7 @@
             </a:lvl1pPr>
           </a:lstStyle>
           <a:p>
-            <a:endParaRPr lang="en-US" altLang="zh-CN"/>
+            <a:endParaRPr lang="en-US" altLang="zh-CN" dirty="0"/>
           </a:p>
         </p:txBody>
       </p:sp>
@@ -3203,7 +3203,7 @@
             </a:lvl1pPr>
           </a:lstStyle>
           <a:p>
-            <a:endParaRPr lang="en-US" altLang="zh-CN"/>
+            <a:endParaRPr lang="en-US" altLang="zh-CN" dirty="0"/>
           </a:p>
         </p:txBody>
       </p:sp>
@@ -3253,7 +3253,7 @@
               <a:pPr/>
               <a:t>‹#›</a:t>
             </a:fld>
-            <a:endParaRPr lang="en-US" altLang="zh-CN"/>
+            <a:endParaRPr lang="en-US" altLang="zh-CN" dirty="0"/>
           </a:p>
         </p:txBody>
       </p:sp>
@@ -3677,8 +3677,8 @@
         </p:nvSpPr>
         <p:spPr bwMode="auto">
           <a:xfrm>
-            <a:off x="10091738" y="3317181"/>
-            <a:ext cx="11142960" cy="13320613"/>
+            <a:off x="10091738" y="3317182"/>
+            <a:ext cx="11142960" cy="6557862"/>
           </a:xfrm>
           <a:prstGeom prst="roundRect">
             <a:avLst>
@@ -3776,17 +3776,7 @@
                 <a:latin typeface="Arial" pitchFamily="34" charset="0"/>
                 <a:cs typeface="Arial" pitchFamily="34" charset="0"/>
               </a:rPr>
-              <a:t>DOM-based </a:t>
-            </a:r>
-            <a:r>
-              <a:rPr lang="en-US" sz="6600" baseline="0" dirty="0" smtClean="0">
-                <a:solidFill>
-                  <a:schemeClr val="bg1"/>
-                </a:solidFill>
-                <a:latin typeface="Arial" pitchFamily="34" charset="0"/>
-                <a:cs typeface="Arial" pitchFamily="34" charset="0"/>
-              </a:rPr>
-              <a:t>XSS Filter</a:t>
+              <a:t>DOM-based XSS Filter</a:t>
             </a:r>
           </a:p>
         </p:txBody>
@@ -3852,37 +3842,7 @@
                 <a:latin typeface="Arial" charset="0"/>
                 <a:ea typeface="宋体" pitchFamily="2" charset="-122"/>
               </a:rPr>
-              <a:t>Intercept </a:t>
-            </a:r>
-            <a:r>
-              <a:rPr lang="en-GB" altLang="zh-CN" sz="3000" b="1" baseline="0" dirty="0" smtClean="0">
-                <a:solidFill>
-                  <a:srgbClr val="006699"/>
-                </a:solidFill>
-                <a:latin typeface="Arial" charset="0"/>
-                <a:ea typeface="宋体" pitchFamily="2" charset="-122"/>
-              </a:rPr>
-              <a:t>and </a:t>
-            </a:r>
-            <a:r>
-              <a:rPr lang="en-GB" altLang="zh-CN" sz="3000" b="1" baseline="0" dirty="0" smtClean="0">
-                <a:solidFill>
-                  <a:srgbClr val="006699"/>
-                </a:solidFill>
-                <a:latin typeface="Arial" charset="0"/>
-                <a:ea typeface="宋体" pitchFamily="2" charset="-122"/>
-              </a:rPr>
-              <a:t>handle potential vulnerability with minimal impact on </a:t>
-            </a:r>
-            <a:r>
-              <a:rPr lang="en-GB" altLang="zh-CN" sz="3000" b="1" baseline="0" dirty="0" smtClean="0">
-                <a:solidFill>
-                  <a:srgbClr val="006699"/>
-                </a:solidFill>
-                <a:latin typeface="Arial" charset="0"/>
-                <a:ea typeface="宋体" pitchFamily="2" charset="-122"/>
-              </a:rPr>
-              <a:t>user experience.</a:t>
+              <a:t>Intercept and handle potential vulnerability with minimal impact on user experience.</a:t>
             </a:r>
           </a:p>
           <a:p>
@@ -4001,13 +3961,6 @@
               </a:rPr>
               <a:t>: Compatible with most websites</a:t>
             </a:r>
-            <a:endParaRPr lang="en-AU" altLang="zh-CN" sz="3000" b="1" baseline="0" dirty="0" smtClean="0">
-              <a:solidFill>
-                <a:srgbClr val="006699"/>
-              </a:solidFill>
-              <a:latin typeface="Arial" charset="0"/>
-              <a:ea typeface="宋体" pitchFamily="2" charset="-122"/>
-            </a:endParaRPr>
           </a:p>
           <a:p>
             <a:pPr marL="269074" indent="-269074" algn="just" defTabSz="538147">
@@ -4095,8 +4048,8 @@
         </p:nvSpPr>
         <p:spPr bwMode="auto">
           <a:xfrm>
-            <a:off x="21497504" y="18847594"/>
-            <a:ext cx="8409781" cy="2106116"/>
+            <a:off x="21462204" y="8384184"/>
+            <a:ext cx="8409781" cy="6424810"/>
           </a:xfrm>
           <a:prstGeom prst="rect">
             <a:avLst/>
@@ -4129,8 +4082,15 @@
                 <a:latin typeface="Arial" charset="0"/>
                 <a:ea typeface="宋体" pitchFamily="2" charset="-122"/>
               </a:rPr>
-              <a:t>Future Work</a:t>
-            </a:r>
+              <a:t>Result</a:t>
+            </a:r>
+            <a:endParaRPr lang="en-GB" altLang="zh-CN" sz="3000" b="1" baseline="0" dirty="0" smtClean="0">
+              <a:solidFill>
+                <a:srgbClr val="006699"/>
+              </a:solidFill>
+              <a:latin typeface="Arial" charset="0"/>
+              <a:ea typeface="宋体" pitchFamily="2" charset="-122"/>
+            </a:endParaRPr>
           </a:p>
         </p:txBody>
       </p:sp>
@@ -4174,7 +4134,7 @@
               </a:spcBef>
             </a:pPr>
             <a:r>
-              <a:rPr lang="en-US" altLang="zh-CN" sz="3600" baseline="0" dirty="0" err="1" smtClean="0">
+              <a:rPr lang="en-US" altLang="zh-CN" sz="3600" baseline="0" dirty="0" smtClean="0">
                 <a:solidFill>
                   <a:schemeClr val="bg1"/>
                 </a:solidFill>
@@ -4231,10 +4191,10 @@
                 <a:latin typeface="Arial" charset="0"/>
                 <a:ea typeface="宋体" pitchFamily="2" charset="-122"/>
               </a:rPr>
-              <a:t>Lu </a:t>
-            </a:r>
-            <a:r>
-              <a:rPr lang="en-US" altLang="zh-CN" sz="3600" baseline="0" dirty="0" err="1" smtClean="0">
+              <a:t>Lu Fangjian,</a:t>
+            </a:r>
+            <a:r>
+              <a:rPr lang="zh-CN" altLang="en-US" sz="3600" baseline="0" dirty="0" smtClean="0">
                 <a:solidFill>
                   <a:schemeClr val="bg1"/>
                 </a:solidFill>
@@ -4246,7 +4206,7 @@
                 <a:latin typeface="Arial" charset="0"/>
                 <a:ea typeface="宋体" pitchFamily="2" charset="-122"/>
               </a:rPr>
-              <a:t>Fangjian</a:t>
+              <a:t> </a:t>
             </a:r>
             <a:r>
               <a:rPr lang="en-US" altLang="zh-CN" sz="3600" baseline="0" dirty="0" smtClean="0">
@@ -4261,10 +4221,10 @@
                 <a:latin typeface="Arial" charset="0"/>
                 <a:ea typeface="宋体" pitchFamily="2" charset="-122"/>
               </a:rPr>
-              <a:t>,</a:t>
-            </a:r>
-            <a:r>
-              <a:rPr lang="zh-CN" altLang="en-US" sz="3600" baseline="0" dirty="0" smtClean="0">
+              <a:t>Yang </a:t>
+            </a:r>
+            <a:r>
+              <a:rPr lang="en-US" altLang="zh-CN" sz="3600" baseline="0" dirty="0" smtClean="0">
                 <a:solidFill>
                   <a:schemeClr val="bg1"/>
                 </a:solidFill>
@@ -4276,7 +4236,7 @@
                 <a:latin typeface="Arial" charset="0"/>
                 <a:ea typeface="宋体" pitchFamily="2" charset="-122"/>
               </a:rPr>
-              <a:t> </a:t>
+              <a:t>Yuhang</a:t>
             </a:r>
             <a:r>
               <a:rPr lang="en-US" altLang="zh-CN" sz="3600" baseline="0" dirty="0" smtClean="0">
@@ -4291,10 +4251,10 @@
                 <a:latin typeface="Arial" charset="0"/>
                 <a:ea typeface="宋体" pitchFamily="2" charset="-122"/>
               </a:rPr>
-              <a:t>Yang </a:t>
-            </a:r>
-            <a:r>
-              <a:rPr lang="en-US" altLang="zh-CN" sz="3600" baseline="0" dirty="0" err="1" smtClean="0">
+              <a:t>,</a:t>
+            </a:r>
+            <a:r>
+              <a:rPr lang="zh-CN" altLang="en-US" sz="3600" baseline="0" dirty="0" smtClean="0">
                 <a:solidFill>
                   <a:schemeClr val="bg1"/>
                 </a:solidFill>
@@ -4306,7 +4266,7 @@
                 <a:latin typeface="Arial" charset="0"/>
                 <a:ea typeface="宋体" pitchFamily="2" charset="-122"/>
               </a:rPr>
-              <a:t>Yuhang</a:t>
+              <a:t> </a:t>
             </a:r>
             <a:r>
               <a:rPr lang="en-US" altLang="zh-CN" sz="3600" baseline="0" dirty="0" smtClean="0">
@@ -4321,40 +4281,10 @@
                 <a:latin typeface="Arial" charset="0"/>
                 <a:ea typeface="宋体" pitchFamily="2" charset="-122"/>
               </a:rPr>
-              <a:t>,</a:t>
-            </a:r>
-            <a:r>
-              <a:rPr lang="zh-CN" altLang="en-US" sz="3600" baseline="0" dirty="0" smtClean="0">
-                <a:solidFill>
-                  <a:schemeClr val="bg1"/>
-                </a:solidFill>
-                <a:effectLst>
-                  <a:outerShdw blurRad="38100" dist="38100" dir="2700000" algn="tl">
-                    <a:srgbClr val="000000"/>
-                  </a:outerShdw>
-                </a:effectLst>
-                <a:latin typeface="Arial" charset="0"/>
-                <a:ea typeface="宋体" pitchFamily="2" charset="-122"/>
-              </a:rPr>
-              <a:t> </a:t>
+              <a:t>Yang </a:t>
             </a:r>
             <a:r>
               <a:rPr lang="en-US" altLang="zh-CN" sz="3600" baseline="0" dirty="0" smtClean="0">
-                <a:solidFill>
-                  <a:schemeClr val="bg1"/>
-                </a:solidFill>
-                <a:effectLst>
-                  <a:outerShdw blurRad="38100" dist="38100" dir="2700000" algn="tl">
-                    <a:srgbClr val="000000"/>
-                  </a:outerShdw>
-                </a:effectLst>
-                <a:latin typeface="Arial" charset="0"/>
-                <a:ea typeface="宋体" pitchFamily="2" charset="-122"/>
-              </a:rPr>
-              <a:t>Yang </a:t>
-            </a:r>
-            <a:r>
-              <a:rPr lang="en-US" altLang="zh-CN" sz="3600" baseline="0" dirty="0" err="1" smtClean="0">
                 <a:solidFill>
                   <a:schemeClr val="bg1"/>
                 </a:solidFill>
@@ -4452,17 +4382,7 @@
                 <a:latin typeface="Arial" charset="0"/>
                 <a:ea typeface="宋体" pitchFamily="2" charset="-122"/>
               </a:rPr>
-              <a:t>DOM-based </a:t>
-            </a:r>
-            <a:r>
-              <a:rPr lang="en-AU" altLang="zh-CN" sz="3000" b="1" baseline="0" dirty="0" smtClean="0">
-                <a:solidFill>
-                  <a:srgbClr val="006699"/>
-                </a:solidFill>
-                <a:latin typeface="Arial" charset="0"/>
-                <a:ea typeface="宋体" pitchFamily="2" charset="-122"/>
-              </a:rPr>
-              <a:t>XSS is </a:t>
+              <a:t>DOM-based XSS is </a:t>
             </a:r>
             <a:r>
               <a:rPr lang="en-AU" altLang="zh-CN" sz="3000" b="1" baseline="0" dirty="0" smtClean="0">
@@ -4543,34 +4463,6 @@
                 <a:spcPct val="50000"/>
               </a:spcBef>
             </a:pPr>
-            <a:endParaRPr lang="en-AU" altLang="zh-CN" sz="3000" b="1" baseline="0" dirty="0" smtClean="0">
-              <a:solidFill>
-                <a:srgbClr val="006699"/>
-              </a:solidFill>
-              <a:latin typeface="Arial" charset="0"/>
-              <a:ea typeface="宋体" pitchFamily="2" charset="-122"/>
-            </a:endParaRPr>
-          </a:p>
-          <a:p>
-            <a:pPr marL="230635" indent="-230635" algn="just" defTabSz="538147">
-              <a:spcBef>
-                <a:spcPct val="50000"/>
-              </a:spcBef>
-            </a:pPr>
-            <a:endParaRPr lang="en-AU" altLang="zh-CN" sz="3000" b="1" baseline="0" dirty="0" smtClean="0">
-              <a:solidFill>
-                <a:srgbClr val="006699"/>
-              </a:solidFill>
-              <a:latin typeface="Arial" charset="0"/>
-              <a:ea typeface="宋体" pitchFamily="2" charset="-122"/>
-            </a:endParaRPr>
-          </a:p>
-          <a:p>
-            <a:pPr algn="just" defTabSz="538147">
-              <a:spcBef>
-                <a:spcPct val="50000"/>
-              </a:spcBef>
-            </a:pPr>
             <a:r>
               <a:rPr lang="en-US" altLang="zh-CN" sz="3000" b="1" baseline="0" dirty="0" smtClean="0">
                 <a:solidFill>
@@ -4590,36 +4482,6 @@
                 <a:ea typeface="宋体" pitchFamily="2" charset="-122"/>
               </a:rPr>
             </a:br>
-            <a:r>
-              <a:rPr lang="en-US" altLang="zh-CN" sz="3000" b="1" baseline="0" dirty="0" smtClean="0">
-                <a:solidFill>
-                  <a:srgbClr val="FFC000"/>
-                </a:solidFill>
-                <a:latin typeface="Arial" charset="0"/>
-                <a:ea typeface="宋体" pitchFamily="2" charset="-122"/>
-              </a:rPr>
-              <a:t>Attack is executed entirely </a:t>
-            </a:r>
-            <a:r>
-              <a:rPr lang="en-US" altLang="zh-CN" sz="3000" b="1" baseline="0" dirty="0" smtClean="0">
-                <a:solidFill>
-                  <a:srgbClr val="FFC000"/>
-                </a:solidFill>
-                <a:latin typeface="Arial" charset="0"/>
-                <a:ea typeface="宋体" pitchFamily="2" charset="-122"/>
-              </a:rPr>
-              <a:t>within the </a:t>
-            </a:r>
-            <a:r>
-              <a:rPr lang="en-US" altLang="zh-CN" sz="3000" b="1" baseline="0" dirty="0" smtClean="0">
-                <a:solidFill>
-                  <a:srgbClr val="FFC000"/>
-                </a:solidFill>
-                <a:latin typeface="Arial" charset="0"/>
-                <a:ea typeface="宋体" pitchFamily="2" charset="-122"/>
-              </a:rPr>
-              <a:t>browser!</a:t>
-            </a:r>
             <a:endParaRPr lang="en-AU" altLang="zh-CN" sz="3000" b="1" baseline="0" dirty="0" smtClean="0">
               <a:solidFill>
                 <a:srgbClr val="FFC000"/>
@@ -4635,16 +4497,70 @@
               </a:spcBef>
             </a:pPr>
             <a:r>
-              <a:rPr lang="en-AU" altLang="zh-CN" sz="3000" b="1" baseline="0" dirty="0" smtClean="0">
+              <a:rPr lang="en-US" altLang="zh-CN" sz="4400" b="1" baseline="0" dirty="0">
                 <a:solidFill>
                   <a:srgbClr val="FFC000"/>
                 </a:solidFill>
                 <a:latin typeface="Arial" charset="0"/>
                 <a:ea typeface="宋体" pitchFamily="2" charset="-122"/>
               </a:rPr>
-              <a:t>                             Page makes use of unsafe input!</a:t>
-            </a:r>
-            <a:endParaRPr lang="en-AU" altLang="zh-CN" sz="3000" b="1" baseline="0" dirty="0" smtClean="0">
+              <a:t> </a:t>
+            </a:r>
+            <a:r>
+              <a:rPr lang="en-US" altLang="zh-CN" sz="2000" b="1" baseline="0" dirty="0">
+                <a:solidFill>
+                  <a:srgbClr val="FFC000"/>
+                </a:solidFill>
+                <a:latin typeface="Arial" charset="0"/>
+                <a:ea typeface="宋体" pitchFamily="2" charset="-122"/>
+              </a:rPr>
+              <a:t>The payload is in the client browser resulting in modifying DOM ENV.</a:t>
+            </a:r>
+          </a:p>
+          <a:p>
+            <a:pPr marL="230635" indent="-230635" algn="just" defTabSz="538147">
+              <a:spcBef>
+                <a:spcPct val="50000"/>
+              </a:spcBef>
+            </a:pPr>
+            <a:r>
+              <a:rPr lang="en-US" altLang="zh-CN" sz="2000" b="1" baseline="0" dirty="0">
+                <a:solidFill>
+                  <a:srgbClr val="FFC000"/>
+                </a:solidFill>
+                <a:latin typeface="Arial" charset="0"/>
+                <a:ea typeface="宋体" pitchFamily="2" charset="-122"/>
+              </a:rPr>
+              <a:t>  Attack entirely within the browser in contrast to others depending on</a:t>
+            </a:r>
+          </a:p>
+          <a:p>
+            <a:pPr marL="230635" indent="-230635" algn="just" defTabSz="538147">
+              <a:spcBef>
+                <a:spcPct val="50000"/>
+              </a:spcBef>
+            </a:pPr>
+            <a:r>
+              <a:rPr lang="en-US" altLang="zh-CN" sz="2000" b="1" baseline="0" dirty="0">
+                <a:solidFill>
+                  <a:srgbClr val="FFC000"/>
+                </a:solidFill>
+                <a:latin typeface="Arial" charset="0"/>
+                <a:ea typeface="宋体" pitchFamily="2" charset="-122"/>
+              </a:rPr>
+              <a:t>  server response</a:t>
+            </a:r>
+            <a:r>
+              <a:rPr lang="en-US" altLang="zh-CN" sz="2000" b="1" baseline="0" dirty="0" smtClean="0">
+                <a:solidFill>
+                  <a:srgbClr val="FFC000"/>
+                </a:solidFill>
+                <a:latin typeface="Arial" charset="0"/>
+                <a:ea typeface="宋体" pitchFamily="2" charset="-122"/>
+              </a:rPr>
+              <a:t>.</a:t>
+            </a:r>
+            <a:endParaRPr lang="en-AU" altLang="zh-CN" sz="2000" b="1" baseline="0" dirty="0">
               <a:solidFill>
                 <a:srgbClr val="FFC000"/>
               </a:solidFill>
@@ -4652,20 +4568,6 @@
               <a:ea typeface="宋体" pitchFamily="2" charset="-122"/>
             </a:endParaRPr>
           </a:p>
-          <a:p>
-            <a:pPr marL="230635" indent="-230635" algn="just" defTabSz="538147">
-              <a:spcBef>
-                <a:spcPct val="50000"/>
-              </a:spcBef>
-            </a:pPr>
-            <a:endParaRPr lang="en-AU" altLang="zh-CN" sz="3000" b="1" baseline="0" dirty="0" smtClean="0">
-              <a:solidFill>
-                <a:srgbClr val="006699"/>
-              </a:solidFill>
-              <a:latin typeface="Arial" charset="0"/>
-              <a:ea typeface="宋体" pitchFamily="2" charset="-122"/>
-            </a:endParaRPr>
-          </a:p>
         </p:txBody>
       </p:sp>
       <p:sp>
@@ -4678,7 +4580,7 @@
         </p:nvSpPr>
         <p:spPr bwMode="auto">
           <a:xfrm>
-            <a:off x="21462206" y="12675394"/>
+            <a:off x="21462205" y="14971663"/>
             <a:ext cx="8409781" cy="6016675"/>
           </a:xfrm>
           <a:prstGeom prst="rect">
@@ -4806,280 +4708,8 @@
                 <a:latin typeface="Arial" charset="0"/>
                 <a:ea typeface="宋体" pitchFamily="2" charset="-122"/>
               </a:rPr>
-              <a:t>: </a:t>
-            </a:r>
-            <a:r>
-              <a:rPr lang="en-GB" altLang="zh-CN" sz="2800" b="1" baseline="0" dirty="0" smtClean="0">
-                <a:solidFill>
-                  <a:srgbClr val="006699"/>
-                </a:solidFill>
-                <a:latin typeface="Arial" charset="0"/>
-                <a:ea typeface="宋体" pitchFamily="2" charset="-122"/>
-              </a:rPr>
-              <a:t>Tested </a:t>
-            </a:r>
-            <a:r>
-              <a:rPr lang="en-GB" altLang="zh-CN" sz="2800" b="1" baseline="0" dirty="0" smtClean="0">
-                <a:solidFill>
-                  <a:srgbClr val="006699"/>
-                </a:solidFill>
-                <a:latin typeface="Arial" charset="0"/>
-                <a:ea typeface="宋体" pitchFamily="2" charset="-122"/>
-              </a:rPr>
-              <a:t>with 10 websites</a:t>
-            </a:r>
-          </a:p>
-          <a:p>
-            <a:pPr marL="576587" lvl="1" indent="-269074" algn="l" defTabSz="538147">
-              <a:spcBef>
-                <a:spcPct val="50000"/>
-              </a:spcBef>
-            </a:pPr>
-            <a:r>
-              <a:rPr lang="en-SG" altLang="zh-CN" sz="1600" b="1" baseline="0" dirty="0" smtClean="0">
-                <a:solidFill>
-                  <a:srgbClr val="006699"/>
-                </a:solidFill>
-                <a:latin typeface="Arial" charset="0"/>
-                <a:ea typeface="宋体" pitchFamily="2" charset="-122"/>
-                <a:hlinkClick r:id="rId3"/>
-              </a:rPr>
-              <a:t>https</a:t>
-            </a:r>
-            <a:r>
-              <a:rPr lang="en-SG" altLang="zh-CN" sz="1600" b="1" baseline="0" dirty="0" smtClean="0">
-                <a:solidFill>
-                  <a:srgbClr val="006699"/>
-                </a:solidFill>
-                <a:latin typeface="Arial" charset="0"/>
-                <a:ea typeface="宋体" pitchFamily="2" charset="-122"/>
-                <a:hlinkClick r:id="rId3"/>
-              </a:rPr>
-              <a:t>://www.google.com/</a:t>
-            </a:r>
-            <a:r>
-              <a:rPr lang="en-SG" altLang="zh-CN" sz="1600" b="1" baseline="0" dirty="0" smtClean="0">
-                <a:solidFill>
-                  <a:srgbClr val="006699"/>
-                </a:solidFill>
-                <a:latin typeface="Arial" charset="0"/>
-                <a:ea typeface="宋体" pitchFamily="2" charset="-122"/>
-              </a:rPr>
-              <a:t>      			</a:t>
-            </a:r>
-            <a:r>
-              <a:rPr lang="en-SG" altLang="zh-CN" sz="1600" b="1" baseline="0" dirty="0" smtClean="0">
-                <a:solidFill>
-                  <a:srgbClr val="006699"/>
-                </a:solidFill>
-                <a:latin typeface="Arial" charset="0"/>
-                <a:ea typeface="宋体" pitchFamily="2" charset="-122"/>
-                <a:hlinkClick r:id="rId4"/>
-              </a:rPr>
-              <a:t>https://mail.google.com</a:t>
-            </a:r>
-            <a:endParaRPr lang="en-SG" altLang="zh-CN" sz="1600" b="1" baseline="0" dirty="0" smtClean="0">
-              <a:solidFill>
-                <a:srgbClr val="006699"/>
-              </a:solidFill>
-              <a:latin typeface="Arial" charset="0"/>
-              <a:ea typeface="宋体" pitchFamily="2" charset="-122"/>
-            </a:endParaRPr>
-          </a:p>
-          <a:p>
-            <a:pPr marL="576587" lvl="1" indent="-269074" algn="l" defTabSz="538147">
-              <a:spcBef>
-                <a:spcPct val="50000"/>
-              </a:spcBef>
-            </a:pPr>
-            <a:r>
-              <a:rPr lang="en-SG" altLang="zh-CN" sz="1600" b="1" baseline="0" dirty="0" smtClean="0">
-                <a:solidFill>
-                  <a:srgbClr val="006699"/>
-                </a:solidFill>
-                <a:latin typeface="Arial" charset="0"/>
-                <a:ea typeface="宋体" pitchFamily="2" charset="-122"/>
-                <a:hlinkClick r:id="rId5"/>
-              </a:rPr>
-              <a:t>https://www.facebook.com/</a:t>
-            </a:r>
-            <a:r>
-              <a:rPr lang="en-SG" altLang="zh-CN" sz="1600" b="1" baseline="0" dirty="0" smtClean="0">
-                <a:solidFill>
-                  <a:srgbClr val="006699"/>
-                </a:solidFill>
-                <a:latin typeface="Arial" charset="0"/>
-                <a:ea typeface="宋体" pitchFamily="2" charset="-122"/>
-              </a:rPr>
-              <a:t>  			</a:t>
-            </a:r>
-            <a:r>
-              <a:rPr lang="en-SG" altLang="zh-CN" sz="1600" b="1" baseline="0" dirty="0" smtClean="0">
-                <a:solidFill>
-                  <a:srgbClr val="006699"/>
-                </a:solidFill>
-                <a:latin typeface="Arial" charset="0"/>
-                <a:ea typeface="宋体" pitchFamily="2" charset="-122"/>
-                <a:hlinkClick r:id="rId6"/>
-              </a:rPr>
-              <a:t>https://twitter.com/</a:t>
-            </a:r>
-            <a:endParaRPr lang="en-SG" altLang="zh-CN" sz="1600" b="1" baseline="0" dirty="0" smtClean="0">
-              <a:solidFill>
-                <a:srgbClr val="006699"/>
-              </a:solidFill>
-              <a:latin typeface="Arial" charset="0"/>
-              <a:ea typeface="宋体" pitchFamily="2" charset="-122"/>
-            </a:endParaRPr>
-          </a:p>
-          <a:p>
-            <a:pPr marL="576587" lvl="1" indent="-269074" algn="l" defTabSz="538147">
-              <a:spcBef>
-                <a:spcPct val="50000"/>
-              </a:spcBef>
-            </a:pPr>
-            <a:r>
-              <a:rPr lang="en-SG" altLang="zh-CN" sz="1600" b="1" baseline="0" dirty="0" smtClean="0">
-                <a:solidFill>
-                  <a:srgbClr val="006699"/>
-                </a:solidFill>
-                <a:latin typeface="Arial" charset="0"/>
-                <a:ea typeface="宋体" pitchFamily="2" charset="-122"/>
-                <a:hlinkClick r:id="rId7"/>
-              </a:rPr>
-              <a:t>http://www.wikipedia.org/</a:t>
-            </a:r>
-            <a:r>
-              <a:rPr lang="en-SG" altLang="zh-CN" sz="1600" b="1" baseline="0" dirty="0" smtClean="0">
-                <a:solidFill>
-                  <a:srgbClr val="006699"/>
-                </a:solidFill>
-                <a:latin typeface="Arial" charset="0"/>
-                <a:ea typeface="宋体" pitchFamily="2" charset="-122"/>
-              </a:rPr>
-              <a:t> 			</a:t>
-            </a:r>
-            <a:r>
-              <a:rPr lang="en-SG" altLang="zh-CN" sz="1600" b="1" baseline="0" dirty="0" smtClean="0">
-                <a:solidFill>
-                  <a:srgbClr val="006699"/>
-                </a:solidFill>
-                <a:latin typeface="Arial" charset="0"/>
-                <a:ea typeface="宋体" pitchFamily="2" charset="-122"/>
-                <a:hlinkClick r:id="rId8"/>
-              </a:rPr>
-              <a:t>http://slashdot.org/</a:t>
-            </a:r>
-            <a:endParaRPr lang="en-SG" altLang="zh-CN" sz="1600" b="1" baseline="0" dirty="0" smtClean="0">
-              <a:solidFill>
-                <a:srgbClr val="006699"/>
-              </a:solidFill>
-              <a:latin typeface="Arial" charset="0"/>
-              <a:ea typeface="宋体" pitchFamily="2" charset="-122"/>
-            </a:endParaRPr>
-          </a:p>
-          <a:p>
-            <a:pPr marL="576587" lvl="1" indent="-269074" algn="l" defTabSz="538147">
-              <a:spcBef>
-                <a:spcPct val="50000"/>
-              </a:spcBef>
-            </a:pPr>
-            <a:r>
-              <a:rPr lang="en-SG" altLang="zh-CN" sz="1600" b="1" baseline="0" dirty="0" smtClean="0">
-                <a:solidFill>
-                  <a:srgbClr val="006699"/>
-                </a:solidFill>
-                <a:latin typeface="Arial" charset="0"/>
-                <a:ea typeface="宋体" pitchFamily="2" charset="-122"/>
-                <a:hlinkClick r:id="rId9"/>
-              </a:rPr>
-              <a:t>https://news.ycombinator.com/</a:t>
-            </a:r>
-            <a:r>
-              <a:rPr lang="en-SG" altLang="zh-CN" sz="1600" b="1" baseline="0" dirty="0" smtClean="0">
-                <a:solidFill>
-                  <a:srgbClr val="006699"/>
-                </a:solidFill>
-                <a:latin typeface="Arial" charset="0"/>
-                <a:ea typeface="宋体" pitchFamily="2" charset="-122"/>
-              </a:rPr>
-              <a:t>  		</a:t>
-            </a:r>
-            <a:r>
-              <a:rPr lang="en-SG" altLang="zh-CN" sz="1600" b="1" baseline="0" dirty="0" smtClean="0">
-                <a:solidFill>
-                  <a:srgbClr val="006699"/>
-                </a:solidFill>
-                <a:latin typeface="Arial" charset="0"/>
-                <a:ea typeface="宋体" pitchFamily="2" charset="-122"/>
-                <a:hlinkClick r:id="rId10"/>
-              </a:rPr>
-              <a:t>http://www.yahoo.com/</a:t>
-            </a:r>
-            <a:endParaRPr lang="en-SG" altLang="zh-CN" sz="1600" b="1" baseline="0" dirty="0" smtClean="0">
-              <a:solidFill>
-                <a:srgbClr val="006699"/>
-              </a:solidFill>
-              <a:latin typeface="Arial" charset="0"/>
-              <a:ea typeface="宋体" pitchFamily="2" charset="-122"/>
-            </a:endParaRPr>
-          </a:p>
-          <a:p>
-            <a:pPr marL="576587" lvl="1" indent="-269074" algn="l" defTabSz="538147">
-              <a:spcBef>
-                <a:spcPct val="50000"/>
-              </a:spcBef>
-            </a:pPr>
-            <a:r>
-              <a:rPr lang="en-SG" altLang="zh-CN" sz="1600" b="1" baseline="0" dirty="0" smtClean="0">
-                <a:solidFill>
-                  <a:srgbClr val="006699"/>
-                </a:solidFill>
-                <a:latin typeface="Arial" charset="0"/>
-                <a:ea typeface="宋体" pitchFamily="2" charset="-122"/>
-                <a:hlinkClick r:id="rId11"/>
-              </a:rPr>
-              <a:t>http://www.youtube.com/</a:t>
-            </a:r>
-            <a:r>
-              <a:rPr lang="en-SG" altLang="zh-CN" sz="1600" b="1" baseline="0" dirty="0" smtClean="0">
-                <a:solidFill>
-                  <a:srgbClr val="006699"/>
-                </a:solidFill>
-                <a:latin typeface="Arial" charset="0"/>
-                <a:ea typeface="宋体" pitchFamily="2" charset="-122"/>
-              </a:rPr>
-              <a:t>  			</a:t>
-            </a:r>
-            <a:r>
-              <a:rPr lang="en-SG" altLang="zh-CN" sz="1600" b="1" baseline="0" dirty="0" smtClean="0">
-                <a:solidFill>
-                  <a:srgbClr val="006699"/>
-                </a:solidFill>
-                <a:latin typeface="Arial" charset="0"/>
-                <a:ea typeface="宋体" pitchFamily="2" charset="-122"/>
-                <a:hlinkClick r:id="rId12"/>
-              </a:rPr>
-              <a:t>http://www.amazon.com</a:t>
-            </a:r>
-            <a:r>
-              <a:rPr lang="en-SG" altLang="zh-CN" sz="1600" b="1" baseline="0" dirty="0" smtClean="0">
-                <a:solidFill>
-                  <a:srgbClr val="006699"/>
-                </a:solidFill>
-                <a:latin typeface="Arial" charset="0"/>
-                <a:ea typeface="宋体" pitchFamily="2" charset="-122"/>
-                <a:hlinkClick r:id="rId12"/>
-              </a:rPr>
-              <a:t>/</a:t>
-            </a:r>
-            <a:endParaRPr lang="en-SG" altLang="zh-CN" sz="1600" b="1" baseline="0" dirty="0" smtClean="0">
-              <a:solidFill>
-                <a:srgbClr val="006699"/>
-              </a:solidFill>
-              <a:latin typeface="Arial" charset="0"/>
-              <a:ea typeface="宋体" pitchFamily="2" charset="-122"/>
-            </a:endParaRPr>
+              <a:t>: Tested with 10 websites</a:t>
+            </a:r>
           </a:p>
           <a:p>
             <a:pPr marL="269074" indent="-269074" algn="l" defTabSz="538147">
@@ -5089,6 +4719,54 @@
               <a:buFont typeface="Wingdings" pitchFamily="2" charset="2"/>
               <a:buChar char="§"/>
             </a:pPr>
+            <a:endParaRPr lang="en-GB" altLang="zh-CN" sz="3000" b="1" baseline="0" dirty="0" smtClean="0">
+              <a:solidFill>
+                <a:srgbClr val="FF0000"/>
+              </a:solidFill>
+              <a:latin typeface="Arial" charset="0"/>
+              <a:ea typeface="宋体" pitchFamily="2" charset="-122"/>
+            </a:endParaRPr>
+          </a:p>
+          <a:p>
+            <a:pPr marL="269074" indent="-269074" algn="l" defTabSz="538147">
+              <a:spcBef>
+                <a:spcPct val="50000"/>
+              </a:spcBef>
+              <a:buFont typeface="Wingdings" pitchFamily="2" charset="2"/>
+              <a:buChar char="§"/>
+            </a:pPr>
+            <a:endParaRPr lang="en-GB" altLang="zh-CN" sz="3000" b="1" baseline="0" dirty="0">
+              <a:solidFill>
+                <a:srgbClr val="FF0000"/>
+              </a:solidFill>
+              <a:latin typeface="Arial" charset="0"/>
+              <a:ea typeface="宋体" pitchFamily="2" charset="-122"/>
+            </a:endParaRPr>
+          </a:p>
+          <a:p>
+            <a:pPr marL="269074" indent="-269074" algn="l" defTabSz="538147">
+              <a:spcBef>
+                <a:spcPct val="50000"/>
+              </a:spcBef>
+              <a:buFont typeface="Wingdings" pitchFamily="2" charset="2"/>
+              <a:buChar char="§"/>
+            </a:pPr>
+            <a:endParaRPr lang="en-GB" altLang="zh-CN" sz="3000" b="1" baseline="0" dirty="0" smtClean="0">
+              <a:solidFill>
+                <a:srgbClr val="FF0000"/>
+              </a:solidFill>
+              <a:latin typeface="Arial" charset="0"/>
+              <a:ea typeface="宋体" pitchFamily="2" charset="-122"/>
+            </a:endParaRPr>
+          </a:p>
+          <a:p>
+            <a:pPr marL="269074" indent="-269074" algn="l" defTabSz="538147">
+              <a:spcBef>
+                <a:spcPct val="50000"/>
+              </a:spcBef>
+              <a:buFont typeface="Wingdings" pitchFamily="2" charset="2"/>
+              <a:buChar char="§"/>
+            </a:pPr>
             <a:r>
               <a:rPr lang="en-GB" altLang="zh-CN" sz="3000" b="1" baseline="0" dirty="0" smtClean="0">
                 <a:solidFill>
@@ -5115,663 +4793,6 @@
               </a:solidFill>
               <a:latin typeface="Arial" charset="0"/>
               <a:ea typeface="宋体" pitchFamily="2" charset="-122"/>
-            </a:endParaRPr>
-          </a:p>
-        </p:txBody>
-      </p:sp>
-      <p:sp>
-        <p:nvSpPr>
-          <p:cNvPr id="2589" name="Text Box 541"/>
-          <p:cNvSpPr txBox="1">
-            <a:spLocks noChangeArrowheads="1"/>
-          </p:cNvSpPr>
-          <p:nvPr/>
-        </p:nvSpPr>
-        <p:spPr bwMode="auto">
-          <a:xfrm>
-            <a:off x="10202719" y="3576687"/>
-            <a:ext cx="10744200" cy="12801600"/>
-          </a:xfrm>
-          <a:prstGeom prst="rect">
-            <a:avLst/>
-          </a:prstGeom>
-          <a:solidFill>
-            <a:schemeClr val="bg1"/>
-          </a:solidFill>
-          <a:ln w="9525">
-            <a:noFill/>
-            <a:miter lim="800000"/>
-            <a:headEnd/>
-            <a:tailEnd/>
-          </a:ln>
-          <a:effectLst/>
-        </p:spPr>
-        <p:txBody>
-          <a:bodyPr lIns="268860" tIns="161316" rIns="268860" bIns="268860"/>
-          <a:lstStyle/>
-          <a:p>
-            <a:pPr marL="276548" indent="-276548" algn="just" defTabSz="600077">
-              <a:spcBef>
-                <a:spcPct val="50000"/>
-              </a:spcBef>
-            </a:pPr>
-            <a:r>
-              <a:rPr lang="en-GB" altLang="zh-CN" sz="3000" b="1" baseline="0" dirty="0" smtClean="0">
-                <a:solidFill>
-                  <a:srgbClr val="006699"/>
-                </a:solidFill>
-                <a:latin typeface="Arial" charset="0"/>
-                <a:ea typeface="宋体" pitchFamily="2" charset="-122"/>
-              </a:rPr>
-              <a:t>Our Solution</a:t>
-            </a:r>
-            <a:r>
-              <a:rPr lang="en-GB" altLang="zh-CN" sz="3000" b="1" baseline="0" dirty="0" smtClean="0">
-                <a:solidFill>
-                  <a:srgbClr val="006699"/>
-                </a:solidFill>
-                <a:latin typeface="Arial" charset="0"/>
-                <a:ea typeface="宋体" pitchFamily="2" charset="-122"/>
-              </a:rPr>
-              <a:t>: </a:t>
-            </a:r>
-            <a:r>
-              <a:rPr lang="en-GB" altLang="zh-CN" sz="3000" b="1" baseline="0" dirty="0" smtClean="0">
-                <a:solidFill>
-                  <a:srgbClr val="FFC000"/>
-                </a:solidFill>
-                <a:latin typeface="Arial" charset="0"/>
-                <a:ea typeface="宋体" pitchFamily="2" charset="-122"/>
-              </a:rPr>
-              <a:t>Protect</a:t>
-            </a:r>
-            <a:r>
-              <a:rPr lang="en-GB" altLang="zh-CN" sz="3000" b="1" baseline="0" dirty="0" smtClean="0">
-                <a:solidFill>
-                  <a:srgbClr val="006699"/>
-                </a:solidFill>
-                <a:latin typeface="Arial" charset="0"/>
-                <a:ea typeface="宋体" pitchFamily="2" charset="-122"/>
-              </a:rPr>
-              <a:t> access to unsafe inputs!</a:t>
-            </a:r>
-          </a:p>
-          <a:p>
-            <a:pPr marL="276548" indent="-276548" algn="just" defTabSz="600077">
-              <a:spcBef>
-                <a:spcPct val="50000"/>
-              </a:spcBef>
-            </a:pPr>
-            <a:endParaRPr lang="en-GB" altLang="zh-CN" sz="2400" b="1" baseline="0" dirty="0">
-              <a:solidFill>
-                <a:srgbClr val="006699"/>
-              </a:solidFill>
-              <a:latin typeface="Arial" charset="0"/>
-              <a:ea typeface="宋体" pitchFamily="2" charset="-122"/>
-            </a:endParaRPr>
-          </a:p>
-          <a:p>
-            <a:pPr marL="276548" indent="-276548" algn="just" defTabSz="600077">
-              <a:spcBef>
-                <a:spcPct val="50000"/>
-              </a:spcBef>
-            </a:pPr>
-            <a:endParaRPr lang="en-GB" altLang="zh-CN" sz="2400" b="1" baseline="0" dirty="0" smtClean="0">
-              <a:solidFill>
-                <a:srgbClr val="006699"/>
-              </a:solidFill>
-              <a:latin typeface="Arial" charset="0"/>
-              <a:ea typeface="宋体" pitchFamily="2" charset="-122"/>
-            </a:endParaRPr>
-          </a:p>
-          <a:p>
-            <a:pPr marL="276548" indent="-276548" algn="l" defTabSz="600077">
-              <a:spcBef>
-                <a:spcPct val="50000"/>
-              </a:spcBef>
-            </a:pPr>
-            <a:endParaRPr lang="en-GB" altLang="zh-CN" sz="2400" b="1" baseline="0" dirty="0" smtClean="0">
-              <a:solidFill>
-                <a:srgbClr val="006699"/>
-              </a:solidFill>
-              <a:latin typeface="Arial" charset="0"/>
-              <a:ea typeface="宋体" pitchFamily="2" charset="-122"/>
-            </a:endParaRPr>
-          </a:p>
-          <a:p>
-            <a:pPr marL="342900" indent="-342900" algn="l" defTabSz="600077">
-              <a:spcBef>
-                <a:spcPct val="50000"/>
-              </a:spcBef>
-              <a:buFontTx/>
-              <a:buChar char="-"/>
-            </a:pPr>
-            <a:r>
-              <a:rPr lang="en-GB" altLang="zh-CN" sz="2400" b="1" baseline="0" dirty="0" smtClean="0">
-                <a:solidFill>
-                  <a:srgbClr val="006699"/>
-                </a:solidFill>
-                <a:latin typeface="Arial" charset="0"/>
-                <a:ea typeface="宋体" pitchFamily="2" charset="-122"/>
-              </a:rPr>
-              <a:t>Remove </a:t>
-            </a:r>
-            <a:r>
-              <a:rPr lang="en-GB" altLang="zh-CN" sz="2400" b="1" baseline="0" dirty="0" err="1" smtClean="0">
-                <a:solidFill>
-                  <a:srgbClr val="006699"/>
-                </a:solidFill>
-                <a:latin typeface="Arial" charset="0"/>
-                <a:ea typeface="宋体" pitchFamily="2" charset="-122"/>
-              </a:rPr>
-              <a:t>Referer</a:t>
-            </a:r>
-            <a:r>
-              <a:rPr lang="en-GB" altLang="zh-CN" sz="2400" b="1" baseline="0" dirty="0" smtClean="0">
-                <a:solidFill>
-                  <a:srgbClr val="006699"/>
-                </a:solidFill>
-                <a:latin typeface="Arial" charset="0"/>
-                <a:ea typeface="宋体" pitchFamily="2" charset="-122"/>
-              </a:rPr>
-              <a:t> from HTTP header</a:t>
-            </a:r>
-          </a:p>
-          <a:p>
-            <a:pPr marL="650413" lvl="1" indent="-342900" algn="l" defTabSz="600077">
-              <a:spcBef>
-                <a:spcPct val="50000"/>
-              </a:spcBef>
-              <a:buFontTx/>
-              <a:buChar char="-"/>
-            </a:pPr>
-            <a:r>
-              <a:rPr lang="en-GB" altLang="zh-CN" sz="2400" b="1" baseline="0" dirty="0" smtClean="0">
-                <a:solidFill>
-                  <a:srgbClr val="006699"/>
-                </a:solidFill>
-                <a:latin typeface="Arial" charset="0"/>
-                <a:ea typeface="宋体" pitchFamily="2" charset="-122"/>
-              </a:rPr>
-              <a:t>Intercept and remove by </a:t>
-            </a:r>
-            <a:r>
-              <a:rPr lang="en-GB" altLang="zh-CN" sz="2400" b="1" baseline="0" dirty="0" err="1" smtClean="0">
-                <a:solidFill>
-                  <a:srgbClr val="006699"/>
-                </a:solidFill>
-                <a:latin typeface="Arial" charset="0"/>
-                <a:ea typeface="宋体" pitchFamily="2" charset="-122"/>
-              </a:rPr>
-              <a:t>chrome.webRequest</a:t>
-            </a:r>
-            <a:r>
-              <a:rPr lang="en-GB" altLang="zh-CN" sz="2400" b="1" baseline="0" dirty="0" smtClean="0">
-                <a:solidFill>
-                  <a:srgbClr val="006699"/>
-                </a:solidFill>
-                <a:latin typeface="Arial" charset="0"/>
-                <a:ea typeface="宋体" pitchFamily="2" charset="-122"/>
-              </a:rPr>
-              <a:t> API</a:t>
-            </a:r>
-          </a:p>
-          <a:p>
-            <a:pPr marL="342900" indent="-342900" algn="l" defTabSz="600077">
-              <a:spcBef>
-                <a:spcPct val="50000"/>
-              </a:spcBef>
-              <a:buFontTx/>
-              <a:buChar char="-"/>
-            </a:pPr>
-            <a:r>
-              <a:rPr lang="en-GB" altLang="zh-CN" sz="2400" b="1" baseline="0" dirty="0" smtClean="0">
-                <a:solidFill>
-                  <a:srgbClr val="006699"/>
-                </a:solidFill>
-                <a:latin typeface="Arial" charset="0"/>
-                <a:ea typeface="宋体" pitchFamily="2" charset="-122"/>
-              </a:rPr>
-              <a:t>Protect access to unsafe inputs: encode the return value.</a:t>
-            </a:r>
-            <a:br>
-              <a:rPr lang="en-GB" altLang="zh-CN" sz="2400" b="1" baseline="0" dirty="0" smtClean="0">
-                <a:solidFill>
-                  <a:srgbClr val="006699"/>
-                </a:solidFill>
-                <a:latin typeface="Arial" charset="0"/>
-                <a:ea typeface="宋体" pitchFamily="2" charset="-122"/>
-              </a:rPr>
-            </a:br>
-            <a:endParaRPr lang="en-GB" altLang="zh-CN" sz="2400" b="1" baseline="0" dirty="0" smtClean="0">
-              <a:solidFill>
-                <a:srgbClr val="006699"/>
-              </a:solidFill>
-              <a:latin typeface="Arial" charset="0"/>
-              <a:ea typeface="宋体" pitchFamily="2" charset="-122"/>
-            </a:endParaRPr>
-          </a:p>
-          <a:p>
-            <a:pPr marL="342900" indent="-342900" algn="l" defTabSz="600077">
-              <a:spcBef>
-                <a:spcPct val="50000"/>
-              </a:spcBef>
-              <a:buFontTx/>
-              <a:buChar char="-"/>
-            </a:pPr>
-            <a:endParaRPr lang="en-GB" altLang="zh-CN" sz="2400" b="1" baseline="0" dirty="0">
-              <a:solidFill>
-                <a:srgbClr val="006699"/>
-              </a:solidFill>
-              <a:latin typeface="Arial" charset="0"/>
-              <a:ea typeface="宋体" pitchFamily="2" charset="-122"/>
-            </a:endParaRPr>
-          </a:p>
-          <a:p>
-            <a:pPr marL="342900" indent="-342900" algn="l" defTabSz="600077">
-              <a:spcBef>
-                <a:spcPct val="50000"/>
-              </a:spcBef>
-              <a:buFontTx/>
-              <a:buChar char="-"/>
-            </a:pPr>
-            <a:endParaRPr lang="en-GB" altLang="zh-CN" sz="2400" b="1" baseline="0" dirty="0" smtClean="0">
-              <a:solidFill>
-                <a:srgbClr val="006699"/>
-              </a:solidFill>
-              <a:latin typeface="Arial" charset="0"/>
-              <a:ea typeface="宋体" pitchFamily="2" charset="-122"/>
-            </a:endParaRPr>
-          </a:p>
-          <a:p>
-            <a:pPr marL="342900" indent="-342900" algn="l" defTabSz="600077">
-              <a:spcBef>
-                <a:spcPct val="50000"/>
-              </a:spcBef>
-              <a:buFontTx/>
-              <a:buChar char="-"/>
-            </a:pPr>
-            <a:endParaRPr lang="en-GB" altLang="zh-CN" sz="2400" b="1" baseline="0" dirty="0">
-              <a:solidFill>
-                <a:srgbClr val="006699"/>
-              </a:solidFill>
-              <a:latin typeface="Arial" charset="0"/>
-              <a:ea typeface="宋体" pitchFamily="2" charset="-122"/>
-            </a:endParaRPr>
-          </a:p>
-          <a:p>
-            <a:pPr marL="342900" indent="-342900" algn="l" defTabSz="600077">
-              <a:spcBef>
-                <a:spcPct val="50000"/>
-              </a:spcBef>
-              <a:buFontTx/>
-              <a:buChar char="-"/>
-            </a:pPr>
-            <a:endParaRPr lang="en-GB" altLang="zh-CN" sz="2400" b="1" baseline="0" dirty="0" smtClean="0">
-              <a:solidFill>
-                <a:srgbClr val="006699"/>
-              </a:solidFill>
-              <a:latin typeface="Arial" charset="0"/>
-              <a:ea typeface="宋体" pitchFamily="2" charset="-122"/>
-            </a:endParaRPr>
-          </a:p>
-          <a:p>
-            <a:pPr marL="342900" indent="-342900" algn="l" defTabSz="600077">
-              <a:spcBef>
-                <a:spcPct val="50000"/>
-              </a:spcBef>
-              <a:buFontTx/>
-              <a:buChar char="-"/>
-            </a:pPr>
-            <a:endParaRPr lang="en-GB" altLang="zh-CN" sz="2400" b="1" baseline="0" dirty="0">
-              <a:solidFill>
-                <a:srgbClr val="006699"/>
-              </a:solidFill>
-              <a:latin typeface="Arial" charset="0"/>
-              <a:ea typeface="宋体" pitchFamily="2" charset="-122"/>
-            </a:endParaRPr>
-          </a:p>
-          <a:p>
-            <a:pPr marL="650413" lvl="1" indent="-342900" algn="l" defTabSz="600077">
-              <a:spcBef>
-                <a:spcPct val="50000"/>
-              </a:spcBef>
-              <a:buFontTx/>
-              <a:buChar char="-"/>
-            </a:pPr>
-            <a:r>
-              <a:rPr lang="en-GB" altLang="zh-CN" sz="2400" b="1" baseline="0" dirty="0" smtClean="0">
-                <a:solidFill>
-                  <a:srgbClr val="006699"/>
-                </a:solidFill>
-                <a:latin typeface="Arial" charset="0"/>
-                <a:ea typeface="宋体" pitchFamily="2" charset="-122"/>
-              </a:rPr>
-              <a:t>Chrome Content Script</a:t>
-            </a:r>
-          </a:p>
-          <a:p>
-            <a:pPr marL="957925" lvl="2" indent="-342900" algn="l" defTabSz="600077">
-              <a:spcBef>
-                <a:spcPct val="50000"/>
-              </a:spcBef>
-              <a:buFontTx/>
-              <a:buChar char="-"/>
-            </a:pPr>
-            <a:r>
-              <a:rPr lang="en-GB" altLang="zh-CN" sz="2400" b="1" baseline="0" dirty="0" smtClean="0">
-                <a:solidFill>
-                  <a:srgbClr val="006699"/>
-                </a:solidFill>
-                <a:latin typeface="Arial" charset="0"/>
-                <a:ea typeface="宋体" pitchFamily="2" charset="-122"/>
-              </a:rPr>
-              <a:t>Before DOM objects are constructed, inject small amount of JavaScript to…</a:t>
-            </a:r>
-          </a:p>
-          <a:p>
-            <a:pPr marL="1265438" lvl="3" indent="-342900" algn="l" defTabSz="600077">
-              <a:spcBef>
-                <a:spcPct val="50000"/>
-              </a:spcBef>
-              <a:buFontTx/>
-              <a:buChar char="-"/>
-            </a:pPr>
-            <a:r>
-              <a:rPr lang="en-SG" altLang="zh-CN" sz="2400" b="1" baseline="0" dirty="0" smtClean="0">
-                <a:solidFill>
-                  <a:srgbClr val="006699"/>
-                </a:solidFill>
-                <a:latin typeface="Arial" charset="0"/>
-                <a:ea typeface="宋体" pitchFamily="2" charset="-122"/>
-              </a:rPr>
-              <a:t>Override </a:t>
-            </a:r>
-            <a:r>
-              <a:rPr lang="en-SG" altLang="zh-CN" sz="2400" b="1" baseline="0" dirty="0" smtClean="0">
-                <a:solidFill>
-                  <a:srgbClr val="006699"/>
-                </a:solidFill>
-                <a:latin typeface="Courier New" pitchFamily="49" charset="0"/>
-                <a:ea typeface="宋体" pitchFamily="2" charset="-122"/>
-                <a:cs typeface="Courier New" pitchFamily="49" charset="0"/>
-              </a:rPr>
-              <a:t>document.URL</a:t>
-            </a:r>
-            <a:r>
-              <a:rPr lang="en-SG" altLang="zh-CN" sz="2400" b="1" baseline="0" dirty="0" smtClean="0">
-                <a:solidFill>
-                  <a:srgbClr val="006699"/>
-                </a:solidFill>
-                <a:latin typeface="Arial" charset="0"/>
-                <a:ea typeface="宋体" pitchFamily="2" charset="-122"/>
-              </a:rPr>
-              <a:t> getter</a:t>
-            </a:r>
-            <a:endParaRPr lang="en-GB" altLang="zh-CN" sz="2400" b="1" baseline="0" dirty="0">
-              <a:solidFill>
-                <a:srgbClr val="006699"/>
-              </a:solidFill>
-              <a:latin typeface="Arial" charset="0"/>
-              <a:ea typeface="宋体" pitchFamily="2" charset="-122"/>
-            </a:endParaRPr>
-          </a:p>
-          <a:p>
-            <a:pPr marL="1265438" lvl="3" indent="-342900" algn="l" defTabSz="600077">
-              <a:spcBef>
-                <a:spcPct val="50000"/>
-              </a:spcBef>
-              <a:buFontTx/>
-              <a:buChar char="-"/>
-            </a:pPr>
-            <a:r>
-              <a:rPr lang="en-SG" altLang="zh-CN" sz="2400" b="1" baseline="0" dirty="0" smtClean="0">
-                <a:solidFill>
-                  <a:srgbClr val="006699"/>
-                </a:solidFill>
-                <a:latin typeface="Arial" charset="0"/>
-                <a:ea typeface="宋体" pitchFamily="2" charset="-122"/>
-              </a:rPr>
-              <a:t>Override </a:t>
-            </a:r>
-            <a:r>
-              <a:rPr lang="en-SG" altLang="zh-CN" sz="2400" b="1" baseline="0" dirty="0" err="1" smtClean="0">
-                <a:solidFill>
-                  <a:srgbClr val="006699"/>
-                </a:solidFill>
-                <a:latin typeface="Courier New" pitchFamily="49" charset="0"/>
-                <a:ea typeface="宋体" pitchFamily="2" charset="-122"/>
-                <a:cs typeface="Courier New" pitchFamily="49" charset="0"/>
-              </a:rPr>
-              <a:t>document.URLUnencoded</a:t>
-            </a:r>
-            <a:r>
-              <a:rPr lang="en-SG" altLang="zh-CN" sz="2400" b="1" baseline="0" dirty="0" smtClean="0">
-                <a:solidFill>
-                  <a:srgbClr val="006699"/>
-                </a:solidFill>
-                <a:latin typeface="Arial" charset="0"/>
-                <a:ea typeface="宋体" pitchFamily="2" charset="-122"/>
-              </a:rPr>
-              <a:t> getter</a:t>
-            </a:r>
-          </a:p>
-          <a:p>
-            <a:pPr marL="1265438" lvl="3" indent="-342900" algn="l" defTabSz="600077">
-              <a:spcBef>
-                <a:spcPct val="50000"/>
-              </a:spcBef>
-              <a:buFontTx/>
-              <a:buChar char="-"/>
-            </a:pPr>
-            <a:r>
-              <a:rPr lang="en-SG" altLang="zh-CN" sz="2400" b="1" baseline="0" dirty="0" smtClean="0">
-                <a:solidFill>
-                  <a:srgbClr val="006699"/>
-                </a:solidFill>
-                <a:latin typeface="Arial" charset="0"/>
-                <a:ea typeface="宋体" pitchFamily="2" charset="-122"/>
-              </a:rPr>
-              <a:t>Protect </a:t>
-            </a:r>
-            <a:r>
-              <a:rPr lang="en-SG" altLang="zh-CN" sz="2400" b="1" baseline="0" dirty="0" err="1" smtClean="0">
-                <a:solidFill>
-                  <a:srgbClr val="006699"/>
-                </a:solidFill>
-                <a:latin typeface="Courier New" pitchFamily="49" charset="0"/>
-                <a:ea typeface="宋体" pitchFamily="2" charset="-122"/>
-                <a:cs typeface="Courier New" pitchFamily="49" charset="0"/>
-              </a:rPr>
-              <a:t>document.location</a:t>
-            </a:r>
-            <a:r>
-              <a:rPr lang="en-SG" altLang="zh-CN" sz="2400" b="1" baseline="0" dirty="0" smtClean="0">
-                <a:solidFill>
-                  <a:srgbClr val="006699"/>
-                </a:solidFill>
-                <a:latin typeface="Arial" charset="0"/>
-                <a:ea typeface="宋体" pitchFamily="2" charset="-122"/>
-              </a:rPr>
-              <a:t>:</a:t>
-            </a:r>
-          </a:p>
-          <a:p>
-            <a:pPr marL="1572951" lvl="4" indent="-342900" algn="l" defTabSz="600077">
-              <a:spcBef>
-                <a:spcPct val="50000"/>
-              </a:spcBef>
-              <a:buFontTx/>
-              <a:buChar char="-"/>
-            </a:pPr>
-            <a:r>
-              <a:rPr lang="en-SG" altLang="zh-CN" sz="2400" b="1" baseline="0" dirty="0" err="1" smtClean="0">
-                <a:solidFill>
-                  <a:srgbClr val="006699"/>
-                </a:solidFill>
-                <a:latin typeface="Courier New" pitchFamily="49" charset="0"/>
-                <a:ea typeface="宋体" pitchFamily="2" charset="-122"/>
-                <a:cs typeface="Courier New" pitchFamily="49" charset="0"/>
-              </a:rPr>
-              <a:t>document.location.search</a:t>
-            </a:r>
-            <a:r>
-              <a:rPr lang="en-SG" altLang="zh-CN" sz="2400" b="1" baseline="0" dirty="0" smtClean="0">
-                <a:solidFill>
-                  <a:srgbClr val="006699"/>
-                </a:solidFill>
-                <a:latin typeface="Arial" charset="0"/>
-                <a:ea typeface="宋体" pitchFamily="2" charset="-122"/>
-              </a:rPr>
-              <a:t> </a:t>
-            </a:r>
-            <a:r>
-              <a:rPr lang="en-SG" altLang="zh-CN" sz="2400" b="1" baseline="0" dirty="0" smtClean="0">
-                <a:solidFill>
-                  <a:srgbClr val="006699"/>
-                </a:solidFill>
-                <a:latin typeface="Arial" charset="0"/>
-                <a:ea typeface="宋体" pitchFamily="2" charset="-122"/>
-              </a:rPr>
-              <a:t>already </a:t>
-            </a:r>
-            <a:r>
-              <a:rPr lang="en-SG" altLang="zh-CN" sz="2400" b="1" baseline="0" dirty="0" smtClean="0">
-                <a:solidFill>
-                  <a:srgbClr val="006699"/>
-                </a:solidFill>
-                <a:latin typeface="Arial" charset="0"/>
-                <a:ea typeface="宋体" pitchFamily="2" charset="-122"/>
-              </a:rPr>
-              <a:t>encoded</a:t>
-            </a:r>
-          </a:p>
-          <a:p>
-            <a:pPr marL="1572951" lvl="4" indent="-342900" algn="l" defTabSz="600077">
-              <a:spcBef>
-                <a:spcPct val="50000"/>
-              </a:spcBef>
-              <a:buFontTx/>
-              <a:buChar char="-"/>
-            </a:pPr>
-            <a:r>
-              <a:rPr lang="en-SG" altLang="zh-CN" sz="2400" b="1" baseline="0" dirty="0">
-                <a:solidFill>
-                  <a:srgbClr val="006699"/>
-                </a:solidFill>
-                <a:latin typeface="Arial" charset="0"/>
-                <a:ea typeface="宋体" pitchFamily="2" charset="-122"/>
-              </a:rPr>
-              <a:t>O</a:t>
-            </a:r>
-            <a:r>
-              <a:rPr lang="en-SG" altLang="zh-CN" sz="2400" b="1" baseline="0" dirty="0" smtClean="0">
-                <a:solidFill>
-                  <a:srgbClr val="006699"/>
-                </a:solidFill>
-                <a:latin typeface="Arial" charset="0"/>
-                <a:ea typeface="宋体" pitchFamily="2" charset="-122"/>
-              </a:rPr>
-              <a:t>verride </a:t>
-            </a:r>
-            <a:r>
-              <a:rPr lang="en-SG" altLang="zh-CN" sz="2400" b="1" baseline="0" dirty="0" err="1" smtClean="0">
-                <a:solidFill>
-                  <a:srgbClr val="006699"/>
-                </a:solidFill>
-                <a:latin typeface="Courier New" pitchFamily="49" charset="0"/>
-                <a:ea typeface="宋体" pitchFamily="2" charset="-122"/>
-                <a:cs typeface="Courier New" pitchFamily="49" charset="0"/>
-              </a:rPr>
-              <a:t>document.location.hash</a:t>
-            </a:r>
-            <a:r>
-              <a:rPr lang="en-SG" altLang="zh-CN" sz="2400" b="1" baseline="0" dirty="0" smtClean="0">
-                <a:solidFill>
-                  <a:srgbClr val="006699"/>
-                </a:solidFill>
-                <a:latin typeface="Arial" charset="0"/>
-                <a:ea typeface="宋体" pitchFamily="2" charset="-122"/>
-              </a:rPr>
-              <a:t> getter</a:t>
-            </a:r>
-          </a:p>
-          <a:p>
-            <a:pPr marL="1265438" lvl="3" indent="-342900" algn="l" defTabSz="600077">
-              <a:spcBef>
-                <a:spcPct val="50000"/>
-              </a:spcBef>
-              <a:buFontTx/>
-              <a:buChar char="-"/>
-            </a:pPr>
-            <a:r>
-              <a:rPr lang="en-SG" altLang="zh-CN" sz="2400" b="1" baseline="0" dirty="0" smtClean="0">
-                <a:solidFill>
-                  <a:srgbClr val="006699"/>
-                </a:solidFill>
-                <a:latin typeface="Arial" charset="0"/>
-                <a:ea typeface="宋体" pitchFamily="2" charset="-122"/>
-              </a:rPr>
-              <a:t>Override </a:t>
-            </a:r>
-            <a:r>
-              <a:rPr lang="en-SG" altLang="zh-CN" sz="2400" b="1" baseline="0" dirty="0" smtClean="0">
-                <a:solidFill>
-                  <a:srgbClr val="006699"/>
-                </a:solidFill>
-                <a:latin typeface="Courier New" pitchFamily="49" charset="0"/>
-                <a:ea typeface="宋体" pitchFamily="2" charset="-122"/>
-                <a:cs typeface="Courier New" pitchFamily="49" charset="0"/>
-              </a:rPr>
-              <a:t>window.name </a:t>
-            </a:r>
-            <a:r>
-              <a:rPr lang="en-SG" altLang="zh-CN" sz="2400" b="1" baseline="0" dirty="0" smtClean="0">
-                <a:solidFill>
-                  <a:srgbClr val="006699"/>
-                </a:solidFill>
-                <a:latin typeface="Arial" charset="0"/>
-                <a:ea typeface="宋体" pitchFamily="2" charset="-122"/>
-              </a:rPr>
-              <a:t>getter</a:t>
-            </a:r>
-          </a:p>
-          <a:p>
-            <a:pPr marL="1265438" lvl="3" indent="-342900" algn="l" defTabSz="600077">
-              <a:spcBef>
-                <a:spcPct val="50000"/>
-              </a:spcBef>
-              <a:buFontTx/>
-              <a:buChar char="-"/>
-            </a:pPr>
-            <a:r>
-              <a:rPr lang="en-SG" altLang="zh-CN" sz="2400" b="1" baseline="0" dirty="0" smtClean="0">
-                <a:solidFill>
-                  <a:srgbClr val="006699"/>
-                </a:solidFill>
-                <a:latin typeface="Arial" charset="0"/>
-                <a:ea typeface="宋体" pitchFamily="2" charset="-122"/>
-              </a:rPr>
-              <a:t>Force encode </a:t>
-            </a:r>
-            <a:r>
-              <a:rPr lang="en-SG" altLang="zh-CN" sz="2400" b="1" baseline="0" dirty="0" err="1" smtClean="0">
-                <a:solidFill>
-                  <a:srgbClr val="006699"/>
-                </a:solidFill>
-                <a:latin typeface="Courier New" pitchFamily="49" charset="0"/>
-                <a:ea typeface="宋体" pitchFamily="2" charset="-122"/>
-                <a:cs typeface="Courier New" pitchFamily="49" charset="0"/>
-              </a:rPr>
-              <a:t>window.location.hash</a:t>
-            </a:r>
-            <a:endParaRPr lang="en-GB" altLang="zh-CN" sz="2400" b="1" baseline="0" dirty="0" smtClean="0">
-              <a:solidFill>
-                <a:srgbClr val="006699"/>
-              </a:solidFill>
-              <a:latin typeface="Courier New" pitchFamily="49" charset="0"/>
-              <a:ea typeface="宋体" pitchFamily="2" charset="-122"/>
-              <a:cs typeface="Courier New" pitchFamily="49" charset="0"/>
             </a:endParaRPr>
           </a:p>
         </p:txBody>
@@ -5820,7 +4841,27 @@
                 <a:latin typeface="Arial" charset="0"/>
                 <a:ea typeface="宋体" pitchFamily="2" charset="-122"/>
               </a:rPr>
-              <a:t>Web Apps Trends</a:t>
+              <a:t>Web </a:t>
+            </a:r>
+            <a:r>
+              <a:rPr lang="en-GB" altLang="zh-CN" sz="3000" b="1" baseline="0" dirty="0" smtClean="0">
+                <a:solidFill>
+                  <a:srgbClr val="006699"/>
+                </a:solidFill>
+                <a:latin typeface="Arial" charset="0"/>
+                <a:ea typeface="宋体" pitchFamily="2" charset="-122"/>
+              </a:rPr>
+              <a:t>Apps Attack </a:t>
+            </a:r>
+            <a:r>
+              <a:rPr lang="en-GB" altLang="zh-CN" sz="3000" b="1" baseline="0" dirty="0" smtClean="0">
+                <a:solidFill>
+                  <a:srgbClr val="006699"/>
+                </a:solidFill>
+                <a:latin typeface="Arial" charset="0"/>
+                <a:ea typeface="宋体" pitchFamily="2" charset="-122"/>
+              </a:rPr>
+              <a:t>Trends</a:t>
             </a:r>
           </a:p>
         </p:txBody>
@@ -5836,7 +4877,7 @@
         <p:spPr bwMode="auto">
           <a:xfrm>
             <a:off x="21497504" y="3317181"/>
-            <a:ext cx="8409781" cy="9205813"/>
+            <a:ext cx="8409781" cy="4862413"/>
           </a:xfrm>
           <a:prstGeom prst="rect">
             <a:avLst/>
@@ -5856,21 +4897,207 @@
           <a:bodyPr lIns="268860" tIns="161316" rIns="268860" bIns="268860"/>
           <a:lstStyle/>
           <a:p>
+            <a:pPr marL="276548" indent="-276548" algn="l" defTabSz="600077">
+              <a:spcBef>
+                <a:spcPct val="50000"/>
+              </a:spcBef>
+            </a:pPr>
+            <a:r>
+              <a:rPr lang="en-GB" altLang="zh-CN" sz="3000" b="1" baseline="0" dirty="0">
+                <a:solidFill>
+                  <a:srgbClr val="006699"/>
+                </a:solidFill>
+                <a:latin typeface="Arial" charset="0"/>
+                <a:ea typeface="宋体" pitchFamily="2" charset="-122"/>
+              </a:rPr>
+              <a:t>Implementation</a:t>
+            </a:r>
+          </a:p>
+          <a:p>
+            <a:pPr marL="276548" indent="-276548" algn="l" defTabSz="600077">
+              <a:spcBef>
+                <a:spcPct val="50000"/>
+              </a:spcBef>
+              <a:buFont typeface="Wingdings" pitchFamily="2" charset="2"/>
+              <a:buChar char="§"/>
+            </a:pPr>
+            <a:r>
+              <a:rPr lang="en-GB" altLang="zh-CN" sz="2400" b="1" baseline="0" dirty="0">
+                <a:solidFill>
+                  <a:srgbClr val="006699"/>
+                </a:solidFill>
+                <a:latin typeface="Arial" charset="0"/>
+                <a:ea typeface="宋体" pitchFamily="2" charset="-122"/>
+              </a:rPr>
+              <a:t> Browser</a:t>
+            </a:r>
+          </a:p>
+          <a:p>
+            <a:pPr marL="584061" lvl="1" indent="-276548" algn="l" defTabSz="600077">
+              <a:spcBef>
+                <a:spcPct val="50000"/>
+              </a:spcBef>
+              <a:buFont typeface="Wingdings" pitchFamily="2" charset="2"/>
+              <a:buChar char="§"/>
+            </a:pPr>
+            <a:r>
+              <a:rPr lang="en-GB" altLang="zh-CN" sz="2400" b="1" baseline="0" dirty="0">
+                <a:solidFill>
+                  <a:srgbClr val="006699"/>
+                </a:solidFill>
+                <a:latin typeface="Arial" charset="0"/>
+                <a:ea typeface="宋体" pitchFamily="2" charset="-122"/>
+              </a:rPr>
+              <a:t>Google </a:t>
+            </a:r>
+            <a:r>
+              <a:rPr lang="en-GB" altLang="zh-CN" sz="2400" b="1" baseline="0" dirty="0" smtClean="0">
+                <a:solidFill>
+                  <a:srgbClr val="006699"/>
+                </a:solidFill>
+                <a:latin typeface="Arial" charset="0"/>
+                <a:ea typeface="宋体" pitchFamily="2" charset="-122"/>
+              </a:rPr>
+              <a:t>Chrome </a:t>
+            </a:r>
+            <a:r>
+              <a:rPr lang="en-SG" altLang="zh-CN" sz="2400" b="1" baseline="0" dirty="0" smtClean="0">
+                <a:solidFill>
+                  <a:srgbClr val="006699"/>
+                </a:solidFill>
+                <a:latin typeface="Arial" charset="0"/>
+                <a:ea typeface="宋体" pitchFamily="2" charset="-122"/>
+              </a:rPr>
+              <a:t>version</a:t>
+            </a:r>
+            <a:r>
+              <a:rPr lang="en-SG" sz="2400" dirty="0" smtClean="0"/>
+              <a:t> </a:t>
+            </a:r>
+            <a:r>
+              <a:rPr lang="en-SG" altLang="zh-CN" sz="2400" b="1" baseline="0" dirty="0" smtClean="0">
+                <a:solidFill>
+                  <a:srgbClr val="006699"/>
+                </a:solidFill>
+                <a:latin typeface="Arial" charset="0"/>
+                <a:ea typeface="宋体" pitchFamily="2" charset="-122"/>
+              </a:rPr>
+              <a:t>26.0.1410.43 m </a:t>
+            </a:r>
+            <a:r>
+              <a:rPr lang="en-SG" altLang="zh-CN" sz="2400" b="1" baseline="0" dirty="0">
+                <a:solidFill>
+                  <a:srgbClr val="006699"/>
+                </a:solidFill>
+                <a:latin typeface="Arial" charset="0"/>
+                <a:ea typeface="宋体" pitchFamily="2" charset="-122"/>
+              </a:rPr>
+              <a:t>&amp; 27.0.1453.9 m</a:t>
+            </a:r>
+          </a:p>
+          <a:p>
+            <a:pPr marL="276548" indent="-276548" algn="l" defTabSz="600077">
+              <a:spcBef>
+                <a:spcPct val="50000"/>
+              </a:spcBef>
+              <a:buFont typeface="Wingdings" pitchFamily="2" charset="2"/>
+              <a:buChar char="§"/>
+            </a:pPr>
+            <a:r>
+              <a:rPr lang="en-SG" altLang="zh-CN" sz="2400" b="1" baseline="0" dirty="0">
+                <a:solidFill>
+                  <a:srgbClr val="006699"/>
+                </a:solidFill>
+                <a:latin typeface="Arial" charset="0"/>
+                <a:ea typeface="宋体" pitchFamily="2" charset="-122"/>
+              </a:rPr>
+              <a:t>JavaScript</a:t>
+            </a:r>
+          </a:p>
+          <a:p>
+            <a:pPr marL="276548" indent="-276548" algn="l" defTabSz="600077">
+              <a:spcBef>
+                <a:spcPct val="50000"/>
+              </a:spcBef>
+              <a:buFont typeface="Wingdings" pitchFamily="2" charset="2"/>
+              <a:buChar char="§"/>
+            </a:pPr>
+            <a:r>
+              <a:rPr lang="en-US" altLang="zh-CN" sz="2400" b="1" baseline="0" dirty="0">
+                <a:solidFill>
+                  <a:srgbClr val="006699"/>
+                </a:solidFill>
+                <a:latin typeface="Arial" charset="0"/>
+                <a:ea typeface="宋体" pitchFamily="2" charset="-122"/>
+              </a:rPr>
+              <a:t>Chrome Extension API</a:t>
+            </a:r>
+            <a:endParaRPr lang="en-GB" altLang="zh-CN" sz="2400" b="1" baseline="0" dirty="0">
+              <a:solidFill>
+                <a:srgbClr val="006699"/>
+              </a:solidFill>
+              <a:latin typeface="Arial" charset="0"/>
+              <a:ea typeface="宋体" pitchFamily="2" charset="-122"/>
+            </a:endParaRPr>
+          </a:p>
+          <a:p>
+            <a:pPr marL="584061" lvl="1" indent="-276548" algn="l" defTabSz="600077">
+              <a:spcBef>
+                <a:spcPct val="50000"/>
+              </a:spcBef>
+              <a:buFont typeface="Wingdings" pitchFamily="2" charset="2"/>
+              <a:buChar char="§"/>
+            </a:pPr>
+            <a:r>
+              <a:rPr lang="en-GB" altLang="zh-CN" sz="2400" b="1" baseline="0" dirty="0">
+                <a:solidFill>
+                  <a:srgbClr val="006699"/>
+                </a:solidFill>
+                <a:latin typeface="Arial" charset="0"/>
+                <a:ea typeface="宋体" pitchFamily="2" charset="-122"/>
+              </a:rPr>
+              <a:t>chrome.webRequest</a:t>
+            </a:r>
+            <a:endParaRPr lang="en-GB" altLang="zh-CN" sz="2400" b="1" baseline="0" dirty="0">
+              <a:solidFill>
+                <a:srgbClr val="006699"/>
+              </a:solidFill>
+              <a:latin typeface="Arial" charset="0"/>
+              <a:ea typeface="宋体" pitchFamily="2" charset="-122"/>
+            </a:endParaRPr>
+          </a:p>
+          <a:p>
+            <a:pPr marL="584061" lvl="1" indent="-276548" algn="l" defTabSz="600077">
+              <a:spcBef>
+                <a:spcPct val="50000"/>
+              </a:spcBef>
+              <a:buFont typeface="Wingdings" pitchFamily="2" charset="2"/>
+              <a:buChar char="§"/>
+            </a:pPr>
+            <a:r>
+              <a:rPr lang="en-GB" altLang="zh-CN" sz="2400" b="1" baseline="0" dirty="0">
+                <a:solidFill>
+                  <a:srgbClr val="006699"/>
+                </a:solidFill>
+                <a:latin typeface="Arial" charset="0"/>
+                <a:ea typeface="宋体" pitchFamily="2" charset="-122"/>
+              </a:rPr>
+              <a:t>Content Script</a:t>
+            </a:r>
+            <a:endParaRPr lang="en-US" altLang="zh-CN" sz="2400" b="1" baseline="0" dirty="0">
+              <a:solidFill>
+                <a:srgbClr val="006699"/>
+              </a:solidFill>
+              <a:latin typeface="Arial" charset="0"/>
+              <a:ea typeface="宋体" pitchFamily="2" charset="-122"/>
+            </a:endParaRPr>
+          </a:p>
+          <a:p>
             <a:pPr algn="just" defTabSz="600077">
               <a:spcBef>
                 <a:spcPct val="50000"/>
               </a:spcBef>
             </a:pPr>
-            <a:r>
-              <a:rPr lang="en-GB" altLang="zh-CN" sz="3000" b="1" baseline="0" dirty="0" smtClean="0">
-                <a:solidFill>
-                  <a:srgbClr val="006699"/>
-                </a:solidFill>
-                <a:latin typeface="Arial" charset="0"/>
-                <a:ea typeface="宋体" pitchFamily="2" charset="-122"/>
-              </a:rPr>
-              <a:t>Result</a:t>
-            </a:r>
             <a:endParaRPr lang="en-GB" altLang="zh-CN" sz="3000" b="1" baseline="0" dirty="0">
               <a:solidFill>
                 <a:srgbClr val="006699"/>
@@ -5904,7 +5131,7 @@
           <p:nvPr/>
         </p:nvPicPr>
         <p:blipFill>
-          <a:blip r:embed="rId13" cstate="print"/>
+          <a:blip r:embed="rId3" cstate="print"/>
           <a:srcRect/>
           <a:stretch>
             <a:fillRect/>
@@ -5930,7 +5157,7 @@
           <p:nvPr/>
         </p:nvPicPr>
         <p:blipFill>
-          <a:blip r:embed="rId14" cstate="print"/>
+          <a:blip r:embed="rId4" cstate="print"/>
           <a:srcRect/>
           <a:stretch>
             <a:fillRect/>
@@ -5956,7 +5183,7 @@
           <p:nvPr/>
         </p:nvPicPr>
         <p:blipFill>
-          <a:blip r:embed="rId15" cstate="print"/>
+          <a:blip r:embed="rId5" cstate="print"/>
           <a:srcRect/>
           <a:stretch>
             <a:fillRect/>
@@ -5982,7 +5209,7 @@
           <p:nvPr/>
         </p:nvPicPr>
         <p:blipFill>
-          <a:blip r:embed="rId16" cstate="print"/>
+          <a:blip r:embed="rId6" cstate="print"/>
           <a:srcRect/>
           <a:stretch>
             <a:fillRect/>
@@ -6008,7 +5235,7 @@
           <p:nvPr/>
         </p:nvPicPr>
         <p:blipFill>
-          <a:blip r:embed="rId17" cstate="print"/>
+          <a:blip r:embed="rId7" cstate="print"/>
           <a:srcRect/>
           <a:stretch>
             <a:fillRect/>
@@ -6016,40 +5243,8 @@
         </p:blipFill>
         <p:spPr bwMode="auto">
           <a:xfrm>
-            <a:off x="11784806" y="4255294"/>
-            <a:ext cx="7580026" cy="1409700"/>
-          </a:xfrm>
-          <a:prstGeom prst="rect">
-            <a:avLst/>
-          </a:prstGeom>
-          <a:noFill/>
-          <a:ln w="9525">
-            <a:noFill/>
-            <a:miter lim="800000"/>
-            <a:headEnd/>
-            <a:tailEnd/>
-          </a:ln>
-        </p:spPr>
-      </p:pic>
-      <p:pic>
-        <p:nvPicPr>
-          <p:cNvPr id="1034" name="Picture 10"/>
-          <p:cNvPicPr>
-            <a:picLocks noChangeAspect="1" noChangeArrowheads="1"/>
-          </p:cNvPicPr>
-          <p:nvPr/>
-        </p:nvPicPr>
-        <p:blipFill>
-          <a:blip r:embed="rId18" cstate="print"/>
-          <a:srcRect/>
-          <a:stretch>
-            <a:fillRect/>
-          </a:stretch>
-        </p:blipFill>
-        <p:spPr bwMode="auto">
-          <a:xfrm>
-            <a:off x="10870406" y="7779544"/>
-            <a:ext cx="9105900" cy="2762250"/>
+            <a:off x="23138606" y="8484394"/>
+            <a:ext cx="3790013" cy="704850"/>
           </a:xfrm>
           <a:prstGeom prst="rect">
             <a:avLst/>
@@ -6072,7 +5267,7 @@
           <p:nvPr/>
         </p:nvPicPr>
         <p:blipFill>
-          <a:blip r:embed="rId19">
+          <a:blip r:embed="rId8">
             <a:extLst>
               <a:ext uri="{28A0092B-C50C-407E-A947-70E740481C1C}">
                 <a14:useLocalDpi xmlns:a14="http://schemas.microsoft.com/office/drawing/2010/main" val="0"/>
@@ -6117,63 +5312,49 @@
           </a:extLst>
         </p:spPr>
       </p:pic>
-      <p:pic>
-        <p:nvPicPr>
-          <p:cNvPr id="6" name="Picture 5"/>
-          <p:cNvPicPr>
-            <a:picLocks noChangeAspect="1" noChangeArrowheads="1"/>
-          </p:cNvPicPr>
+      <p:sp>
+        <p:nvSpPr>
+          <p:cNvPr id="23" name="AutoShape 542"/>
+          <p:cNvSpPr>
+            <a:spLocks noChangeArrowheads="1"/>
+          </p:cNvSpPr>
           <p:nvPr/>
-        </p:nvPicPr>
-        <p:blipFill>
-          <a:blip r:embed="rId20">
-            <a:extLst>
-              <a:ext uri="{28A0092B-C50C-407E-A947-70E740481C1C}">
-                <a14:useLocalDpi xmlns:a14="http://schemas.microsoft.com/office/drawing/2010/main" val="0"/>
-              </a:ext>
-            </a:extLst>
-          </a:blip>
-          <a:srcRect/>
-          <a:stretch>
-            <a:fillRect/>
-          </a:stretch>
-        </p:blipFill>
+        </p:nvSpPr>
         <p:spPr bwMode="auto">
           <a:xfrm>
-            <a:off x="21919406" y="4293394"/>
-            <a:ext cx="7324725" cy="2362200"/>
+            <a:off x="10091738" y="10084594"/>
+            <a:ext cx="11142960" cy="10896600"/>
           </a:xfrm>
-          <a:prstGeom prst="rect">
-            <a:avLst/>
+          <a:prstGeom prst="roundRect">
+            <a:avLst>
+              <a:gd name="adj" fmla="val 3856"/>
+            </a:avLst>
           </a:prstGeom>
-          <a:noFill/>
-          <a:ln>
-            <a:noFill/>
+          <a:solidFill>
+            <a:schemeClr val="bg1"/>
+          </a:solidFill>
+          <a:ln w="12700">
+            <a:solidFill>
+              <a:schemeClr val="bg1"/>
+            </a:solidFill>
+            <a:round/>
+            <a:headEnd/>
+            <a:tailEnd/>
           </a:ln>
-          <a:extLst>
-            <a:ext uri="{909E8E84-426E-40DD-AFC4-6F175D3DCCD1}">
-              <a14:hiddenFill xmlns:a14="http://schemas.microsoft.com/office/drawing/2010/main">
-                <a:solidFill>
-                  <a:schemeClr val="accent1"/>
-                </a:solidFill>
-              </a14:hiddenFill>
-            </a:ext>
-            <a:ext uri="{91240B29-F687-4F45-9708-019B960494DF}">
-              <a14:hiddenLine xmlns:a14="http://schemas.microsoft.com/office/drawing/2010/main" w="9525">
-                <a:solidFill>
-                  <a:schemeClr val="tx1"/>
-                </a:solidFill>
-                <a:miter lim="800000"/>
-                <a:headEnd/>
-                <a:tailEnd/>
-              </a14:hiddenLine>
-            </a:ext>
-          </a:extLst>
+          <a:effectLst/>
         </p:spPr>
-      </p:pic>
-      <p:sp>
-        <p:nvSpPr>
-          <p:cNvPr id="25" name="Text Box 541"/>
+        <p:txBody>
+          <a:bodyPr wrap="none" lIns="44811" tIns="22404" rIns="44811" bIns="22404" anchor="ctr"/>
+          <a:lstStyle/>
+          <a:p>
+            <a:pPr defTabSz="538147"/>
+            <a:endParaRPr lang="en-US" dirty="0"/>
+          </a:p>
+        </p:txBody>
+      </p:sp>
+      <p:sp>
+        <p:nvSpPr>
+          <p:cNvPr id="27" name="Text Box 541"/>
           <p:cNvSpPr txBox="1">
             <a:spLocks noChangeArrowheads="1"/>
           </p:cNvSpPr>
@@ -6181,8 +5362,8 @@
         </p:nvSpPr>
         <p:spPr bwMode="auto">
           <a:xfrm>
-            <a:off x="10091738" y="16866393"/>
-            <a:ext cx="11142960" cy="4087317"/>
+            <a:off x="10337006" y="10297171"/>
+            <a:ext cx="10744200" cy="10429875"/>
           </a:xfrm>
           <a:prstGeom prst="rect">
             <a:avLst/>
@@ -6215,91 +5396,39 @@
                 <a:latin typeface="Arial" charset="0"/>
                 <a:ea typeface="宋体" pitchFamily="2" charset="-122"/>
               </a:rPr>
-              <a:t>Implementation</a:t>
-            </a:r>
-          </a:p>
-          <a:p>
-            <a:pPr marL="276548" indent="-276548" algn="just" defTabSz="600077">
-              <a:spcBef>
-                <a:spcPct val="50000"/>
-              </a:spcBef>
-              <a:buFont typeface="Wingdings" pitchFamily="2" charset="2"/>
-              <a:buChar char="§"/>
-            </a:pPr>
-            <a:r>
-              <a:rPr lang="en-GB" altLang="zh-CN" sz="2400" b="1" baseline="0" dirty="0" smtClean="0">
+              <a:t>Our Solution: </a:t>
+            </a:r>
+            <a:r>
+              <a:rPr lang="en-GB" altLang="zh-CN" sz="3000" b="1" baseline="0" dirty="0" smtClean="0">
+                <a:solidFill>
+                  <a:srgbClr val="FFC000"/>
+                </a:solidFill>
+                <a:latin typeface="Arial" charset="0"/>
+                <a:ea typeface="宋体" pitchFamily="2" charset="-122"/>
+              </a:rPr>
+              <a:t>Protect</a:t>
+            </a:r>
+            <a:r>
+              <a:rPr lang="en-GB" altLang="zh-CN" sz="3000" b="1" baseline="0" dirty="0" smtClean="0">
                 <a:solidFill>
                   <a:srgbClr val="006699"/>
                 </a:solidFill>
                 <a:latin typeface="Arial" charset="0"/>
                 <a:ea typeface="宋体" pitchFamily="2" charset="-122"/>
               </a:rPr>
-              <a:t> Browser</a:t>
-            </a:r>
-          </a:p>
-          <a:p>
-            <a:pPr marL="584061" lvl="1" indent="-276548" algn="just" defTabSz="600077">
-              <a:spcBef>
-                <a:spcPct val="50000"/>
-              </a:spcBef>
-              <a:buFont typeface="Wingdings" pitchFamily="2" charset="2"/>
-              <a:buChar char="§"/>
-            </a:pPr>
-            <a:r>
-              <a:rPr lang="en-GB" altLang="zh-CN" sz="2400" b="1" baseline="0" dirty="0" smtClean="0">
+              <a:t> access to unsafe inputs</a:t>
+            </a:r>
+            <a:r>
+              <a:rPr lang="en-GB" altLang="zh-CN" sz="3000" b="1" baseline="0" dirty="0" smtClean="0">
                 <a:solidFill>
                   <a:srgbClr val="006699"/>
                 </a:solidFill>
                 <a:latin typeface="Arial" charset="0"/>
                 <a:ea typeface="宋体" pitchFamily="2" charset="-122"/>
               </a:rPr>
-              <a:t>Google Chrome </a:t>
-            </a:r>
-            <a:r>
-              <a:rPr lang="en-SG" altLang="zh-CN" sz="2400" b="1" baseline="0" dirty="0">
-                <a:solidFill>
-                  <a:srgbClr val="006699"/>
-                </a:solidFill>
-                <a:latin typeface="Arial" charset="0"/>
-                <a:ea typeface="宋体" pitchFamily="2" charset="-122"/>
-              </a:rPr>
-              <a:t>v</a:t>
-            </a:r>
-            <a:r>
-              <a:rPr lang="en-SG" altLang="zh-CN" sz="2400" b="1" baseline="0" dirty="0" smtClean="0">
-                <a:solidFill>
-                  <a:srgbClr val="006699"/>
-                </a:solidFill>
-                <a:latin typeface="Arial" charset="0"/>
-                <a:ea typeface="宋体" pitchFamily="2" charset="-122"/>
-              </a:rPr>
-              <a:t>ersion</a:t>
-            </a:r>
-            <a:r>
-              <a:rPr lang="en-SG" sz="2400" dirty="0" smtClean="0"/>
-              <a:t> </a:t>
-            </a:r>
-            <a:r>
-              <a:rPr lang="en-SG" altLang="zh-CN" sz="2400" b="1" baseline="0" dirty="0" smtClean="0">
-                <a:solidFill>
-                  <a:srgbClr val="006699"/>
-                </a:solidFill>
-                <a:latin typeface="Arial" charset="0"/>
-                <a:ea typeface="宋体" pitchFamily="2" charset="-122"/>
-              </a:rPr>
-              <a:t>26.0.1410.43 m </a:t>
-            </a:r>
-            <a:r>
-              <a:rPr lang="en-SG" altLang="zh-CN" sz="2400" b="1" baseline="0" dirty="0">
-                <a:solidFill>
-                  <a:srgbClr val="006699"/>
-                </a:solidFill>
-                <a:latin typeface="Arial" charset="0"/>
-                <a:ea typeface="宋体" pitchFamily="2" charset="-122"/>
-              </a:rPr>
-              <a:t>&amp; 27.0.1453.9 m</a:t>
-            </a:r>
-            <a:endParaRPr lang="en-SG" altLang="zh-CN" sz="2400" b="1" baseline="0" dirty="0" smtClean="0">
+              <a:t>!</a:t>
+            </a:r>
+            <a:endParaRPr lang="en-GB" altLang="zh-CN" sz="2400" b="1" baseline="0" dirty="0" smtClean="0">
               <a:solidFill>
                 <a:srgbClr val="006699"/>
               </a:solidFill>
@@ -6308,24 +5437,122 @@
             </a:endParaRPr>
           </a:p>
           <a:p>
-            <a:pPr marL="276548" indent="-276548" algn="just" defTabSz="600077">
+            <a:pPr marL="342900" indent="-342900" algn="l" defTabSz="600077">
               <a:spcBef>
                 <a:spcPct val="50000"/>
               </a:spcBef>
-              <a:buFont typeface="Wingdings" pitchFamily="2" charset="2"/>
-              <a:buChar char="§"/>
+              <a:buFontTx/>
+              <a:buChar char="-"/>
             </a:pPr>
             <a:r>
-              <a:rPr lang="en-SG" altLang="zh-CN" sz="2400" b="1" baseline="0" dirty="0" smtClean="0">
+              <a:rPr lang="en-GB" altLang="zh-CN" sz="2400" b="1" baseline="0" dirty="0" smtClean="0">
                 <a:solidFill>
                   <a:srgbClr val="006699"/>
                 </a:solidFill>
                 <a:latin typeface="Arial" charset="0"/>
                 <a:ea typeface="宋体" pitchFamily="2" charset="-122"/>
               </a:rPr>
-              <a:t>JavaScript</a:t>
-            </a:r>
-            <a:endParaRPr lang="en-SG" altLang="zh-CN" sz="2400" b="1" baseline="0" dirty="0" smtClean="0">
+              <a:t>Remove </a:t>
+            </a:r>
+            <a:r>
+              <a:rPr lang="en-GB" altLang="zh-CN" sz="2400" b="1" baseline="0" dirty="0" err="1" smtClean="0">
+                <a:solidFill>
+                  <a:srgbClr val="006699"/>
+                </a:solidFill>
+                <a:latin typeface="Arial" charset="0"/>
+                <a:ea typeface="宋体" pitchFamily="2" charset="-122"/>
+              </a:rPr>
+              <a:t>Referer</a:t>
+            </a:r>
+            <a:r>
+              <a:rPr lang="en-GB" altLang="zh-CN" sz="2400" b="1" baseline="0" dirty="0" smtClean="0">
+                <a:solidFill>
+                  <a:srgbClr val="006699"/>
+                </a:solidFill>
+                <a:latin typeface="Arial" charset="0"/>
+                <a:ea typeface="宋体" pitchFamily="2" charset="-122"/>
+              </a:rPr>
+              <a:t> </a:t>
+            </a:r>
+            <a:r>
+              <a:rPr lang="en-GB" altLang="zh-CN" sz="2400" b="1" baseline="0" dirty="0" smtClean="0">
+                <a:solidFill>
+                  <a:srgbClr val="006699"/>
+                </a:solidFill>
+                <a:latin typeface="Arial" charset="0"/>
+                <a:ea typeface="宋体" pitchFamily="2" charset="-122"/>
+              </a:rPr>
+              <a:t>from HTTP header</a:t>
+            </a:r>
+          </a:p>
+          <a:p>
+            <a:pPr marL="650413" lvl="1" indent="-342900" algn="l" defTabSz="600077">
+              <a:spcBef>
+                <a:spcPct val="50000"/>
+              </a:spcBef>
+              <a:buFontTx/>
+              <a:buChar char="-"/>
+            </a:pPr>
+            <a:r>
+              <a:rPr lang="en-GB" altLang="zh-CN" sz="2400" b="1" baseline="0" dirty="0" smtClean="0">
+                <a:solidFill>
+                  <a:srgbClr val="006699"/>
+                </a:solidFill>
+                <a:latin typeface="Arial" charset="0"/>
+                <a:ea typeface="宋体" pitchFamily="2" charset="-122"/>
+              </a:rPr>
+              <a:t>Intercept and remove by </a:t>
+            </a:r>
+            <a:r>
+              <a:rPr lang="en-GB" altLang="zh-CN" sz="2400" b="1" baseline="0" dirty="0" smtClean="0">
+                <a:solidFill>
+                  <a:srgbClr val="006699"/>
+                </a:solidFill>
+                <a:latin typeface="Arial" charset="0"/>
+                <a:ea typeface="宋体" pitchFamily="2" charset="-122"/>
+              </a:rPr>
+              <a:t>chrome.webRequest</a:t>
+            </a:r>
+            <a:r>
+              <a:rPr lang="en-GB" altLang="zh-CN" sz="2400" b="1" baseline="0" dirty="0" smtClean="0">
+                <a:solidFill>
+                  <a:srgbClr val="006699"/>
+                </a:solidFill>
+                <a:latin typeface="Arial" charset="0"/>
+                <a:ea typeface="宋体" pitchFamily="2" charset="-122"/>
+              </a:rPr>
+              <a:t> API</a:t>
+            </a:r>
+          </a:p>
+          <a:p>
+            <a:pPr marL="342900" indent="-342900" algn="l" defTabSz="600077">
+              <a:spcBef>
+                <a:spcPct val="50000"/>
+              </a:spcBef>
+              <a:buFontTx/>
+              <a:buChar char="-"/>
+            </a:pPr>
+            <a:r>
+              <a:rPr lang="en-GB" altLang="zh-CN" sz="2400" b="1" baseline="0" dirty="0" smtClean="0">
+                <a:solidFill>
+                  <a:srgbClr val="006699"/>
+                </a:solidFill>
+                <a:latin typeface="Arial" charset="0"/>
+                <a:ea typeface="宋体" pitchFamily="2" charset="-122"/>
+              </a:rPr>
+              <a:t>Protect access to unsafe inputs: encode the return value</a:t>
+            </a:r>
+            <a:r>
+              <a:rPr lang="en-GB" altLang="zh-CN" sz="2400" b="1" baseline="0" dirty="0" smtClean="0">
+                <a:solidFill>
+                  <a:srgbClr val="006699"/>
+                </a:solidFill>
+                <a:latin typeface="Arial" charset="0"/>
+                <a:ea typeface="宋体" pitchFamily="2" charset="-122"/>
+              </a:rPr>
+              <a:t>.</a:t>
+            </a:r>
+            <a:endParaRPr lang="en-GB" altLang="zh-CN" sz="2400" b="1" baseline="0" dirty="0" smtClean="0">
               <a:solidFill>
                 <a:srgbClr val="006699"/>
               </a:solidFill>
@@ -6334,23 +5561,13 @@
             </a:endParaRPr>
           </a:p>
           <a:p>
-            <a:pPr marL="276548" indent="-276548" algn="just" defTabSz="600077">
+            <a:pPr marL="342900" indent="-342900" algn="l" defTabSz="600077">
               <a:spcBef>
                 <a:spcPct val="50000"/>
               </a:spcBef>
-              <a:buFont typeface="Wingdings" pitchFamily="2" charset="2"/>
-              <a:buChar char="§"/>
+              <a:buFontTx/>
+              <a:buChar char="-"/>
             </a:pPr>
-            <a:r>
-              <a:rPr lang="en-US" altLang="zh-CN" sz="2400" b="1" baseline="0" dirty="0" smtClean="0">
-                <a:solidFill>
-                  <a:srgbClr val="006699"/>
-                </a:solidFill>
-                <a:latin typeface="Arial" charset="0"/>
-                <a:ea typeface="宋体" pitchFamily="2" charset="-122"/>
-              </a:rPr>
-              <a:t>Chrome Extension API</a:t>
-            </a:r>
             <a:endParaRPr lang="en-GB" altLang="zh-CN" sz="2400" b="1" baseline="0" dirty="0">
               <a:solidFill>
                 <a:srgbClr val="006699"/>
@@ -6360,23 +5577,13 @@
             </a:endParaRPr>
           </a:p>
           <a:p>
-            <a:pPr marL="584061" lvl="1" indent="-276548" algn="just" defTabSz="600077">
+            <a:pPr marL="342900" indent="-342900" algn="l" defTabSz="600077">
               <a:spcBef>
                 <a:spcPct val="50000"/>
               </a:spcBef>
-              <a:buFont typeface="Wingdings" pitchFamily="2" charset="2"/>
-              <a:buChar char="§"/>
+              <a:buFontTx/>
+              <a:buChar char="-"/>
             </a:pPr>
-            <a:r>
-              <a:rPr lang="en-GB" altLang="zh-CN" sz="2400" b="1" baseline="0" dirty="0" err="1" smtClean="0">
-                <a:solidFill>
-                  <a:srgbClr val="006699"/>
-                </a:solidFill>
-                <a:latin typeface="Arial" charset="0"/>
-                <a:ea typeface="宋体" pitchFamily="2" charset="-122"/>
-              </a:rPr>
-              <a:t>chrome.webRequest</a:t>
-            </a:r>
             <a:endParaRPr lang="en-GB" altLang="zh-CN" sz="2400" b="1" baseline="0" dirty="0" smtClean="0">
               <a:solidFill>
                 <a:srgbClr val="006699"/>
@@ -6386,24 +5593,14 @@
             </a:endParaRPr>
           </a:p>
           <a:p>
-            <a:pPr marL="584061" lvl="1" indent="-276548" algn="just" defTabSz="600077">
+            <a:pPr marL="342900" indent="-342900" algn="l" defTabSz="600077">
               <a:spcBef>
                 <a:spcPct val="50000"/>
               </a:spcBef>
-              <a:buFont typeface="Wingdings" pitchFamily="2" charset="2"/>
-              <a:buChar char="§"/>
+              <a:buFontTx/>
+              <a:buChar char="-"/>
             </a:pPr>
-            <a:r>
-              <a:rPr lang="en-GB" altLang="zh-CN" sz="2400" b="1" baseline="0" dirty="0" smtClean="0">
-                <a:solidFill>
-                  <a:srgbClr val="006699"/>
-                </a:solidFill>
-                <a:latin typeface="Arial" charset="0"/>
-                <a:ea typeface="宋体" pitchFamily="2" charset="-122"/>
-              </a:rPr>
-              <a:t>Content Script</a:t>
-            </a:r>
-            <a:endParaRPr lang="en-US" altLang="zh-CN" sz="2400" b="1" baseline="0" dirty="0" smtClean="0">
+            <a:endParaRPr lang="en-GB" altLang="zh-CN" sz="2400" b="1" baseline="0" dirty="0">
               <a:solidFill>
                 <a:srgbClr val="006699"/>
               </a:solidFill>
@@ -6411,8 +5608,770 @@
               <a:ea typeface="宋体" pitchFamily="2" charset="-122"/>
             </a:endParaRPr>
           </a:p>
-        </p:txBody>
-      </p:sp>
+          <a:p>
+            <a:pPr marL="342900" indent="-342900" algn="l" defTabSz="600077">
+              <a:spcBef>
+                <a:spcPct val="50000"/>
+              </a:spcBef>
+              <a:buFontTx/>
+              <a:buChar char="-"/>
+            </a:pPr>
+            <a:endParaRPr lang="en-GB" altLang="zh-CN" sz="2400" b="1" baseline="0" dirty="0" smtClean="0">
+              <a:solidFill>
+                <a:srgbClr val="006699"/>
+              </a:solidFill>
+              <a:latin typeface="Arial" charset="0"/>
+              <a:ea typeface="宋体" pitchFamily="2" charset="-122"/>
+            </a:endParaRPr>
+          </a:p>
+          <a:p>
+            <a:pPr marL="342900" indent="-342900" algn="l" defTabSz="600077">
+              <a:spcBef>
+                <a:spcPct val="50000"/>
+              </a:spcBef>
+              <a:buFontTx/>
+              <a:buChar char="-"/>
+            </a:pPr>
+            <a:endParaRPr lang="en-GB" altLang="zh-CN" sz="2400" b="1" baseline="0" dirty="0">
+              <a:solidFill>
+                <a:srgbClr val="006699"/>
+              </a:solidFill>
+              <a:latin typeface="Arial" charset="0"/>
+              <a:ea typeface="宋体" pitchFamily="2" charset="-122"/>
+            </a:endParaRPr>
+          </a:p>
+          <a:p>
+            <a:pPr marL="650413" lvl="1" indent="-342900" algn="l" defTabSz="600077">
+              <a:spcBef>
+                <a:spcPct val="50000"/>
+              </a:spcBef>
+              <a:buFontTx/>
+              <a:buChar char="-"/>
+            </a:pPr>
+            <a:r>
+              <a:rPr lang="en-GB" altLang="zh-CN" sz="2400" b="1" baseline="0" dirty="0" smtClean="0">
+                <a:solidFill>
+                  <a:srgbClr val="006699"/>
+                </a:solidFill>
+                <a:latin typeface="Arial" charset="0"/>
+                <a:ea typeface="宋体" pitchFamily="2" charset="-122"/>
+              </a:rPr>
+              <a:t>Chrome Content Script</a:t>
+            </a:r>
+          </a:p>
+          <a:p>
+            <a:pPr marL="957925" lvl="2" indent="-342900" algn="l" defTabSz="600077">
+              <a:spcBef>
+                <a:spcPct val="50000"/>
+              </a:spcBef>
+              <a:buFontTx/>
+              <a:buChar char="-"/>
+            </a:pPr>
+            <a:r>
+              <a:rPr lang="en-GB" altLang="zh-CN" sz="2400" b="1" baseline="0" dirty="0" smtClean="0">
+                <a:solidFill>
+                  <a:srgbClr val="006699"/>
+                </a:solidFill>
+                <a:latin typeface="Arial" charset="0"/>
+                <a:ea typeface="宋体" pitchFamily="2" charset="-122"/>
+              </a:rPr>
+              <a:t>Before DOM objects are constructed, inject small amount of JavaScript to…</a:t>
+            </a:r>
+          </a:p>
+          <a:p>
+            <a:pPr marL="1265438" lvl="3" indent="-342900" algn="l" defTabSz="600077">
+              <a:spcBef>
+                <a:spcPct val="50000"/>
+              </a:spcBef>
+              <a:buFontTx/>
+              <a:buChar char="-"/>
+            </a:pPr>
+            <a:r>
+              <a:rPr lang="en-SG" altLang="zh-CN" sz="2400" b="1" baseline="0" dirty="0" smtClean="0">
+                <a:solidFill>
+                  <a:srgbClr val="006699"/>
+                </a:solidFill>
+                <a:latin typeface="Arial" charset="0"/>
+                <a:ea typeface="宋体" pitchFamily="2" charset="-122"/>
+              </a:rPr>
+              <a:t>Override </a:t>
+            </a:r>
+            <a:r>
+              <a:rPr lang="en-SG" altLang="zh-CN" sz="2400" b="1" baseline="0" dirty="0" smtClean="0">
+                <a:solidFill>
+                  <a:srgbClr val="006699"/>
+                </a:solidFill>
+                <a:latin typeface="Courier New" pitchFamily="49" charset="0"/>
+                <a:ea typeface="宋体" pitchFamily="2" charset="-122"/>
+                <a:cs typeface="Courier New" pitchFamily="49" charset="0"/>
+              </a:rPr>
+              <a:t>document.URL</a:t>
+            </a:r>
+            <a:r>
+              <a:rPr lang="en-SG" altLang="zh-CN" sz="2400" b="1" baseline="0" dirty="0" smtClean="0">
+                <a:solidFill>
+                  <a:srgbClr val="006699"/>
+                </a:solidFill>
+                <a:latin typeface="Arial" charset="0"/>
+                <a:ea typeface="宋体" pitchFamily="2" charset="-122"/>
+              </a:rPr>
+              <a:t> getter</a:t>
+            </a:r>
+            <a:endParaRPr lang="en-GB" altLang="zh-CN" sz="2400" b="1" baseline="0" dirty="0">
+              <a:solidFill>
+                <a:srgbClr val="006699"/>
+              </a:solidFill>
+              <a:latin typeface="Arial" charset="0"/>
+              <a:ea typeface="宋体" pitchFamily="2" charset="-122"/>
+            </a:endParaRPr>
+          </a:p>
+          <a:p>
+            <a:pPr marL="1265438" lvl="3" indent="-342900" algn="l" defTabSz="600077">
+              <a:spcBef>
+                <a:spcPct val="50000"/>
+              </a:spcBef>
+              <a:buFontTx/>
+              <a:buChar char="-"/>
+            </a:pPr>
+            <a:r>
+              <a:rPr lang="en-SG" altLang="zh-CN" sz="2400" b="1" baseline="0" dirty="0" smtClean="0">
+                <a:solidFill>
+                  <a:srgbClr val="006699"/>
+                </a:solidFill>
+                <a:latin typeface="Arial" charset="0"/>
+                <a:ea typeface="宋体" pitchFamily="2" charset="-122"/>
+              </a:rPr>
+              <a:t>Override </a:t>
+            </a:r>
+            <a:r>
+              <a:rPr lang="en-SG" altLang="zh-CN" sz="2400" b="1" baseline="0" dirty="0" smtClean="0">
+                <a:solidFill>
+                  <a:srgbClr val="006699"/>
+                </a:solidFill>
+                <a:latin typeface="Courier New" pitchFamily="49" charset="0"/>
+                <a:ea typeface="宋体" pitchFamily="2" charset="-122"/>
+                <a:cs typeface="Courier New" pitchFamily="49" charset="0"/>
+              </a:rPr>
+              <a:t>document.URLUnencoded</a:t>
+            </a:r>
+            <a:r>
+              <a:rPr lang="en-SG" altLang="zh-CN" sz="2400" b="1" baseline="0" dirty="0" smtClean="0">
+                <a:solidFill>
+                  <a:srgbClr val="006699"/>
+                </a:solidFill>
+                <a:latin typeface="Arial" charset="0"/>
+                <a:ea typeface="宋体" pitchFamily="2" charset="-122"/>
+              </a:rPr>
+              <a:t> getter</a:t>
+            </a:r>
+          </a:p>
+          <a:p>
+            <a:pPr marL="1265438" lvl="3" indent="-342900" algn="l" defTabSz="600077">
+              <a:spcBef>
+                <a:spcPct val="50000"/>
+              </a:spcBef>
+              <a:buFontTx/>
+              <a:buChar char="-"/>
+            </a:pPr>
+            <a:r>
+              <a:rPr lang="en-SG" altLang="zh-CN" sz="2400" b="1" baseline="0" dirty="0" smtClean="0">
+                <a:solidFill>
+                  <a:srgbClr val="006699"/>
+                </a:solidFill>
+                <a:latin typeface="Arial" charset="0"/>
+                <a:ea typeface="宋体" pitchFamily="2" charset="-122"/>
+              </a:rPr>
+              <a:t>Protect </a:t>
+            </a:r>
+            <a:r>
+              <a:rPr lang="en-SG" altLang="zh-CN" sz="2400" b="1" baseline="0" dirty="0" smtClean="0">
+                <a:solidFill>
+                  <a:srgbClr val="006699"/>
+                </a:solidFill>
+                <a:latin typeface="Courier New" pitchFamily="49" charset="0"/>
+                <a:ea typeface="宋体" pitchFamily="2" charset="-122"/>
+                <a:cs typeface="Courier New" pitchFamily="49" charset="0"/>
+              </a:rPr>
+              <a:t>document.location</a:t>
+            </a:r>
+            <a:r>
+              <a:rPr lang="en-SG" altLang="zh-CN" sz="2400" b="1" baseline="0" dirty="0" smtClean="0">
+                <a:solidFill>
+                  <a:srgbClr val="006699"/>
+                </a:solidFill>
+                <a:latin typeface="Arial" charset="0"/>
+                <a:ea typeface="宋体" pitchFamily="2" charset="-122"/>
+              </a:rPr>
+              <a:t>:</a:t>
+            </a:r>
+          </a:p>
+          <a:p>
+            <a:pPr marL="1572951" lvl="4" indent="-342900" algn="l" defTabSz="600077">
+              <a:spcBef>
+                <a:spcPct val="50000"/>
+              </a:spcBef>
+              <a:buFontTx/>
+              <a:buChar char="-"/>
+            </a:pPr>
+            <a:r>
+              <a:rPr lang="en-SG" altLang="zh-CN" sz="2400" b="1" baseline="0" dirty="0" smtClean="0">
+                <a:solidFill>
+                  <a:srgbClr val="006699"/>
+                </a:solidFill>
+                <a:latin typeface="Courier New" pitchFamily="49" charset="0"/>
+                <a:ea typeface="宋体" pitchFamily="2" charset="-122"/>
+                <a:cs typeface="Courier New" pitchFamily="49" charset="0"/>
+              </a:rPr>
+              <a:t>document.location.search</a:t>
+            </a:r>
+            <a:r>
+              <a:rPr lang="en-SG" altLang="zh-CN" sz="2400" b="1" baseline="0" dirty="0" smtClean="0">
+                <a:solidFill>
+                  <a:srgbClr val="006699"/>
+                </a:solidFill>
+                <a:latin typeface="Arial" charset="0"/>
+                <a:ea typeface="宋体" pitchFamily="2" charset="-122"/>
+              </a:rPr>
+              <a:t> already encoded</a:t>
+            </a:r>
+          </a:p>
+          <a:p>
+            <a:pPr marL="1572951" lvl="4" indent="-342900" algn="l" defTabSz="600077">
+              <a:spcBef>
+                <a:spcPct val="50000"/>
+              </a:spcBef>
+              <a:buFontTx/>
+              <a:buChar char="-"/>
+            </a:pPr>
+            <a:r>
+              <a:rPr lang="en-SG" altLang="zh-CN" sz="2400" b="1" baseline="0" dirty="0">
+                <a:solidFill>
+                  <a:srgbClr val="006699"/>
+                </a:solidFill>
+                <a:latin typeface="Arial" charset="0"/>
+                <a:ea typeface="宋体" pitchFamily="2" charset="-122"/>
+              </a:rPr>
+              <a:t>O</a:t>
+            </a:r>
+            <a:r>
+              <a:rPr lang="en-SG" altLang="zh-CN" sz="2400" b="1" baseline="0" dirty="0" smtClean="0">
+                <a:solidFill>
+                  <a:srgbClr val="006699"/>
+                </a:solidFill>
+                <a:latin typeface="Arial" charset="0"/>
+                <a:ea typeface="宋体" pitchFamily="2" charset="-122"/>
+              </a:rPr>
+              <a:t>verride </a:t>
+            </a:r>
+            <a:r>
+              <a:rPr lang="en-SG" altLang="zh-CN" sz="2400" b="1" baseline="0" dirty="0" smtClean="0">
+                <a:solidFill>
+                  <a:srgbClr val="006699"/>
+                </a:solidFill>
+                <a:latin typeface="Courier New" pitchFamily="49" charset="0"/>
+                <a:ea typeface="宋体" pitchFamily="2" charset="-122"/>
+                <a:cs typeface="Courier New" pitchFamily="49" charset="0"/>
+              </a:rPr>
+              <a:t>document.location.hash</a:t>
+            </a:r>
+            <a:r>
+              <a:rPr lang="en-SG" altLang="zh-CN" sz="2400" b="1" baseline="0" dirty="0" smtClean="0">
+                <a:solidFill>
+                  <a:srgbClr val="006699"/>
+                </a:solidFill>
+                <a:latin typeface="Arial" charset="0"/>
+                <a:ea typeface="宋体" pitchFamily="2" charset="-122"/>
+              </a:rPr>
+              <a:t> getter</a:t>
+            </a:r>
+          </a:p>
+          <a:p>
+            <a:pPr marL="1265438" lvl="3" indent="-342900" algn="l" defTabSz="600077">
+              <a:spcBef>
+                <a:spcPct val="50000"/>
+              </a:spcBef>
+              <a:buFontTx/>
+              <a:buChar char="-"/>
+            </a:pPr>
+            <a:r>
+              <a:rPr lang="en-SG" altLang="zh-CN" sz="2400" b="1" baseline="0" dirty="0" smtClean="0">
+                <a:solidFill>
+                  <a:srgbClr val="006699"/>
+                </a:solidFill>
+                <a:latin typeface="Arial" charset="0"/>
+                <a:ea typeface="宋体" pitchFamily="2" charset="-122"/>
+              </a:rPr>
+              <a:t>Override </a:t>
+            </a:r>
+            <a:r>
+              <a:rPr lang="en-SG" altLang="zh-CN" sz="2400" b="1" baseline="0" dirty="0" smtClean="0">
+                <a:solidFill>
+                  <a:srgbClr val="006699"/>
+                </a:solidFill>
+                <a:latin typeface="Courier New" pitchFamily="49" charset="0"/>
+                <a:ea typeface="宋体" pitchFamily="2" charset="-122"/>
+                <a:cs typeface="Courier New" pitchFamily="49" charset="0"/>
+              </a:rPr>
+              <a:t>window.name </a:t>
+            </a:r>
+            <a:r>
+              <a:rPr lang="en-SG" altLang="zh-CN" sz="2400" b="1" baseline="0" dirty="0" smtClean="0">
+                <a:solidFill>
+                  <a:srgbClr val="006699"/>
+                </a:solidFill>
+                <a:latin typeface="Arial" charset="0"/>
+                <a:ea typeface="宋体" pitchFamily="2" charset="-122"/>
+              </a:rPr>
+              <a:t>getter</a:t>
+            </a:r>
+          </a:p>
+          <a:p>
+            <a:pPr marL="1265438" lvl="3" indent="-342900" algn="l" defTabSz="600077">
+              <a:spcBef>
+                <a:spcPct val="50000"/>
+              </a:spcBef>
+              <a:buFontTx/>
+              <a:buChar char="-"/>
+            </a:pPr>
+            <a:r>
+              <a:rPr lang="en-SG" altLang="zh-CN" sz="2400" b="1" baseline="0" dirty="0" smtClean="0">
+                <a:solidFill>
+                  <a:srgbClr val="006699"/>
+                </a:solidFill>
+                <a:latin typeface="Arial" charset="0"/>
+                <a:ea typeface="宋体" pitchFamily="2" charset="-122"/>
+              </a:rPr>
+              <a:t>Force encode </a:t>
+            </a:r>
+            <a:r>
+              <a:rPr lang="en-SG" altLang="zh-CN" sz="2400" b="1" baseline="0" dirty="0" smtClean="0">
+                <a:solidFill>
+                  <a:srgbClr val="006699"/>
+                </a:solidFill>
+                <a:latin typeface="Courier New" pitchFamily="49" charset="0"/>
+                <a:ea typeface="宋体" pitchFamily="2" charset="-122"/>
+                <a:cs typeface="Courier New" pitchFamily="49" charset="0"/>
+              </a:rPr>
+              <a:t>window.location.hash</a:t>
+            </a:r>
+            <a:endParaRPr lang="en-GB" altLang="zh-CN" sz="2400" b="1" baseline="0" dirty="0" smtClean="0">
+              <a:solidFill>
+                <a:srgbClr val="006699"/>
+              </a:solidFill>
+              <a:latin typeface="Courier New" pitchFamily="49" charset="0"/>
+              <a:ea typeface="宋体" pitchFamily="2" charset="-122"/>
+              <a:cs typeface="Courier New" pitchFamily="49" charset="0"/>
+            </a:endParaRPr>
+          </a:p>
+        </p:txBody>
+      </p:sp>
+      <p:pic>
+        <p:nvPicPr>
+          <p:cNvPr id="1034" name="Picture 10"/>
+          <p:cNvPicPr>
+            <a:picLocks noChangeAspect="1" noChangeArrowheads="1"/>
+          </p:cNvPicPr>
+          <p:nvPr/>
+        </p:nvPicPr>
+        <p:blipFill>
+          <a:blip r:embed="rId9" cstate="print"/>
+          <a:srcRect/>
+          <a:stretch>
+            <a:fillRect/>
+          </a:stretch>
+        </p:blipFill>
+        <p:spPr bwMode="auto">
+          <a:xfrm>
+            <a:off x="10870406" y="12656344"/>
+            <a:ext cx="9105900" cy="2762250"/>
+          </a:xfrm>
+          <a:prstGeom prst="rect">
+            <a:avLst/>
+          </a:prstGeom>
+          <a:noFill/>
+          <a:ln w="9525">
+            <a:noFill/>
+            <a:miter lim="800000"/>
+            <a:headEnd/>
+            <a:tailEnd/>
+          </a:ln>
+        </p:spPr>
+      </p:pic>
+      <p:pic>
+        <p:nvPicPr>
+          <p:cNvPr id="28" name="Picture 27"/>
+          <p:cNvPicPr>
+            <a:picLocks noChangeAspect="1" noChangeArrowheads="1"/>
+          </p:cNvPicPr>
+          <p:nvPr/>
+        </p:nvPicPr>
+        <p:blipFill>
+          <a:blip r:embed="rId10" cstate="print"/>
+          <a:srcRect/>
+          <a:stretch>
+            <a:fillRect/>
+          </a:stretch>
+        </p:blipFill>
+        <p:spPr bwMode="auto">
+          <a:xfrm>
+            <a:off x="10433993" y="4386313"/>
+            <a:ext cx="10458450" cy="5162550"/>
+          </a:xfrm>
+          <a:prstGeom prst="rect">
+            <a:avLst/>
+          </a:prstGeom>
+          <a:noFill/>
+          <a:ln w="9525">
+            <a:noFill/>
+            <a:miter lim="800000"/>
+            <a:headEnd/>
+            <a:tailEnd/>
+          </a:ln>
+        </p:spPr>
+      </p:pic>
+      <p:sp>
+        <p:nvSpPr>
+          <p:cNvPr id="29" name="Text Box 522"/>
+          <p:cNvSpPr txBox="1">
+            <a:spLocks noChangeArrowheads="1"/>
+          </p:cNvSpPr>
+          <p:nvPr/>
+        </p:nvSpPr>
+        <p:spPr bwMode="auto">
+          <a:xfrm>
+            <a:off x="10407799" y="3455194"/>
+            <a:ext cx="4888185" cy="706965"/>
+          </a:xfrm>
+          <a:prstGeom prst="rect">
+            <a:avLst/>
+          </a:prstGeom>
+          <a:noFill/>
+          <a:ln w="9525" algn="ctr">
+            <a:noFill/>
+            <a:miter lim="800000"/>
+            <a:headEnd/>
+            <a:tailEnd/>
+          </a:ln>
+          <a:effectLst/>
+        </p:spPr>
+        <p:txBody>
+          <a:bodyPr lIns="44811" tIns="22404" rIns="44811" bIns="22404">
+            <a:spAutoFit/>
+          </a:bodyPr>
+          <a:lstStyle/>
+          <a:p>
+            <a:pPr algn="l" defTabSz="538147">
+              <a:spcBef>
+                <a:spcPct val="50000"/>
+              </a:spcBef>
+            </a:pPr>
+            <a:r>
+              <a:rPr lang="en-GB" altLang="zh-CN" sz="3000" b="1" baseline="0" dirty="0" smtClean="0">
+                <a:solidFill>
+                  <a:srgbClr val="006699"/>
+                </a:solidFill>
+                <a:latin typeface="Arial" charset="0"/>
+                <a:ea typeface="宋体" pitchFamily="2" charset="-122"/>
+              </a:rPr>
+              <a:t>Approach </a:t>
+            </a:r>
+            <a:r>
+              <a:rPr lang="en-GB" altLang="zh-CN" sz="3000" b="1" baseline="0" dirty="0">
+                <a:solidFill>
+                  <a:srgbClr val="006699"/>
+                </a:solidFill>
+                <a:latin typeface="Arial" charset="0"/>
+                <a:ea typeface="宋体" pitchFamily="2" charset="-122"/>
+              </a:rPr>
+              <a:t>Overview</a:t>
+            </a:r>
+            <a:endParaRPr lang="en-GB" sz="3000" b="1" baseline="0" dirty="0">
+              <a:solidFill>
+                <a:srgbClr val="006699"/>
+              </a:solidFill>
+              <a:latin typeface="Arial" charset="0"/>
+            </a:endParaRPr>
+          </a:p>
+          <a:p>
+            <a:pPr defTabSz="538147">
+              <a:spcBef>
+                <a:spcPct val="50000"/>
+              </a:spcBef>
+            </a:pPr>
+            <a:endParaRPr lang="en-US" dirty="0"/>
+          </a:p>
+        </p:txBody>
+      </p:sp>
+      <p:pic>
+        <p:nvPicPr>
+          <p:cNvPr id="5" name="Picture 3"/>
+          <p:cNvPicPr>
+            <a:picLocks noChangeAspect="1" noChangeArrowheads="1"/>
+          </p:cNvPicPr>
+          <p:nvPr/>
+        </p:nvPicPr>
+        <p:blipFill>
+          <a:blip r:embed="rId11">
+            <a:extLst>
+              <a:ext uri="{28A0092B-C50C-407E-A947-70E740481C1C}">
+                <a14:useLocalDpi xmlns:a14="http://schemas.microsoft.com/office/drawing/2010/main" val="0"/>
+              </a:ext>
+            </a:extLst>
+          </a:blip>
+          <a:srcRect/>
+          <a:stretch>
+            <a:fillRect/>
+          </a:stretch>
+        </p:blipFill>
+        <p:spPr bwMode="auto">
+          <a:xfrm>
+            <a:off x="21995606" y="17856994"/>
+            <a:ext cx="6858000" cy="1897264"/>
+          </a:xfrm>
+          <a:prstGeom prst="rect">
+            <a:avLst/>
+          </a:prstGeom>
+          <a:noFill/>
+          <a:ln>
+            <a:noFill/>
+          </a:ln>
+          <a:extLst>
+            <a:ext uri="{909E8E84-426E-40DD-AFC4-6F175D3DCCD1}">
+              <a14:hiddenFill xmlns:a14="http://schemas.microsoft.com/office/drawing/2010/main">
+                <a:solidFill>
+                  <a:schemeClr val="accent1"/>
+                </a:solidFill>
+              </a14:hiddenFill>
+            </a:ext>
+            <a:ext uri="{91240B29-F687-4F45-9708-019B960494DF}">
+              <a14:hiddenLine xmlns:a14="http://schemas.microsoft.com/office/drawing/2010/main" w="9525">
+                <a:solidFill>
+                  <a:schemeClr val="tx1"/>
+                </a:solidFill>
+                <a:miter lim="800000"/>
+                <a:headEnd/>
+                <a:tailEnd/>
+              </a14:hiddenLine>
+            </a:ext>
+          </a:extLst>
+        </p:spPr>
+      </p:pic>
+      <p:pic>
+        <p:nvPicPr>
+          <p:cNvPr id="33" name="Picture 5"/>
+          <p:cNvPicPr>
+            <a:picLocks noChangeAspect="1" noChangeArrowheads="1"/>
+          </p:cNvPicPr>
+          <p:nvPr/>
+        </p:nvPicPr>
+        <p:blipFill>
+          <a:blip r:embed="rId12">
+            <a:extLst>
+              <a:ext uri="{28A0092B-C50C-407E-A947-70E740481C1C}">
+                <a14:useLocalDpi xmlns:a14="http://schemas.microsoft.com/office/drawing/2010/main" val="0"/>
+              </a:ext>
+            </a:extLst>
+          </a:blip>
+          <a:srcRect/>
+          <a:stretch>
+            <a:fillRect/>
+          </a:stretch>
+        </p:blipFill>
+        <p:spPr bwMode="auto">
+          <a:xfrm>
+            <a:off x="21995606" y="10529888"/>
+            <a:ext cx="6707187" cy="1266825"/>
+          </a:xfrm>
+          <a:prstGeom prst="rect">
+            <a:avLst/>
+          </a:prstGeom>
+          <a:noFill/>
+          <a:ln>
+            <a:noFill/>
+          </a:ln>
+          <a:extLst>
+            <a:ext uri="{909E8E84-426E-40DD-AFC4-6F175D3DCCD1}">
+              <a14:hiddenFill xmlns:a14="http://schemas.microsoft.com/office/drawing/2010/main">
+                <a:solidFill>
+                  <a:schemeClr val="accent1"/>
+                </a:solidFill>
+              </a14:hiddenFill>
+            </a:ext>
+            <a:ext uri="{91240B29-F687-4F45-9708-019B960494DF}">
+              <a14:hiddenLine xmlns:a14="http://schemas.microsoft.com/office/drawing/2010/main" w="9525">
+                <a:solidFill>
+                  <a:schemeClr val="tx1"/>
+                </a:solidFill>
+                <a:miter lim="800000"/>
+                <a:headEnd/>
+                <a:tailEnd/>
+              </a14:hiddenLine>
+            </a:ext>
+          </a:extLst>
+        </p:spPr>
+      </p:pic>
+      <p:pic>
+        <p:nvPicPr>
+          <p:cNvPr id="1030" name="Picture 6"/>
+          <p:cNvPicPr>
+            <a:picLocks noChangeAspect="1" noChangeArrowheads="1"/>
+          </p:cNvPicPr>
+          <p:nvPr/>
+        </p:nvPicPr>
+        <p:blipFill>
+          <a:blip r:embed="rId13">
+            <a:extLst>
+              <a:ext uri="{28A0092B-C50C-407E-A947-70E740481C1C}">
+                <a14:useLocalDpi xmlns:a14="http://schemas.microsoft.com/office/drawing/2010/main" val="0"/>
+              </a:ext>
+            </a:extLst>
+          </a:blip>
+          <a:srcRect/>
+          <a:stretch>
+            <a:fillRect/>
+          </a:stretch>
+        </p:blipFill>
+        <p:spPr bwMode="auto">
+          <a:xfrm>
+            <a:off x="22294451" y="11803857"/>
+            <a:ext cx="6745287" cy="1314450"/>
+          </a:xfrm>
+          <a:prstGeom prst="rect">
+            <a:avLst/>
+          </a:prstGeom>
+          <a:noFill/>
+          <a:ln>
+            <a:noFill/>
+          </a:ln>
+          <a:extLst>
+            <a:ext uri="{909E8E84-426E-40DD-AFC4-6F175D3DCCD1}">
+              <a14:hiddenFill xmlns:a14="http://schemas.microsoft.com/office/drawing/2010/main">
+                <a:solidFill>
+                  <a:schemeClr val="accent1"/>
+                </a:solidFill>
+              </a14:hiddenFill>
+            </a:ext>
+            <a:ext uri="{91240B29-F687-4F45-9708-019B960494DF}">
+              <a14:hiddenLine xmlns:a14="http://schemas.microsoft.com/office/drawing/2010/main" w="9525">
+                <a:solidFill>
+                  <a:schemeClr val="tx1"/>
+                </a:solidFill>
+                <a:miter lim="800000"/>
+                <a:headEnd/>
+                <a:tailEnd/>
+              </a14:hiddenLine>
+            </a:ext>
+          </a:extLst>
+        </p:spPr>
+      </p:pic>
+      <p:pic>
+        <p:nvPicPr>
+          <p:cNvPr id="1031" name="Picture 7"/>
+          <p:cNvPicPr>
+            <a:picLocks noChangeAspect="1" noChangeArrowheads="1"/>
+          </p:cNvPicPr>
+          <p:nvPr/>
+        </p:nvPicPr>
+        <p:blipFill>
+          <a:blip r:embed="rId14">
+            <a:extLst>
+              <a:ext uri="{28A0092B-C50C-407E-A947-70E740481C1C}">
+                <a14:useLocalDpi xmlns:a14="http://schemas.microsoft.com/office/drawing/2010/main" val="0"/>
+              </a:ext>
+            </a:extLst>
+          </a:blip>
+          <a:srcRect/>
+          <a:stretch>
+            <a:fillRect/>
+          </a:stretch>
+        </p:blipFill>
+        <p:spPr bwMode="auto">
+          <a:xfrm>
+            <a:off x="22605206" y="13118307"/>
+            <a:ext cx="6726237" cy="1600200"/>
+          </a:xfrm>
+          <a:prstGeom prst="rect">
+            <a:avLst/>
+          </a:prstGeom>
+          <a:noFill/>
+          <a:ln>
+            <a:noFill/>
+          </a:ln>
+          <a:extLst>
+            <a:ext uri="{909E8E84-426E-40DD-AFC4-6F175D3DCCD1}">
+              <a14:hiddenFill xmlns:a14="http://schemas.microsoft.com/office/drawing/2010/main">
+                <a:solidFill>
+                  <a:schemeClr val="accent1"/>
+                </a:solidFill>
+              </a14:hiddenFill>
+            </a:ext>
+            <a:ext uri="{91240B29-F687-4F45-9708-019B960494DF}">
+              <a14:hiddenLine xmlns:a14="http://schemas.microsoft.com/office/drawing/2010/main" w="9525">
+                <a:solidFill>
+                  <a:schemeClr val="tx1"/>
+                </a:solidFill>
+                <a:miter lim="800000"/>
+                <a:headEnd/>
+                <a:tailEnd/>
+              </a14:hiddenLine>
+            </a:ext>
+          </a:extLst>
+        </p:spPr>
+      </p:pic>
+      <p:pic>
+        <p:nvPicPr>
+          <p:cNvPr id="9" name="Picture 10"/>
+          <p:cNvPicPr>
+            <a:picLocks noChangeAspect="1" noChangeArrowheads="1"/>
+          </p:cNvPicPr>
+          <p:nvPr/>
+        </p:nvPicPr>
+        <p:blipFill>
+          <a:blip r:embed="rId15">
+            <a:extLst>
+              <a:ext uri="{28A0092B-C50C-407E-A947-70E740481C1C}">
+                <a14:useLocalDpi xmlns:a14="http://schemas.microsoft.com/office/drawing/2010/main" val="0"/>
+              </a:ext>
+            </a:extLst>
+          </a:blip>
+          <a:srcRect/>
+          <a:stretch>
+            <a:fillRect/>
+          </a:stretch>
+        </p:blipFill>
+        <p:spPr bwMode="auto">
+          <a:xfrm>
+            <a:off x="21778119" y="9298781"/>
+            <a:ext cx="6770687" cy="1152525"/>
+          </a:xfrm>
+          <a:prstGeom prst="rect">
+            <a:avLst/>
+          </a:prstGeom>
+          <a:noFill/>
+          <a:ln>
+            <a:noFill/>
+          </a:ln>
+          <a:extLst>
+            <a:ext uri="{909E8E84-426E-40DD-AFC4-6F175D3DCCD1}">
+              <a14:hiddenFill xmlns:a14="http://schemas.microsoft.com/office/drawing/2010/main">
+                <a:solidFill>
+                  <a:schemeClr val="accent1"/>
+                </a:solidFill>
+              </a14:hiddenFill>
+            </a:ext>
+            <a:ext uri="{91240B29-F687-4F45-9708-019B960494DF}">
+              <a14:hiddenLine xmlns:a14="http://schemas.microsoft.com/office/drawing/2010/main" w="9525">
+                <a:solidFill>
+                  <a:schemeClr val="tx1"/>
+                </a:solidFill>
+                <a:miter lim="800000"/>
+                <a:headEnd/>
+                <a:tailEnd/>
+              </a14:hiddenLine>
+            </a:ext>
+          </a:extLst>
+        </p:spPr>
+      </p:pic>
     </p:spTree>
   </p:cSld>
   <p:clrMapOvr>

--- a/Final Project_Group 3.pptx
+++ b/Final Project_Group 3.pptx
@@ -4084,13 +4084,6 @@
               </a:rPr>
               <a:t>Result</a:t>
             </a:r>
-            <a:endParaRPr lang="en-GB" altLang="zh-CN" sz="3000" b="1" baseline="0" dirty="0" smtClean="0">
-              <a:solidFill>
-                <a:srgbClr val="006699"/>
-              </a:solidFill>
-              <a:latin typeface="Arial" charset="0"/>
-              <a:ea typeface="宋体" pitchFamily="2" charset="-122"/>
-            </a:endParaRPr>
           </a:p>
         </p:txBody>
       </p:sp>
@@ -4146,10 +4139,10 @@
                 <a:latin typeface="Arial" charset="0"/>
                 <a:ea typeface="宋体" pitchFamily="2" charset="-122"/>
               </a:rPr>
-              <a:t>Heryandi</a:t>
-            </a:r>
-            <a:r>
-              <a:rPr lang="en-US" altLang="zh-CN" sz="3600" baseline="0" dirty="0" smtClean="0">
+              <a:t>Heryandi,</a:t>
+            </a:r>
+            <a:r>
+              <a:rPr lang="zh-CN" altLang="en-US" sz="3600" baseline="0" dirty="0" smtClean="0">
                 <a:solidFill>
                   <a:schemeClr val="bg1"/>
                 </a:solidFill>
@@ -4161,10 +4154,10 @@
                 <a:latin typeface="Arial" charset="0"/>
                 <a:ea typeface="宋体" pitchFamily="2" charset="-122"/>
               </a:rPr>
-              <a:t>,</a:t>
-            </a:r>
-            <a:r>
-              <a:rPr lang="zh-CN" altLang="en-US" sz="3600" baseline="0" dirty="0" smtClean="0">
+              <a:t> </a:t>
+            </a:r>
+            <a:r>
+              <a:rPr lang="en-US" altLang="zh-CN" sz="3600" baseline="0" dirty="0" smtClean="0">
                 <a:solidFill>
                   <a:schemeClr val="bg1"/>
                 </a:solidFill>
@@ -4176,10 +4169,10 @@
                 <a:latin typeface="Arial" charset="0"/>
                 <a:ea typeface="宋体" pitchFamily="2" charset="-122"/>
               </a:rPr>
-              <a:t> </a:t>
-            </a:r>
-            <a:r>
-              <a:rPr lang="en-US" altLang="zh-CN" sz="3600" baseline="0" dirty="0" smtClean="0">
+              <a:t>Lu Fangjian,</a:t>
+            </a:r>
+            <a:r>
+              <a:rPr lang="zh-CN" altLang="en-US" sz="3600" baseline="0" dirty="0" smtClean="0">
                 <a:solidFill>
                   <a:schemeClr val="bg1"/>
                 </a:solidFill>
@@ -4191,10 +4184,10 @@
                 <a:latin typeface="Arial" charset="0"/>
                 <a:ea typeface="宋体" pitchFamily="2" charset="-122"/>
               </a:rPr>
-              <a:t>Lu Fangjian,</a:t>
-            </a:r>
-            <a:r>
-              <a:rPr lang="zh-CN" altLang="en-US" sz="3600" baseline="0" dirty="0" smtClean="0">
+              <a:t> </a:t>
+            </a:r>
+            <a:r>
+              <a:rPr lang="en-US" altLang="zh-CN" sz="3600" baseline="0" dirty="0" smtClean="0">
                 <a:solidFill>
                   <a:schemeClr val="bg1"/>
                 </a:solidFill>
@@ -4206,10 +4199,10 @@
                 <a:latin typeface="Arial" charset="0"/>
                 <a:ea typeface="宋体" pitchFamily="2" charset="-122"/>
               </a:rPr>
-              <a:t> </a:t>
-            </a:r>
-            <a:r>
-              <a:rPr lang="en-US" altLang="zh-CN" sz="3600" baseline="0" dirty="0" smtClean="0">
+              <a:t>Yang Yuhang,</a:t>
+            </a:r>
+            <a:r>
+              <a:rPr lang="zh-CN" altLang="en-US" sz="3600" baseline="0" dirty="0" smtClean="0">
                 <a:solidFill>
                   <a:schemeClr val="bg1"/>
                 </a:solidFill>
@@ -4221,7 +4214,7 @@
                 <a:latin typeface="Arial" charset="0"/>
                 <a:ea typeface="宋体" pitchFamily="2" charset="-122"/>
               </a:rPr>
-              <a:t>Yang </a:t>
+              <a:t> </a:t>
             </a:r>
             <a:r>
               <a:rPr lang="en-US" altLang="zh-CN" sz="3600" baseline="0" dirty="0" smtClean="0">
@@ -4236,80 +4229,8 @@
                 <a:latin typeface="Arial" charset="0"/>
                 <a:ea typeface="宋体" pitchFamily="2" charset="-122"/>
               </a:rPr>
-              <a:t>Yuhang</a:t>
-            </a:r>
-            <a:r>
-              <a:rPr lang="en-US" altLang="zh-CN" sz="3600" baseline="0" dirty="0" smtClean="0">
-                <a:solidFill>
-                  <a:schemeClr val="bg1"/>
-                </a:solidFill>
-                <a:effectLst>
-                  <a:outerShdw blurRad="38100" dist="38100" dir="2700000" algn="tl">
-                    <a:srgbClr val="000000"/>
-                  </a:outerShdw>
-                </a:effectLst>
-                <a:latin typeface="Arial" charset="0"/>
-                <a:ea typeface="宋体" pitchFamily="2" charset="-122"/>
-              </a:rPr>
-              <a:t>,</a:t>
-            </a:r>
-            <a:r>
-              <a:rPr lang="zh-CN" altLang="en-US" sz="3600" baseline="0" dirty="0" smtClean="0">
-                <a:solidFill>
-                  <a:schemeClr val="bg1"/>
-                </a:solidFill>
-                <a:effectLst>
-                  <a:outerShdw blurRad="38100" dist="38100" dir="2700000" algn="tl">
-                    <a:srgbClr val="000000"/>
-                  </a:outerShdw>
-                </a:effectLst>
-                <a:latin typeface="Arial" charset="0"/>
-                <a:ea typeface="宋体" pitchFamily="2" charset="-122"/>
-              </a:rPr>
-              <a:t> </a:t>
-            </a:r>
-            <a:r>
-              <a:rPr lang="en-US" altLang="zh-CN" sz="3600" baseline="0" dirty="0" smtClean="0">
-                <a:solidFill>
-                  <a:schemeClr val="bg1"/>
-                </a:solidFill>
-                <a:effectLst>
-                  <a:outerShdw blurRad="38100" dist="38100" dir="2700000" algn="tl">
-                    <a:srgbClr val="000000"/>
-                  </a:outerShdw>
-                </a:effectLst>
-                <a:latin typeface="Arial" charset="0"/>
-                <a:ea typeface="宋体" pitchFamily="2" charset="-122"/>
-              </a:rPr>
-              <a:t>Yang </a:t>
-            </a:r>
-            <a:r>
-              <a:rPr lang="en-US" altLang="zh-CN" sz="3600" baseline="0" dirty="0" smtClean="0">
-                <a:solidFill>
-                  <a:schemeClr val="bg1"/>
-                </a:solidFill>
-                <a:effectLst>
-                  <a:outerShdw blurRad="38100" dist="38100" dir="2700000" algn="tl">
-                    <a:srgbClr val="000000"/>
-                  </a:outerShdw>
-                </a:effectLst>
-                <a:latin typeface="Arial" charset="0"/>
-                <a:ea typeface="宋体" pitchFamily="2" charset="-122"/>
-              </a:rPr>
-              <a:t>Zhaoyu</a:t>
-            </a:r>
-            <a:endParaRPr lang="en-US" altLang="zh-CN" sz="3600" baseline="0" dirty="0" smtClean="0">
-              <a:solidFill>
-                <a:schemeClr val="bg1"/>
-              </a:solidFill>
-              <a:effectLst>
-                <a:outerShdw blurRad="38100" dist="38100" dir="2700000" algn="tl">
-                  <a:srgbClr val="000000"/>
-                </a:outerShdw>
-              </a:effectLst>
-              <a:latin typeface="Arial" charset="0"/>
-              <a:ea typeface="宋体" pitchFamily="2" charset="-122"/>
-            </a:endParaRPr>
+              <a:t>Yang Zhaoyu</a:t>
+            </a:r>
           </a:p>
           <a:p>
             <a:pPr defTabSz="538147">
@@ -4491,82 +4412,99 @@
             </a:endParaRPr>
           </a:p>
           <a:p>
-            <a:pPr marL="230635" indent="-230635" algn="just" defTabSz="538147">
+            <a:pPr algn="just" defTabSz="538147">
               <a:spcBef>
                 <a:spcPct val="50000"/>
               </a:spcBef>
             </a:pPr>
-            <a:r>
-              <a:rPr lang="en-US" altLang="zh-CN" sz="4400" b="1" baseline="0" dirty="0">
-                <a:solidFill>
-                  <a:srgbClr val="FFC000"/>
-                </a:solidFill>
-                <a:latin typeface="Arial" charset="0"/>
-                <a:ea typeface="宋体" pitchFamily="2" charset="-122"/>
-              </a:rPr>
-              <a:t> </a:t>
-            </a:r>
-            <a:r>
-              <a:rPr lang="en-US" altLang="zh-CN" sz="2000" b="1" baseline="0" dirty="0">
-                <a:solidFill>
-                  <a:srgbClr val="FFC000"/>
-                </a:solidFill>
-                <a:latin typeface="Arial" charset="0"/>
-                <a:ea typeface="宋体" pitchFamily="2" charset="-122"/>
-              </a:rPr>
-              <a:t>The payload is in the client browser resulting in modifying DOM ENV.</a:t>
-            </a:r>
-          </a:p>
-          <a:p>
-            <a:pPr marL="230635" indent="-230635" algn="just" defTabSz="538147">
-              <a:spcBef>
-                <a:spcPct val="50000"/>
-              </a:spcBef>
-            </a:pPr>
-            <a:r>
-              <a:rPr lang="en-US" altLang="zh-CN" sz="2000" b="1" baseline="0" dirty="0">
-                <a:solidFill>
-                  <a:srgbClr val="FFC000"/>
-                </a:solidFill>
-                <a:latin typeface="Arial" charset="0"/>
-                <a:ea typeface="宋体" pitchFamily="2" charset="-122"/>
-              </a:rPr>
-              <a:t>  Attack entirely within the browser in contrast to others depending on</a:t>
-            </a:r>
-          </a:p>
-          <a:p>
-            <a:pPr marL="230635" indent="-230635" algn="just" defTabSz="538147">
-              <a:spcBef>
-                <a:spcPct val="50000"/>
-              </a:spcBef>
-            </a:pPr>
-            <a:r>
-              <a:rPr lang="en-US" altLang="zh-CN" sz="2000" b="1" baseline="0" dirty="0">
-                <a:solidFill>
-                  <a:srgbClr val="FFC000"/>
-                </a:solidFill>
-                <a:latin typeface="Arial" charset="0"/>
-                <a:ea typeface="宋体" pitchFamily="2" charset="-122"/>
-              </a:rPr>
-              <a:t>  server response</a:t>
-            </a:r>
-            <a:r>
-              <a:rPr lang="en-US" altLang="zh-CN" sz="2000" b="1" baseline="0" dirty="0" smtClean="0">
-                <a:solidFill>
-                  <a:srgbClr val="FFC000"/>
-                </a:solidFill>
-                <a:latin typeface="Arial" charset="0"/>
-                <a:ea typeface="宋体" pitchFamily="2" charset="-122"/>
-              </a:rPr>
-              <a:t>.</a:t>
-            </a:r>
-            <a:endParaRPr lang="en-AU" altLang="zh-CN" sz="2000" b="1" baseline="0" dirty="0">
+            <a:endParaRPr lang="en-US" altLang="zh-CN" sz="3000" b="1" baseline="0" dirty="0" smtClean="0">
               <a:solidFill>
                 <a:srgbClr val="FFC000"/>
               </a:solidFill>
               <a:latin typeface="Arial" charset="0"/>
               <a:ea typeface="宋体" pitchFamily="2" charset="-122"/>
             </a:endParaRPr>
+          </a:p>
+          <a:p>
+            <a:pPr algn="just" defTabSz="538147">
+              <a:spcBef>
+                <a:spcPct val="50000"/>
+              </a:spcBef>
+            </a:pPr>
+            <a:r>
+              <a:rPr lang="en-AU" altLang="zh-CN" sz="3000" b="1" baseline="0" dirty="0" smtClean="0">
+                <a:solidFill>
+                  <a:srgbClr val="006699"/>
+                </a:solidFill>
+                <a:latin typeface="Arial" charset="0"/>
+                <a:ea typeface="宋体" pitchFamily="2" charset="-122"/>
+              </a:rPr>
+              <a:t>Attack is executed </a:t>
+            </a:r>
+            <a:r>
+              <a:rPr lang="en-US" altLang="zh-CN" sz="3000" b="1" baseline="0" dirty="0" smtClean="0">
+                <a:solidFill>
+                  <a:srgbClr val="FFC000"/>
+                </a:solidFill>
+                <a:latin typeface="Arial" charset="0"/>
+                <a:ea typeface="宋体" pitchFamily="2" charset="-122"/>
+              </a:rPr>
+              <a:t>entirely </a:t>
+            </a:r>
+            <a:r>
+              <a:rPr lang="en-US" altLang="zh-CN" sz="3000" b="1" baseline="0" dirty="0">
+                <a:solidFill>
+                  <a:srgbClr val="FFC000"/>
+                </a:solidFill>
+                <a:latin typeface="Arial" charset="0"/>
+                <a:ea typeface="宋体" pitchFamily="2" charset="-122"/>
+              </a:rPr>
+              <a:t>within the browser!</a:t>
+            </a:r>
+            <a:endParaRPr lang="en-AU" altLang="zh-CN" sz="3000" b="1" baseline="0" dirty="0">
+              <a:solidFill>
+                <a:srgbClr val="FFC000"/>
+              </a:solidFill>
+              <a:latin typeface="Arial" charset="0"/>
+              <a:ea typeface="宋体" pitchFamily="2" charset="-122"/>
+            </a:endParaRPr>
+          </a:p>
+          <a:p>
+            <a:pPr marL="230635" indent="-230635" algn="just" defTabSz="538147">
+              <a:spcBef>
+                <a:spcPct val="50000"/>
+              </a:spcBef>
+            </a:pPr>
+            <a:r>
+              <a:rPr lang="en-AU" altLang="zh-CN" sz="3000" b="1" baseline="0" dirty="0" smtClean="0">
+                <a:solidFill>
+                  <a:srgbClr val="006699"/>
+                </a:solidFill>
+                <a:latin typeface="Arial" charset="0"/>
+                <a:ea typeface="宋体" pitchFamily="2" charset="-122"/>
+              </a:rPr>
+              <a:t>                           Page makes use of </a:t>
+            </a:r>
+            <a:r>
+              <a:rPr lang="en-AU" altLang="zh-CN" sz="3000" b="1" baseline="0" dirty="0" smtClean="0">
+                <a:solidFill>
+                  <a:srgbClr val="FFC000"/>
+                </a:solidFill>
+                <a:latin typeface="Arial" charset="0"/>
+                <a:ea typeface="宋体" pitchFamily="2" charset="-122"/>
+              </a:rPr>
+              <a:t> </a:t>
+            </a:r>
+            <a:r>
+              <a:rPr lang="en-AU" altLang="zh-CN" sz="3000" b="1" baseline="0" dirty="0">
+                <a:solidFill>
+                  <a:srgbClr val="FFC000"/>
+                </a:solidFill>
+                <a:latin typeface="Arial" charset="0"/>
+                <a:ea typeface="宋体" pitchFamily="2" charset="-122"/>
+              </a:rPr>
+              <a:t>unsafe input!</a:t>
+            </a:r>
           </a:p>
         </p:txBody>
       </p:sp>
@@ -4841,27 +4779,7 @@
                 <a:latin typeface="Arial" charset="0"/>
                 <a:ea typeface="宋体" pitchFamily="2" charset="-122"/>
               </a:rPr>
-              <a:t>Web </a:t>
-            </a:r>
-            <a:r>
-              <a:rPr lang="en-GB" altLang="zh-CN" sz="3000" b="1" baseline="0" dirty="0" smtClean="0">
-                <a:solidFill>
-                  <a:srgbClr val="006699"/>
-                </a:solidFill>
-                <a:latin typeface="Arial" charset="0"/>
-                <a:ea typeface="宋体" pitchFamily="2" charset="-122"/>
-              </a:rPr>
-              <a:t>Apps Attack </a:t>
-            </a:r>
-            <a:r>
-              <a:rPr lang="en-GB" altLang="zh-CN" sz="3000" b="1" baseline="0" dirty="0" smtClean="0">
-                <a:solidFill>
-                  <a:srgbClr val="006699"/>
-                </a:solidFill>
-                <a:latin typeface="Arial" charset="0"/>
-                <a:ea typeface="宋体" pitchFamily="2" charset="-122"/>
-              </a:rPr>
-              <a:t>Trends</a:t>
+              <a:t>Web Apps Attack Trends</a:t>
             </a:r>
           </a:p>
         </p:txBody>
@@ -4968,11 +4886,7 @@
                 <a:latin typeface="Arial" charset="0"/>
                 <a:ea typeface="宋体" pitchFamily="2" charset="-122"/>
               </a:rPr>
-              <a:t>version</a:t>
-            </a:r>
-            <a:r>
-              <a:rPr lang="en-SG" sz="2400" dirty="0" smtClean="0"/>
-              <a:t> </a:t>
+              <a:t>26.0.1410.43 </a:t>
             </a:r>
             <a:r>
               <a:rPr lang="en-SG" altLang="zh-CN" sz="2400" b="1" baseline="0" dirty="0" smtClean="0">
@@ -4982,7 +4896,7 @@
                 <a:latin typeface="Arial" charset="0"/>
                 <a:ea typeface="宋体" pitchFamily="2" charset="-122"/>
               </a:rPr>
-              <a:t>26.0.1410.43 m </a:t>
+              <a:t>m </a:t>
             </a:r>
             <a:r>
               <a:rPr lang="en-SG" altLang="zh-CN" sz="2400" b="1" baseline="0" dirty="0">
@@ -5003,16 +4917,13 @@
               <a:buFont typeface="Wingdings" pitchFamily="2" charset="2"/>
               <a:buChar char="§"/>
             </a:pPr>
-            <a:r>
-              <a:rPr lang="en-SG" altLang="zh-CN" sz="2400" b="1" baseline="0" dirty="0">
-                <a:solidFill>
-                  <a:srgbClr val="006699"/>
-                </a:solidFill>
-                <a:latin typeface="Arial" charset="0"/>
-                <a:ea typeface="宋体" pitchFamily="2" charset="-122"/>
-              </a:rPr>
-              <a:t>JavaScript</a:t>
-            </a:r>
+            <a:endParaRPr lang="en-SG" altLang="zh-CN" sz="2400" b="1" baseline="0" dirty="0" smtClean="0">
+              <a:solidFill>
+                <a:srgbClr val="006699"/>
+              </a:solidFill>
+              <a:latin typeface="Arial" charset="0"/>
+              <a:ea typeface="宋体" pitchFamily="2" charset="-122"/>
+            </a:endParaRPr>
           </a:p>
           <a:p>
             <a:pPr marL="276548" indent="-276548" algn="l" defTabSz="600077">
@@ -5023,6 +4934,42 @@
               <a:buChar char="§"/>
             </a:pPr>
             <a:r>
+              <a:rPr lang="en-SG" altLang="zh-CN" sz="2400" b="1" baseline="0" dirty="0" smtClean="0">
+                <a:solidFill>
+                  <a:srgbClr val="006699"/>
+                </a:solidFill>
+                <a:latin typeface="Arial" charset="0"/>
+                <a:ea typeface="宋体" pitchFamily="2" charset="-122"/>
+              </a:rPr>
+              <a:t>JavaScript</a:t>
+            </a:r>
+            <a:endParaRPr lang="en-US" altLang="zh-CN" sz="2400" b="1" baseline="0" dirty="0" smtClean="0">
+              <a:solidFill>
+                <a:srgbClr val="006699"/>
+              </a:solidFill>
+              <a:latin typeface="Arial" charset="0"/>
+              <a:ea typeface="宋体" pitchFamily="2" charset="-122"/>
+            </a:endParaRPr>
+          </a:p>
+          <a:p>
+            <a:pPr marL="276548" indent="-276548" algn="l" defTabSz="600077">
+              <a:spcBef>
+                <a:spcPct val="50000"/>
+              </a:spcBef>
+              <a:buFont typeface="Wingdings" pitchFamily="2" charset="2"/>
+              <a:buChar char="§"/>
+            </a:pPr>
+            <a:r>
+              <a:rPr lang="en-US" altLang="zh-CN" sz="2400" b="1" baseline="0" dirty="0" smtClean="0">
+                <a:solidFill>
+                  <a:srgbClr val="006699"/>
+                </a:solidFill>
+                <a:latin typeface="Arial" charset="0"/>
+                <a:ea typeface="宋体" pitchFamily="2" charset="-122"/>
+              </a:rPr>
+              <a:t>Chrome </a:t>
+            </a:r>
+            <a:r>
               <a:rPr lang="en-US" altLang="zh-CN" sz="2400" b="1" baseline="0" dirty="0">
                 <a:solidFill>
                   <a:srgbClr val="006699"/>
@@ -5030,7 +4977,7 @@
                 <a:latin typeface="Arial" charset="0"/>
                 <a:ea typeface="宋体" pitchFamily="2" charset="-122"/>
               </a:rPr>
-              <a:t>Chrome Extension API</a:t>
+              <a:t>Extension API</a:t>
             </a:r>
             <a:endParaRPr lang="en-GB" altLang="zh-CN" sz="2400" b="1" baseline="0" dirty="0">
               <a:solidFill>
@@ -5058,13 +5005,6 @@
               </a:rPr>
               <a:t>chrome.webRequest</a:t>
             </a:r>
-            <a:endParaRPr lang="en-GB" altLang="zh-CN" sz="2400" b="1" baseline="0" dirty="0">
-              <a:solidFill>
-                <a:srgbClr val="006699"/>
-              </a:solidFill>
-              <a:latin typeface="Arial" charset="0"/>
-              <a:ea typeface="宋体" pitchFamily="2" charset="-122"/>
-            </a:endParaRPr>
           </a:p>
           <a:p>
             <a:pPr marL="584061" lvl="1" indent="-276548" algn="l" defTabSz="600077">
@@ -5150,7 +5090,7 @@
       </p:pic>
       <p:pic>
         <p:nvPicPr>
-          <p:cNvPr id="1026" name="Picture 2" descr="D:\NUS Course\System Security\Final Assignment\poster\5340_xtaie-image1.png"/>
+          <p:cNvPr id="3" name="Picture 3" descr="D:\NUS Course\System Security\Final Assignment\poster\5265_xtaie-image2.png"/>
           <p:cNvPicPr>
             <a:picLocks noChangeAspect="1" noChangeArrowheads="1"/>
           </p:cNvPicPr>
@@ -5165,33 +5105,7 @@
         </p:blipFill>
         <p:spPr bwMode="auto">
           <a:xfrm>
-            <a:off x="354806" y="4598194"/>
-            <a:ext cx="5282213" cy="3886200"/>
-          </a:xfrm>
-          <a:prstGeom prst="rect">
-            <a:avLst/>
-          </a:prstGeom>
-          <a:noFill/>
-        </p:spPr>
-      </p:pic>
-      <p:pic>
-        <p:nvPicPr>
-          <p:cNvPr id="3" name="Picture 3" descr="D:\NUS Course\System Security\Final Assignment\poster\5265_xtaie-image2.png"/>
-          <p:cNvPicPr>
-            <a:picLocks noChangeAspect="1" noChangeArrowheads="1"/>
-          </p:cNvPicPr>
-          <p:nvPr/>
-        </p:nvPicPr>
-        <p:blipFill>
-          <a:blip r:embed="rId5" cstate="print"/>
-          <a:srcRect/>
-          <a:stretch>
-            <a:fillRect/>
-          </a:stretch>
-        </p:blipFill>
-        <p:spPr bwMode="auto">
-          <a:xfrm>
-            <a:off x="5507831" y="5055394"/>
+            <a:off x="5507831" y="4293394"/>
             <a:ext cx="4379812" cy="3124200"/>
           </a:xfrm>
           <a:prstGeom prst="rect">
@@ -5209,7 +5123,7 @@
           <p:nvPr/>
         </p:nvPicPr>
         <p:blipFill>
-          <a:blip r:embed="rId6" cstate="print"/>
+          <a:blip r:embed="rId5" cstate="print"/>
           <a:srcRect/>
           <a:stretch>
             <a:fillRect/>
@@ -5235,7 +5149,7 @@
           <p:nvPr/>
         </p:nvPicPr>
         <p:blipFill>
-          <a:blip r:embed="rId7" cstate="print"/>
+          <a:blip r:embed="rId6" cstate="print"/>
           <a:srcRect/>
           <a:stretch>
             <a:fillRect/>
@@ -5267,7 +5181,7 @@
           <p:nvPr/>
         </p:nvPicPr>
         <p:blipFill>
-          <a:blip r:embed="rId8">
+          <a:blip r:embed="rId7">
             <a:extLst>
               <a:ext uri="{28A0092B-C50C-407E-A947-70E740481C1C}">
                 <a14:useLocalDpi xmlns:a14="http://schemas.microsoft.com/office/drawing/2010/main" val="0"/>
@@ -5416,17 +5330,7 @@
                 <a:latin typeface="Arial" charset="0"/>
                 <a:ea typeface="宋体" pitchFamily="2" charset="-122"/>
               </a:rPr>
-              <a:t> access to unsafe inputs</a:t>
-            </a:r>
-            <a:r>
-              <a:rPr lang="en-GB" altLang="zh-CN" sz="3000" b="1" baseline="0" dirty="0" smtClean="0">
-                <a:solidFill>
-                  <a:srgbClr val="006699"/>
-                </a:solidFill>
-                <a:latin typeface="Arial" charset="0"/>
-                <a:ea typeface="宋体" pitchFamily="2" charset="-122"/>
-              </a:rPr>
-              <a:t>!</a:t>
+              <a:t> access to unsafe inputs!</a:t>
             </a:r>
             <a:endParaRPr lang="en-GB" altLang="zh-CN" sz="2400" b="1" baseline="0" dirty="0" smtClean="0">
               <a:solidFill>
@@ -5472,17 +5376,7 @@
                 <a:latin typeface="Arial" charset="0"/>
                 <a:ea typeface="宋体" pitchFamily="2" charset="-122"/>
               </a:rPr>
-              <a:t> </a:t>
-            </a:r>
-            <a:r>
-              <a:rPr lang="en-GB" altLang="zh-CN" sz="2400" b="1" baseline="0" dirty="0" smtClean="0">
-                <a:solidFill>
-                  <a:srgbClr val="006699"/>
-                </a:solidFill>
-                <a:latin typeface="Arial" charset="0"/>
-                <a:ea typeface="宋体" pitchFamily="2" charset="-122"/>
-              </a:rPr>
-              <a:t>from HTTP header</a:t>
+              <a:t> from HTTP header</a:t>
             </a:r>
           </a:p>
           <a:p>
@@ -5501,27 +5395,7 @@
                 <a:latin typeface="Arial" charset="0"/>
                 <a:ea typeface="宋体" pitchFamily="2" charset="-122"/>
               </a:rPr>
-              <a:t>Intercept and remove by </a:t>
-            </a:r>
-            <a:r>
-              <a:rPr lang="en-GB" altLang="zh-CN" sz="2400" b="1" baseline="0" dirty="0" smtClean="0">
-                <a:solidFill>
-                  <a:srgbClr val="006699"/>
-                </a:solidFill>
-                <a:latin typeface="Arial" charset="0"/>
-                <a:ea typeface="宋体" pitchFamily="2" charset="-122"/>
-              </a:rPr>
-              <a:t>chrome.webRequest</a:t>
-            </a:r>
-            <a:r>
-              <a:rPr lang="en-GB" altLang="zh-CN" sz="2400" b="1" baseline="0" dirty="0" smtClean="0">
-                <a:solidFill>
-                  <a:srgbClr val="006699"/>
-                </a:solidFill>
-                <a:latin typeface="Arial" charset="0"/>
-                <a:ea typeface="宋体" pitchFamily="2" charset="-122"/>
-              </a:rPr>
-              <a:t> API</a:t>
+              <a:t>Intercept and remove by chrome.webRequest API</a:t>
             </a:r>
           </a:p>
           <a:p>
@@ -5540,25 +5414,8 @@
                 <a:latin typeface="Arial" charset="0"/>
                 <a:ea typeface="宋体" pitchFamily="2" charset="-122"/>
               </a:rPr>
-              <a:t>Protect access to unsafe inputs: encode the return value</a:t>
-            </a:r>
-            <a:r>
-              <a:rPr lang="en-GB" altLang="zh-CN" sz="2400" b="1" baseline="0" dirty="0" smtClean="0">
-                <a:solidFill>
-                  <a:srgbClr val="006699"/>
-                </a:solidFill>
-                <a:latin typeface="Arial" charset="0"/>
-                <a:ea typeface="宋体" pitchFamily="2" charset="-122"/>
-              </a:rPr>
-              <a:t>.</a:t>
-            </a:r>
-            <a:endParaRPr lang="en-GB" altLang="zh-CN" sz="2400" b="1" baseline="0" dirty="0" smtClean="0">
-              <a:solidFill>
-                <a:srgbClr val="006699"/>
-              </a:solidFill>
-              <a:latin typeface="Arial" charset="0"/>
-              <a:ea typeface="宋体" pitchFamily="2" charset="-122"/>
-            </a:endParaRPr>
+              <a:t>Protect access to unsafe inputs: encode the return value.</a:t>
+            </a:r>
           </a:p>
           <a:p>
             <a:pPr marL="342900" indent="-342900" algn="l" defTabSz="600077">
@@ -5974,7 +5831,7 @@
           <p:nvPr/>
         </p:nvPicPr>
         <p:blipFill>
-          <a:blip r:embed="rId9" cstate="print"/>
+          <a:blip r:embed="rId8" cstate="print"/>
           <a:srcRect/>
           <a:stretch>
             <a:fillRect/>
@@ -6006,7 +5863,7 @@
           <p:nvPr/>
         </p:nvPicPr>
         <p:blipFill>
-          <a:blip r:embed="rId10" cstate="print"/>
+          <a:blip r:embed="rId9" cstate="print"/>
           <a:srcRect/>
           <a:stretch>
             <a:fillRect/>
@@ -6111,7 +5968,7 @@
           <p:nvPr/>
         </p:nvPicPr>
         <p:blipFill>
-          <a:blip r:embed="rId11">
+          <a:blip r:embed="rId10">
             <a:extLst>
               <a:ext uri="{28A0092B-C50C-407E-A947-70E740481C1C}">
                 <a14:useLocalDpi xmlns:a14="http://schemas.microsoft.com/office/drawing/2010/main" val="0"/>
@@ -6165,7 +6022,7 @@
           <p:nvPr/>
         </p:nvPicPr>
         <p:blipFill>
-          <a:blip r:embed="rId12">
+          <a:blip r:embed="rId11">
             <a:extLst>
               <a:ext uri="{28A0092B-C50C-407E-A947-70E740481C1C}">
                 <a14:useLocalDpi xmlns:a14="http://schemas.microsoft.com/office/drawing/2010/main" val="0"/>
@@ -6219,7 +6076,7 @@
           <p:nvPr/>
         </p:nvPicPr>
         <p:blipFill>
-          <a:blip r:embed="rId13">
+          <a:blip r:embed="rId12">
             <a:extLst>
               <a:ext uri="{28A0092B-C50C-407E-A947-70E740481C1C}">
                 <a14:useLocalDpi xmlns:a14="http://schemas.microsoft.com/office/drawing/2010/main" val="0"/>
@@ -6273,7 +6130,7 @@
           <p:nvPr/>
         </p:nvPicPr>
         <p:blipFill>
-          <a:blip r:embed="rId14">
+          <a:blip r:embed="rId13">
             <a:extLst>
               <a:ext uri="{28A0092B-C50C-407E-A947-70E740481C1C}">
                 <a14:useLocalDpi xmlns:a14="http://schemas.microsoft.com/office/drawing/2010/main" val="0"/>
@@ -6327,7 +6184,7 @@
           <p:nvPr/>
         </p:nvPicPr>
         <p:blipFill>
-          <a:blip r:embed="rId15">
+          <a:blip r:embed="rId14">
             <a:extLst>
               <a:ext uri="{28A0092B-C50C-407E-A947-70E740481C1C}">
                 <a14:useLocalDpi xmlns:a14="http://schemas.microsoft.com/office/drawing/2010/main" val="0"/>
@@ -6370,6 +6227,196 @@
               </a14:hiddenLine>
             </a:ext>
           </a:extLst>
+        </p:spPr>
+      </p:pic>
+      <p:pic>
+        <p:nvPicPr>
+          <p:cNvPr id="2" name="Picture 2" descr="C:\Users\Heryandi\Desktop\images.png"/>
+          <p:cNvPicPr>
+            <a:picLocks noChangeAspect="1" noChangeArrowheads="1"/>
+          </p:cNvPicPr>
+          <p:nvPr/>
+        </p:nvPicPr>
+        <p:blipFill>
+          <a:blip r:embed="rId15">
+            <a:extLst>
+              <a:ext uri="{28A0092B-C50C-407E-A947-70E740481C1C}">
+                <a14:useLocalDpi xmlns:a14="http://schemas.microsoft.com/office/drawing/2010/main" val="0"/>
+              </a:ext>
+            </a:extLst>
+          </a:blip>
+          <a:srcRect/>
+          <a:stretch>
+            <a:fillRect/>
+          </a:stretch>
+        </p:blipFill>
+        <p:spPr bwMode="auto">
+          <a:xfrm>
+            <a:off x="28625006" y="9398794"/>
+            <a:ext cx="746753" cy="829726"/>
+          </a:xfrm>
+          <a:prstGeom prst="rect">
+            <a:avLst/>
+          </a:prstGeom>
+          <a:noFill/>
+          <a:extLst>
+            <a:ext uri="{909E8E84-426E-40DD-AFC4-6F175D3DCCD1}">
+              <a14:hiddenFill xmlns:a14="http://schemas.microsoft.com/office/drawing/2010/main">
+                <a:solidFill>
+                  <a:srgbClr val="FFFFFF"/>
+                </a:solidFill>
+              </a14:hiddenFill>
+            </a:ext>
+          </a:extLst>
+        </p:spPr>
+      </p:pic>
+      <p:pic>
+        <p:nvPicPr>
+          <p:cNvPr id="31" name="Picture 2" descr="C:\Users\Heryandi\Desktop\images.png"/>
+          <p:cNvPicPr>
+            <a:picLocks noChangeAspect="1" noChangeArrowheads="1"/>
+          </p:cNvPicPr>
+          <p:nvPr/>
+        </p:nvPicPr>
+        <p:blipFill>
+          <a:blip r:embed="rId15">
+            <a:extLst>
+              <a:ext uri="{28A0092B-C50C-407E-A947-70E740481C1C}">
+                <a14:useLocalDpi xmlns:a14="http://schemas.microsoft.com/office/drawing/2010/main" val="0"/>
+              </a:ext>
+            </a:extLst>
+          </a:blip>
+          <a:srcRect/>
+          <a:stretch>
+            <a:fillRect/>
+          </a:stretch>
+        </p:blipFill>
+        <p:spPr bwMode="auto">
+          <a:xfrm>
+            <a:off x="28718502" y="10538887"/>
+            <a:ext cx="746753" cy="829726"/>
+          </a:xfrm>
+          <a:prstGeom prst="rect">
+            <a:avLst/>
+          </a:prstGeom>
+          <a:noFill/>
+          <a:extLst>
+            <a:ext uri="{909E8E84-426E-40DD-AFC4-6F175D3DCCD1}">
+              <a14:hiddenFill xmlns:a14="http://schemas.microsoft.com/office/drawing/2010/main">
+                <a:solidFill>
+                  <a:srgbClr val="FFFFFF"/>
+                </a:solidFill>
+              </a14:hiddenFill>
+            </a:ext>
+          </a:extLst>
+        </p:spPr>
+      </p:pic>
+      <p:pic>
+        <p:nvPicPr>
+          <p:cNvPr id="32" name="Picture 2" descr="C:\Users\Heryandi\Desktop\images.png"/>
+          <p:cNvPicPr>
+            <a:picLocks noChangeAspect="1" noChangeArrowheads="1"/>
+          </p:cNvPicPr>
+          <p:nvPr/>
+        </p:nvPicPr>
+        <p:blipFill>
+          <a:blip r:embed="rId15">
+            <a:extLst>
+              <a:ext uri="{28A0092B-C50C-407E-A947-70E740481C1C}">
+                <a14:useLocalDpi xmlns:a14="http://schemas.microsoft.com/office/drawing/2010/main" val="0"/>
+              </a:ext>
+            </a:extLst>
+          </a:blip>
+          <a:srcRect/>
+          <a:stretch>
+            <a:fillRect/>
+          </a:stretch>
+        </p:blipFill>
+        <p:spPr bwMode="auto">
+          <a:xfrm>
+            <a:off x="21493160" y="12046219"/>
+            <a:ext cx="746753" cy="829726"/>
+          </a:xfrm>
+          <a:prstGeom prst="rect">
+            <a:avLst/>
+          </a:prstGeom>
+          <a:noFill/>
+          <a:extLst>
+            <a:ext uri="{909E8E84-426E-40DD-AFC4-6F175D3DCCD1}">
+              <a14:hiddenFill xmlns:a14="http://schemas.microsoft.com/office/drawing/2010/main">
+                <a:solidFill>
+                  <a:srgbClr val="FFFFFF"/>
+                </a:solidFill>
+              </a14:hiddenFill>
+            </a:ext>
+          </a:extLst>
+        </p:spPr>
+      </p:pic>
+      <p:pic>
+        <p:nvPicPr>
+          <p:cNvPr id="34" name="Picture 2" descr="C:\Users\Heryandi\Desktop\images.png"/>
+          <p:cNvPicPr>
+            <a:picLocks noChangeAspect="1" noChangeArrowheads="1"/>
+          </p:cNvPicPr>
+          <p:nvPr/>
+        </p:nvPicPr>
+        <p:blipFill>
+          <a:blip r:embed="rId15">
+            <a:extLst>
+              <a:ext uri="{28A0092B-C50C-407E-A947-70E740481C1C}">
+                <a14:useLocalDpi xmlns:a14="http://schemas.microsoft.com/office/drawing/2010/main" val="0"/>
+              </a:ext>
+            </a:extLst>
+          </a:blip>
+          <a:srcRect/>
+          <a:stretch>
+            <a:fillRect/>
+          </a:stretch>
+        </p:blipFill>
+        <p:spPr bwMode="auto">
+          <a:xfrm>
+            <a:off x="21763351" y="13622606"/>
+            <a:ext cx="746753" cy="829726"/>
+          </a:xfrm>
+          <a:prstGeom prst="rect">
+            <a:avLst/>
+          </a:prstGeom>
+          <a:noFill/>
+          <a:extLst>
+            <a:ext uri="{909E8E84-426E-40DD-AFC4-6F175D3DCCD1}">
+              <a14:hiddenFill xmlns:a14="http://schemas.microsoft.com/office/drawing/2010/main">
+                <a:solidFill>
+                  <a:srgbClr val="FFFFFF"/>
+                </a:solidFill>
+              </a14:hiddenFill>
+            </a:ext>
+          </a:extLst>
+        </p:spPr>
+      </p:pic>
+      <p:pic>
+        <p:nvPicPr>
+          <p:cNvPr id="1026" name="Picture 2" descr="D:\NUS Course\System Security\Final Assignment\poster\5340_xtaie-image1.png"/>
+          <p:cNvPicPr>
+            <a:picLocks noChangeAspect="1" noChangeArrowheads="1"/>
+          </p:cNvPicPr>
+          <p:nvPr/>
+        </p:nvPicPr>
+        <p:blipFill>
+          <a:blip r:embed="rId16" cstate="print"/>
+          <a:srcRect/>
+          <a:stretch>
+            <a:fillRect/>
+          </a:stretch>
+        </p:blipFill>
+        <p:spPr bwMode="auto">
+          <a:xfrm>
+            <a:off x="354806" y="4979194"/>
+            <a:ext cx="6110796" cy="4495800"/>
+          </a:xfrm>
+          <a:prstGeom prst="rect">
+            <a:avLst/>
+          </a:prstGeom>
+          <a:noFill/>
         </p:spPr>
       </p:pic>
     </p:spTree>

--- a/Final Project_Group 3.pptx
+++ b/Final Project_Group 3.pptx
@@ -3920,8 +3920,45 @@
                 <a:latin typeface="Arial" charset="0"/>
                 <a:ea typeface="宋体" pitchFamily="2" charset="-122"/>
               </a:rPr>
-              <a:t>: Ease to maintain</a:t>
-            </a:r>
+              <a:t>: </a:t>
+            </a:r>
+            <a:r>
+              <a:rPr lang="en-AU" altLang="zh-CN" sz="3000" b="1" baseline="0" dirty="0" smtClean="0">
+                <a:solidFill>
+                  <a:srgbClr val="006699"/>
+                </a:solidFill>
+                <a:latin typeface="Arial" charset="0"/>
+                <a:ea typeface="宋体" pitchFamily="2" charset="-122"/>
+              </a:rPr>
+              <a:t>Easy </a:t>
+            </a:r>
+            <a:r>
+              <a:rPr lang="en-AU" altLang="zh-CN" sz="3000" b="1" baseline="0" dirty="0" smtClean="0">
+                <a:solidFill>
+                  <a:srgbClr val="006699"/>
+                </a:solidFill>
+                <a:latin typeface="Arial" charset="0"/>
+                <a:ea typeface="宋体" pitchFamily="2" charset="-122"/>
+              </a:rPr>
+              <a:t>to </a:t>
+            </a:r>
+            <a:r>
+              <a:rPr lang="en-AU" altLang="zh-CN" sz="3000" b="1" baseline="0" dirty="0" smtClean="0">
+                <a:solidFill>
+                  <a:srgbClr val="006699"/>
+                </a:solidFill>
+                <a:latin typeface="Arial" charset="0"/>
+                <a:ea typeface="宋体" pitchFamily="2" charset="-122"/>
+              </a:rPr>
+              <a:t>maintain</a:t>
+            </a:r>
+            <a:endParaRPr lang="en-AU" altLang="zh-CN" sz="3000" b="1" baseline="0" dirty="0" smtClean="0">
+              <a:solidFill>
+                <a:srgbClr val="006699"/>
+              </a:solidFill>
+              <a:latin typeface="Arial" charset="0"/>
+              <a:ea typeface="宋体" pitchFamily="2" charset="-122"/>
+            </a:endParaRPr>
           </a:p>
           <a:p>
             <a:pPr marL="269074" indent="-269074" algn="just" defTabSz="538147">
@@ -4886,17 +4923,7 @@
                 <a:latin typeface="Arial" charset="0"/>
                 <a:ea typeface="宋体" pitchFamily="2" charset="-122"/>
               </a:rPr>
-              <a:t>26.0.1410.43 </a:t>
-            </a:r>
-            <a:r>
-              <a:rPr lang="en-SG" altLang="zh-CN" sz="2400" b="1" baseline="0" dirty="0" smtClean="0">
-                <a:solidFill>
-                  <a:srgbClr val="006699"/>
-                </a:solidFill>
-                <a:latin typeface="Arial" charset="0"/>
-                <a:ea typeface="宋体" pitchFamily="2" charset="-122"/>
-              </a:rPr>
-              <a:t>m </a:t>
+              <a:t>26.0.1410.43 m </a:t>
             </a:r>
             <a:r>
               <a:rPr lang="en-SG" altLang="zh-CN" sz="2400" b="1" baseline="0" dirty="0">
@@ -5414,8 +5441,35 @@
                 <a:latin typeface="Arial" charset="0"/>
                 <a:ea typeface="宋体" pitchFamily="2" charset="-122"/>
               </a:rPr>
-              <a:t>Protect access to unsafe inputs: encode the return value.</a:t>
-            </a:r>
+              <a:t>Protection: </a:t>
+            </a:r>
+            <a:r>
+              <a:rPr lang="en-GB" altLang="zh-CN" sz="2400" b="1" baseline="0" dirty="0" smtClean="0">
+                <a:solidFill>
+                  <a:srgbClr val="006699"/>
+                </a:solidFill>
+                <a:latin typeface="Arial" charset="0"/>
+                <a:ea typeface="宋体" pitchFamily="2" charset="-122"/>
+              </a:rPr>
+              <a:t>encode </a:t>
+            </a:r>
+            <a:r>
+              <a:rPr lang="en-GB" altLang="zh-CN" sz="2400" b="1" baseline="0" dirty="0" smtClean="0">
+                <a:solidFill>
+                  <a:srgbClr val="006699"/>
+                </a:solidFill>
+                <a:latin typeface="Arial" charset="0"/>
+                <a:ea typeface="宋体" pitchFamily="2" charset="-122"/>
+              </a:rPr>
+              <a:t>return value</a:t>
+            </a:r>
+            <a:endParaRPr lang="en-GB" altLang="zh-CN" sz="2400" b="1" baseline="0" dirty="0" smtClean="0">
+              <a:solidFill>
+                <a:srgbClr val="006699"/>
+              </a:solidFill>
+              <a:latin typeface="Arial" charset="0"/>
+              <a:ea typeface="宋体" pitchFamily="2" charset="-122"/>
+            </a:endParaRPr>
           </a:p>
           <a:p>
             <a:pPr marL="342900" indent="-342900" algn="l" defTabSz="600077">
@@ -5525,6 +5579,26 @@
               <a:buChar char="-"/>
             </a:pPr>
             <a:r>
+              <a:rPr lang="en-GB" altLang="zh-CN" sz="2400" b="1" baseline="0" smtClean="0">
+                <a:solidFill>
+                  <a:srgbClr val="006699"/>
+                </a:solidFill>
+                <a:latin typeface="Arial" charset="0"/>
+                <a:ea typeface="宋体" pitchFamily="2" charset="-122"/>
+              </a:rPr>
+              <a:t>Before </a:t>
+            </a:r>
+            <a:r>
+              <a:rPr lang="en-GB" altLang="zh-CN" sz="2400" b="1" baseline="0" smtClean="0">
+                <a:solidFill>
+                  <a:srgbClr val="006699"/>
+                </a:solidFill>
+                <a:latin typeface="Arial" charset="0"/>
+                <a:ea typeface="宋体" pitchFamily="2" charset="-122"/>
+              </a:rPr>
+              <a:t>complete DOM tree is constructed</a:t>
+            </a:r>
+            <a:r>
               <a:rPr lang="en-GB" altLang="zh-CN" sz="2400" b="1" baseline="0" dirty="0" smtClean="0">
                 <a:solidFill>
                   <a:srgbClr val="006699"/>
@@ -5532,7 +5606,7 @@
                 <a:latin typeface="Arial" charset="0"/>
                 <a:ea typeface="宋体" pitchFamily="2" charset="-122"/>
               </a:rPr>
-              <a:t>Before DOM objects are constructed, inject small amount of JavaScript to…</a:t>
+              <a:t>, inject small amount of JavaScript to…</a:t>
             </a:r>
           </a:p>
           <a:p>
@@ -5671,7 +5745,7 @@
               <a:buChar char="-"/>
             </a:pPr>
             <a:r>
-              <a:rPr lang="en-SG" altLang="zh-CN" sz="2400" b="1" baseline="0" dirty="0" smtClean="0">
+              <a:rPr lang="en-SG" altLang="zh-CN" sz="2400" b="1" baseline="0" dirty="0" err="1" smtClean="0">
                 <a:solidFill>
                   <a:srgbClr val="006699"/>
                 </a:solidFill>

--- a/Final Project_Group 3.pptx
+++ b/Final Project_Group 3.pptx
@@ -446,7 +446,7 @@
     </p:spTree>
     <p:extLst>
       <p:ext uri="{BB962C8B-B14F-4D97-AF65-F5344CB8AC3E}">
-        <p14:creationId xmlns:p14="http://schemas.microsoft.com/office/powerpoint/2010/main" val="2966012031"/>
+        <p14:creationId xmlns:p14="http://schemas.microsoft.com/office/powerpoint/2010/main" xmlns="" val="2966012031"/>
       </p:ext>
     </p:extLst>
   </p:cSld>
@@ -3920,45 +3920,8 @@
                 <a:latin typeface="Arial" charset="0"/>
                 <a:ea typeface="宋体" pitchFamily="2" charset="-122"/>
               </a:rPr>
-              <a:t>: </a:t>
-            </a:r>
-            <a:r>
-              <a:rPr lang="en-AU" altLang="zh-CN" sz="3000" b="1" baseline="0" dirty="0" smtClean="0">
-                <a:solidFill>
-                  <a:srgbClr val="006699"/>
-                </a:solidFill>
-                <a:latin typeface="Arial" charset="0"/>
-                <a:ea typeface="宋体" pitchFamily="2" charset="-122"/>
-              </a:rPr>
-              <a:t>Easy </a:t>
-            </a:r>
-            <a:r>
-              <a:rPr lang="en-AU" altLang="zh-CN" sz="3000" b="1" baseline="0" dirty="0" smtClean="0">
-                <a:solidFill>
-                  <a:srgbClr val="006699"/>
-                </a:solidFill>
-                <a:latin typeface="Arial" charset="0"/>
-                <a:ea typeface="宋体" pitchFamily="2" charset="-122"/>
-              </a:rPr>
-              <a:t>to </a:t>
-            </a:r>
-            <a:r>
-              <a:rPr lang="en-AU" altLang="zh-CN" sz="3000" b="1" baseline="0" dirty="0" smtClean="0">
-                <a:solidFill>
-                  <a:srgbClr val="006699"/>
-                </a:solidFill>
-                <a:latin typeface="Arial" charset="0"/>
-                <a:ea typeface="宋体" pitchFamily="2" charset="-122"/>
-              </a:rPr>
-              <a:t>maintain</a:t>
-            </a:r>
-            <a:endParaRPr lang="en-AU" altLang="zh-CN" sz="3000" b="1" baseline="0" dirty="0" smtClean="0">
-              <a:solidFill>
-                <a:srgbClr val="006699"/>
-              </a:solidFill>
-              <a:latin typeface="Arial" charset="0"/>
-              <a:ea typeface="宋体" pitchFamily="2" charset="-122"/>
-            </a:endParaRPr>
+              <a:t>: Ease to maintain</a:t>
+            </a:r>
           </a:p>
           <a:p>
             <a:pPr marL="269074" indent="-269074" algn="just" defTabSz="538147">
@@ -4449,99 +4412,82 @@
             </a:endParaRPr>
           </a:p>
           <a:p>
-            <a:pPr algn="just" defTabSz="538147">
+            <a:pPr marL="230635" indent="-230635" algn="just" defTabSz="538147">
               <a:spcBef>
                 <a:spcPct val="50000"/>
               </a:spcBef>
             </a:pPr>
-            <a:endParaRPr lang="en-US" altLang="zh-CN" sz="3000" b="1" baseline="0" dirty="0" smtClean="0">
+            <a:r>
+              <a:rPr lang="en-US" altLang="zh-CN" sz="4400" b="1" baseline="0" dirty="0">
+                <a:solidFill>
+                  <a:srgbClr val="FFC000"/>
+                </a:solidFill>
+                <a:latin typeface="Arial" charset="0"/>
+                <a:ea typeface="宋体" pitchFamily="2" charset="-122"/>
+              </a:rPr>
+              <a:t> </a:t>
+            </a:r>
+            <a:r>
+              <a:rPr lang="en-US" altLang="zh-CN" sz="2000" b="1" baseline="0" dirty="0">
+                <a:solidFill>
+                  <a:srgbClr val="FFC000"/>
+                </a:solidFill>
+                <a:latin typeface="Arial" charset="0"/>
+                <a:ea typeface="宋体" pitchFamily="2" charset="-122"/>
+              </a:rPr>
+              <a:t>The payload is in the client browser resulting in modifying DOM ENV.</a:t>
+            </a:r>
+          </a:p>
+          <a:p>
+            <a:pPr marL="230635" indent="-230635" algn="just" defTabSz="538147">
+              <a:spcBef>
+                <a:spcPct val="50000"/>
+              </a:spcBef>
+            </a:pPr>
+            <a:r>
+              <a:rPr lang="en-US" altLang="zh-CN" sz="2000" b="1" baseline="0" dirty="0">
+                <a:solidFill>
+                  <a:srgbClr val="FFC000"/>
+                </a:solidFill>
+                <a:latin typeface="Arial" charset="0"/>
+                <a:ea typeface="宋体" pitchFamily="2" charset="-122"/>
+              </a:rPr>
+              <a:t>  Attack entirely within the browser in contrast to others depending on</a:t>
+            </a:r>
+          </a:p>
+          <a:p>
+            <a:pPr marL="230635" indent="-230635" algn="just" defTabSz="538147">
+              <a:spcBef>
+                <a:spcPct val="50000"/>
+              </a:spcBef>
+            </a:pPr>
+            <a:r>
+              <a:rPr lang="en-US" altLang="zh-CN" sz="2000" b="1" baseline="0" dirty="0">
+                <a:solidFill>
+                  <a:srgbClr val="FFC000"/>
+                </a:solidFill>
+                <a:latin typeface="Arial" charset="0"/>
+                <a:ea typeface="宋体" pitchFamily="2" charset="-122"/>
+              </a:rPr>
+              <a:t>  server response</a:t>
+            </a:r>
+            <a:r>
+              <a:rPr lang="en-US" altLang="zh-CN" sz="2000" b="1" baseline="0" dirty="0" smtClean="0">
+                <a:solidFill>
+                  <a:srgbClr val="FFC000"/>
+                </a:solidFill>
+                <a:latin typeface="Arial" charset="0"/>
+                <a:ea typeface="宋体" pitchFamily="2" charset="-122"/>
+              </a:rPr>
+              <a:t>.</a:t>
+            </a:r>
+            <a:endParaRPr lang="en-AU" altLang="zh-CN" sz="2000" b="1" baseline="0" dirty="0">
               <a:solidFill>
                 <a:srgbClr val="FFC000"/>
               </a:solidFill>
               <a:latin typeface="Arial" charset="0"/>
               <a:ea typeface="宋体" pitchFamily="2" charset="-122"/>
             </a:endParaRPr>
-          </a:p>
-          <a:p>
-            <a:pPr algn="just" defTabSz="538147">
-              <a:spcBef>
-                <a:spcPct val="50000"/>
-              </a:spcBef>
-            </a:pPr>
-            <a:r>
-              <a:rPr lang="en-AU" altLang="zh-CN" sz="3000" b="1" baseline="0" dirty="0" smtClean="0">
-                <a:solidFill>
-                  <a:srgbClr val="006699"/>
-                </a:solidFill>
-                <a:latin typeface="Arial" charset="0"/>
-                <a:ea typeface="宋体" pitchFamily="2" charset="-122"/>
-              </a:rPr>
-              <a:t>Attack is executed </a:t>
-            </a:r>
-            <a:r>
-              <a:rPr lang="en-US" altLang="zh-CN" sz="3000" b="1" baseline="0" dirty="0" smtClean="0">
-                <a:solidFill>
-                  <a:srgbClr val="FFC000"/>
-                </a:solidFill>
-                <a:latin typeface="Arial" charset="0"/>
-                <a:ea typeface="宋体" pitchFamily="2" charset="-122"/>
-              </a:rPr>
-              <a:t>entirely </a:t>
-            </a:r>
-            <a:r>
-              <a:rPr lang="en-US" altLang="zh-CN" sz="3000" b="1" baseline="0" dirty="0">
-                <a:solidFill>
-                  <a:srgbClr val="FFC000"/>
-                </a:solidFill>
-                <a:latin typeface="Arial" charset="0"/>
-                <a:ea typeface="宋体" pitchFamily="2" charset="-122"/>
-              </a:rPr>
-              <a:t>within the browser!</a:t>
-            </a:r>
-            <a:endParaRPr lang="en-AU" altLang="zh-CN" sz="3000" b="1" baseline="0" dirty="0">
-              <a:solidFill>
-                <a:srgbClr val="FFC000"/>
-              </a:solidFill>
-              <a:latin typeface="Arial" charset="0"/>
-              <a:ea typeface="宋体" pitchFamily="2" charset="-122"/>
-            </a:endParaRPr>
-          </a:p>
-          <a:p>
-            <a:pPr marL="230635" indent="-230635" algn="just" defTabSz="538147">
-              <a:spcBef>
-                <a:spcPct val="50000"/>
-              </a:spcBef>
-            </a:pPr>
-            <a:r>
-              <a:rPr lang="en-AU" altLang="zh-CN" sz="3000" b="1" baseline="0" dirty="0" smtClean="0">
-                <a:solidFill>
-                  <a:srgbClr val="006699"/>
-                </a:solidFill>
-                <a:latin typeface="Arial" charset="0"/>
-                <a:ea typeface="宋体" pitchFamily="2" charset="-122"/>
-              </a:rPr>
-              <a:t>                           Page makes use of </a:t>
-            </a:r>
-            <a:r>
-              <a:rPr lang="en-AU" altLang="zh-CN" sz="3000" b="1" baseline="0" dirty="0" smtClean="0">
-                <a:solidFill>
-                  <a:srgbClr val="FFC000"/>
-                </a:solidFill>
-                <a:latin typeface="Arial" charset="0"/>
-                <a:ea typeface="宋体" pitchFamily="2" charset="-122"/>
-              </a:rPr>
-              <a:t> </a:t>
-            </a:r>
-            <a:r>
-              <a:rPr lang="en-AU" altLang="zh-CN" sz="3000" b="1" baseline="0" dirty="0">
-                <a:solidFill>
-                  <a:srgbClr val="FFC000"/>
-                </a:solidFill>
-                <a:latin typeface="Arial" charset="0"/>
-                <a:ea typeface="宋体" pitchFamily="2" charset="-122"/>
-              </a:rPr>
-              <a:t>unsafe input!</a:t>
-            </a:r>
           </a:p>
         </p:txBody>
       </p:sp>
@@ -4923,6 +4869,20 @@
                 <a:latin typeface="Arial" charset="0"/>
                 <a:ea typeface="宋体" pitchFamily="2" charset="-122"/>
               </a:rPr>
+              <a:t>version</a:t>
+            </a:r>
+            <a:r>
+              <a:rPr lang="en-SG" sz="2400" dirty="0" smtClean="0"/>
+              <a:t> </a:t>
+            </a:r>
+            <a:r>
+              <a:rPr lang="en-SG" altLang="zh-CN" sz="2400" b="1" baseline="0" dirty="0" smtClean="0">
+                <a:solidFill>
+                  <a:srgbClr val="006699"/>
+                </a:solidFill>
+                <a:latin typeface="Arial" charset="0"/>
+                <a:ea typeface="宋体" pitchFamily="2" charset="-122"/>
+              </a:rPr>
               <a:t>26.0.1410.43 m </a:t>
             </a:r>
             <a:r>
@@ -4944,13 +4904,16 @@
               <a:buFont typeface="Wingdings" pitchFamily="2" charset="2"/>
               <a:buChar char="§"/>
             </a:pPr>
-            <a:endParaRPr lang="en-SG" altLang="zh-CN" sz="2400" b="1" baseline="0" dirty="0" smtClean="0">
-              <a:solidFill>
-                <a:srgbClr val="006699"/>
-              </a:solidFill>
-              <a:latin typeface="Arial" charset="0"/>
-              <a:ea typeface="宋体" pitchFamily="2" charset="-122"/>
-            </a:endParaRPr>
+            <a:r>
+              <a:rPr lang="en-SG" altLang="zh-CN" sz="2400" b="1" baseline="0" dirty="0">
+                <a:solidFill>
+                  <a:srgbClr val="006699"/>
+                </a:solidFill>
+                <a:latin typeface="Arial" charset="0"/>
+                <a:ea typeface="宋体" pitchFamily="2" charset="-122"/>
+              </a:rPr>
+              <a:t>JavaScript</a:t>
+            </a:r>
           </a:p>
           <a:p>
             <a:pPr marL="276548" indent="-276548" algn="l" defTabSz="600077">
@@ -4961,50 +4924,14 @@
               <a:buChar char="§"/>
             </a:pPr>
             <a:r>
-              <a:rPr lang="en-SG" altLang="zh-CN" sz="2400" b="1" baseline="0" dirty="0" smtClean="0">
+              <a:rPr lang="en-US" altLang="zh-CN" sz="2400" b="1" baseline="0" dirty="0">
                 <a:solidFill>
                   <a:srgbClr val="006699"/>
                 </a:solidFill>
                 <a:latin typeface="Arial" charset="0"/>
                 <a:ea typeface="宋体" pitchFamily="2" charset="-122"/>
               </a:rPr>
-              <a:t>JavaScript</a:t>
-            </a:r>
-            <a:endParaRPr lang="en-US" altLang="zh-CN" sz="2400" b="1" baseline="0" dirty="0" smtClean="0">
-              <a:solidFill>
-                <a:srgbClr val="006699"/>
-              </a:solidFill>
-              <a:latin typeface="Arial" charset="0"/>
-              <a:ea typeface="宋体" pitchFamily="2" charset="-122"/>
-            </a:endParaRPr>
-          </a:p>
-          <a:p>
-            <a:pPr marL="276548" indent="-276548" algn="l" defTabSz="600077">
-              <a:spcBef>
-                <a:spcPct val="50000"/>
-              </a:spcBef>
-              <a:buFont typeface="Wingdings" pitchFamily="2" charset="2"/>
-              <a:buChar char="§"/>
-            </a:pPr>
-            <a:r>
-              <a:rPr lang="en-US" altLang="zh-CN" sz="2400" b="1" baseline="0" dirty="0" smtClean="0">
-                <a:solidFill>
-                  <a:srgbClr val="006699"/>
-                </a:solidFill>
-                <a:latin typeface="Arial" charset="0"/>
-                <a:ea typeface="宋体" pitchFamily="2" charset="-122"/>
-              </a:rPr>
-              <a:t>Chrome </a:t>
-            </a:r>
-            <a:r>
-              <a:rPr lang="en-US" altLang="zh-CN" sz="2400" b="1" baseline="0" dirty="0">
-                <a:solidFill>
-                  <a:srgbClr val="006699"/>
-                </a:solidFill>
-                <a:latin typeface="Arial" charset="0"/>
-                <a:ea typeface="宋体" pitchFamily="2" charset="-122"/>
-              </a:rPr>
-              <a:t>Extension API</a:t>
+              <a:t>Chrome Extension API</a:t>
             </a:r>
             <a:endParaRPr lang="en-GB" altLang="zh-CN" sz="2400" b="1" baseline="0" dirty="0">
               <a:solidFill>
@@ -5117,7 +5044,7 @@
       </p:pic>
       <p:pic>
         <p:nvPicPr>
-          <p:cNvPr id="3" name="Picture 3" descr="D:\NUS Course\System Security\Final Assignment\poster\5265_xtaie-image2.png"/>
+          <p:cNvPr id="1026" name="Picture 2" descr="D:\NUS Course\System Security\Final Assignment\poster\5340_xtaie-image1.png"/>
           <p:cNvPicPr>
             <a:picLocks noChangeAspect="1" noChangeArrowheads="1"/>
           </p:cNvPicPr>
@@ -5132,7 +5059,33 @@
         </p:blipFill>
         <p:spPr bwMode="auto">
           <a:xfrm>
-            <a:off x="5507831" y="4293394"/>
+            <a:off x="354806" y="4598194"/>
+            <a:ext cx="5282213" cy="3886200"/>
+          </a:xfrm>
+          <a:prstGeom prst="rect">
+            <a:avLst/>
+          </a:prstGeom>
+          <a:noFill/>
+        </p:spPr>
+      </p:pic>
+      <p:pic>
+        <p:nvPicPr>
+          <p:cNvPr id="3" name="Picture 3" descr="D:\NUS Course\System Security\Final Assignment\poster\5265_xtaie-image2.png"/>
+          <p:cNvPicPr>
+            <a:picLocks noChangeAspect="1" noChangeArrowheads="1"/>
+          </p:cNvPicPr>
+          <p:nvPr/>
+        </p:nvPicPr>
+        <p:blipFill>
+          <a:blip r:embed="rId5" cstate="print"/>
+          <a:srcRect/>
+          <a:stretch>
+            <a:fillRect/>
+          </a:stretch>
+        </p:blipFill>
+        <p:spPr bwMode="auto">
+          <a:xfrm>
+            <a:off x="5507831" y="5055394"/>
             <a:ext cx="4379812" cy="3124200"/>
           </a:xfrm>
           <a:prstGeom prst="rect">
@@ -5150,7 +5103,7 @@
           <p:nvPr/>
         </p:nvPicPr>
         <p:blipFill>
-          <a:blip r:embed="rId5" cstate="print"/>
+          <a:blip r:embed="rId6" cstate="print"/>
           <a:srcRect/>
           <a:stretch>
             <a:fillRect/>
@@ -5176,7 +5129,7 @@
           <p:nvPr/>
         </p:nvPicPr>
         <p:blipFill>
-          <a:blip r:embed="rId6" cstate="print"/>
+          <a:blip r:embed="rId7" cstate="print"/>
           <a:srcRect/>
           <a:stretch>
             <a:fillRect/>
@@ -5208,10 +5161,10 @@
           <p:nvPr/>
         </p:nvPicPr>
         <p:blipFill>
-          <a:blip r:embed="rId7">
+          <a:blip r:embed="rId8" cstate="print">
             <a:extLst>
               <a:ext uri="{28A0092B-C50C-407E-A947-70E740481C1C}">
-                <a14:useLocalDpi xmlns:a14="http://schemas.microsoft.com/office/drawing/2010/main" val="0"/>
+                <a14:useLocalDpi xmlns:a14="http://schemas.microsoft.com/office/drawing/2010/main" xmlns="" val="0"/>
               </a:ext>
             </a:extLst>
           </a:blip>
@@ -5234,14 +5187,14 @@
           </a:ln>
           <a:extLst>
             <a:ext uri="{909E8E84-426E-40DD-AFC4-6F175D3DCCD1}">
-              <a14:hiddenFill xmlns:a14="http://schemas.microsoft.com/office/drawing/2010/main">
+              <a14:hiddenFill xmlns:a14="http://schemas.microsoft.com/office/drawing/2010/main" xmlns="">
                 <a:solidFill>
                   <a:schemeClr val="accent1"/>
                 </a:solidFill>
               </a14:hiddenFill>
             </a:ext>
             <a:ext uri="{91240B29-F687-4F45-9708-019B960494DF}">
-              <a14:hiddenLine xmlns:a14="http://schemas.microsoft.com/office/drawing/2010/main" w="9525">
+              <a14:hiddenLine xmlns:a14="http://schemas.microsoft.com/office/drawing/2010/main" xmlns="" w="9525">
                 <a:solidFill>
                   <a:schemeClr val="tx1"/>
                 </a:solidFill>
@@ -5376,7 +5329,7 @@
               <a:buChar char="-"/>
             </a:pPr>
             <a:r>
-              <a:rPr lang="en-GB" altLang="zh-CN" sz="2400" b="1" baseline="0" dirty="0" smtClean="0">
+              <a:rPr lang="en-GB" altLang="zh-CN" sz="2000" b="1" baseline="0" dirty="0" smtClean="0">
                 <a:solidFill>
                   <a:srgbClr val="006699"/>
                 </a:solidFill>
@@ -5386,7 +5339,7 @@
               <a:t>Remove </a:t>
             </a:r>
             <a:r>
-              <a:rPr lang="en-GB" altLang="zh-CN" sz="2400" b="1" baseline="0" dirty="0" err="1" smtClean="0">
+              <a:rPr lang="en-GB" altLang="zh-CN" sz="2000" b="1" baseline="0" dirty="0" err="1" smtClean="0">
                 <a:solidFill>
                   <a:srgbClr val="006699"/>
                 </a:solidFill>
@@ -5396,7 +5349,7 @@
               <a:t>Referer</a:t>
             </a:r>
             <a:r>
-              <a:rPr lang="en-GB" altLang="zh-CN" sz="2400" b="1" baseline="0" dirty="0" smtClean="0">
+              <a:rPr lang="en-GB" altLang="zh-CN" sz="2000" b="1" baseline="0" dirty="0" smtClean="0">
                 <a:solidFill>
                   <a:srgbClr val="006699"/>
                 </a:solidFill>
@@ -5415,7 +5368,7 @@
               <a:buChar char="-"/>
             </a:pPr>
             <a:r>
-              <a:rPr lang="en-GB" altLang="zh-CN" sz="2400" b="1" baseline="0" dirty="0" smtClean="0">
+              <a:rPr lang="en-GB" altLang="zh-CN" sz="2000" b="1" baseline="0" dirty="0" smtClean="0">
                 <a:solidFill>
                   <a:srgbClr val="006699"/>
                 </a:solidFill>
@@ -5434,42 +5387,15 @@
               <a:buChar char="-"/>
             </a:pPr>
             <a:r>
-              <a:rPr lang="en-GB" altLang="zh-CN" sz="2400" b="1" baseline="0" dirty="0" smtClean="0">
+              <a:rPr lang="en-GB" altLang="zh-CN" sz="2000" b="1" baseline="0" dirty="0" smtClean="0">
                 <a:solidFill>
                   <a:srgbClr val="006699"/>
                 </a:solidFill>
                 <a:latin typeface="Arial" charset="0"/>
                 <a:ea typeface="宋体" pitchFamily="2" charset="-122"/>
               </a:rPr>
-              <a:t>Protection: </a:t>
-            </a:r>
-            <a:r>
-              <a:rPr lang="en-GB" altLang="zh-CN" sz="2400" b="1" baseline="0" dirty="0" smtClean="0">
-                <a:solidFill>
-                  <a:srgbClr val="006699"/>
-                </a:solidFill>
-                <a:latin typeface="Arial" charset="0"/>
-                <a:ea typeface="宋体" pitchFamily="2" charset="-122"/>
-              </a:rPr>
-              <a:t>encode </a:t>
-            </a:r>
-            <a:r>
-              <a:rPr lang="en-GB" altLang="zh-CN" sz="2400" b="1" baseline="0" dirty="0" smtClean="0">
-                <a:solidFill>
-                  <a:srgbClr val="006699"/>
-                </a:solidFill>
-                <a:latin typeface="Arial" charset="0"/>
-                <a:ea typeface="宋体" pitchFamily="2" charset="-122"/>
-              </a:rPr>
-              <a:t>return value</a:t>
-            </a:r>
-            <a:endParaRPr lang="en-GB" altLang="zh-CN" sz="2400" b="1" baseline="0" dirty="0" smtClean="0">
-              <a:solidFill>
-                <a:srgbClr val="006699"/>
-              </a:solidFill>
-              <a:latin typeface="Arial" charset="0"/>
-              <a:ea typeface="宋体" pitchFamily="2" charset="-122"/>
-            </a:endParaRPr>
+              <a:t>Protect access to unsafe inputs: encode the return value.</a:t>
+            </a:r>
           </a:p>
           <a:p>
             <a:pPr marL="342900" indent="-342900" algn="l" defTabSz="600077">
@@ -5479,7 +5405,7 @@
               <a:buFontTx/>
               <a:buChar char="-"/>
             </a:pPr>
-            <a:endParaRPr lang="en-GB" altLang="zh-CN" sz="2400" b="1" baseline="0" dirty="0">
+            <a:endParaRPr lang="en-GB" altLang="zh-CN" sz="2000" b="1" baseline="0" dirty="0">
               <a:solidFill>
                 <a:srgbClr val="006699"/>
               </a:solidFill>
@@ -5495,7 +5421,7 @@
               <a:buFontTx/>
               <a:buChar char="-"/>
             </a:pPr>
-            <a:endParaRPr lang="en-GB" altLang="zh-CN" sz="2400" b="1" baseline="0" dirty="0" smtClean="0">
+            <a:endParaRPr lang="en-GB" altLang="zh-CN" sz="2000" b="1" baseline="0" dirty="0" smtClean="0">
               <a:solidFill>
                 <a:srgbClr val="006699"/>
               </a:solidFill>
@@ -5511,7 +5437,7 @@
               <a:buFontTx/>
               <a:buChar char="-"/>
             </a:pPr>
-            <a:endParaRPr lang="en-GB" altLang="zh-CN" sz="2400" b="1" baseline="0" dirty="0">
+            <a:endParaRPr lang="en-GB" altLang="zh-CN" sz="2000" b="1" baseline="0" dirty="0">
               <a:solidFill>
                 <a:srgbClr val="006699"/>
               </a:solidFill>
@@ -5527,7 +5453,7 @@
               <a:buFontTx/>
               <a:buChar char="-"/>
             </a:pPr>
-            <a:endParaRPr lang="en-GB" altLang="zh-CN" sz="2400" b="1" baseline="0" dirty="0" smtClean="0">
+            <a:endParaRPr lang="en-GB" altLang="zh-CN" sz="2000" b="1" baseline="0" dirty="0" smtClean="0">
               <a:solidFill>
                 <a:srgbClr val="006699"/>
               </a:solidFill>
@@ -5543,7 +5469,69 @@
               <a:buFontTx/>
               <a:buChar char="-"/>
             </a:pPr>
-            <a:endParaRPr lang="en-GB" altLang="zh-CN" sz="2400" b="1" baseline="0" dirty="0">
+            <a:endParaRPr lang="en-GB" altLang="zh-CN" sz="2000" b="1" baseline="0" dirty="0" smtClean="0">
+              <a:solidFill>
+                <a:srgbClr val="006699"/>
+              </a:solidFill>
+              <a:latin typeface="Arial" charset="0"/>
+              <a:ea typeface="宋体" pitchFamily="2" charset="-122"/>
+            </a:endParaRPr>
+          </a:p>
+          <a:p>
+            <a:pPr marL="342900" indent="-342900" algn="l" defTabSz="600077">
+              <a:spcBef>
+                <a:spcPct val="50000"/>
+              </a:spcBef>
+              <a:buFontTx/>
+              <a:buChar char="-"/>
+            </a:pPr>
+            <a:endParaRPr lang="en-GB" altLang="zh-CN" sz="2000" b="1" baseline="0" dirty="0" smtClean="0">
+              <a:solidFill>
+                <a:srgbClr val="006699"/>
+              </a:solidFill>
+              <a:latin typeface="Arial" charset="0"/>
+              <a:ea typeface="宋体" pitchFamily="2" charset="-122"/>
+            </a:endParaRPr>
+          </a:p>
+          <a:p>
+            <a:pPr marL="342900" indent="-342900" algn="l" defTabSz="600077">
+              <a:spcBef>
+                <a:spcPct val="50000"/>
+              </a:spcBef>
+              <a:buFontTx/>
+              <a:buChar char="-"/>
+            </a:pPr>
+            <a:endParaRPr lang="en-GB" altLang="zh-CN" sz="2000" b="1" baseline="0" dirty="0" smtClean="0">
+              <a:solidFill>
+                <a:srgbClr val="006699"/>
+              </a:solidFill>
+              <a:latin typeface="Arial" charset="0"/>
+              <a:ea typeface="宋体" pitchFamily="2" charset="-122"/>
+            </a:endParaRPr>
+          </a:p>
+          <a:p>
+            <a:pPr marL="342900" indent="-342900" algn="l" defTabSz="600077">
+              <a:spcBef>
+                <a:spcPct val="50000"/>
+              </a:spcBef>
+              <a:buFontTx/>
+              <a:buChar char="-"/>
+            </a:pPr>
+            <a:endParaRPr lang="en-GB" altLang="zh-CN" sz="2000" b="1" baseline="0" dirty="0" smtClean="0">
+              <a:solidFill>
+                <a:srgbClr val="006699"/>
+              </a:solidFill>
+              <a:latin typeface="Arial" charset="0"/>
+              <a:ea typeface="宋体" pitchFamily="2" charset="-122"/>
+            </a:endParaRPr>
+          </a:p>
+          <a:p>
+            <a:pPr marL="650413" lvl="1" indent="-342900" algn="l" defTabSz="600077">
+              <a:spcBef>
+                <a:spcPct val="50000"/>
+              </a:spcBef>
+            </a:pPr>
+            <a:endParaRPr lang="en-GB" altLang="zh-CN" sz="2000" b="1" baseline="0" dirty="0" smtClean="0">
               <a:solidFill>
                 <a:srgbClr val="006699"/>
               </a:solidFill>
@@ -5560,7 +5548,7 @@
               <a:buChar char="-"/>
             </a:pPr>
             <a:r>
-              <a:rPr lang="en-GB" altLang="zh-CN" sz="2400" b="1" baseline="0" dirty="0" smtClean="0">
+              <a:rPr lang="en-GB" altLang="zh-CN" sz="2000" b="1" baseline="0" dirty="0" smtClean="0">
                 <a:solidFill>
                   <a:srgbClr val="006699"/>
                 </a:solidFill>
@@ -5579,34 +5567,14 @@
               <a:buChar char="-"/>
             </a:pPr>
             <a:r>
-              <a:rPr lang="en-GB" altLang="zh-CN" sz="2400" b="1" baseline="0" smtClean="0">
+              <a:rPr lang="en-GB" altLang="zh-CN" sz="2000" b="1" baseline="0" dirty="0" smtClean="0">
                 <a:solidFill>
                   <a:srgbClr val="006699"/>
                 </a:solidFill>
                 <a:latin typeface="Arial" charset="0"/>
                 <a:ea typeface="宋体" pitchFamily="2" charset="-122"/>
               </a:rPr>
-              <a:t>Before </a:t>
-            </a:r>
-            <a:r>
-              <a:rPr lang="en-GB" altLang="zh-CN" sz="2400" b="1" baseline="0" smtClean="0">
-                <a:solidFill>
-                  <a:srgbClr val="006699"/>
-                </a:solidFill>
-                <a:latin typeface="Arial" charset="0"/>
-                <a:ea typeface="宋体" pitchFamily="2" charset="-122"/>
-              </a:rPr>
-              <a:t>complete DOM tree is constructed</a:t>
-            </a:r>
-            <a:r>
-              <a:rPr lang="en-GB" altLang="zh-CN" sz="2400" b="1" baseline="0" dirty="0" smtClean="0">
-                <a:solidFill>
-                  <a:srgbClr val="006699"/>
-                </a:solidFill>
-                <a:latin typeface="Arial" charset="0"/>
-                <a:ea typeface="宋体" pitchFamily="2" charset="-122"/>
-              </a:rPr>
-              <a:t>, inject small amount of JavaScript to…</a:t>
+              <a:t>Before DOM objects are constructed, inject small amount of JavaScript to…</a:t>
             </a:r>
           </a:p>
           <a:p>
@@ -5618,7 +5586,7 @@
               <a:buChar char="-"/>
             </a:pPr>
             <a:r>
-              <a:rPr lang="en-SG" altLang="zh-CN" sz="2400" b="1" baseline="0" dirty="0" smtClean="0">
+              <a:rPr lang="en-SG" altLang="zh-CN" sz="2000" b="1" baseline="0" dirty="0" smtClean="0">
                 <a:solidFill>
                   <a:srgbClr val="006699"/>
                 </a:solidFill>
@@ -5628,7 +5596,7 @@
               <a:t>Override </a:t>
             </a:r>
             <a:r>
-              <a:rPr lang="en-SG" altLang="zh-CN" sz="2400" b="1" baseline="0" dirty="0" smtClean="0">
+              <a:rPr lang="en-SG" altLang="zh-CN" sz="2000" b="1" baseline="0" dirty="0" smtClean="0">
                 <a:solidFill>
                   <a:srgbClr val="006699"/>
                 </a:solidFill>
@@ -5639,7 +5607,7 @@
               <a:t>document.URL</a:t>
             </a:r>
             <a:r>
-              <a:rPr lang="en-SG" altLang="zh-CN" sz="2400" b="1" baseline="0" dirty="0" smtClean="0">
+              <a:rPr lang="en-SG" altLang="zh-CN" sz="2000" b="1" baseline="0" dirty="0" smtClean="0">
                 <a:solidFill>
                   <a:srgbClr val="006699"/>
                 </a:solidFill>
@@ -5648,7 +5616,7 @@
               </a:rPr>
               <a:t> getter</a:t>
             </a:r>
-            <a:endParaRPr lang="en-GB" altLang="zh-CN" sz="2400" b="1" baseline="0" dirty="0">
+            <a:endParaRPr lang="en-GB" altLang="zh-CN" sz="2000" b="1" baseline="0" dirty="0">
               <a:solidFill>
                 <a:srgbClr val="006699"/>
               </a:solidFill>
@@ -5665,7 +5633,7 @@
               <a:buChar char="-"/>
             </a:pPr>
             <a:r>
-              <a:rPr lang="en-SG" altLang="zh-CN" sz="2400" b="1" baseline="0" dirty="0" smtClean="0">
+              <a:rPr lang="en-SG" altLang="zh-CN" sz="2000" b="1" baseline="0" dirty="0" smtClean="0">
                 <a:solidFill>
                   <a:srgbClr val="006699"/>
                 </a:solidFill>
@@ -5675,7 +5643,7 @@
               <a:t>Override </a:t>
             </a:r>
             <a:r>
-              <a:rPr lang="en-SG" altLang="zh-CN" sz="2400" b="1" baseline="0" dirty="0" smtClean="0">
+              <a:rPr lang="en-SG" altLang="zh-CN" sz="2000" b="1" baseline="0" dirty="0" smtClean="0">
                 <a:solidFill>
                   <a:srgbClr val="006699"/>
                 </a:solidFill>
@@ -5686,7 +5654,7 @@
               <a:t>document.URLUnencoded</a:t>
             </a:r>
             <a:r>
-              <a:rPr lang="en-SG" altLang="zh-CN" sz="2400" b="1" baseline="0" dirty="0" smtClean="0">
+              <a:rPr lang="en-SG" altLang="zh-CN" sz="2000" b="1" baseline="0" dirty="0" smtClean="0">
                 <a:solidFill>
                   <a:srgbClr val="006699"/>
                 </a:solidFill>
@@ -5705,7 +5673,7 @@
               <a:buChar char="-"/>
             </a:pPr>
             <a:r>
-              <a:rPr lang="en-SG" altLang="zh-CN" sz="2400" b="1" baseline="0" dirty="0" smtClean="0">
+              <a:rPr lang="en-SG" altLang="zh-CN" sz="2000" b="1" baseline="0" dirty="0" smtClean="0">
                 <a:solidFill>
                   <a:srgbClr val="006699"/>
                 </a:solidFill>
@@ -5715,7 +5683,7 @@
               <a:t>Protect </a:t>
             </a:r>
             <a:r>
-              <a:rPr lang="en-SG" altLang="zh-CN" sz="2400" b="1" baseline="0" dirty="0" smtClean="0">
+              <a:rPr lang="en-SG" altLang="zh-CN" sz="2000" b="1" baseline="0" dirty="0" smtClean="0">
                 <a:solidFill>
                   <a:srgbClr val="006699"/>
                 </a:solidFill>
@@ -5726,7 +5694,7 @@
               <a:t>document.location</a:t>
             </a:r>
             <a:r>
-              <a:rPr lang="en-SG" altLang="zh-CN" sz="2400" b="1" baseline="0" dirty="0" smtClean="0">
+              <a:rPr lang="en-SG" altLang="zh-CN" sz="2000" b="1" baseline="0" dirty="0" smtClean="0">
                 <a:solidFill>
                   <a:srgbClr val="006699"/>
                 </a:solidFill>
@@ -5745,7 +5713,7 @@
               <a:buChar char="-"/>
             </a:pPr>
             <a:r>
-              <a:rPr lang="en-SG" altLang="zh-CN" sz="2400" b="1" baseline="0" dirty="0" err="1" smtClean="0">
+              <a:rPr lang="en-SG" altLang="zh-CN" sz="2000" b="1" baseline="0" dirty="0" smtClean="0">
                 <a:solidFill>
                   <a:srgbClr val="006699"/>
                 </a:solidFill>
@@ -5756,7 +5724,7 @@
               <a:t>document.location.search</a:t>
             </a:r>
             <a:r>
-              <a:rPr lang="en-SG" altLang="zh-CN" sz="2400" b="1" baseline="0" dirty="0" smtClean="0">
+              <a:rPr lang="en-SG" altLang="zh-CN" sz="2000" b="1" baseline="0" dirty="0" smtClean="0">
                 <a:solidFill>
                   <a:srgbClr val="006699"/>
                 </a:solidFill>
@@ -5775,7 +5743,7 @@
               <a:buChar char="-"/>
             </a:pPr>
             <a:r>
-              <a:rPr lang="en-SG" altLang="zh-CN" sz="2400" b="1" baseline="0" dirty="0">
+              <a:rPr lang="en-SG" altLang="zh-CN" sz="2000" b="1" baseline="0" dirty="0">
                 <a:solidFill>
                   <a:srgbClr val="006699"/>
                 </a:solidFill>
@@ -5785,7 +5753,7 @@
               <a:t>O</a:t>
             </a:r>
             <a:r>
-              <a:rPr lang="en-SG" altLang="zh-CN" sz="2400" b="1" baseline="0" dirty="0" smtClean="0">
+              <a:rPr lang="en-SG" altLang="zh-CN" sz="2000" b="1" baseline="0" dirty="0" smtClean="0">
                 <a:solidFill>
                   <a:srgbClr val="006699"/>
                 </a:solidFill>
@@ -5795,7 +5763,7 @@
               <a:t>verride </a:t>
             </a:r>
             <a:r>
-              <a:rPr lang="en-SG" altLang="zh-CN" sz="2400" b="1" baseline="0" dirty="0" smtClean="0">
+              <a:rPr lang="en-SG" altLang="zh-CN" sz="2000" b="1" baseline="0" dirty="0" smtClean="0">
                 <a:solidFill>
                   <a:srgbClr val="006699"/>
                 </a:solidFill>
@@ -5806,7 +5774,7 @@
               <a:t>document.location.hash</a:t>
             </a:r>
             <a:r>
-              <a:rPr lang="en-SG" altLang="zh-CN" sz="2400" b="1" baseline="0" dirty="0" smtClean="0">
+              <a:rPr lang="en-SG" altLang="zh-CN" sz="2000" b="1" baseline="0" dirty="0" smtClean="0">
                 <a:solidFill>
                   <a:srgbClr val="006699"/>
                 </a:solidFill>
@@ -5825,7 +5793,7 @@
               <a:buChar char="-"/>
             </a:pPr>
             <a:r>
-              <a:rPr lang="en-SG" altLang="zh-CN" sz="2400" b="1" baseline="0" dirty="0" smtClean="0">
+              <a:rPr lang="en-SG" altLang="zh-CN" sz="2000" b="1" baseline="0" dirty="0" smtClean="0">
                 <a:solidFill>
                   <a:srgbClr val="006699"/>
                 </a:solidFill>
@@ -5835,7 +5803,7 @@
               <a:t>Override </a:t>
             </a:r>
             <a:r>
-              <a:rPr lang="en-SG" altLang="zh-CN" sz="2400" b="1" baseline="0" dirty="0" smtClean="0">
+              <a:rPr lang="en-SG" altLang="zh-CN" sz="2000" b="1" baseline="0" dirty="0" smtClean="0">
                 <a:solidFill>
                   <a:srgbClr val="006699"/>
                 </a:solidFill>
@@ -5846,7 +5814,7 @@
               <a:t>window.name </a:t>
             </a:r>
             <a:r>
-              <a:rPr lang="en-SG" altLang="zh-CN" sz="2400" b="1" baseline="0" dirty="0" smtClean="0">
+              <a:rPr lang="en-SG" altLang="zh-CN" sz="2000" b="1" baseline="0" dirty="0" smtClean="0">
                 <a:solidFill>
                   <a:srgbClr val="006699"/>
                 </a:solidFill>
@@ -5865,7 +5833,7 @@
               <a:buChar char="-"/>
             </a:pPr>
             <a:r>
-              <a:rPr lang="en-SG" altLang="zh-CN" sz="2400" b="1" baseline="0" dirty="0" smtClean="0">
+              <a:rPr lang="en-SG" altLang="zh-CN" sz="2000" b="1" baseline="0" dirty="0" smtClean="0">
                 <a:solidFill>
                   <a:srgbClr val="006699"/>
                 </a:solidFill>
@@ -5875,7 +5843,7 @@
               <a:t>Force encode </a:t>
             </a:r>
             <a:r>
-              <a:rPr lang="en-SG" altLang="zh-CN" sz="2400" b="1" baseline="0" dirty="0" smtClean="0">
+              <a:rPr lang="en-SG" altLang="zh-CN" sz="2000" b="1" baseline="0" dirty="0" smtClean="0">
                 <a:solidFill>
                   <a:srgbClr val="006699"/>
                 </a:solidFill>
@@ -5885,7 +5853,7 @@
               </a:rPr>
               <a:t>window.location.hash</a:t>
             </a:r>
-            <a:endParaRPr lang="en-GB" altLang="zh-CN" sz="2400" b="1" baseline="0" dirty="0" smtClean="0">
+            <a:endParaRPr lang="en-GB" altLang="zh-CN" sz="2000" b="1" baseline="0" dirty="0" smtClean="0">
               <a:solidFill>
                 <a:srgbClr val="006699"/>
               </a:solidFill>
@@ -5896,70 +5864,6 @@
           </a:p>
         </p:txBody>
       </p:sp>
-      <p:pic>
-        <p:nvPicPr>
-          <p:cNvPr id="1034" name="Picture 10"/>
-          <p:cNvPicPr>
-            <a:picLocks noChangeAspect="1" noChangeArrowheads="1"/>
-          </p:cNvPicPr>
-          <p:nvPr/>
-        </p:nvPicPr>
-        <p:blipFill>
-          <a:blip r:embed="rId8" cstate="print"/>
-          <a:srcRect/>
-          <a:stretch>
-            <a:fillRect/>
-          </a:stretch>
-        </p:blipFill>
-        <p:spPr bwMode="auto">
-          <a:xfrm>
-            <a:off x="10870406" y="12656344"/>
-            <a:ext cx="9105900" cy="2762250"/>
-          </a:xfrm>
-          <a:prstGeom prst="rect">
-            <a:avLst/>
-          </a:prstGeom>
-          <a:noFill/>
-          <a:ln w="9525">
-            <a:noFill/>
-            <a:miter lim="800000"/>
-            <a:headEnd/>
-            <a:tailEnd/>
-          </a:ln>
-        </p:spPr>
-      </p:pic>
-      <p:pic>
-        <p:nvPicPr>
-          <p:cNvPr id="28" name="Picture 27"/>
-          <p:cNvPicPr>
-            <a:picLocks noChangeAspect="1" noChangeArrowheads="1"/>
-          </p:cNvPicPr>
-          <p:nvPr/>
-        </p:nvPicPr>
-        <p:blipFill>
-          <a:blip r:embed="rId9" cstate="print"/>
-          <a:srcRect/>
-          <a:stretch>
-            <a:fillRect/>
-          </a:stretch>
-        </p:blipFill>
-        <p:spPr bwMode="auto">
-          <a:xfrm>
-            <a:off x="10433993" y="4386313"/>
-            <a:ext cx="10458450" cy="5162550"/>
-          </a:xfrm>
-          <a:prstGeom prst="rect">
-            <a:avLst/>
-          </a:prstGeom>
-          <a:noFill/>
-          <a:ln w="9525">
-            <a:noFill/>
-            <a:miter lim="800000"/>
-            <a:headEnd/>
-            <a:tailEnd/>
-          </a:ln>
-        </p:spPr>
-      </p:pic>
       <p:sp>
         <p:nvSpPr>
           <p:cNvPr id="29" name="Text Box 522"/>
@@ -6042,10 +5946,10 @@
           <p:nvPr/>
         </p:nvPicPr>
         <p:blipFill>
-          <a:blip r:embed="rId10">
+          <a:blip r:embed="rId9" cstate="print">
             <a:extLst>
               <a:ext uri="{28A0092B-C50C-407E-A947-70E740481C1C}">
-                <a14:useLocalDpi xmlns:a14="http://schemas.microsoft.com/office/drawing/2010/main" val="0"/>
+                <a14:useLocalDpi xmlns:a14="http://schemas.microsoft.com/office/drawing/2010/main" xmlns="" val="0"/>
               </a:ext>
             </a:extLst>
           </a:blip>
@@ -6068,14 +5972,14 @@
           </a:ln>
           <a:extLst>
             <a:ext uri="{909E8E84-426E-40DD-AFC4-6F175D3DCCD1}">
-              <a14:hiddenFill xmlns:a14="http://schemas.microsoft.com/office/drawing/2010/main">
+              <a14:hiddenFill xmlns:a14="http://schemas.microsoft.com/office/drawing/2010/main" xmlns="">
                 <a:solidFill>
                   <a:schemeClr val="accent1"/>
                 </a:solidFill>
               </a14:hiddenFill>
             </a:ext>
             <a:ext uri="{91240B29-F687-4F45-9708-019B960494DF}">
-              <a14:hiddenLine xmlns:a14="http://schemas.microsoft.com/office/drawing/2010/main" w="9525">
+              <a14:hiddenLine xmlns:a14="http://schemas.microsoft.com/office/drawing/2010/main" xmlns="" w="9525">
                 <a:solidFill>
                   <a:schemeClr val="tx1"/>
                 </a:solidFill>
@@ -6096,10 +6000,10 @@
           <p:nvPr/>
         </p:nvPicPr>
         <p:blipFill>
-          <a:blip r:embed="rId11">
+          <a:blip r:embed="rId10" cstate="print">
             <a:extLst>
               <a:ext uri="{28A0092B-C50C-407E-A947-70E740481C1C}">
-                <a14:useLocalDpi xmlns:a14="http://schemas.microsoft.com/office/drawing/2010/main" val="0"/>
+                <a14:useLocalDpi xmlns:a14="http://schemas.microsoft.com/office/drawing/2010/main" xmlns="" val="0"/>
               </a:ext>
             </a:extLst>
           </a:blip>
@@ -6122,14 +6026,14 @@
           </a:ln>
           <a:extLst>
             <a:ext uri="{909E8E84-426E-40DD-AFC4-6F175D3DCCD1}">
-              <a14:hiddenFill xmlns:a14="http://schemas.microsoft.com/office/drawing/2010/main">
+              <a14:hiddenFill xmlns:a14="http://schemas.microsoft.com/office/drawing/2010/main" xmlns="">
                 <a:solidFill>
                   <a:schemeClr val="accent1"/>
                 </a:solidFill>
               </a14:hiddenFill>
             </a:ext>
             <a:ext uri="{91240B29-F687-4F45-9708-019B960494DF}">
-              <a14:hiddenLine xmlns:a14="http://schemas.microsoft.com/office/drawing/2010/main" w="9525">
+              <a14:hiddenLine xmlns:a14="http://schemas.microsoft.com/office/drawing/2010/main" xmlns="" w="9525">
                 <a:solidFill>
                   <a:schemeClr val="tx1"/>
                 </a:solidFill>
@@ -6150,10 +6054,10 @@
           <p:nvPr/>
         </p:nvPicPr>
         <p:blipFill>
-          <a:blip r:embed="rId12">
+          <a:blip r:embed="rId11" cstate="print">
             <a:extLst>
               <a:ext uri="{28A0092B-C50C-407E-A947-70E740481C1C}">
-                <a14:useLocalDpi xmlns:a14="http://schemas.microsoft.com/office/drawing/2010/main" val="0"/>
+                <a14:useLocalDpi xmlns:a14="http://schemas.microsoft.com/office/drawing/2010/main" xmlns="" val="0"/>
               </a:ext>
             </a:extLst>
           </a:blip>
@@ -6176,14 +6080,14 @@
           </a:ln>
           <a:extLst>
             <a:ext uri="{909E8E84-426E-40DD-AFC4-6F175D3DCCD1}">
-              <a14:hiddenFill xmlns:a14="http://schemas.microsoft.com/office/drawing/2010/main">
+              <a14:hiddenFill xmlns:a14="http://schemas.microsoft.com/office/drawing/2010/main" xmlns="">
                 <a:solidFill>
                   <a:schemeClr val="accent1"/>
                 </a:solidFill>
               </a14:hiddenFill>
             </a:ext>
             <a:ext uri="{91240B29-F687-4F45-9708-019B960494DF}">
-              <a14:hiddenLine xmlns:a14="http://schemas.microsoft.com/office/drawing/2010/main" w="9525">
+              <a14:hiddenLine xmlns:a14="http://schemas.microsoft.com/office/drawing/2010/main" xmlns="" w="9525">
                 <a:solidFill>
                   <a:schemeClr val="tx1"/>
                 </a:solidFill>
@@ -6204,10 +6108,10 @@
           <p:nvPr/>
         </p:nvPicPr>
         <p:blipFill>
-          <a:blip r:embed="rId13">
+          <a:blip r:embed="rId12" cstate="print">
             <a:extLst>
               <a:ext uri="{28A0092B-C50C-407E-A947-70E740481C1C}">
-                <a14:useLocalDpi xmlns:a14="http://schemas.microsoft.com/office/drawing/2010/main" val="0"/>
+                <a14:useLocalDpi xmlns:a14="http://schemas.microsoft.com/office/drawing/2010/main" xmlns="" val="0"/>
               </a:ext>
             </a:extLst>
           </a:blip>
@@ -6230,14 +6134,14 @@
           </a:ln>
           <a:extLst>
             <a:ext uri="{909E8E84-426E-40DD-AFC4-6F175D3DCCD1}">
-              <a14:hiddenFill xmlns:a14="http://schemas.microsoft.com/office/drawing/2010/main">
+              <a14:hiddenFill xmlns:a14="http://schemas.microsoft.com/office/drawing/2010/main" xmlns="">
                 <a:solidFill>
                   <a:schemeClr val="accent1"/>
                 </a:solidFill>
               </a14:hiddenFill>
             </a:ext>
             <a:ext uri="{91240B29-F687-4F45-9708-019B960494DF}">
-              <a14:hiddenLine xmlns:a14="http://schemas.microsoft.com/office/drawing/2010/main" w="9525">
+              <a14:hiddenLine xmlns:a14="http://schemas.microsoft.com/office/drawing/2010/main" xmlns="" w="9525">
                 <a:solidFill>
                   <a:schemeClr val="tx1"/>
                 </a:solidFill>
@@ -6258,10 +6162,10 @@
           <p:nvPr/>
         </p:nvPicPr>
         <p:blipFill>
-          <a:blip r:embed="rId14">
+          <a:blip r:embed="rId13" cstate="print">
             <a:extLst>
               <a:ext uri="{28A0092B-C50C-407E-A947-70E740481C1C}">
-                <a14:useLocalDpi xmlns:a14="http://schemas.microsoft.com/office/drawing/2010/main" val="0"/>
+                <a14:useLocalDpi xmlns:a14="http://schemas.microsoft.com/office/drawing/2010/main" xmlns="" val="0"/>
               </a:ext>
             </a:extLst>
           </a:blip>
@@ -6284,14 +6188,14 @@
           </a:ln>
           <a:extLst>
             <a:ext uri="{909E8E84-426E-40DD-AFC4-6F175D3DCCD1}">
-              <a14:hiddenFill xmlns:a14="http://schemas.microsoft.com/office/drawing/2010/main">
+              <a14:hiddenFill xmlns:a14="http://schemas.microsoft.com/office/drawing/2010/main" xmlns="">
                 <a:solidFill>
                   <a:schemeClr val="accent1"/>
                 </a:solidFill>
               </a14:hiddenFill>
             </a:ext>
             <a:ext uri="{91240B29-F687-4F45-9708-019B960494DF}">
-              <a14:hiddenLine xmlns:a14="http://schemas.microsoft.com/office/drawing/2010/main" w="9525">
+              <a14:hiddenLine xmlns:a14="http://schemas.microsoft.com/office/drawing/2010/main" xmlns="" w="9525">
                 <a:solidFill>
                   <a:schemeClr val="tx1"/>
                 </a:solidFill>
@@ -6305,20 +6209,14 @@
       </p:pic>
       <p:pic>
         <p:nvPicPr>
-          <p:cNvPr id="2" name="Picture 2" descr="C:\Users\Heryandi\Desktop\images.png"/>
+          <p:cNvPr id="6" name="Picture 2"/>
           <p:cNvPicPr>
             <a:picLocks noChangeAspect="1" noChangeArrowheads="1"/>
           </p:cNvPicPr>
           <p:nvPr/>
         </p:nvPicPr>
         <p:blipFill>
-          <a:blip r:embed="rId15">
-            <a:extLst>
-              <a:ext uri="{28A0092B-C50C-407E-A947-70E740481C1C}">
-                <a14:useLocalDpi xmlns:a14="http://schemas.microsoft.com/office/drawing/2010/main" val="0"/>
-              </a:ext>
-            </a:extLst>
-          </a:blip>
+          <a:blip r:embed="rId14" cstate="print"/>
           <a:srcRect/>
           <a:stretch>
             <a:fillRect/>
@@ -6326,40 +6224,31 @@
         </p:blipFill>
         <p:spPr bwMode="auto">
           <a:xfrm>
-            <a:off x="28625006" y="9398794"/>
-            <a:ext cx="746753" cy="829726"/>
+            <a:off x="10413206" y="4236244"/>
+            <a:ext cx="10458450" cy="5162550"/>
           </a:xfrm>
           <a:prstGeom prst="rect">
             <a:avLst/>
           </a:prstGeom>
           <a:noFill/>
-          <a:extLst>
-            <a:ext uri="{909E8E84-426E-40DD-AFC4-6F175D3DCCD1}">
-              <a14:hiddenFill xmlns:a14="http://schemas.microsoft.com/office/drawing/2010/main">
-                <a:solidFill>
-                  <a:srgbClr val="FFFFFF"/>
-                </a:solidFill>
-              </a14:hiddenFill>
-            </a:ext>
-          </a:extLst>
+          <a:ln w="9525">
+            <a:noFill/>
+            <a:miter lim="800000"/>
+            <a:headEnd/>
+            <a:tailEnd/>
+          </a:ln>
         </p:spPr>
       </p:pic>
       <p:pic>
         <p:nvPicPr>
-          <p:cNvPr id="31" name="Picture 2" descr="C:\Users\Heryandi\Desktop\images.png"/>
+          <p:cNvPr id="7" name="Picture 3"/>
           <p:cNvPicPr>
             <a:picLocks noChangeAspect="1" noChangeArrowheads="1"/>
           </p:cNvPicPr>
           <p:nvPr/>
         </p:nvPicPr>
         <p:blipFill>
-          <a:blip r:embed="rId15">
-            <a:extLst>
-              <a:ext uri="{28A0092B-C50C-407E-A947-70E740481C1C}">
-                <a14:useLocalDpi xmlns:a14="http://schemas.microsoft.com/office/drawing/2010/main" val="0"/>
-              </a:ext>
-            </a:extLst>
-          </a:blip>
+          <a:blip r:embed="rId15" cstate="print"/>
           <a:srcRect/>
           <a:stretch>
             <a:fillRect/>
@@ -6367,130 +6256,19 @@
         </p:blipFill>
         <p:spPr bwMode="auto">
           <a:xfrm>
-            <a:off x="28718502" y="10538887"/>
-            <a:ext cx="746753" cy="829726"/>
+            <a:off x="10260806" y="12522994"/>
+            <a:ext cx="10838688" cy="3733800"/>
           </a:xfrm>
           <a:prstGeom prst="rect">
             <a:avLst/>
           </a:prstGeom>
           <a:noFill/>
-          <a:extLst>
-            <a:ext uri="{909E8E84-426E-40DD-AFC4-6F175D3DCCD1}">
-              <a14:hiddenFill xmlns:a14="http://schemas.microsoft.com/office/drawing/2010/main">
-                <a:solidFill>
-                  <a:srgbClr val="FFFFFF"/>
-                </a:solidFill>
-              </a14:hiddenFill>
-            </a:ext>
-          </a:extLst>
-        </p:spPr>
-      </p:pic>
-      <p:pic>
-        <p:nvPicPr>
-          <p:cNvPr id="32" name="Picture 2" descr="C:\Users\Heryandi\Desktop\images.png"/>
-          <p:cNvPicPr>
-            <a:picLocks noChangeAspect="1" noChangeArrowheads="1"/>
-          </p:cNvPicPr>
-          <p:nvPr/>
-        </p:nvPicPr>
-        <p:blipFill>
-          <a:blip r:embed="rId15">
-            <a:extLst>
-              <a:ext uri="{28A0092B-C50C-407E-A947-70E740481C1C}">
-                <a14:useLocalDpi xmlns:a14="http://schemas.microsoft.com/office/drawing/2010/main" val="0"/>
-              </a:ext>
-            </a:extLst>
-          </a:blip>
-          <a:srcRect/>
-          <a:stretch>
-            <a:fillRect/>
-          </a:stretch>
-        </p:blipFill>
-        <p:spPr bwMode="auto">
-          <a:xfrm>
-            <a:off x="21493160" y="12046219"/>
-            <a:ext cx="746753" cy="829726"/>
-          </a:xfrm>
-          <a:prstGeom prst="rect">
-            <a:avLst/>
-          </a:prstGeom>
-          <a:noFill/>
-          <a:extLst>
-            <a:ext uri="{909E8E84-426E-40DD-AFC4-6F175D3DCCD1}">
-              <a14:hiddenFill xmlns:a14="http://schemas.microsoft.com/office/drawing/2010/main">
-                <a:solidFill>
-                  <a:srgbClr val="FFFFFF"/>
-                </a:solidFill>
-              </a14:hiddenFill>
-            </a:ext>
-          </a:extLst>
-        </p:spPr>
-      </p:pic>
-      <p:pic>
-        <p:nvPicPr>
-          <p:cNvPr id="34" name="Picture 2" descr="C:\Users\Heryandi\Desktop\images.png"/>
-          <p:cNvPicPr>
-            <a:picLocks noChangeAspect="1" noChangeArrowheads="1"/>
-          </p:cNvPicPr>
-          <p:nvPr/>
-        </p:nvPicPr>
-        <p:blipFill>
-          <a:blip r:embed="rId15">
-            <a:extLst>
-              <a:ext uri="{28A0092B-C50C-407E-A947-70E740481C1C}">
-                <a14:useLocalDpi xmlns:a14="http://schemas.microsoft.com/office/drawing/2010/main" val="0"/>
-              </a:ext>
-            </a:extLst>
-          </a:blip>
-          <a:srcRect/>
-          <a:stretch>
-            <a:fillRect/>
-          </a:stretch>
-        </p:blipFill>
-        <p:spPr bwMode="auto">
-          <a:xfrm>
-            <a:off x="21763351" y="13622606"/>
-            <a:ext cx="746753" cy="829726"/>
-          </a:xfrm>
-          <a:prstGeom prst="rect">
-            <a:avLst/>
-          </a:prstGeom>
-          <a:noFill/>
-          <a:extLst>
-            <a:ext uri="{909E8E84-426E-40DD-AFC4-6F175D3DCCD1}">
-              <a14:hiddenFill xmlns:a14="http://schemas.microsoft.com/office/drawing/2010/main">
-                <a:solidFill>
-                  <a:srgbClr val="FFFFFF"/>
-                </a:solidFill>
-              </a14:hiddenFill>
-            </a:ext>
-          </a:extLst>
-        </p:spPr>
-      </p:pic>
-      <p:pic>
-        <p:nvPicPr>
-          <p:cNvPr id="1026" name="Picture 2" descr="D:\NUS Course\System Security\Final Assignment\poster\5340_xtaie-image1.png"/>
-          <p:cNvPicPr>
-            <a:picLocks noChangeAspect="1" noChangeArrowheads="1"/>
-          </p:cNvPicPr>
-          <p:nvPr/>
-        </p:nvPicPr>
-        <p:blipFill>
-          <a:blip r:embed="rId16" cstate="print"/>
-          <a:srcRect/>
-          <a:stretch>
-            <a:fillRect/>
-          </a:stretch>
-        </p:blipFill>
-        <p:spPr bwMode="auto">
-          <a:xfrm>
-            <a:off x="354806" y="4979194"/>
-            <a:ext cx="6110796" cy="4495800"/>
-          </a:xfrm>
-          <a:prstGeom prst="rect">
-            <a:avLst/>
-          </a:prstGeom>
-          <a:noFill/>
+          <a:ln w="9525">
+            <a:noFill/>
+            <a:miter lim="800000"/>
+            <a:headEnd/>
+            <a:tailEnd/>
+          </a:ln>
         </p:spPr>
       </p:pic>
     </p:spTree>

--- a/Final Project_Group 3.pptx
+++ b/Final Project_Group 3.pptx
@@ -446,7 +446,7 @@
     </p:spTree>
     <p:extLst>
       <p:ext uri="{BB962C8B-B14F-4D97-AF65-F5344CB8AC3E}">
-        <p14:creationId xmlns:p14="http://schemas.microsoft.com/office/powerpoint/2010/main" xmlns="" val="2966012031"/>
+        <p14:creationId xmlns:p14="http://schemas.microsoft.com/office/powerpoint/2010/main" val="2966012031"/>
       </p:ext>
     </p:extLst>
   </p:cSld>
@@ -3920,7 +3920,7 @@
                 <a:latin typeface="Arial" charset="0"/>
                 <a:ea typeface="宋体" pitchFamily="2" charset="-122"/>
               </a:rPr>
-              <a:t>: Ease to maintain</a:t>
+              <a:t>: Easy to maintain</a:t>
             </a:r>
           </a:p>
           <a:p>
@@ -4412,82 +4412,99 @@
             </a:endParaRPr>
           </a:p>
           <a:p>
-            <a:pPr marL="230635" indent="-230635" algn="just" defTabSz="538147">
+            <a:pPr algn="just" defTabSz="538147">
               <a:spcBef>
                 <a:spcPct val="50000"/>
               </a:spcBef>
             </a:pPr>
-            <a:r>
-              <a:rPr lang="en-US" altLang="zh-CN" sz="4400" b="1" baseline="0" dirty="0">
-                <a:solidFill>
-                  <a:srgbClr val="FFC000"/>
-                </a:solidFill>
-                <a:latin typeface="Arial" charset="0"/>
-                <a:ea typeface="宋体" pitchFamily="2" charset="-122"/>
-              </a:rPr>
-              <a:t> </a:t>
-            </a:r>
-            <a:r>
-              <a:rPr lang="en-US" altLang="zh-CN" sz="2000" b="1" baseline="0" dirty="0">
-                <a:solidFill>
-                  <a:srgbClr val="FFC000"/>
-                </a:solidFill>
-                <a:latin typeface="Arial" charset="0"/>
-                <a:ea typeface="宋体" pitchFamily="2" charset="-122"/>
-              </a:rPr>
-              <a:t>The payload is in the client browser resulting in modifying DOM ENV.</a:t>
-            </a:r>
-          </a:p>
-          <a:p>
-            <a:pPr marL="230635" indent="-230635" algn="just" defTabSz="538147">
-              <a:spcBef>
-                <a:spcPct val="50000"/>
-              </a:spcBef>
-            </a:pPr>
-            <a:r>
-              <a:rPr lang="en-US" altLang="zh-CN" sz="2000" b="1" baseline="0" dirty="0">
-                <a:solidFill>
-                  <a:srgbClr val="FFC000"/>
-                </a:solidFill>
-                <a:latin typeface="Arial" charset="0"/>
-                <a:ea typeface="宋体" pitchFamily="2" charset="-122"/>
-              </a:rPr>
-              <a:t>  Attack entirely within the browser in contrast to others depending on</a:t>
-            </a:r>
-          </a:p>
-          <a:p>
-            <a:pPr marL="230635" indent="-230635" algn="just" defTabSz="538147">
-              <a:spcBef>
-                <a:spcPct val="50000"/>
-              </a:spcBef>
-            </a:pPr>
-            <a:r>
-              <a:rPr lang="en-US" altLang="zh-CN" sz="2000" b="1" baseline="0" dirty="0">
-                <a:solidFill>
-                  <a:srgbClr val="FFC000"/>
-                </a:solidFill>
-                <a:latin typeface="Arial" charset="0"/>
-                <a:ea typeface="宋体" pitchFamily="2" charset="-122"/>
-              </a:rPr>
-              <a:t>  server response</a:t>
-            </a:r>
-            <a:r>
-              <a:rPr lang="en-US" altLang="zh-CN" sz="2000" b="1" baseline="0" dirty="0" smtClean="0">
-                <a:solidFill>
-                  <a:srgbClr val="FFC000"/>
-                </a:solidFill>
-                <a:latin typeface="Arial" charset="0"/>
-                <a:ea typeface="宋体" pitchFamily="2" charset="-122"/>
-              </a:rPr>
-              <a:t>.</a:t>
-            </a:r>
-            <a:endParaRPr lang="en-AU" altLang="zh-CN" sz="2000" b="1" baseline="0" dirty="0">
+            <a:endParaRPr lang="en-US" altLang="zh-CN" sz="3000" b="1" baseline="0" dirty="0" smtClean="0">
               <a:solidFill>
                 <a:srgbClr val="FFC000"/>
               </a:solidFill>
               <a:latin typeface="Arial" charset="0"/>
               <a:ea typeface="宋体" pitchFamily="2" charset="-122"/>
             </a:endParaRPr>
+          </a:p>
+          <a:p>
+            <a:pPr algn="just" defTabSz="538147">
+              <a:spcBef>
+                <a:spcPct val="50000"/>
+              </a:spcBef>
+            </a:pPr>
+            <a:r>
+              <a:rPr lang="en-AU" altLang="zh-CN" sz="3000" b="1" baseline="0" dirty="0" smtClean="0">
+                <a:solidFill>
+                  <a:srgbClr val="006699"/>
+                </a:solidFill>
+                <a:latin typeface="Arial" charset="0"/>
+                <a:ea typeface="宋体" pitchFamily="2" charset="-122"/>
+              </a:rPr>
+              <a:t>Attack is executed </a:t>
+            </a:r>
+            <a:r>
+              <a:rPr lang="en-US" altLang="zh-CN" sz="3000" b="1" baseline="0" dirty="0" smtClean="0">
+                <a:solidFill>
+                  <a:srgbClr val="FFC000"/>
+                </a:solidFill>
+                <a:latin typeface="Arial" charset="0"/>
+                <a:ea typeface="宋体" pitchFamily="2" charset="-122"/>
+              </a:rPr>
+              <a:t>entirely </a:t>
+            </a:r>
+            <a:r>
+              <a:rPr lang="en-US" altLang="zh-CN" sz="3000" b="1" baseline="0" dirty="0">
+                <a:solidFill>
+                  <a:srgbClr val="FFC000"/>
+                </a:solidFill>
+                <a:latin typeface="Arial" charset="0"/>
+                <a:ea typeface="宋体" pitchFamily="2" charset="-122"/>
+              </a:rPr>
+              <a:t>within the browser!</a:t>
+            </a:r>
+            <a:endParaRPr lang="en-AU" altLang="zh-CN" sz="3000" b="1" baseline="0" dirty="0">
+              <a:solidFill>
+                <a:srgbClr val="FFC000"/>
+              </a:solidFill>
+              <a:latin typeface="Arial" charset="0"/>
+              <a:ea typeface="宋体" pitchFamily="2" charset="-122"/>
+            </a:endParaRPr>
+          </a:p>
+          <a:p>
+            <a:pPr marL="230635" indent="-230635" algn="just" defTabSz="538147">
+              <a:spcBef>
+                <a:spcPct val="50000"/>
+              </a:spcBef>
+            </a:pPr>
+            <a:r>
+              <a:rPr lang="en-AU" altLang="zh-CN" sz="3000" b="1" baseline="0" dirty="0" smtClean="0">
+                <a:solidFill>
+                  <a:srgbClr val="006699"/>
+                </a:solidFill>
+                <a:latin typeface="Arial" charset="0"/>
+                <a:ea typeface="宋体" pitchFamily="2" charset="-122"/>
+              </a:rPr>
+              <a:t>                           Page makes use of </a:t>
+            </a:r>
+            <a:r>
+              <a:rPr lang="en-AU" altLang="zh-CN" sz="3000" b="1" baseline="0" dirty="0" smtClean="0">
+                <a:solidFill>
+                  <a:srgbClr val="FFC000"/>
+                </a:solidFill>
+                <a:latin typeface="Arial" charset="0"/>
+                <a:ea typeface="宋体" pitchFamily="2" charset="-122"/>
+              </a:rPr>
+              <a:t> </a:t>
+            </a:r>
+            <a:r>
+              <a:rPr lang="en-AU" altLang="zh-CN" sz="3000" b="1" baseline="0" dirty="0">
+                <a:solidFill>
+                  <a:srgbClr val="FFC000"/>
+                </a:solidFill>
+                <a:latin typeface="Arial" charset="0"/>
+                <a:ea typeface="宋体" pitchFamily="2" charset="-122"/>
+              </a:rPr>
+              <a:t>unsafe input!</a:t>
+            </a:r>
           </a:p>
         </p:txBody>
       </p:sp>
@@ -4869,20 +4886,6 @@
                 <a:latin typeface="Arial" charset="0"/>
                 <a:ea typeface="宋体" pitchFamily="2" charset="-122"/>
               </a:rPr>
-              <a:t>version</a:t>
-            </a:r>
-            <a:r>
-              <a:rPr lang="en-SG" sz="2400" dirty="0" smtClean="0"/>
-              <a:t> </a:t>
-            </a:r>
-            <a:r>
-              <a:rPr lang="en-SG" altLang="zh-CN" sz="2400" b="1" baseline="0" dirty="0" smtClean="0">
-                <a:solidFill>
-                  <a:srgbClr val="006699"/>
-                </a:solidFill>
-                <a:latin typeface="Arial" charset="0"/>
-                <a:ea typeface="宋体" pitchFamily="2" charset="-122"/>
-              </a:rPr>
               <a:t>26.0.1410.43 m </a:t>
             </a:r>
             <a:r>
@@ -4904,16 +4907,13 @@
               <a:buFont typeface="Wingdings" pitchFamily="2" charset="2"/>
               <a:buChar char="§"/>
             </a:pPr>
-            <a:r>
-              <a:rPr lang="en-SG" altLang="zh-CN" sz="2400" b="1" baseline="0" dirty="0">
-                <a:solidFill>
-                  <a:srgbClr val="006699"/>
-                </a:solidFill>
-                <a:latin typeface="Arial" charset="0"/>
-                <a:ea typeface="宋体" pitchFamily="2" charset="-122"/>
-              </a:rPr>
-              <a:t>JavaScript</a:t>
-            </a:r>
+            <a:endParaRPr lang="en-SG" altLang="zh-CN" sz="2400" b="1" baseline="0" dirty="0" smtClean="0">
+              <a:solidFill>
+                <a:srgbClr val="006699"/>
+              </a:solidFill>
+              <a:latin typeface="Arial" charset="0"/>
+              <a:ea typeface="宋体" pitchFamily="2" charset="-122"/>
+            </a:endParaRPr>
           </a:p>
           <a:p>
             <a:pPr marL="276548" indent="-276548" algn="l" defTabSz="600077">
@@ -4924,6 +4924,42 @@
               <a:buChar char="§"/>
             </a:pPr>
             <a:r>
+              <a:rPr lang="en-SG" altLang="zh-CN" sz="2400" b="1" baseline="0" dirty="0" smtClean="0">
+                <a:solidFill>
+                  <a:srgbClr val="006699"/>
+                </a:solidFill>
+                <a:latin typeface="Arial" charset="0"/>
+                <a:ea typeface="宋体" pitchFamily="2" charset="-122"/>
+              </a:rPr>
+              <a:t>JavaScript</a:t>
+            </a:r>
+            <a:endParaRPr lang="en-US" altLang="zh-CN" sz="2400" b="1" baseline="0" dirty="0" smtClean="0">
+              <a:solidFill>
+                <a:srgbClr val="006699"/>
+              </a:solidFill>
+              <a:latin typeface="Arial" charset="0"/>
+              <a:ea typeface="宋体" pitchFamily="2" charset="-122"/>
+            </a:endParaRPr>
+          </a:p>
+          <a:p>
+            <a:pPr marL="276548" indent="-276548" algn="l" defTabSz="600077">
+              <a:spcBef>
+                <a:spcPct val="50000"/>
+              </a:spcBef>
+              <a:buFont typeface="Wingdings" pitchFamily="2" charset="2"/>
+              <a:buChar char="§"/>
+            </a:pPr>
+            <a:r>
+              <a:rPr lang="en-US" altLang="zh-CN" sz="2400" b="1" baseline="0" dirty="0" smtClean="0">
+                <a:solidFill>
+                  <a:srgbClr val="006699"/>
+                </a:solidFill>
+                <a:latin typeface="Arial" charset="0"/>
+                <a:ea typeface="宋体" pitchFamily="2" charset="-122"/>
+              </a:rPr>
+              <a:t>Chrome </a:t>
+            </a:r>
+            <a:r>
               <a:rPr lang="en-US" altLang="zh-CN" sz="2400" b="1" baseline="0" dirty="0">
                 <a:solidFill>
                   <a:srgbClr val="006699"/>
@@ -4931,7 +4967,7 @@
                 <a:latin typeface="Arial" charset="0"/>
                 <a:ea typeface="宋体" pitchFamily="2" charset="-122"/>
               </a:rPr>
-              <a:t>Chrome Extension API</a:t>
+              <a:t>Extension API</a:t>
             </a:r>
             <a:endParaRPr lang="en-GB" altLang="zh-CN" sz="2400" b="1" baseline="0" dirty="0">
               <a:solidFill>
@@ -5044,7 +5080,7 @@
       </p:pic>
       <p:pic>
         <p:nvPicPr>
-          <p:cNvPr id="1026" name="Picture 2" descr="D:\NUS Course\System Security\Final Assignment\poster\5340_xtaie-image1.png"/>
+          <p:cNvPr id="3" name="Picture 3" descr="D:\NUS Course\System Security\Final Assignment\poster\5265_xtaie-image2.png"/>
           <p:cNvPicPr>
             <a:picLocks noChangeAspect="1" noChangeArrowheads="1"/>
           </p:cNvPicPr>
@@ -5059,33 +5095,7 @@
         </p:blipFill>
         <p:spPr bwMode="auto">
           <a:xfrm>
-            <a:off x="354806" y="4598194"/>
-            <a:ext cx="5282213" cy="3886200"/>
-          </a:xfrm>
-          <a:prstGeom prst="rect">
-            <a:avLst/>
-          </a:prstGeom>
-          <a:noFill/>
-        </p:spPr>
-      </p:pic>
-      <p:pic>
-        <p:nvPicPr>
-          <p:cNvPr id="3" name="Picture 3" descr="D:\NUS Course\System Security\Final Assignment\poster\5265_xtaie-image2.png"/>
-          <p:cNvPicPr>
-            <a:picLocks noChangeAspect="1" noChangeArrowheads="1"/>
-          </p:cNvPicPr>
-          <p:nvPr/>
-        </p:nvPicPr>
-        <p:blipFill>
-          <a:blip r:embed="rId5" cstate="print"/>
-          <a:srcRect/>
-          <a:stretch>
-            <a:fillRect/>
-          </a:stretch>
-        </p:blipFill>
-        <p:spPr bwMode="auto">
-          <a:xfrm>
-            <a:off x="5507831" y="5055394"/>
+            <a:off x="5507831" y="4293394"/>
             <a:ext cx="4379812" cy="3124200"/>
           </a:xfrm>
           <a:prstGeom prst="rect">
@@ -5103,7 +5113,7 @@
           <p:nvPr/>
         </p:nvPicPr>
         <p:blipFill>
-          <a:blip r:embed="rId6" cstate="print"/>
+          <a:blip r:embed="rId5" cstate="print"/>
           <a:srcRect/>
           <a:stretch>
             <a:fillRect/>
@@ -5129,7 +5139,7 @@
           <p:nvPr/>
         </p:nvPicPr>
         <p:blipFill>
-          <a:blip r:embed="rId7" cstate="print"/>
+          <a:blip r:embed="rId6" cstate="print"/>
           <a:srcRect/>
           <a:stretch>
             <a:fillRect/>
@@ -5161,10 +5171,10 @@
           <p:nvPr/>
         </p:nvPicPr>
         <p:blipFill>
-          <a:blip r:embed="rId8" cstate="print">
+          <a:blip r:embed="rId7">
             <a:extLst>
               <a:ext uri="{28A0092B-C50C-407E-A947-70E740481C1C}">
-                <a14:useLocalDpi xmlns:a14="http://schemas.microsoft.com/office/drawing/2010/main" xmlns="" val="0"/>
+                <a14:useLocalDpi xmlns:a14="http://schemas.microsoft.com/office/drawing/2010/main" val="0"/>
               </a:ext>
             </a:extLst>
           </a:blip>
@@ -5187,14 +5197,14 @@
           </a:ln>
           <a:extLst>
             <a:ext uri="{909E8E84-426E-40DD-AFC4-6F175D3DCCD1}">
-              <a14:hiddenFill xmlns:a14="http://schemas.microsoft.com/office/drawing/2010/main" xmlns="">
+              <a14:hiddenFill xmlns:a14="http://schemas.microsoft.com/office/drawing/2010/main">
                 <a:solidFill>
                   <a:schemeClr val="accent1"/>
                 </a:solidFill>
               </a14:hiddenFill>
             </a:ext>
             <a:ext uri="{91240B29-F687-4F45-9708-019B960494DF}">
-              <a14:hiddenLine xmlns:a14="http://schemas.microsoft.com/office/drawing/2010/main" xmlns="" w="9525">
+              <a14:hiddenLine xmlns:a14="http://schemas.microsoft.com/office/drawing/2010/main" w="9525">
                 <a:solidFill>
                   <a:schemeClr val="tx1"/>
                 </a:solidFill>
@@ -5394,7 +5404,7 @@
                 <a:latin typeface="Arial" charset="0"/>
                 <a:ea typeface="宋体" pitchFamily="2" charset="-122"/>
               </a:rPr>
-              <a:t>Protect access to unsafe inputs: encode the return value.</a:t>
+              <a:t>Protection: encode return value</a:t>
             </a:r>
           </a:p>
           <a:p>
@@ -5405,6 +5415,187 @@
               <a:buFontTx/>
               <a:buChar char="-"/>
             </a:pPr>
+            <a:endParaRPr lang="en-GB" altLang="zh-CN" sz="2400" b="1" baseline="0" dirty="0">
+              <a:solidFill>
+                <a:srgbClr val="006699"/>
+              </a:solidFill>
+              <a:latin typeface="Arial" charset="0"/>
+              <a:ea typeface="宋体" pitchFamily="2" charset="-122"/>
+            </a:endParaRPr>
+          </a:p>
+          <a:p>
+            <a:pPr marL="342900" indent="-342900" algn="l" defTabSz="600077">
+              <a:spcBef>
+                <a:spcPct val="50000"/>
+              </a:spcBef>
+              <a:buFontTx/>
+              <a:buChar char="-"/>
+            </a:pPr>
+            <a:endParaRPr lang="en-GB" altLang="zh-CN" sz="2400" b="1" baseline="0" dirty="0" smtClean="0">
+              <a:solidFill>
+                <a:srgbClr val="006699"/>
+              </a:solidFill>
+              <a:latin typeface="Arial" charset="0"/>
+              <a:ea typeface="宋体" pitchFamily="2" charset="-122"/>
+            </a:endParaRPr>
+          </a:p>
+          <a:p>
+            <a:pPr marL="342900" indent="-342900" algn="l" defTabSz="600077">
+              <a:spcBef>
+                <a:spcPct val="50000"/>
+              </a:spcBef>
+              <a:buFontTx/>
+              <a:buChar char="-"/>
+            </a:pPr>
+            <a:endParaRPr lang="en-GB" altLang="zh-CN" sz="2400" b="1" baseline="0" dirty="0">
+              <a:solidFill>
+                <a:srgbClr val="006699"/>
+              </a:solidFill>
+              <a:latin typeface="Arial" charset="0"/>
+              <a:ea typeface="宋体" pitchFamily="2" charset="-122"/>
+            </a:endParaRPr>
+          </a:p>
+          <a:p>
+            <a:pPr marL="342900" indent="-342900" algn="l" defTabSz="600077">
+              <a:spcBef>
+                <a:spcPct val="50000"/>
+              </a:spcBef>
+              <a:buFontTx/>
+              <a:buChar char="-"/>
+            </a:pPr>
+            <a:endParaRPr lang="en-GB" altLang="zh-CN" sz="2400" b="1" baseline="0" dirty="0" smtClean="0">
+              <a:solidFill>
+                <a:srgbClr val="006699"/>
+              </a:solidFill>
+              <a:latin typeface="Arial" charset="0"/>
+              <a:ea typeface="宋体" pitchFamily="2" charset="-122"/>
+            </a:endParaRPr>
+          </a:p>
+          <a:p>
+            <a:pPr marL="342900" indent="-342900" algn="l" defTabSz="600077">
+              <a:spcBef>
+                <a:spcPct val="50000"/>
+              </a:spcBef>
+              <a:buFontTx/>
+              <a:buChar char="-"/>
+            </a:pPr>
+            <a:endParaRPr lang="en-GB" altLang="zh-CN" sz="2400" b="1" baseline="0" dirty="0">
+              <a:solidFill>
+                <a:srgbClr val="006699"/>
+              </a:solidFill>
+              <a:latin typeface="Arial" charset="0"/>
+              <a:ea typeface="宋体" pitchFamily="2" charset="-122"/>
+            </a:endParaRPr>
+          </a:p>
+          <a:p>
+            <a:pPr marL="342900" indent="-342900" algn="l" defTabSz="600077">
+              <a:spcBef>
+                <a:spcPct val="50000"/>
+              </a:spcBef>
+              <a:buFontTx/>
+              <a:buChar char="-"/>
+            </a:pPr>
+            <a:endParaRPr lang="en-GB" altLang="zh-CN" sz="2400" b="1" baseline="0" dirty="0" smtClean="0">
+              <a:solidFill>
+                <a:srgbClr val="006699"/>
+              </a:solidFill>
+              <a:latin typeface="Arial" charset="0"/>
+              <a:ea typeface="宋体" pitchFamily="2" charset="-122"/>
+            </a:endParaRPr>
+          </a:p>
+          <a:p>
+            <a:pPr marL="342900" indent="-342900" algn="l" defTabSz="600077">
+              <a:spcBef>
+                <a:spcPct val="50000"/>
+              </a:spcBef>
+              <a:buFontTx/>
+              <a:buChar char="-"/>
+            </a:pPr>
+            <a:endParaRPr lang="en-GB" altLang="zh-CN" sz="2400" b="1" baseline="0" dirty="0">
+              <a:solidFill>
+                <a:srgbClr val="006699"/>
+              </a:solidFill>
+              <a:latin typeface="Arial" charset="0"/>
+              <a:ea typeface="宋体" pitchFamily="2" charset="-122"/>
+            </a:endParaRPr>
+          </a:p>
+          <a:p>
+            <a:pPr marL="650413" lvl="1" indent="-342900" algn="l" defTabSz="600077">
+              <a:spcBef>
+                <a:spcPct val="50000"/>
+              </a:spcBef>
+              <a:buFontTx/>
+              <a:buChar char="-"/>
+            </a:pPr>
+            <a:r>
+              <a:rPr lang="en-GB" altLang="zh-CN" sz="2400" b="1" baseline="0" dirty="0" smtClean="0">
+                <a:solidFill>
+                  <a:srgbClr val="006699"/>
+                </a:solidFill>
+                <a:latin typeface="Arial" charset="0"/>
+                <a:ea typeface="宋体" pitchFamily="2" charset="-122"/>
+              </a:rPr>
+              <a:t>Chrome Content Script</a:t>
+            </a:r>
+          </a:p>
+          <a:p>
+            <a:pPr marL="957925" lvl="2" indent="-342900" algn="l" defTabSz="600077">
+              <a:spcBef>
+                <a:spcPct val="50000"/>
+              </a:spcBef>
+              <a:buFontTx/>
+              <a:buChar char="-"/>
+            </a:pPr>
+            <a:r>
+              <a:rPr lang="en-GB" altLang="zh-CN" sz="2000" b="1" baseline="0" dirty="0" smtClean="0">
+                <a:solidFill>
+                  <a:srgbClr val="006699"/>
+                </a:solidFill>
+                <a:latin typeface="Arial" charset="0"/>
+                <a:ea typeface="宋体" pitchFamily="2" charset="-122"/>
+              </a:rPr>
+              <a:t>Before complete DOM tree is constructed, inject small amount of JavaScript to…</a:t>
+            </a:r>
+          </a:p>
+          <a:p>
+            <a:pPr marL="1265438" lvl="3" indent="-342900" algn="l" defTabSz="600077">
+              <a:spcBef>
+                <a:spcPct val="50000"/>
+              </a:spcBef>
+              <a:buFontTx/>
+              <a:buChar char="-"/>
+            </a:pPr>
+            <a:r>
+              <a:rPr lang="en-SG" altLang="zh-CN" sz="2000" b="1" baseline="0" dirty="0" smtClean="0">
+                <a:solidFill>
+                  <a:srgbClr val="006699"/>
+                </a:solidFill>
+                <a:latin typeface="Arial" charset="0"/>
+                <a:ea typeface="宋体" pitchFamily="2" charset="-122"/>
+              </a:rPr>
+              <a:t>Override </a:t>
+            </a:r>
+            <a:r>
+              <a:rPr lang="en-SG" altLang="zh-CN" sz="2000" b="1" baseline="0" dirty="0" smtClean="0">
+                <a:solidFill>
+                  <a:srgbClr val="006699"/>
+                </a:solidFill>
+                <a:latin typeface="Courier New" pitchFamily="49" charset="0"/>
+                <a:ea typeface="宋体" pitchFamily="2" charset="-122"/>
+                <a:cs typeface="Courier New" pitchFamily="49" charset="0"/>
+              </a:rPr>
+              <a:t>document.URL</a:t>
+            </a:r>
+            <a:r>
+              <a:rPr lang="en-SG" altLang="zh-CN" sz="2000" b="1" baseline="0" dirty="0" smtClean="0">
+                <a:solidFill>
+                  <a:srgbClr val="006699"/>
+                </a:solidFill>
+                <a:latin typeface="Arial" charset="0"/>
+                <a:ea typeface="宋体" pitchFamily="2" charset="-122"/>
+              </a:rPr>
+              <a:t> getter</a:t>
+            </a:r>
             <a:endParaRPr lang="en-GB" altLang="zh-CN" sz="2000" b="1" baseline="0" dirty="0">
               <a:solidFill>
                 <a:srgbClr val="006699"/>
@@ -5414,170 +5605,6 @@
             </a:endParaRPr>
           </a:p>
           <a:p>
-            <a:pPr marL="342900" indent="-342900" algn="l" defTabSz="600077">
-              <a:spcBef>
-                <a:spcPct val="50000"/>
-              </a:spcBef>
-              <a:buFontTx/>
-              <a:buChar char="-"/>
-            </a:pPr>
-            <a:endParaRPr lang="en-GB" altLang="zh-CN" sz="2000" b="1" baseline="0" dirty="0" smtClean="0">
-              <a:solidFill>
-                <a:srgbClr val="006699"/>
-              </a:solidFill>
-              <a:latin typeface="Arial" charset="0"/>
-              <a:ea typeface="宋体" pitchFamily="2" charset="-122"/>
-            </a:endParaRPr>
-          </a:p>
-          <a:p>
-            <a:pPr marL="342900" indent="-342900" algn="l" defTabSz="600077">
-              <a:spcBef>
-                <a:spcPct val="50000"/>
-              </a:spcBef>
-              <a:buFontTx/>
-              <a:buChar char="-"/>
-            </a:pPr>
-            <a:endParaRPr lang="en-GB" altLang="zh-CN" sz="2000" b="1" baseline="0" dirty="0">
-              <a:solidFill>
-                <a:srgbClr val="006699"/>
-              </a:solidFill>
-              <a:latin typeface="Arial" charset="0"/>
-              <a:ea typeface="宋体" pitchFamily="2" charset="-122"/>
-            </a:endParaRPr>
-          </a:p>
-          <a:p>
-            <a:pPr marL="342900" indent="-342900" algn="l" defTabSz="600077">
-              <a:spcBef>
-                <a:spcPct val="50000"/>
-              </a:spcBef>
-              <a:buFontTx/>
-              <a:buChar char="-"/>
-            </a:pPr>
-            <a:endParaRPr lang="en-GB" altLang="zh-CN" sz="2000" b="1" baseline="0" dirty="0" smtClean="0">
-              <a:solidFill>
-                <a:srgbClr val="006699"/>
-              </a:solidFill>
-              <a:latin typeface="Arial" charset="0"/>
-              <a:ea typeface="宋体" pitchFamily="2" charset="-122"/>
-            </a:endParaRPr>
-          </a:p>
-          <a:p>
-            <a:pPr marL="342900" indent="-342900" algn="l" defTabSz="600077">
-              <a:spcBef>
-                <a:spcPct val="50000"/>
-              </a:spcBef>
-              <a:buFontTx/>
-              <a:buChar char="-"/>
-            </a:pPr>
-            <a:endParaRPr lang="en-GB" altLang="zh-CN" sz="2000" b="1" baseline="0" dirty="0" smtClean="0">
-              <a:solidFill>
-                <a:srgbClr val="006699"/>
-              </a:solidFill>
-              <a:latin typeface="Arial" charset="0"/>
-              <a:ea typeface="宋体" pitchFamily="2" charset="-122"/>
-            </a:endParaRPr>
-          </a:p>
-          <a:p>
-            <a:pPr marL="342900" indent="-342900" algn="l" defTabSz="600077">
-              <a:spcBef>
-                <a:spcPct val="50000"/>
-              </a:spcBef>
-              <a:buFontTx/>
-              <a:buChar char="-"/>
-            </a:pPr>
-            <a:endParaRPr lang="en-GB" altLang="zh-CN" sz="2000" b="1" baseline="0" dirty="0" smtClean="0">
-              <a:solidFill>
-                <a:srgbClr val="006699"/>
-              </a:solidFill>
-              <a:latin typeface="Arial" charset="0"/>
-              <a:ea typeface="宋体" pitchFamily="2" charset="-122"/>
-            </a:endParaRPr>
-          </a:p>
-          <a:p>
-            <a:pPr marL="342900" indent="-342900" algn="l" defTabSz="600077">
-              <a:spcBef>
-                <a:spcPct val="50000"/>
-              </a:spcBef>
-              <a:buFontTx/>
-              <a:buChar char="-"/>
-            </a:pPr>
-            <a:endParaRPr lang="en-GB" altLang="zh-CN" sz="2000" b="1" baseline="0" dirty="0" smtClean="0">
-              <a:solidFill>
-                <a:srgbClr val="006699"/>
-              </a:solidFill>
-              <a:latin typeface="Arial" charset="0"/>
-              <a:ea typeface="宋体" pitchFamily="2" charset="-122"/>
-            </a:endParaRPr>
-          </a:p>
-          <a:p>
-            <a:pPr marL="342900" indent="-342900" algn="l" defTabSz="600077">
-              <a:spcBef>
-                <a:spcPct val="50000"/>
-              </a:spcBef>
-              <a:buFontTx/>
-              <a:buChar char="-"/>
-            </a:pPr>
-            <a:endParaRPr lang="en-GB" altLang="zh-CN" sz="2000" b="1" baseline="0" dirty="0" smtClean="0">
-              <a:solidFill>
-                <a:srgbClr val="006699"/>
-              </a:solidFill>
-              <a:latin typeface="Arial" charset="0"/>
-              <a:ea typeface="宋体" pitchFamily="2" charset="-122"/>
-            </a:endParaRPr>
-          </a:p>
-          <a:p>
-            <a:pPr marL="650413" lvl="1" indent="-342900" algn="l" defTabSz="600077">
-              <a:spcBef>
-                <a:spcPct val="50000"/>
-              </a:spcBef>
-            </a:pPr>
-            <a:endParaRPr lang="en-GB" altLang="zh-CN" sz="2000" b="1" baseline="0" dirty="0" smtClean="0">
-              <a:solidFill>
-                <a:srgbClr val="006699"/>
-              </a:solidFill>
-              <a:latin typeface="Arial" charset="0"/>
-              <a:ea typeface="宋体" pitchFamily="2" charset="-122"/>
-            </a:endParaRPr>
-          </a:p>
-          <a:p>
-            <a:pPr marL="650413" lvl="1" indent="-342900" algn="l" defTabSz="600077">
-              <a:spcBef>
-                <a:spcPct val="50000"/>
-              </a:spcBef>
-              <a:buFontTx/>
-              <a:buChar char="-"/>
-            </a:pPr>
-            <a:r>
-              <a:rPr lang="en-GB" altLang="zh-CN" sz="2000" b="1" baseline="0" dirty="0" smtClean="0">
-                <a:solidFill>
-                  <a:srgbClr val="006699"/>
-                </a:solidFill>
-                <a:latin typeface="Arial" charset="0"/>
-                <a:ea typeface="宋体" pitchFamily="2" charset="-122"/>
-              </a:rPr>
-              <a:t>Chrome Content Script</a:t>
-            </a:r>
-          </a:p>
-          <a:p>
-            <a:pPr marL="957925" lvl="2" indent="-342900" algn="l" defTabSz="600077">
-              <a:spcBef>
-                <a:spcPct val="50000"/>
-              </a:spcBef>
-              <a:buFontTx/>
-              <a:buChar char="-"/>
-            </a:pPr>
-            <a:r>
-              <a:rPr lang="en-GB" altLang="zh-CN" sz="2000" b="1" baseline="0" dirty="0" smtClean="0">
-                <a:solidFill>
-                  <a:srgbClr val="006699"/>
-                </a:solidFill>
-                <a:latin typeface="Arial" charset="0"/>
-                <a:ea typeface="宋体" pitchFamily="2" charset="-122"/>
-              </a:rPr>
-              <a:t>Before DOM objects are constructed, inject small amount of JavaScript to…</a:t>
-            </a:r>
-          </a:p>
-          <a:p>
             <a:pPr marL="1265438" lvl="3" indent="-342900" algn="l" defTabSz="600077">
               <a:spcBef>
                 <a:spcPct val="50000"/>
@@ -5604,7 +5631,7 @@
                 <a:ea typeface="宋体" pitchFamily="2" charset="-122"/>
                 <a:cs typeface="Courier New" pitchFamily="49" charset="0"/>
               </a:rPr>
-              <a:t>document.URL</a:t>
+              <a:t>document.URLUnencoded</a:t>
             </a:r>
             <a:r>
               <a:rPr lang="en-SG" altLang="zh-CN" sz="2000" b="1" baseline="0" dirty="0" smtClean="0">
@@ -5616,13 +5643,6 @@
               </a:rPr>
               <a:t> getter</a:t>
             </a:r>
-            <a:endParaRPr lang="en-GB" altLang="zh-CN" sz="2000" b="1" baseline="0" dirty="0">
-              <a:solidFill>
-                <a:srgbClr val="006699"/>
-              </a:solidFill>
-              <a:latin typeface="Arial" charset="0"/>
-              <a:ea typeface="宋体" pitchFamily="2" charset="-122"/>
-            </a:endParaRPr>
           </a:p>
           <a:p>
             <a:pPr marL="1265438" lvl="3" indent="-342900" algn="l" defTabSz="600077">
@@ -5640,46 +5660,6 @@
                 <a:latin typeface="Arial" charset="0"/>
                 <a:ea typeface="宋体" pitchFamily="2" charset="-122"/>
               </a:rPr>
-              <a:t>Override </a:t>
-            </a:r>
-            <a:r>
-              <a:rPr lang="en-SG" altLang="zh-CN" sz="2000" b="1" baseline="0" dirty="0" smtClean="0">
-                <a:solidFill>
-                  <a:srgbClr val="006699"/>
-                </a:solidFill>
-                <a:latin typeface="Courier New" pitchFamily="49" charset="0"/>
-                <a:ea typeface="宋体" pitchFamily="2" charset="-122"/>
-                <a:cs typeface="Courier New" pitchFamily="49" charset="0"/>
-              </a:rPr>
-              <a:t>document.URLUnencoded</a:t>
-            </a:r>
-            <a:r>
-              <a:rPr lang="en-SG" altLang="zh-CN" sz="2000" b="1" baseline="0" dirty="0" smtClean="0">
-                <a:solidFill>
-                  <a:srgbClr val="006699"/>
-                </a:solidFill>
-                <a:latin typeface="Arial" charset="0"/>
-                <a:ea typeface="宋体" pitchFamily="2" charset="-122"/>
-              </a:rPr>
-              <a:t> getter</a:t>
-            </a:r>
-          </a:p>
-          <a:p>
-            <a:pPr marL="1265438" lvl="3" indent="-342900" algn="l" defTabSz="600077">
-              <a:spcBef>
-                <a:spcPct val="50000"/>
-              </a:spcBef>
-              <a:buFontTx/>
-              <a:buChar char="-"/>
-            </a:pPr>
-            <a:r>
-              <a:rPr lang="en-SG" altLang="zh-CN" sz="2000" b="1" baseline="0" dirty="0" smtClean="0">
-                <a:solidFill>
-                  <a:srgbClr val="006699"/>
-                </a:solidFill>
-                <a:latin typeface="Arial" charset="0"/>
-                <a:ea typeface="宋体" pitchFamily="2" charset="-122"/>
-              </a:rPr>
               <a:t>Protect </a:t>
             </a:r>
             <a:r>
@@ -5713,7 +5693,7 @@
               <a:buChar char="-"/>
             </a:pPr>
             <a:r>
-              <a:rPr lang="en-SG" altLang="zh-CN" sz="2000" b="1" baseline="0" dirty="0" smtClean="0">
+              <a:rPr lang="en-SG" altLang="zh-CN" sz="2000" b="1" baseline="0" dirty="0" err="1" smtClean="0">
                 <a:solidFill>
                   <a:srgbClr val="006699"/>
                 </a:solidFill>
@@ -5946,10 +5926,10 @@
           <p:nvPr/>
         </p:nvPicPr>
         <p:blipFill>
-          <a:blip r:embed="rId9" cstate="print">
+          <a:blip r:embed="rId8">
             <a:extLst>
               <a:ext uri="{28A0092B-C50C-407E-A947-70E740481C1C}">
-                <a14:useLocalDpi xmlns:a14="http://schemas.microsoft.com/office/drawing/2010/main" xmlns="" val="0"/>
+                <a14:useLocalDpi xmlns:a14="http://schemas.microsoft.com/office/drawing/2010/main" val="0"/>
               </a:ext>
             </a:extLst>
           </a:blip>
@@ -5972,14 +5952,14 @@
           </a:ln>
           <a:extLst>
             <a:ext uri="{909E8E84-426E-40DD-AFC4-6F175D3DCCD1}">
-              <a14:hiddenFill xmlns:a14="http://schemas.microsoft.com/office/drawing/2010/main" xmlns="">
+              <a14:hiddenFill xmlns:a14="http://schemas.microsoft.com/office/drawing/2010/main">
                 <a:solidFill>
                   <a:schemeClr val="accent1"/>
                 </a:solidFill>
               </a14:hiddenFill>
             </a:ext>
             <a:ext uri="{91240B29-F687-4F45-9708-019B960494DF}">
-              <a14:hiddenLine xmlns:a14="http://schemas.microsoft.com/office/drawing/2010/main" xmlns="" w="9525">
+              <a14:hiddenLine xmlns:a14="http://schemas.microsoft.com/office/drawing/2010/main" w="9525">
                 <a:solidFill>
                   <a:schemeClr val="tx1"/>
                 </a:solidFill>
@@ -6000,10 +5980,10 @@
           <p:nvPr/>
         </p:nvPicPr>
         <p:blipFill>
-          <a:blip r:embed="rId10" cstate="print">
+          <a:blip r:embed="rId9">
             <a:extLst>
               <a:ext uri="{28A0092B-C50C-407E-A947-70E740481C1C}">
-                <a14:useLocalDpi xmlns:a14="http://schemas.microsoft.com/office/drawing/2010/main" xmlns="" val="0"/>
+                <a14:useLocalDpi xmlns:a14="http://schemas.microsoft.com/office/drawing/2010/main" val="0"/>
               </a:ext>
             </a:extLst>
           </a:blip>
@@ -6026,14 +6006,14 @@
           </a:ln>
           <a:extLst>
             <a:ext uri="{909E8E84-426E-40DD-AFC4-6F175D3DCCD1}">
-              <a14:hiddenFill xmlns:a14="http://schemas.microsoft.com/office/drawing/2010/main" xmlns="">
+              <a14:hiddenFill xmlns:a14="http://schemas.microsoft.com/office/drawing/2010/main">
                 <a:solidFill>
                   <a:schemeClr val="accent1"/>
                 </a:solidFill>
               </a14:hiddenFill>
             </a:ext>
             <a:ext uri="{91240B29-F687-4F45-9708-019B960494DF}">
-              <a14:hiddenLine xmlns:a14="http://schemas.microsoft.com/office/drawing/2010/main" xmlns="" w="9525">
+              <a14:hiddenLine xmlns:a14="http://schemas.microsoft.com/office/drawing/2010/main" w="9525">
                 <a:solidFill>
                   <a:schemeClr val="tx1"/>
                 </a:solidFill>
@@ -6054,10 +6034,10 @@
           <p:nvPr/>
         </p:nvPicPr>
         <p:blipFill>
-          <a:blip r:embed="rId11" cstate="print">
+          <a:blip r:embed="rId10">
             <a:extLst>
               <a:ext uri="{28A0092B-C50C-407E-A947-70E740481C1C}">
-                <a14:useLocalDpi xmlns:a14="http://schemas.microsoft.com/office/drawing/2010/main" xmlns="" val="0"/>
+                <a14:useLocalDpi xmlns:a14="http://schemas.microsoft.com/office/drawing/2010/main" val="0"/>
               </a:ext>
             </a:extLst>
           </a:blip>
@@ -6080,14 +6060,14 @@
           </a:ln>
           <a:extLst>
             <a:ext uri="{909E8E84-426E-40DD-AFC4-6F175D3DCCD1}">
-              <a14:hiddenFill xmlns:a14="http://schemas.microsoft.com/office/drawing/2010/main" xmlns="">
+              <a14:hiddenFill xmlns:a14="http://schemas.microsoft.com/office/drawing/2010/main">
                 <a:solidFill>
                   <a:schemeClr val="accent1"/>
                 </a:solidFill>
               </a14:hiddenFill>
             </a:ext>
             <a:ext uri="{91240B29-F687-4F45-9708-019B960494DF}">
-              <a14:hiddenLine xmlns:a14="http://schemas.microsoft.com/office/drawing/2010/main" xmlns="" w="9525">
+              <a14:hiddenLine xmlns:a14="http://schemas.microsoft.com/office/drawing/2010/main" w="9525">
                 <a:solidFill>
                   <a:schemeClr val="tx1"/>
                 </a:solidFill>
@@ -6108,10 +6088,10 @@
           <p:nvPr/>
         </p:nvPicPr>
         <p:blipFill>
-          <a:blip r:embed="rId12" cstate="print">
+          <a:blip r:embed="rId11">
             <a:extLst>
               <a:ext uri="{28A0092B-C50C-407E-A947-70E740481C1C}">
-                <a14:useLocalDpi xmlns:a14="http://schemas.microsoft.com/office/drawing/2010/main" xmlns="" val="0"/>
+                <a14:useLocalDpi xmlns:a14="http://schemas.microsoft.com/office/drawing/2010/main" val="0"/>
               </a:ext>
             </a:extLst>
           </a:blip>
@@ -6134,14 +6114,14 @@
           </a:ln>
           <a:extLst>
             <a:ext uri="{909E8E84-426E-40DD-AFC4-6F175D3DCCD1}">
-              <a14:hiddenFill xmlns:a14="http://schemas.microsoft.com/office/drawing/2010/main" xmlns="">
+              <a14:hiddenFill xmlns:a14="http://schemas.microsoft.com/office/drawing/2010/main">
                 <a:solidFill>
                   <a:schemeClr val="accent1"/>
                 </a:solidFill>
               </a14:hiddenFill>
             </a:ext>
             <a:ext uri="{91240B29-F687-4F45-9708-019B960494DF}">
-              <a14:hiddenLine xmlns:a14="http://schemas.microsoft.com/office/drawing/2010/main" xmlns="" w="9525">
+              <a14:hiddenLine xmlns:a14="http://schemas.microsoft.com/office/drawing/2010/main" w="9525">
                 <a:solidFill>
                   <a:schemeClr val="tx1"/>
                 </a:solidFill>
@@ -6162,10 +6142,10 @@
           <p:nvPr/>
         </p:nvPicPr>
         <p:blipFill>
-          <a:blip r:embed="rId13" cstate="print">
+          <a:blip r:embed="rId12">
             <a:extLst>
               <a:ext uri="{28A0092B-C50C-407E-A947-70E740481C1C}">
-                <a14:useLocalDpi xmlns:a14="http://schemas.microsoft.com/office/drawing/2010/main" xmlns="" val="0"/>
+                <a14:useLocalDpi xmlns:a14="http://schemas.microsoft.com/office/drawing/2010/main" val="0"/>
               </a:ext>
             </a:extLst>
           </a:blip>
@@ -6188,14 +6168,14 @@
           </a:ln>
           <a:extLst>
             <a:ext uri="{909E8E84-426E-40DD-AFC4-6F175D3DCCD1}">
-              <a14:hiddenFill xmlns:a14="http://schemas.microsoft.com/office/drawing/2010/main" xmlns="">
+              <a14:hiddenFill xmlns:a14="http://schemas.microsoft.com/office/drawing/2010/main">
                 <a:solidFill>
                   <a:schemeClr val="accent1"/>
                 </a:solidFill>
               </a14:hiddenFill>
             </a:ext>
             <a:ext uri="{91240B29-F687-4F45-9708-019B960494DF}">
-              <a14:hiddenLine xmlns:a14="http://schemas.microsoft.com/office/drawing/2010/main" xmlns="" w="9525">
+              <a14:hiddenLine xmlns:a14="http://schemas.microsoft.com/office/drawing/2010/main" w="9525">
                 <a:solidFill>
                   <a:schemeClr val="tx1"/>
                 </a:solidFill>
@@ -6209,7 +6189,171 @@
       </p:pic>
       <p:pic>
         <p:nvPicPr>
-          <p:cNvPr id="6" name="Picture 2"/>
+          <p:cNvPr id="2" name="Picture 2" descr="C:\Users\Heryandi\Desktop\images.png"/>
+          <p:cNvPicPr>
+            <a:picLocks noChangeAspect="1" noChangeArrowheads="1"/>
+          </p:cNvPicPr>
+          <p:nvPr/>
+        </p:nvPicPr>
+        <p:blipFill>
+          <a:blip r:embed="rId13">
+            <a:extLst>
+              <a:ext uri="{28A0092B-C50C-407E-A947-70E740481C1C}">
+                <a14:useLocalDpi xmlns:a14="http://schemas.microsoft.com/office/drawing/2010/main" val="0"/>
+              </a:ext>
+            </a:extLst>
+          </a:blip>
+          <a:srcRect/>
+          <a:stretch>
+            <a:fillRect/>
+          </a:stretch>
+        </p:blipFill>
+        <p:spPr bwMode="auto">
+          <a:xfrm>
+            <a:off x="28625006" y="9398794"/>
+            <a:ext cx="746753" cy="829726"/>
+          </a:xfrm>
+          <a:prstGeom prst="rect">
+            <a:avLst/>
+          </a:prstGeom>
+          <a:noFill/>
+          <a:extLst>
+            <a:ext uri="{909E8E84-426E-40DD-AFC4-6F175D3DCCD1}">
+              <a14:hiddenFill xmlns:a14="http://schemas.microsoft.com/office/drawing/2010/main">
+                <a:solidFill>
+                  <a:srgbClr val="FFFFFF"/>
+                </a:solidFill>
+              </a14:hiddenFill>
+            </a:ext>
+          </a:extLst>
+        </p:spPr>
+      </p:pic>
+      <p:pic>
+        <p:nvPicPr>
+          <p:cNvPr id="31" name="Picture 2" descr="C:\Users\Heryandi\Desktop\images.png"/>
+          <p:cNvPicPr>
+            <a:picLocks noChangeAspect="1" noChangeArrowheads="1"/>
+          </p:cNvPicPr>
+          <p:nvPr/>
+        </p:nvPicPr>
+        <p:blipFill>
+          <a:blip r:embed="rId13">
+            <a:extLst>
+              <a:ext uri="{28A0092B-C50C-407E-A947-70E740481C1C}">
+                <a14:useLocalDpi xmlns:a14="http://schemas.microsoft.com/office/drawing/2010/main" val="0"/>
+              </a:ext>
+            </a:extLst>
+          </a:blip>
+          <a:srcRect/>
+          <a:stretch>
+            <a:fillRect/>
+          </a:stretch>
+        </p:blipFill>
+        <p:spPr bwMode="auto">
+          <a:xfrm>
+            <a:off x="28718502" y="10538887"/>
+            <a:ext cx="746753" cy="829726"/>
+          </a:xfrm>
+          <a:prstGeom prst="rect">
+            <a:avLst/>
+          </a:prstGeom>
+          <a:noFill/>
+          <a:extLst>
+            <a:ext uri="{909E8E84-426E-40DD-AFC4-6F175D3DCCD1}">
+              <a14:hiddenFill xmlns:a14="http://schemas.microsoft.com/office/drawing/2010/main">
+                <a:solidFill>
+                  <a:srgbClr val="FFFFFF"/>
+                </a:solidFill>
+              </a14:hiddenFill>
+            </a:ext>
+          </a:extLst>
+        </p:spPr>
+      </p:pic>
+      <p:pic>
+        <p:nvPicPr>
+          <p:cNvPr id="32" name="Picture 2" descr="C:\Users\Heryandi\Desktop\images.png"/>
+          <p:cNvPicPr>
+            <a:picLocks noChangeAspect="1" noChangeArrowheads="1"/>
+          </p:cNvPicPr>
+          <p:nvPr/>
+        </p:nvPicPr>
+        <p:blipFill>
+          <a:blip r:embed="rId13">
+            <a:extLst>
+              <a:ext uri="{28A0092B-C50C-407E-A947-70E740481C1C}">
+                <a14:useLocalDpi xmlns:a14="http://schemas.microsoft.com/office/drawing/2010/main" val="0"/>
+              </a:ext>
+            </a:extLst>
+          </a:blip>
+          <a:srcRect/>
+          <a:stretch>
+            <a:fillRect/>
+          </a:stretch>
+        </p:blipFill>
+        <p:spPr bwMode="auto">
+          <a:xfrm>
+            <a:off x="21493160" y="12046219"/>
+            <a:ext cx="746753" cy="829726"/>
+          </a:xfrm>
+          <a:prstGeom prst="rect">
+            <a:avLst/>
+          </a:prstGeom>
+          <a:noFill/>
+          <a:extLst>
+            <a:ext uri="{909E8E84-426E-40DD-AFC4-6F175D3DCCD1}">
+              <a14:hiddenFill xmlns:a14="http://schemas.microsoft.com/office/drawing/2010/main">
+                <a:solidFill>
+                  <a:srgbClr val="FFFFFF"/>
+                </a:solidFill>
+              </a14:hiddenFill>
+            </a:ext>
+          </a:extLst>
+        </p:spPr>
+      </p:pic>
+      <p:pic>
+        <p:nvPicPr>
+          <p:cNvPr id="34" name="Picture 2" descr="C:\Users\Heryandi\Desktop\images.png"/>
+          <p:cNvPicPr>
+            <a:picLocks noChangeAspect="1" noChangeArrowheads="1"/>
+          </p:cNvPicPr>
+          <p:nvPr/>
+        </p:nvPicPr>
+        <p:blipFill>
+          <a:blip r:embed="rId13">
+            <a:extLst>
+              <a:ext uri="{28A0092B-C50C-407E-A947-70E740481C1C}">
+                <a14:useLocalDpi xmlns:a14="http://schemas.microsoft.com/office/drawing/2010/main" val="0"/>
+              </a:ext>
+            </a:extLst>
+          </a:blip>
+          <a:srcRect/>
+          <a:stretch>
+            <a:fillRect/>
+          </a:stretch>
+        </p:blipFill>
+        <p:spPr bwMode="auto">
+          <a:xfrm>
+            <a:off x="21763351" y="13622606"/>
+            <a:ext cx="746753" cy="829726"/>
+          </a:xfrm>
+          <a:prstGeom prst="rect">
+            <a:avLst/>
+          </a:prstGeom>
+          <a:noFill/>
+          <a:extLst>
+            <a:ext uri="{909E8E84-426E-40DD-AFC4-6F175D3DCCD1}">
+              <a14:hiddenFill xmlns:a14="http://schemas.microsoft.com/office/drawing/2010/main">
+                <a:solidFill>
+                  <a:srgbClr val="FFFFFF"/>
+                </a:solidFill>
+              </a14:hiddenFill>
+            </a:ext>
+          </a:extLst>
+        </p:spPr>
+      </p:pic>
+      <p:pic>
+        <p:nvPicPr>
+          <p:cNvPr id="1026" name="Picture 2" descr="D:\NUS Course\System Security\Final Assignment\poster\5340_xtaie-image1.png"/>
           <p:cNvPicPr>
             <a:picLocks noChangeAspect="1" noChangeArrowheads="1"/>
           </p:cNvPicPr>
@@ -6217,6 +6361,32 @@
         </p:nvPicPr>
         <p:blipFill>
           <a:blip r:embed="rId14" cstate="print"/>
+          <a:srcRect/>
+          <a:stretch>
+            <a:fillRect/>
+          </a:stretch>
+        </p:blipFill>
+        <p:spPr bwMode="auto">
+          <a:xfrm>
+            <a:off x="354806" y="4979194"/>
+            <a:ext cx="6110796" cy="4495800"/>
+          </a:xfrm>
+          <a:prstGeom prst="rect">
+            <a:avLst/>
+          </a:prstGeom>
+          <a:noFill/>
+        </p:spPr>
+      </p:pic>
+      <p:pic>
+        <p:nvPicPr>
+          <p:cNvPr id="35" name="Picture 2"/>
+          <p:cNvPicPr>
+            <a:picLocks noChangeAspect="1" noChangeArrowheads="1"/>
+          </p:cNvPicPr>
+          <p:nvPr/>
+        </p:nvPicPr>
+        <p:blipFill>
+          <a:blip r:embed="rId15" cstate="print"/>
           <a:srcRect/>
           <a:stretch>
             <a:fillRect/>
@@ -6241,14 +6411,14 @@
       </p:pic>
       <p:pic>
         <p:nvPicPr>
-          <p:cNvPr id="7" name="Picture 3"/>
+          <p:cNvPr id="36" name="Picture 3"/>
           <p:cNvPicPr>
             <a:picLocks noChangeAspect="1" noChangeArrowheads="1"/>
           </p:cNvPicPr>
           <p:nvPr/>
         </p:nvPicPr>
         <p:blipFill>
-          <a:blip r:embed="rId15" cstate="print"/>
+          <a:blip r:embed="rId16" cstate="print"/>
           <a:srcRect/>
           <a:stretch>
             <a:fillRect/>
